--- a/Slides/M2 Mobile UI.pptx
+++ b/Slides/M2 Mobile UI.pptx
@@ -239,7 +239,7 @@
           <a:p>
             <a:fld id="{312E7B4A-039C-48A2-9B2C-AF16AA3873D8}" type="datetimeFigureOut">
               <a:rPr lang="en-US" smtClean="0"/>
-              <a:t>9/29/2014</a:t>
+              <a:t>10/13/2014</a:t>
             </a:fld>
             <a:endParaRPr lang="en-US"/>
           </a:p>
@@ -404,7 +404,7 @@
           <a:p>
             <a:fld id="{DA005A0C-54D9-45AA-87D4-C551D08DFCE1}" type="datetimeFigureOut">
               <a:rPr lang="en-US" smtClean="0"/>
-              <a:t>9/29/2014</a:t>
+              <a:t>10/13/2014</a:t>
             </a:fld>
             <a:endParaRPr lang="en-US"/>
           </a:p>
@@ -6808,33 +6808,13 @@
           <a:p>
             <a:r>
               <a:rPr lang="en-US" dirty="0" smtClean="0"/>
-              <a:t>Jeremy Foster </a:t>
-            </a:r>
-            <a:r>
-              <a:rPr lang="en-US" dirty="0"/>
-              <a:t>| </a:t>
-            </a:r>
+              <a:t>Christopher Harrison</a:t>
+            </a:r>
+          </a:p>
+          <a:p>
             <a:r>
               <a:rPr lang="en-US" dirty="0" smtClean="0"/>
-              <a:t>Developer Evangelist</a:t>
-            </a:r>
-          </a:p>
-          <a:p>
-            <a:r>
-              <a:rPr lang="en-US" dirty="0" smtClean="0"/>
-              <a:t>Rachel Appel </a:t>
-            </a:r>
-            <a:r>
-              <a:rPr lang="en-US" dirty="0"/>
-              <a:t>| </a:t>
-            </a:r>
-            <a:r>
-              <a:rPr lang="en-US" dirty="0" smtClean="0">
-                <a:solidFill>
-                  <a:srgbClr val="FF0000"/>
-                </a:solidFill>
-              </a:rPr>
-              <a:t>{Title}</a:t>
+              <a:t>Jeremy Foster</a:t>
             </a:r>
             <a:endParaRPr lang="en-US" dirty="0">
               <a:solidFill>
@@ -6972,7 +6952,11 @@
           </p:cNvGraphicFramePr>
           <p:nvPr>
             <p:ph sz="quarter" idx="10"/>
-            <p:extLst/>
+            <p:extLst>
+              <p:ext uri="{D42A27DB-BD31-4B8C-83A1-F6EECF244321}">
+                <p14:modId xmlns:p14="http://schemas.microsoft.com/office/powerpoint/2010/main" val="521422569"/>
+              </p:ext>
+            </p:extLst>
           </p:nvPr>
         </p:nvGraphicFramePr>
         <p:xfrm>
@@ -7245,7 +7229,7 @@
                           <a:latin typeface="Segoe UI Light" panose="020B0502040204020203" pitchFamily="34" charset="0"/>
                           <a:cs typeface="Segoe UI Light" panose="020B0502040204020203" pitchFamily="34" charset="0"/>
                         </a:rPr>
-                        <a:t>04 | Setting up the</a:t>
+                        <a:t>04 | Setting Up the</a:t>
                       </a:r>
                       <a:r>
                         <a:rPr lang="en-US" sz="2400" baseline="0" dirty="0" smtClean="0">
@@ -7290,11 +7274,11 @@
   <p:clrMapOvr>
     <a:masterClrMapping/>
   </p:clrMapOvr>
-  <mc:AlternateContent xmlns:mc="http://schemas.openxmlformats.org/markup-compatibility/2006">
-    <mc:Choice xmlns:p14="http://schemas.microsoft.com/office/powerpoint/2010/main" Requires="p14">
+  <mc:AlternateContent xmlns:mc="http://schemas.openxmlformats.org/markup-compatibility/2006" xmlns:p14="http://schemas.microsoft.com/office/powerpoint/2010/main">
+    <mc:Choice Requires="p14">
       <p:transition spd="slow" p14:dur="2000"/>
     </mc:Choice>
-    <mc:Fallback>
+    <mc:Fallback xmlns="">
       <p:transition spd="slow"/>
     </mc:Fallback>
   </mc:AlternateContent>
@@ -7350,11 +7334,7 @@
             <a:pPr marL="914400" indent="-914400"/>
             <a:r>
               <a:rPr lang="en-US" dirty="0" smtClean="0"/>
-              <a:t>02 | </a:t>
-            </a:r>
-            <a:r>
-              <a:rPr lang="en-US" dirty="0" smtClean="0"/>
-              <a:t>Mobile UI</a:t>
+              <a:t>02 | Mobile UI</a:t>
             </a:r>
             <a:endParaRPr lang="en-US" dirty="0"/>
           </a:p>
@@ -7377,10 +7357,14 @@
           <a:p>
             <a:r>
               <a:rPr lang="en-US" dirty="0"/>
-              <a:t>Christopher Harrison | @</a:t>
-            </a:r>
-            <a:r>
-              <a:rPr lang="en-US" dirty="0" err="1"/>
+              <a:t>Christopher Harrison | </a:t>
+            </a:r>
+            <a:r>
+              <a:rPr lang="en-US" dirty="0" smtClean="0"/>
+              <a:t>@</a:t>
+            </a:r>
+            <a:r>
+              <a:rPr lang="en-US" smtClean="0"/>
               <a:t>GeekTrainer</a:t>
             </a:r>
             <a:endParaRPr lang="en-US" dirty="0"/>
@@ -7390,7 +7374,6 @@
               <a:rPr lang="en-US" dirty="0"/>
               <a:t>Jeremy Foster | @codefoster</a:t>
             </a:r>
-            <a:endParaRPr lang="en-US" dirty="0"/>
           </a:p>
         </p:txBody>
       </p:sp>
@@ -9000,6 +8983,12 @@
 </file>
 
 <file path=customXml/item1.xml><?xml version="1.0" encoding="utf-8"?>
+<p:properties xmlns:p="http://schemas.microsoft.com/office/2006/metadata/properties" xmlns:xsi="http://www.w3.org/2001/XMLSchema-instance" xmlns:pc="http://schemas.microsoft.com/office/infopath/2007/PartnerControls">
+  <documentManagement/>
+</p:properties>
+</file>
+
+<file path=customXml/item2.xml><?xml version="1.0" encoding="utf-8"?>
 <ct:contentTypeSchema xmlns:ct="http://schemas.microsoft.com/office/2006/metadata/contentType" xmlns:ma="http://schemas.microsoft.com/office/2006/metadata/properties/metaAttributes" ct:_="" ma:_="" ma:contentTypeName="Document" ma:contentTypeID="0x010100CF3CFFA86DA93345A891C3CCBC738F63" ma:contentTypeVersion="1" ma:contentTypeDescription="Create a new document." ma:contentTypeScope="" ma:versionID="060e45d69093970729cdde03e78aa3cc">
   <xsd:schema xmlns:xsd="http://www.w3.org/2001/XMLSchema" xmlns:xs="http://www.w3.org/2001/XMLSchema" xmlns:p="http://schemas.microsoft.com/office/2006/metadata/properties" xmlns:ns3="ecd1fa32-ae44-48d6-80a1-71a52da60b4a" targetNamespace="http://schemas.microsoft.com/office/2006/metadata/properties" ma:root="true" ma:fieldsID="2fc9741b54117334ed0e10932dac3600" ns3:_="">
     <xsd:import namespace="ecd1fa32-ae44-48d6-80a1-71a52da60b4a"/>
@@ -9139,7 +9128,7 @@
 </ct:contentTypeSchema>
 </file>
 
-<file path=customXml/item2.xml><?xml version="1.0" encoding="utf-8"?>
+<file path=customXml/item3.xml><?xml version="1.0" encoding="utf-8"?>
 <?mso-contentType ?>
 <FormTemplates xmlns="http://schemas.microsoft.com/sharepoint/v3/contenttype/forms">
   <Display>DocumentLibraryForm</Display>
@@ -9148,13 +9137,23 @@
 </FormTemplates>
 </file>
 
-<file path=customXml/item3.xml><?xml version="1.0" encoding="utf-8"?>
-<p:properties xmlns:p="http://schemas.microsoft.com/office/2006/metadata/properties" xmlns:xsi="http://www.w3.org/2001/XMLSchema-instance" xmlns:pc="http://schemas.microsoft.com/office/infopath/2007/PartnerControls">
-  <documentManagement/>
-</p:properties>
+<file path=customXml/itemProps1.xml><?xml version="1.0" encoding="utf-8"?>
+<ds:datastoreItem xmlns:ds="http://schemas.openxmlformats.org/officeDocument/2006/customXml" ds:itemID="{7025FDD9-4C58-4084-9F89-0E6ADD6FFF55}">
+  <ds:schemaRefs>
+    <ds:schemaRef ds:uri="http://purl.org/dc/elements/1.1/"/>
+    <ds:schemaRef ds:uri="http://schemas.microsoft.com/office/2006/metadata/properties"/>
+    <ds:schemaRef ds:uri="http://purl.org/dc/terms/"/>
+    <ds:schemaRef ds:uri="http://schemas.openxmlformats.org/package/2006/metadata/core-properties"/>
+    <ds:schemaRef ds:uri="http://schemas.microsoft.com/office/2006/documentManagement/types"/>
+    <ds:schemaRef ds:uri="http://schemas.microsoft.com/office/infopath/2007/PartnerControls"/>
+    <ds:schemaRef ds:uri="ecd1fa32-ae44-48d6-80a1-71a52da60b4a"/>
+    <ds:schemaRef ds:uri="http://www.w3.org/XML/1998/namespace"/>
+    <ds:schemaRef ds:uri="http://purl.org/dc/dcmitype/"/>
+  </ds:schemaRefs>
+</ds:datastoreItem>
 </file>
 
-<file path=customXml/itemProps1.xml><?xml version="1.0" encoding="utf-8"?>
+<file path=customXml/itemProps2.xml><?xml version="1.0" encoding="utf-8"?>
 <ds:datastoreItem xmlns:ds="http://schemas.openxmlformats.org/officeDocument/2006/customXml" ds:itemID="{A545FFDC-6555-4FAD-8A13-72F96FEB882E}">
   <ds:schemaRefs>
     <ds:schemaRef ds:uri="http://schemas.microsoft.com/office/2006/metadata/contentType"/>
@@ -9172,26 +9171,10 @@
 </ds:datastoreItem>
 </file>
 
-<file path=customXml/itemProps2.xml><?xml version="1.0" encoding="utf-8"?>
+<file path=customXml/itemProps3.xml><?xml version="1.0" encoding="utf-8"?>
 <ds:datastoreItem xmlns:ds="http://schemas.openxmlformats.org/officeDocument/2006/customXml" ds:itemID="{B0CA13EC-1D3C-4D6F-8D1C-E8A452CFC79A}">
   <ds:schemaRefs>
     <ds:schemaRef ds:uri="http://schemas.microsoft.com/sharepoint/v3/contenttype/forms"/>
   </ds:schemaRefs>
 </ds:datastoreItem>
-</file>
-
-<file path=customXml/itemProps3.xml><?xml version="1.0" encoding="utf-8"?>
-<ds:datastoreItem xmlns:ds="http://schemas.openxmlformats.org/officeDocument/2006/customXml" ds:itemID="{7025FDD9-4C58-4084-9F89-0E6ADD6FFF55}">
-  <ds:schemaRefs>
-    <ds:schemaRef ds:uri="http://purl.org/dc/elements/1.1/"/>
-    <ds:schemaRef ds:uri="http://schemas.microsoft.com/office/2006/metadata/properties"/>
-    <ds:schemaRef ds:uri="http://purl.org/dc/terms/"/>
-    <ds:schemaRef ds:uri="http://schemas.openxmlformats.org/package/2006/metadata/core-properties"/>
-    <ds:schemaRef ds:uri="http://schemas.microsoft.com/office/2006/documentManagement/types"/>
-    <ds:schemaRef ds:uri="http://schemas.microsoft.com/office/infopath/2007/PartnerControls"/>
-    <ds:schemaRef ds:uri="ecd1fa32-ae44-48d6-80a1-71a52da60b4a"/>
-    <ds:schemaRef ds:uri="http://www.w3.org/XML/1998/namespace"/>
-    <ds:schemaRef ds:uri="http://purl.org/dc/dcmitype/"/>
-  </ds:schemaRefs>
-</ds:datastoreItem>
 </file>
--- a/Slides/M2 Mobile UI.pptx
+++ b/Slides/M2 Mobile UI.pptx
@@ -6,10 +6,10 @@
     <p:sldMasterId id="2147483674" r:id="rId5"/>
   </p:sldMasterIdLst>
   <p:notesMasterIdLst>
-    <p:notesMasterId r:id="rId16"/>
+    <p:notesMasterId r:id="rId42"/>
   </p:notesMasterIdLst>
   <p:handoutMasterIdLst>
-    <p:handoutMasterId r:id="rId17"/>
+    <p:handoutMasterId r:id="rId43"/>
   </p:handoutMasterIdLst>
   <p:sldIdLst>
     <p:sldId id="271" r:id="rId6"/>
@@ -17,11 +17,37 @@
     <p:sldId id="283" r:id="rId8"/>
     <p:sldId id="288" r:id="rId9"/>
     <p:sldId id="414" r:id="rId10"/>
-    <p:sldId id="447" r:id="rId11"/>
-    <p:sldId id="416" r:id="rId12"/>
-    <p:sldId id="454" r:id="rId13"/>
-    <p:sldId id="458" r:id="rId14"/>
-    <p:sldId id="269" r:id="rId15"/>
+    <p:sldId id="460" r:id="rId11"/>
+    <p:sldId id="461" r:id="rId12"/>
+    <p:sldId id="462" r:id="rId13"/>
+    <p:sldId id="463" r:id="rId14"/>
+    <p:sldId id="465" r:id="rId15"/>
+    <p:sldId id="466" r:id="rId16"/>
+    <p:sldId id="467" r:id="rId17"/>
+    <p:sldId id="464" r:id="rId18"/>
+    <p:sldId id="447" r:id="rId19"/>
+    <p:sldId id="468" r:id="rId20"/>
+    <p:sldId id="469" r:id="rId21"/>
+    <p:sldId id="470" r:id="rId22"/>
+    <p:sldId id="471" r:id="rId23"/>
+    <p:sldId id="472" r:id="rId24"/>
+    <p:sldId id="416" r:id="rId25"/>
+    <p:sldId id="473" r:id="rId26"/>
+    <p:sldId id="474" r:id="rId27"/>
+    <p:sldId id="476" r:id="rId28"/>
+    <p:sldId id="477" r:id="rId29"/>
+    <p:sldId id="475" r:id="rId30"/>
+    <p:sldId id="478" r:id="rId31"/>
+    <p:sldId id="479" r:id="rId32"/>
+    <p:sldId id="480" r:id="rId33"/>
+    <p:sldId id="481" r:id="rId34"/>
+    <p:sldId id="482" r:id="rId35"/>
+    <p:sldId id="483" r:id="rId36"/>
+    <p:sldId id="484" r:id="rId37"/>
+    <p:sldId id="485" r:id="rId38"/>
+    <p:sldId id="486" r:id="rId39"/>
+    <p:sldId id="487" r:id="rId40"/>
+    <p:sldId id="269" r:id="rId41"/>
   </p:sldIdLst>
   <p:sldSz cx="12192000" cy="6858000"/>
   <p:notesSz cx="6858000" cy="9144000"/>
@@ -134,10 +160,36 @@
             <p14:sldId id="283"/>
             <p14:sldId id="288"/>
             <p14:sldId id="414"/>
+            <p14:sldId id="460"/>
+            <p14:sldId id="461"/>
+            <p14:sldId id="462"/>
+            <p14:sldId id="463"/>
+            <p14:sldId id="465"/>
+            <p14:sldId id="466"/>
+            <p14:sldId id="467"/>
+            <p14:sldId id="464"/>
             <p14:sldId id="447"/>
+            <p14:sldId id="468"/>
+            <p14:sldId id="469"/>
+            <p14:sldId id="470"/>
+            <p14:sldId id="471"/>
+            <p14:sldId id="472"/>
             <p14:sldId id="416"/>
-            <p14:sldId id="454"/>
-            <p14:sldId id="458"/>
+            <p14:sldId id="473"/>
+            <p14:sldId id="474"/>
+            <p14:sldId id="476"/>
+            <p14:sldId id="477"/>
+            <p14:sldId id="475"/>
+            <p14:sldId id="478"/>
+            <p14:sldId id="479"/>
+            <p14:sldId id="480"/>
+            <p14:sldId id="481"/>
+            <p14:sldId id="482"/>
+            <p14:sldId id="483"/>
+            <p14:sldId id="484"/>
+            <p14:sldId id="485"/>
+            <p14:sldId id="486"/>
+            <p14:sldId id="487"/>
           </p14:sldIdLst>
         </p14:section>
         <p14:section name="End" id="{E17367C9-8ACE-479F-BE70-706EA28440B9}">
@@ -995,53 +1047,6 @@
           </a:bodyPr>
           <a:lstStyle/>
           <a:p>
-            <a:r>
-              <a:rPr lang="en-GB" dirty="0" err="1" smtClean="0">
-                <a:solidFill>
-                  <a:schemeClr val="tx2"/>
-                </a:solidFill>
-                <a:latin typeface="Segoe" pitchFamily="34" charset="0"/>
-              </a:rPr>
-              <a:t>calc</a:t>
-            </a:r>
-            <a:r>
-              <a:rPr lang="en-GB" dirty="0" smtClean="0">
-                <a:solidFill>
-                  <a:schemeClr val="tx2"/>
-                </a:solidFill>
-                <a:latin typeface="Segoe" pitchFamily="34" charset="0"/>
-              </a:rPr>
-              <a:t>()</a:t>
-            </a:r>
-          </a:p>
-          <a:p>
-            <a:r>
-              <a:rPr lang="en-GB" dirty="0" err="1" smtClean="0">
-                <a:solidFill>
-                  <a:schemeClr val="tx2"/>
-                </a:solidFill>
-                <a:latin typeface="Segoe" pitchFamily="34" charset="0"/>
-              </a:rPr>
-              <a:t>vw</a:t>
-            </a:r>
-            <a:r>
-              <a:rPr lang="en-GB" dirty="0" smtClean="0">
-                <a:solidFill>
-                  <a:schemeClr val="tx2"/>
-                </a:solidFill>
-                <a:latin typeface="Segoe" pitchFamily="34" charset="0"/>
-              </a:rPr>
-              <a:t> </a:t>
-            </a:r>
-            <a:r>
-              <a:rPr lang="en-GB" dirty="0" err="1" smtClean="0">
-                <a:solidFill>
-                  <a:schemeClr val="tx2"/>
-                </a:solidFill>
-                <a:latin typeface="Segoe" pitchFamily="34" charset="0"/>
-              </a:rPr>
-              <a:t>vh</a:t>
-            </a:r>
             <a:endParaRPr lang="en-GB" dirty="0">
               <a:solidFill>
                 <a:schemeClr val="tx2"/>
@@ -1134,53 +1139,6 @@
           </a:bodyPr>
           <a:lstStyle/>
           <a:p>
-            <a:r>
-              <a:rPr lang="en-GB" dirty="0" err="1" smtClean="0">
-                <a:solidFill>
-                  <a:schemeClr val="tx2"/>
-                </a:solidFill>
-                <a:latin typeface="Segoe" pitchFamily="34" charset="0"/>
-              </a:rPr>
-              <a:t>calc</a:t>
-            </a:r>
-            <a:r>
-              <a:rPr lang="en-GB" dirty="0" smtClean="0">
-                <a:solidFill>
-                  <a:schemeClr val="tx2"/>
-                </a:solidFill>
-                <a:latin typeface="Segoe" pitchFamily="34" charset="0"/>
-              </a:rPr>
-              <a:t>()</a:t>
-            </a:r>
-          </a:p>
-          <a:p>
-            <a:r>
-              <a:rPr lang="en-GB" dirty="0" err="1" smtClean="0">
-                <a:solidFill>
-                  <a:schemeClr val="tx2"/>
-                </a:solidFill>
-                <a:latin typeface="Segoe" pitchFamily="34" charset="0"/>
-              </a:rPr>
-              <a:t>vw</a:t>
-            </a:r>
-            <a:r>
-              <a:rPr lang="en-GB" dirty="0" smtClean="0">
-                <a:solidFill>
-                  <a:schemeClr val="tx2"/>
-                </a:solidFill>
-                <a:latin typeface="Segoe" pitchFamily="34" charset="0"/>
-              </a:rPr>
-              <a:t> </a:t>
-            </a:r>
-            <a:r>
-              <a:rPr lang="en-GB" dirty="0" err="1" smtClean="0">
-                <a:solidFill>
-                  <a:schemeClr val="tx2"/>
-                </a:solidFill>
-                <a:latin typeface="Segoe" pitchFamily="34" charset="0"/>
-              </a:rPr>
-              <a:t>vh</a:t>
-            </a:r>
             <a:endParaRPr lang="en-GB" dirty="0">
               <a:solidFill>
                 <a:schemeClr val="tx2"/>
@@ -1208,7 +1166,7 @@
             <a:fld id="{13F0F35F-DD44-4607-AEC1-49D7A4BC4066}" type="slidenum">
               <a:rPr lang="en-US" smtClean="0"/>
               <a:pPr/>
-              <a:t>8</a:t>
+              <a:t>15</a:t>
             </a:fld>
             <a:endParaRPr lang="en-US" dirty="0"/>
           </a:p>
@@ -1217,7 +1175,7 @@
     </p:spTree>
     <p:extLst>
       <p:ext uri="{BB962C8B-B14F-4D97-AF65-F5344CB8AC3E}">
-        <p14:creationId xmlns:p14="http://schemas.microsoft.com/office/powerpoint/2010/main" val="3625277357"/>
+        <p14:creationId xmlns:p14="http://schemas.microsoft.com/office/powerpoint/2010/main" val="645471695"/>
       </p:ext>
     </p:extLst>
   </p:cSld>
@@ -1273,53 +1231,6 @@
           </a:bodyPr>
           <a:lstStyle/>
           <a:p>
-            <a:r>
-              <a:rPr lang="en-GB" dirty="0" err="1" smtClean="0">
-                <a:solidFill>
-                  <a:schemeClr val="tx2"/>
-                </a:solidFill>
-                <a:latin typeface="Segoe" pitchFamily="34" charset="0"/>
-              </a:rPr>
-              <a:t>calc</a:t>
-            </a:r>
-            <a:r>
-              <a:rPr lang="en-GB" dirty="0" smtClean="0">
-                <a:solidFill>
-                  <a:schemeClr val="tx2"/>
-                </a:solidFill>
-                <a:latin typeface="Segoe" pitchFamily="34" charset="0"/>
-              </a:rPr>
-              <a:t>()</a:t>
-            </a:r>
-          </a:p>
-          <a:p>
-            <a:r>
-              <a:rPr lang="en-GB" dirty="0" err="1" smtClean="0">
-                <a:solidFill>
-                  <a:schemeClr val="tx2"/>
-                </a:solidFill>
-                <a:latin typeface="Segoe" pitchFamily="34" charset="0"/>
-              </a:rPr>
-              <a:t>vw</a:t>
-            </a:r>
-            <a:r>
-              <a:rPr lang="en-GB" dirty="0" smtClean="0">
-                <a:solidFill>
-                  <a:schemeClr val="tx2"/>
-                </a:solidFill>
-                <a:latin typeface="Segoe" pitchFamily="34" charset="0"/>
-              </a:rPr>
-              <a:t> </a:t>
-            </a:r>
-            <a:r>
-              <a:rPr lang="en-GB" dirty="0" err="1" smtClean="0">
-                <a:solidFill>
-                  <a:schemeClr val="tx2"/>
-                </a:solidFill>
-                <a:latin typeface="Segoe" pitchFamily="34" charset="0"/>
-              </a:rPr>
-              <a:t>vh</a:t>
-            </a:r>
             <a:endParaRPr lang="en-GB" dirty="0">
               <a:solidFill>
                 <a:schemeClr val="tx2"/>
@@ -1347,7 +1258,7 @@
             <a:fld id="{13F0F35F-DD44-4607-AEC1-49D7A4BC4066}" type="slidenum">
               <a:rPr lang="en-US" smtClean="0"/>
               <a:pPr/>
-              <a:t>9</a:t>
+              <a:t>16</a:t>
             </a:fld>
             <a:endParaRPr lang="en-US" dirty="0"/>
           </a:p>
@@ -1356,7 +1267,7 @@
     </p:spTree>
     <p:extLst>
       <p:ext uri="{BB962C8B-B14F-4D97-AF65-F5344CB8AC3E}">
-        <p14:creationId xmlns:p14="http://schemas.microsoft.com/office/powerpoint/2010/main" val="2458564682"/>
+        <p14:creationId xmlns:p14="http://schemas.microsoft.com/office/powerpoint/2010/main" val="3152055681"/>
       </p:ext>
     </p:extLst>
   </p:cSld>
@@ -6888,16 +6799,1069 @@
           <a:chExt cx="0" cy="0"/>
         </a:xfrm>
       </p:grpSpPr>
+      <p:sp>
+        <p:nvSpPr>
+          <p:cNvPr id="2" name="Title 1"/>
+          <p:cNvSpPr>
+            <a:spLocks noGrp="1"/>
+          </p:cNvSpPr>
+          <p:nvPr>
+            <p:ph type="title"/>
+          </p:nvPr>
+        </p:nvSpPr>
+        <p:spPr/>
+        <p:txBody>
+          <a:bodyPr/>
+          <a:lstStyle/>
+          <a:p>
+            <a:r>
+              <a:rPr lang="en-US" dirty="0" smtClean="0"/>
+              <a:t>Orientation</a:t>
+            </a:r>
+            <a:endParaRPr lang="en-US" dirty="0"/>
+          </a:p>
+        </p:txBody>
+      </p:sp>
+      <p:sp>
+        <p:nvSpPr>
+          <p:cNvPr id="3" name="Content Placeholder 2"/>
+          <p:cNvSpPr>
+            <a:spLocks noGrp="1"/>
+          </p:cNvSpPr>
+          <p:nvPr>
+            <p:ph sz="quarter" idx="10"/>
+          </p:nvPr>
+        </p:nvSpPr>
+        <p:spPr/>
+        <p:txBody>
+          <a:bodyPr/>
+          <a:lstStyle/>
+          <a:p>
+            <a:r>
+              <a:rPr lang="en-US" dirty="0" smtClean="0"/>
+              <a:t>Portrait</a:t>
+            </a:r>
+          </a:p>
+          <a:p>
+            <a:endParaRPr lang="en-US" dirty="0" smtClean="0"/>
+          </a:p>
+          <a:p>
+            <a:endParaRPr lang="en-US" dirty="0"/>
+          </a:p>
+          <a:p>
+            <a:endParaRPr lang="en-US" dirty="0" smtClean="0"/>
+          </a:p>
+          <a:p>
+            <a:r>
+              <a:rPr lang="en-US" dirty="0" smtClean="0"/>
+              <a:t>Landscape</a:t>
+            </a:r>
+          </a:p>
+        </p:txBody>
+      </p:sp>
+      <p:sp>
+        <p:nvSpPr>
+          <p:cNvPr id="4" name="Rectangle 3"/>
+          <p:cNvSpPr/>
+          <p:nvPr/>
+        </p:nvSpPr>
+        <p:spPr>
+          <a:xfrm>
+            <a:off x="1265275" y="2077029"/>
+            <a:ext cx="1286540" cy="1956391"/>
+          </a:xfrm>
+          <a:prstGeom prst="rect">
+            <a:avLst/>
+          </a:prstGeom>
+        </p:spPr>
+        <p:style>
+          <a:lnRef idx="2">
+            <a:schemeClr val="accent1">
+              <a:shade val="50000"/>
+            </a:schemeClr>
+          </a:lnRef>
+          <a:fillRef idx="1">
+            <a:schemeClr val="accent1"/>
+          </a:fillRef>
+          <a:effectRef idx="0">
+            <a:schemeClr val="accent1"/>
+          </a:effectRef>
+          <a:fontRef idx="minor">
+            <a:schemeClr val="lt1"/>
+          </a:fontRef>
+        </p:style>
+        <p:txBody>
+          <a:bodyPr rtlCol="0" anchor="ctr"/>
+          <a:lstStyle/>
+          <a:p>
+            <a:pPr algn="ctr"/>
+            <a:endParaRPr lang="en-US"/>
+          </a:p>
+        </p:txBody>
+      </p:sp>
+      <p:sp>
+        <p:nvSpPr>
+          <p:cNvPr id="5" name="Rectangle 4"/>
+          <p:cNvSpPr/>
+          <p:nvPr/>
+        </p:nvSpPr>
+        <p:spPr>
+          <a:xfrm rot="5400000">
+            <a:off x="1265274" y="4387298"/>
+            <a:ext cx="1286540" cy="1956391"/>
+          </a:xfrm>
+          <a:prstGeom prst="rect">
+            <a:avLst/>
+          </a:prstGeom>
+        </p:spPr>
+        <p:style>
+          <a:lnRef idx="2">
+            <a:schemeClr val="accent1">
+              <a:shade val="50000"/>
+            </a:schemeClr>
+          </a:lnRef>
+          <a:fillRef idx="1">
+            <a:schemeClr val="accent1"/>
+          </a:fillRef>
+          <a:effectRef idx="0">
+            <a:schemeClr val="accent1"/>
+          </a:effectRef>
+          <a:fontRef idx="minor">
+            <a:schemeClr val="lt1"/>
+          </a:fontRef>
+        </p:style>
+        <p:txBody>
+          <a:bodyPr rtlCol="0" anchor="ctr"/>
+          <a:lstStyle/>
+          <a:p>
+            <a:pPr algn="ctr"/>
+            <a:endParaRPr lang="en-US"/>
+          </a:p>
+        </p:txBody>
+      </p:sp>
     </p:spTree>
     <p:extLst>
       <p:ext uri="{BB962C8B-B14F-4D97-AF65-F5344CB8AC3E}">
-        <p14:creationId xmlns:p14="http://schemas.microsoft.com/office/powerpoint/2010/main" val="898363405"/>
+        <p14:creationId xmlns:p14="http://schemas.microsoft.com/office/powerpoint/2010/main" val="2013922320"/>
       </p:ext>
     </p:extLst>
   </p:cSld>
   <p:clrMapOvr>
     <a:masterClrMapping/>
   </p:clrMapOvr>
+  <p:timing>
+    <p:tnLst>
+      <p:par>
+        <p:cTn id="1" dur="indefinite" restart="never" nodeType="tmRoot"/>
+      </p:par>
+    </p:tnLst>
+  </p:timing>
+</p:sld>
+</file>
+
+<file path=ppt/slides/slide11.xml><?xml version="1.0" encoding="utf-8"?>
+<p:sld xmlns:a="http://schemas.openxmlformats.org/drawingml/2006/main" xmlns:r="http://schemas.openxmlformats.org/officeDocument/2006/relationships" xmlns:p="http://schemas.openxmlformats.org/presentationml/2006/main">
+  <p:cSld>
+    <p:spTree>
+      <p:nvGrpSpPr>
+        <p:cNvPr id="1" name=""/>
+        <p:cNvGrpSpPr/>
+        <p:nvPr/>
+      </p:nvGrpSpPr>
+      <p:grpSpPr>
+        <a:xfrm>
+          <a:off x="0" y="0"/>
+          <a:ext cx="0" cy="0"/>
+          <a:chOff x="0" y="0"/>
+          <a:chExt cx="0" cy="0"/>
+        </a:xfrm>
+      </p:grpSpPr>
+      <p:sp>
+        <p:nvSpPr>
+          <p:cNvPr id="2" name="Title 1"/>
+          <p:cNvSpPr>
+            <a:spLocks noGrp="1"/>
+          </p:cNvSpPr>
+          <p:nvPr>
+            <p:ph type="title"/>
+          </p:nvPr>
+        </p:nvSpPr>
+        <p:spPr/>
+        <p:txBody>
+          <a:bodyPr/>
+          <a:lstStyle/>
+          <a:p>
+            <a:r>
+              <a:rPr lang="en-US" dirty="0" smtClean="0"/>
+              <a:t>Size</a:t>
+            </a:r>
+            <a:endParaRPr lang="en-US" dirty="0"/>
+          </a:p>
+        </p:txBody>
+      </p:sp>
+      <p:sp>
+        <p:nvSpPr>
+          <p:cNvPr id="3" name="Content Placeholder 2"/>
+          <p:cNvSpPr>
+            <a:spLocks noGrp="1"/>
+          </p:cNvSpPr>
+          <p:nvPr>
+            <p:ph sz="quarter" idx="10"/>
+          </p:nvPr>
+        </p:nvSpPr>
+        <p:spPr/>
+        <p:txBody>
+          <a:bodyPr/>
+          <a:lstStyle/>
+          <a:p>
+            <a:r>
+              <a:rPr lang="en-US" dirty="0" smtClean="0"/>
+              <a:t>Width and height</a:t>
+            </a:r>
+          </a:p>
+          <a:p>
+            <a:pPr lvl="1"/>
+            <a:r>
+              <a:rPr lang="en-US" dirty="0" smtClean="0"/>
+              <a:t>Size of the current window</a:t>
+            </a:r>
+          </a:p>
+          <a:p>
+            <a:r>
+              <a:rPr lang="en-US" dirty="0" smtClean="0"/>
+              <a:t>Device-width and device-height</a:t>
+            </a:r>
+          </a:p>
+          <a:p>
+            <a:pPr lvl="1"/>
+            <a:r>
+              <a:rPr lang="en-US" dirty="0" smtClean="0"/>
+              <a:t>Size of the current device</a:t>
+            </a:r>
+          </a:p>
+          <a:p>
+            <a:r>
+              <a:rPr lang="en-US" dirty="0" smtClean="0"/>
+              <a:t>Max and min modifiers</a:t>
+            </a:r>
+            <a:endParaRPr lang="en-US" dirty="0"/>
+          </a:p>
+        </p:txBody>
+      </p:sp>
+    </p:spTree>
+    <p:extLst>
+      <p:ext uri="{BB962C8B-B14F-4D97-AF65-F5344CB8AC3E}">
+        <p14:creationId xmlns:p14="http://schemas.microsoft.com/office/powerpoint/2010/main" val="4032747531"/>
+      </p:ext>
+    </p:extLst>
+  </p:cSld>
+  <p:clrMapOvr>
+    <a:masterClrMapping/>
+  </p:clrMapOvr>
+  <p:timing>
+    <p:tnLst>
+      <p:par>
+        <p:cTn id="1" dur="indefinite" restart="never" nodeType="tmRoot"/>
+      </p:par>
+    </p:tnLst>
+  </p:timing>
+</p:sld>
+</file>
+
+<file path=ppt/slides/slide12.xml><?xml version="1.0" encoding="utf-8"?>
+<p:sld xmlns:a="http://schemas.openxmlformats.org/drawingml/2006/main" xmlns:r="http://schemas.openxmlformats.org/officeDocument/2006/relationships" xmlns:p="http://schemas.openxmlformats.org/presentationml/2006/main">
+  <p:cSld>
+    <p:spTree>
+      <p:nvGrpSpPr>
+        <p:cNvPr id="1" name=""/>
+        <p:cNvGrpSpPr/>
+        <p:nvPr/>
+      </p:nvGrpSpPr>
+      <p:grpSpPr>
+        <a:xfrm>
+          <a:off x="0" y="0"/>
+          <a:ext cx="0" cy="0"/>
+          <a:chOff x="0" y="0"/>
+          <a:chExt cx="0" cy="0"/>
+        </a:xfrm>
+      </p:grpSpPr>
+      <p:sp>
+        <p:nvSpPr>
+          <p:cNvPr id="2" name="Title 1"/>
+          <p:cNvSpPr>
+            <a:spLocks noGrp="1"/>
+          </p:cNvSpPr>
+          <p:nvPr>
+            <p:ph type="title"/>
+          </p:nvPr>
+        </p:nvSpPr>
+        <p:spPr/>
+        <p:txBody>
+          <a:bodyPr/>
+          <a:lstStyle/>
+          <a:p>
+            <a:r>
+              <a:rPr lang="en-US" dirty="0" smtClean="0"/>
+              <a:t>Using media queries</a:t>
+            </a:r>
+            <a:endParaRPr lang="en-US" dirty="0"/>
+          </a:p>
+        </p:txBody>
+      </p:sp>
+      <p:sp>
+        <p:nvSpPr>
+          <p:cNvPr id="3" name="Content Placeholder 2"/>
+          <p:cNvSpPr>
+            <a:spLocks noGrp="1"/>
+          </p:cNvSpPr>
+          <p:nvPr>
+            <p:ph sz="quarter" idx="10"/>
+          </p:nvPr>
+        </p:nvSpPr>
+        <p:spPr/>
+        <p:txBody>
+          <a:bodyPr/>
+          <a:lstStyle/>
+          <a:p>
+            <a:r>
+              <a:rPr lang="en-US" dirty="0" smtClean="0"/>
+              <a:t>Remember cascading rules</a:t>
+            </a:r>
+          </a:p>
+          <a:p>
+            <a:pPr lvl="1"/>
+            <a:r>
+              <a:rPr lang="en-US" dirty="0" smtClean="0"/>
+              <a:t>Higher precedence to best match</a:t>
+            </a:r>
+          </a:p>
+          <a:p>
+            <a:pPr lvl="1"/>
+            <a:r>
+              <a:rPr lang="en-US" dirty="0" smtClean="0"/>
+              <a:t>Media query sections override generic rules</a:t>
+            </a:r>
+          </a:p>
+          <a:p>
+            <a:r>
+              <a:rPr lang="en-US" dirty="0" smtClean="0"/>
+              <a:t>Ordering matters</a:t>
+            </a:r>
+          </a:p>
+          <a:p>
+            <a:pPr lvl="1"/>
+            <a:r>
+              <a:rPr lang="en-US" dirty="0" smtClean="0"/>
+              <a:t>Put global rules first</a:t>
+            </a:r>
+          </a:p>
+          <a:p>
+            <a:pPr lvl="1"/>
+            <a:r>
+              <a:rPr lang="en-US" dirty="0" smtClean="0"/>
+              <a:t>Smallest to largest or largest to smallest</a:t>
+            </a:r>
+            <a:endParaRPr lang="en-US" dirty="0"/>
+          </a:p>
+        </p:txBody>
+      </p:sp>
+    </p:spTree>
+    <p:extLst>
+      <p:ext uri="{BB962C8B-B14F-4D97-AF65-F5344CB8AC3E}">
+        <p14:creationId xmlns:p14="http://schemas.microsoft.com/office/powerpoint/2010/main" val="167428106"/>
+      </p:ext>
+    </p:extLst>
+  </p:cSld>
+  <p:clrMapOvr>
+    <a:masterClrMapping/>
+  </p:clrMapOvr>
+  <p:timing>
+    <p:tnLst>
+      <p:par>
+        <p:cTn id="1" dur="indefinite" restart="never" nodeType="tmRoot"/>
+      </p:par>
+    </p:tnLst>
+  </p:timing>
+</p:sld>
+</file>
+
+<file path=ppt/slides/slide13.xml><?xml version="1.0" encoding="utf-8"?>
+<p:sld xmlns:a="http://schemas.openxmlformats.org/drawingml/2006/main" xmlns:r="http://schemas.openxmlformats.org/officeDocument/2006/relationships" xmlns:p="http://schemas.openxmlformats.org/presentationml/2006/main">
+  <p:cSld>
+    <p:spTree>
+      <p:nvGrpSpPr>
+        <p:cNvPr id="1" name=""/>
+        <p:cNvGrpSpPr/>
+        <p:nvPr/>
+      </p:nvGrpSpPr>
+      <p:grpSpPr>
+        <a:xfrm>
+          <a:off x="0" y="0"/>
+          <a:ext cx="0" cy="0"/>
+          <a:chOff x="0" y="0"/>
+          <a:chExt cx="0" cy="0"/>
+        </a:xfrm>
+      </p:grpSpPr>
+      <p:sp>
+        <p:nvSpPr>
+          <p:cNvPr id="2" name="Title 1"/>
+          <p:cNvSpPr>
+            <a:spLocks noGrp="1"/>
+          </p:cNvSpPr>
+          <p:nvPr>
+            <p:ph type="title"/>
+          </p:nvPr>
+        </p:nvSpPr>
+        <p:spPr/>
+        <p:txBody>
+          <a:bodyPr/>
+          <a:lstStyle/>
+          <a:p>
+            <a:r>
+              <a:rPr lang="en-US" dirty="0" smtClean="0"/>
+              <a:t>Media queries</a:t>
+            </a:r>
+            <a:endParaRPr lang="en-US" dirty="0"/>
+          </a:p>
+        </p:txBody>
+      </p:sp>
+    </p:spTree>
+    <p:extLst>
+      <p:ext uri="{BB962C8B-B14F-4D97-AF65-F5344CB8AC3E}">
+        <p14:creationId xmlns:p14="http://schemas.microsoft.com/office/powerpoint/2010/main" val="1867365439"/>
+      </p:ext>
+    </p:extLst>
+  </p:cSld>
+  <p:clrMapOvr>
+    <a:masterClrMapping/>
+  </p:clrMapOvr>
+  <p:timing>
+    <p:tnLst>
+      <p:par>
+        <p:cTn id="1" dur="indefinite" restart="never" nodeType="tmRoot"/>
+      </p:par>
+    </p:tnLst>
+  </p:timing>
+</p:sld>
+</file>
+
+<file path=ppt/slides/slide14.xml><?xml version="1.0" encoding="utf-8"?>
+<p:sld xmlns:a="http://schemas.openxmlformats.org/drawingml/2006/main" xmlns:r="http://schemas.openxmlformats.org/officeDocument/2006/relationships" xmlns:p="http://schemas.openxmlformats.org/presentationml/2006/main">
+  <p:cSld>
+    <p:spTree>
+      <p:nvGrpSpPr>
+        <p:cNvPr id="1" name=""/>
+        <p:cNvGrpSpPr/>
+        <p:nvPr/>
+      </p:nvGrpSpPr>
+      <p:grpSpPr>
+        <a:xfrm>
+          <a:off x="0" y="0"/>
+          <a:ext cx="0" cy="0"/>
+          <a:chOff x="0" y="0"/>
+          <a:chExt cx="0" cy="0"/>
+        </a:xfrm>
+      </p:grpSpPr>
+      <p:sp>
+        <p:nvSpPr>
+          <p:cNvPr id="2" name="Text Placeholder 1"/>
+          <p:cNvSpPr>
+            <a:spLocks noGrp="1"/>
+          </p:cNvSpPr>
+          <p:nvPr>
+            <p:ph type="body" sz="quarter" idx="10"/>
+          </p:nvPr>
+        </p:nvSpPr>
+        <p:spPr/>
+        <p:txBody>
+          <a:bodyPr/>
+          <a:lstStyle/>
+          <a:p>
+            <a:r>
+              <a:rPr lang="en-US" dirty="0" smtClean="0"/>
+              <a:t>Bootstrap</a:t>
+            </a:r>
+            <a:endParaRPr lang="en-US" dirty="0"/>
+          </a:p>
+        </p:txBody>
+      </p:sp>
+      <p:sp>
+        <p:nvSpPr>
+          <p:cNvPr id="3" name="Subtitle 2"/>
+          <p:cNvSpPr>
+            <a:spLocks noGrp="1"/>
+          </p:cNvSpPr>
+          <p:nvPr>
+            <p:ph type="subTitle" idx="1"/>
+          </p:nvPr>
+        </p:nvSpPr>
+        <p:spPr/>
+        <p:txBody>
+          <a:bodyPr/>
+          <a:lstStyle/>
+          <a:p>
+            <a:endParaRPr lang="en-US"/>
+          </a:p>
+        </p:txBody>
+      </p:sp>
+    </p:spTree>
+    <p:extLst>
+      <p:ext uri="{BB962C8B-B14F-4D97-AF65-F5344CB8AC3E}">
+        <p14:creationId xmlns:p14="http://schemas.microsoft.com/office/powerpoint/2010/main" val="4190290233"/>
+      </p:ext>
+    </p:extLst>
+  </p:cSld>
+  <p:clrMapOvr>
+    <a:masterClrMapping/>
+  </p:clrMapOvr>
+  <p:timing>
+    <p:tnLst>
+      <p:par>
+        <p:cTn id="1" dur="indefinite" restart="never" nodeType="tmRoot"/>
+      </p:par>
+    </p:tnLst>
+  </p:timing>
+</p:sld>
+</file>
+
+<file path=ppt/slides/slide15.xml><?xml version="1.0" encoding="utf-8"?>
+<p:sld xmlns:a="http://schemas.openxmlformats.org/drawingml/2006/main" xmlns:r="http://schemas.openxmlformats.org/officeDocument/2006/relationships" xmlns:p="http://schemas.openxmlformats.org/presentationml/2006/main">
+  <p:cSld>
+    <p:spTree>
+      <p:nvGrpSpPr>
+        <p:cNvPr id="1" name=""/>
+        <p:cNvGrpSpPr/>
+        <p:nvPr/>
+      </p:nvGrpSpPr>
+      <p:grpSpPr>
+        <a:xfrm>
+          <a:off x="0" y="0"/>
+          <a:ext cx="0" cy="0"/>
+          <a:chOff x="0" y="0"/>
+          <a:chExt cx="0" cy="0"/>
+        </a:xfrm>
+      </p:grpSpPr>
+      <p:sp>
+        <p:nvSpPr>
+          <p:cNvPr id="7" name="Content Placeholder 6"/>
+          <p:cNvSpPr>
+            <a:spLocks noGrp="1"/>
+          </p:cNvSpPr>
+          <p:nvPr>
+            <p:ph sz="quarter" idx="10"/>
+          </p:nvPr>
+        </p:nvSpPr>
+        <p:spPr/>
+        <p:txBody>
+          <a:bodyPr>
+            <a:normAutofit/>
+          </a:bodyPr>
+          <a:lstStyle/>
+          <a:p>
+            <a:pPr marL="0" indent="0">
+              <a:buNone/>
+            </a:pPr>
+            <a:r>
+              <a:rPr lang="en-US" dirty="0"/>
+              <a:t>The most popular front-end framework for developing </a:t>
+            </a:r>
+            <a:r>
+              <a:rPr lang="en-US" dirty="0" smtClean="0"/>
+              <a:t/>
+            </a:r>
+            <a:br>
+              <a:rPr lang="en-US" dirty="0" smtClean="0"/>
+            </a:br>
+            <a:r>
+              <a:rPr lang="en-US" dirty="0" smtClean="0"/>
+              <a:t>responsive</a:t>
+            </a:r>
+            <a:r>
+              <a:rPr lang="en-US" dirty="0"/>
+              <a:t>, mobile first projects on the web.</a:t>
+            </a:r>
+            <a:endParaRPr lang="en-GB" dirty="0" smtClean="0"/>
+          </a:p>
+        </p:txBody>
+      </p:sp>
+      <p:sp>
+        <p:nvSpPr>
+          <p:cNvPr id="2" name="Title 1"/>
+          <p:cNvSpPr>
+            <a:spLocks noGrp="1"/>
+          </p:cNvSpPr>
+          <p:nvPr>
+            <p:ph type="title"/>
+          </p:nvPr>
+        </p:nvSpPr>
+        <p:spPr/>
+        <p:txBody>
+          <a:bodyPr/>
+          <a:lstStyle/>
+          <a:p>
+            <a:r>
+              <a:rPr lang="en-US" dirty="0" smtClean="0"/>
+              <a:t>Bootstrap</a:t>
+            </a:r>
+            <a:endParaRPr lang="en-US" dirty="0"/>
+          </a:p>
+        </p:txBody>
+      </p:sp>
+      <p:pic>
+        <p:nvPicPr>
+          <p:cNvPr id="3" name="Picture 2" descr="Screen Clipping"/>
+          <p:cNvPicPr>
+            <a:picLocks noChangeAspect="1"/>
+          </p:cNvPicPr>
+          <p:nvPr/>
+        </p:nvPicPr>
+        <p:blipFill rotWithShape="1">
+          <a:blip r:embed="rId3">
+            <a:extLst>
+              <a:ext uri="{28A0092B-C50C-407E-A947-70E740481C1C}">
+                <a14:useLocalDpi xmlns:a14="http://schemas.microsoft.com/office/drawing/2010/main" val="0"/>
+              </a:ext>
+            </a:extLst>
+          </a:blip>
+          <a:srcRect b="3785"/>
+          <a:stretch/>
+        </p:blipFill>
+        <p:spPr>
+          <a:xfrm>
+            <a:off x="-25295" y="0"/>
+            <a:ext cx="12217295" cy="6134100"/>
+          </a:xfrm>
+          <a:prstGeom prst="rect">
+            <a:avLst/>
+          </a:prstGeom>
+        </p:spPr>
+      </p:pic>
+    </p:spTree>
+    <p:extLst>
+      <p:ext uri="{BB962C8B-B14F-4D97-AF65-F5344CB8AC3E}">
+        <p14:creationId xmlns:p14="http://schemas.microsoft.com/office/powerpoint/2010/main" val="815590604"/>
+      </p:ext>
+    </p:extLst>
+  </p:cSld>
+  <p:clrMapOvr>
+    <a:masterClrMapping/>
+  </p:clrMapOvr>
+  <p:timing>
+    <p:tnLst>
+      <p:par>
+        <p:cTn id="1" dur="indefinite" restart="never" nodeType="tmRoot"/>
+      </p:par>
+    </p:tnLst>
+  </p:timing>
+</p:sld>
+</file>
+
+<file path=ppt/slides/slide16.xml><?xml version="1.0" encoding="utf-8"?>
+<p:sld xmlns:a="http://schemas.openxmlformats.org/drawingml/2006/main" xmlns:r="http://schemas.openxmlformats.org/officeDocument/2006/relationships" xmlns:p="http://schemas.openxmlformats.org/presentationml/2006/main">
+  <p:cSld>
+    <p:spTree>
+      <p:nvGrpSpPr>
+        <p:cNvPr id="1" name=""/>
+        <p:cNvGrpSpPr/>
+        <p:nvPr/>
+      </p:nvGrpSpPr>
+      <p:grpSpPr>
+        <a:xfrm>
+          <a:off x="0" y="0"/>
+          <a:ext cx="0" cy="0"/>
+          <a:chOff x="0" y="0"/>
+          <a:chExt cx="0" cy="0"/>
+        </a:xfrm>
+      </p:grpSpPr>
+      <p:sp>
+        <p:nvSpPr>
+          <p:cNvPr id="7" name="Content Placeholder 6"/>
+          <p:cNvSpPr>
+            <a:spLocks noGrp="1"/>
+          </p:cNvSpPr>
+          <p:nvPr>
+            <p:ph sz="quarter" idx="10"/>
+          </p:nvPr>
+        </p:nvSpPr>
+        <p:spPr/>
+        <p:txBody>
+          <a:bodyPr>
+            <a:normAutofit/>
+          </a:bodyPr>
+          <a:lstStyle/>
+          <a:p>
+            <a:r>
+              <a:rPr lang="en-US" dirty="0"/>
+              <a:t>Theme Support </a:t>
+            </a:r>
+            <a:endParaRPr lang="en-US" dirty="0" smtClean="0"/>
+          </a:p>
+          <a:p>
+            <a:r>
+              <a:rPr lang="en-US" dirty="0" smtClean="0"/>
+              <a:t>Responsive</a:t>
+            </a:r>
+            <a:endParaRPr lang="en-US" dirty="0"/>
+          </a:p>
+          <a:p>
+            <a:r>
+              <a:rPr lang="en-US" dirty="0"/>
+              <a:t>Grid</a:t>
+            </a:r>
+          </a:p>
+          <a:p>
+            <a:r>
+              <a:rPr lang="en-US" dirty="0"/>
+              <a:t>Components</a:t>
+            </a:r>
+          </a:p>
+          <a:p>
+            <a:pPr lvl="1"/>
+            <a:r>
+              <a:rPr lang="en-US" dirty="0"/>
+              <a:t>Pagination</a:t>
+            </a:r>
+          </a:p>
+          <a:p>
+            <a:pPr lvl="1"/>
+            <a:r>
+              <a:rPr lang="en-US" dirty="0"/>
+              <a:t>Buttons</a:t>
+            </a:r>
+          </a:p>
+          <a:p>
+            <a:pPr lvl="1"/>
+            <a:r>
+              <a:rPr lang="en-US" dirty="0"/>
+              <a:t>Modal</a:t>
+            </a:r>
+          </a:p>
+          <a:p>
+            <a:r>
+              <a:rPr lang="en-US" dirty="0" smtClean="0"/>
+              <a:t>Great Visual </a:t>
+            </a:r>
+            <a:r>
+              <a:rPr lang="en-US" dirty="0"/>
+              <a:t>Studio </a:t>
+            </a:r>
+            <a:r>
+              <a:rPr lang="en-US" dirty="0" smtClean="0"/>
+              <a:t>support</a:t>
+            </a:r>
+            <a:endParaRPr lang="en-US" dirty="0"/>
+          </a:p>
+        </p:txBody>
+      </p:sp>
+      <p:sp>
+        <p:nvSpPr>
+          <p:cNvPr id="2" name="Title 1"/>
+          <p:cNvSpPr>
+            <a:spLocks noGrp="1"/>
+          </p:cNvSpPr>
+          <p:nvPr>
+            <p:ph type="title"/>
+          </p:nvPr>
+        </p:nvSpPr>
+        <p:spPr/>
+        <p:txBody>
+          <a:bodyPr/>
+          <a:lstStyle/>
+          <a:p>
+            <a:r>
+              <a:rPr lang="en-US" smtClean="0"/>
+              <a:t>Bootstrap Features</a:t>
+            </a:r>
+            <a:endParaRPr lang="en-US" dirty="0"/>
+          </a:p>
+        </p:txBody>
+      </p:sp>
+    </p:spTree>
+    <p:extLst>
+      <p:ext uri="{BB962C8B-B14F-4D97-AF65-F5344CB8AC3E}">
+        <p14:creationId xmlns:p14="http://schemas.microsoft.com/office/powerpoint/2010/main" val="1805450907"/>
+      </p:ext>
+    </p:extLst>
+  </p:cSld>
+  <p:clrMapOvr>
+    <a:masterClrMapping/>
+  </p:clrMapOvr>
+  <p:timing>
+    <p:tnLst>
+      <p:par>
+        <p:cTn id="1" dur="indefinite" restart="never" nodeType="tmRoot"/>
+      </p:par>
+    </p:tnLst>
+  </p:timing>
+</p:sld>
+</file>
+
+<file path=ppt/slides/slide17.xml><?xml version="1.0" encoding="utf-8"?>
+<p:sld xmlns:a="http://schemas.openxmlformats.org/drawingml/2006/main" xmlns:r="http://schemas.openxmlformats.org/officeDocument/2006/relationships" xmlns:p="http://schemas.openxmlformats.org/presentationml/2006/main">
+  <p:cSld>
+    <p:spTree>
+      <p:nvGrpSpPr>
+        <p:cNvPr id="1" name=""/>
+        <p:cNvGrpSpPr/>
+        <p:nvPr/>
+      </p:nvGrpSpPr>
+      <p:grpSpPr>
+        <a:xfrm>
+          <a:off x="0" y="0"/>
+          <a:ext cx="0" cy="0"/>
+          <a:chOff x="0" y="0"/>
+          <a:chExt cx="0" cy="0"/>
+        </a:xfrm>
+      </p:grpSpPr>
+      <p:sp>
+        <p:nvSpPr>
+          <p:cNvPr id="2" name="Title 1"/>
+          <p:cNvSpPr>
+            <a:spLocks noGrp="1"/>
+          </p:cNvSpPr>
+          <p:nvPr>
+            <p:ph type="title"/>
+          </p:nvPr>
+        </p:nvSpPr>
+        <p:spPr/>
+        <p:txBody>
+          <a:bodyPr/>
+          <a:lstStyle/>
+          <a:p>
+            <a:r>
+              <a:rPr lang="en-US" dirty="0" smtClean="0"/>
+              <a:t>Responsive Layout</a:t>
+            </a:r>
+            <a:endParaRPr lang="en-US" dirty="0"/>
+          </a:p>
+        </p:txBody>
+      </p:sp>
+      <p:pic>
+        <p:nvPicPr>
+          <p:cNvPr id="4" name="Content Placeholder 3" descr="Screen Clipping"/>
+          <p:cNvPicPr>
+            <a:picLocks noGrp="1" noChangeAspect="1"/>
+          </p:cNvPicPr>
+          <p:nvPr>
+            <p:ph sz="quarter" idx="10"/>
+          </p:nvPr>
+        </p:nvPicPr>
+        <p:blipFill>
+          <a:blip r:embed="rId2">
+            <a:extLst>
+              <a:ext uri="{28A0092B-C50C-407E-A947-70E740481C1C}">
+                <a14:useLocalDpi xmlns:a14="http://schemas.microsoft.com/office/drawing/2010/main" val="0"/>
+              </a:ext>
+            </a:extLst>
+          </a:blip>
+          <a:stretch>
+            <a:fillRect/>
+          </a:stretch>
+        </p:blipFill>
+        <p:spPr>
+          <a:xfrm>
+            <a:off x="3128113" y="1208989"/>
+            <a:ext cx="5935774" cy="4440022"/>
+          </a:xfrm>
+        </p:spPr>
+      </p:pic>
+    </p:spTree>
+    <p:extLst>
+      <p:ext uri="{BB962C8B-B14F-4D97-AF65-F5344CB8AC3E}">
+        <p14:creationId xmlns:p14="http://schemas.microsoft.com/office/powerpoint/2010/main" val="149482777"/>
+      </p:ext>
+    </p:extLst>
+  </p:cSld>
+  <p:clrMapOvr>
+    <a:masterClrMapping/>
+  </p:clrMapOvr>
+  <p:timing>
+    <p:tnLst>
+      <p:par>
+        <p:cTn id="1" dur="indefinite" restart="never" nodeType="tmRoot"/>
+      </p:par>
+    </p:tnLst>
+  </p:timing>
+</p:sld>
+</file>
+
+<file path=ppt/slides/slide18.xml><?xml version="1.0" encoding="utf-8"?>
+<p:sld xmlns:a="http://schemas.openxmlformats.org/drawingml/2006/main" xmlns:r="http://schemas.openxmlformats.org/officeDocument/2006/relationships" xmlns:p="http://schemas.openxmlformats.org/presentationml/2006/main">
+  <p:cSld>
+    <p:spTree>
+      <p:nvGrpSpPr>
+        <p:cNvPr id="1" name=""/>
+        <p:cNvGrpSpPr/>
+        <p:nvPr/>
+      </p:nvGrpSpPr>
+      <p:grpSpPr>
+        <a:xfrm>
+          <a:off x="0" y="0"/>
+          <a:ext cx="0" cy="0"/>
+          <a:chOff x="0" y="0"/>
+          <a:chExt cx="0" cy="0"/>
+        </a:xfrm>
+      </p:grpSpPr>
+      <p:sp>
+        <p:nvSpPr>
+          <p:cNvPr id="2" name="Title 1"/>
+          <p:cNvSpPr>
+            <a:spLocks noGrp="1"/>
+          </p:cNvSpPr>
+          <p:nvPr>
+            <p:ph type="title"/>
+          </p:nvPr>
+        </p:nvSpPr>
+        <p:spPr/>
+        <p:txBody>
+          <a:bodyPr/>
+          <a:lstStyle/>
+          <a:p>
+            <a:r>
+              <a:rPr lang="en-US" dirty="0" smtClean="0"/>
+              <a:t>Responsive Layout</a:t>
+            </a:r>
+            <a:endParaRPr lang="en-US" dirty="0"/>
+          </a:p>
+        </p:txBody>
+      </p:sp>
+      <p:pic>
+        <p:nvPicPr>
+          <p:cNvPr id="3" name="Picture 2"/>
+          <p:cNvPicPr>
+            <a:picLocks noChangeAspect="1"/>
+          </p:cNvPicPr>
+          <p:nvPr/>
+        </p:nvPicPr>
+        <p:blipFill>
+          <a:blip r:embed="rId2">
+            <a:extLst>
+              <a:ext uri="{28A0092B-C50C-407E-A947-70E740481C1C}">
+                <a14:useLocalDpi xmlns:a14="http://schemas.microsoft.com/office/drawing/2010/main" val="0"/>
+              </a:ext>
+            </a:extLst>
+          </a:blip>
+          <a:stretch>
+            <a:fillRect/>
+          </a:stretch>
+        </p:blipFill>
+        <p:spPr>
+          <a:xfrm>
+            <a:off x="9009870" y="1289634"/>
+            <a:ext cx="2342071" cy="4264214"/>
+          </a:xfrm>
+          <a:prstGeom prst="rect">
+            <a:avLst/>
+          </a:prstGeom>
+        </p:spPr>
+      </p:pic>
+      <p:pic>
+        <p:nvPicPr>
+          <p:cNvPr id="5" name="Picture 4"/>
+          <p:cNvPicPr>
+            <a:picLocks noChangeAspect="1"/>
+          </p:cNvPicPr>
+          <p:nvPr/>
+        </p:nvPicPr>
+        <p:blipFill>
+          <a:blip r:embed="rId3">
+            <a:extLst>
+              <a:ext uri="{28A0092B-C50C-407E-A947-70E740481C1C}">
+                <a14:useLocalDpi xmlns:a14="http://schemas.microsoft.com/office/drawing/2010/main" val="0"/>
+              </a:ext>
+            </a:extLst>
+          </a:blip>
+          <a:stretch>
+            <a:fillRect/>
+          </a:stretch>
+        </p:blipFill>
+        <p:spPr>
+          <a:xfrm>
+            <a:off x="847865" y="1245702"/>
+            <a:ext cx="6029184" cy="4308146"/>
+          </a:xfrm>
+          <a:prstGeom prst="rect">
+            <a:avLst/>
+          </a:prstGeom>
+        </p:spPr>
+      </p:pic>
+    </p:spTree>
+    <p:extLst>
+      <p:ext uri="{BB962C8B-B14F-4D97-AF65-F5344CB8AC3E}">
+        <p14:creationId xmlns:p14="http://schemas.microsoft.com/office/powerpoint/2010/main" val="1841082446"/>
+      </p:ext>
+    </p:extLst>
+  </p:cSld>
+  <p:clrMapOvr>
+    <a:masterClrMapping/>
+  </p:clrMapOvr>
+  <p:timing>
+    <p:tnLst>
+      <p:par>
+        <p:cTn id="1" dur="indefinite" restart="never" nodeType="tmRoot"/>
+      </p:par>
+    </p:tnLst>
+  </p:timing>
+</p:sld>
+</file>
+
+<file path=ppt/slides/slide19.xml><?xml version="1.0" encoding="utf-8"?>
+<p:sld xmlns:a="http://schemas.openxmlformats.org/drawingml/2006/main" xmlns:r="http://schemas.openxmlformats.org/officeDocument/2006/relationships" xmlns:p="http://schemas.openxmlformats.org/presentationml/2006/main">
+  <p:cSld>
+    <p:spTree>
+      <p:nvGrpSpPr>
+        <p:cNvPr id="1" name=""/>
+        <p:cNvGrpSpPr/>
+        <p:nvPr/>
+      </p:nvGrpSpPr>
+      <p:grpSpPr>
+        <a:xfrm>
+          <a:off x="0" y="0"/>
+          <a:ext cx="0" cy="0"/>
+          <a:chOff x="0" y="0"/>
+          <a:chExt cx="0" cy="0"/>
+        </a:xfrm>
+      </p:grpSpPr>
+      <p:sp>
+        <p:nvSpPr>
+          <p:cNvPr id="4" name="Title 3"/>
+          <p:cNvSpPr>
+            <a:spLocks noGrp="1"/>
+          </p:cNvSpPr>
+          <p:nvPr>
+            <p:ph type="title"/>
+          </p:nvPr>
+        </p:nvSpPr>
+        <p:spPr/>
+        <p:txBody>
+          <a:bodyPr/>
+          <a:lstStyle/>
+          <a:p>
+            <a:r>
+              <a:rPr lang="en-US" dirty="0" smtClean="0"/>
+              <a:t>Bootstrap and mobile devices</a:t>
+            </a:r>
+            <a:endParaRPr lang="en-US" dirty="0"/>
+          </a:p>
+        </p:txBody>
+      </p:sp>
+    </p:spTree>
+    <p:extLst>
+      <p:ext uri="{BB962C8B-B14F-4D97-AF65-F5344CB8AC3E}">
+        <p14:creationId xmlns:p14="http://schemas.microsoft.com/office/powerpoint/2010/main" val="4194210046"/>
+      </p:ext>
+    </p:extLst>
+  </p:cSld>
+  <p:clrMapOvr>
+    <a:masterClrMapping/>
+  </p:clrMapOvr>
+  <p:timing>
+    <p:tnLst>
+      <p:par>
+        <p:cTn id="1" dur="indefinite" restart="never" nodeType="tmRoot"/>
+      </p:par>
+    </p:tnLst>
+  </p:timing>
 </p:sld>
 </file>
 
@@ -6973,14 +7937,14 @@
                 <a:gridCol w="5762625">
                   <a:extLst>
                     <a:ext uri="{9D8B030D-6E8A-4147-A177-3AD203B41FA5}">
-                      <a16:colId xmlns="" xmlns:a16="http://schemas.microsoft.com/office/drawing/2014/main" val="1632794655"/>
+                      <a16:colId xmlns:a16="http://schemas.microsoft.com/office/drawing/2014/main" xmlns="" val="1632794655"/>
                     </a:ext>
                   </a:extLst>
                 </a:gridCol>
                 <a:gridCol w="5762625">
                   <a:extLst>
                     <a:ext uri="{9D8B030D-6E8A-4147-A177-3AD203B41FA5}">
-                      <a16:colId xmlns="" xmlns:a16="http://schemas.microsoft.com/office/drawing/2014/main" val="2011313899"/>
+                      <a16:colId xmlns:a16="http://schemas.microsoft.com/office/drawing/2014/main" xmlns="" val="2011313899"/>
                     </a:ext>
                   </a:extLst>
                 </a:gridCol>
@@ -7018,7 +7982,7 @@
                 </a:tc>
                 <a:extLst>
                   <a:ext uri="{0D108BD9-81ED-4DB2-BD59-A6C34878D82A}">
-                    <a16:rowId xmlns="" xmlns:a16="http://schemas.microsoft.com/office/drawing/2014/main" val="1789177411"/>
+                    <a16:rowId xmlns:a16="http://schemas.microsoft.com/office/drawing/2014/main" xmlns="" val="1789177411"/>
                   </a:ext>
                 </a:extLst>
               </a:tr>
@@ -7079,7 +8043,7 @@
                 </a:tc>
                 <a:extLst>
                   <a:ext uri="{0D108BD9-81ED-4DB2-BD59-A6C34878D82A}">
-                    <a16:rowId xmlns="" xmlns:a16="http://schemas.microsoft.com/office/drawing/2014/main" val="3842815335"/>
+                    <a16:rowId xmlns:a16="http://schemas.microsoft.com/office/drawing/2014/main" xmlns="" val="3842815335"/>
                   </a:ext>
                 </a:extLst>
               </a:tr>
@@ -7126,7 +8090,7 @@
                 </a:tc>
                 <a:extLst>
                   <a:ext uri="{0D108BD9-81ED-4DB2-BD59-A6C34878D82A}">
-                    <a16:rowId xmlns="" xmlns:a16="http://schemas.microsoft.com/office/drawing/2014/main" val="321066646"/>
+                    <a16:rowId xmlns:a16="http://schemas.microsoft.com/office/drawing/2014/main" xmlns="" val="321066646"/>
                   </a:ext>
                 </a:extLst>
               </a:tr>
@@ -7197,7 +8161,7 @@
                 </a:tc>
                 <a:extLst>
                   <a:ext uri="{0D108BD9-81ED-4DB2-BD59-A6C34878D82A}">
-                    <a16:rowId xmlns="" xmlns:a16="http://schemas.microsoft.com/office/drawing/2014/main" val="3812060533"/>
+                    <a16:rowId xmlns:a16="http://schemas.microsoft.com/office/drawing/2014/main" xmlns="" val="3812060533"/>
                   </a:ext>
                 </a:extLst>
               </a:tr>
@@ -7292,6 +8256,956 @@
 </p:sld>
 </file>
 
+<file path=ppt/slides/slide20.xml><?xml version="1.0" encoding="utf-8"?>
+<p:sld xmlns:a="http://schemas.openxmlformats.org/drawingml/2006/main" xmlns:r="http://schemas.openxmlformats.org/officeDocument/2006/relationships" xmlns:p="http://schemas.openxmlformats.org/presentationml/2006/main">
+  <p:cSld>
+    <p:spTree>
+      <p:nvGrpSpPr>
+        <p:cNvPr id="1" name=""/>
+        <p:cNvGrpSpPr/>
+        <p:nvPr/>
+      </p:nvGrpSpPr>
+      <p:grpSpPr>
+        <a:xfrm>
+          <a:off x="0" y="0"/>
+          <a:ext cx="0" cy="0"/>
+          <a:chOff x="0" y="0"/>
+          <a:chExt cx="0" cy="0"/>
+        </a:xfrm>
+      </p:grpSpPr>
+      <p:sp>
+        <p:nvSpPr>
+          <p:cNvPr id="2" name="Text Placeholder 1"/>
+          <p:cNvSpPr>
+            <a:spLocks noGrp="1"/>
+          </p:cNvSpPr>
+          <p:nvPr>
+            <p:ph type="body" sz="quarter" idx="10"/>
+          </p:nvPr>
+        </p:nvSpPr>
+        <p:spPr/>
+        <p:txBody>
+          <a:bodyPr/>
+          <a:lstStyle/>
+          <a:p>
+            <a:r>
+              <a:rPr lang="en-US" dirty="0" smtClean="0"/>
+              <a:t>Images</a:t>
+            </a:r>
+            <a:endParaRPr lang="en-US" dirty="0"/>
+          </a:p>
+        </p:txBody>
+      </p:sp>
+      <p:sp>
+        <p:nvSpPr>
+          <p:cNvPr id="3" name="Subtitle 2"/>
+          <p:cNvSpPr>
+            <a:spLocks noGrp="1"/>
+          </p:cNvSpPr>
+          <p:nvPr>
+            <p:ph type="subTitle" idx="1"/>
+          </p:nvPr>
+        </p:nvSpPr>
+        <p:spPr/>
+        <p:txBody>
+          <a:bodyPr/>
+          <a:lstStyle/>
+          <a:p>
+            <a:endParaRPr lang="en-US"/>
+          </a:p>
+        </p:txBody>
+      </p:sp>
+    </p:spTree>
+    <p:extLst>
+      <p:ext uri="{BB962C8B-B14F-4D97-AF65-F5344CB8AC3E}">
+        <p14:creationId xmlns:p14="http://schemas.microsoft.com/office/powerpoint/2010/main" val="4243374243"/>
+      </p:ext>
+    </p:extLst>
+  </p:cSld>
+  <p:clrMapOvr>
+    <a:masterClrMapping/>
+  </p:clrMapOvr>
+  <p:timing>
+    <p:tnLst>
+      <p:par>
+        <p:cTn id="1" dur="indefinite" restart="never" nodeType="tmRoot"/>
+      </p:par>
+    </p:tnLst>
+  </p:timing>
+</p:sld>
+</file>
+
+<file path=ppt/slides/slide21.xml><?xml version="1.0" encoding="utf-8"?>
+<p:sld xmlns:a="http://schemas.openxmlformats.org/drawingml/2006/main" xmlns:r="http://schemas.openxmlformats.org/officeDocument/2006/relationships" xmlns:p="http://schemas.openxmlformats.org/presentationml/2006/main">
+  <p:cSld>
+    <p:spTree>
+      <p:nvGrpSpPr>
+        <p:cNvPr id="1" name=""/>
+        <p:cNvGrpSpPr/>
+        <p:nvPr/>
+      </p:nvGrpSpPr>
+      <p:grpSpPr>
+        <a:xfrm>
+          <a:off x="0" y="0"/>
+          <a:ext cx="0" cy="0"/>
+          <a:chOff x="0" y="0"/>
+          <a:chExt cx="0" cy="0"/>
+        </a:xfrm>
+      </p:grpSpPr>
+      <p:sp>
+        <p:nvSpPr>
+          <p:cNvPr id="4" name="Title 3"/>
+          <p:cNvSpPr>
+            <a:spLocks noGrp="1"/>
+          </p:cNvSpPr>
+          <p:nvPr>
+            <p:ph type="title"/>
+          </p:nvPr>
+        </p:nvSpPr>
+        <p:spPr/>
+        <p:txBody>
+          <a:bodyPr/>
+          <a:lstStyle/>
+          <a:p>
+            <a:r>
+              <a:rPr lang="en-US" dirty="0" smtClean="0"/>
+              <a:t>What not to do</a:t>
+            </a:r>
+            <a:br>
+              <a:rPr lang="en-US" dirty="0" smtClean="0"/>
+            </a:br>
+            <a:r>
+              <a:rPr lang="en-US" dirty="0" smtClean="0"/>
+              <a:t/>
+            </a:r>
+            <a:br>
+              <a:rPr lang="en-US" dirty="0" smtClean="0"/>
+            </a:br>
+            <a:r>
+              <a:rPr lang="en-US" dirty="0" smtClean="0"/>
+              <a:t>F12 tools</a:t>
+            </a:r>
+            <a:endParaRPr lang="en-US" dirty="0"/>
+          </a:p>
+        </p:txBody>
+      </p:sp>
+    </p:spTree>
+    <p:extLst>
+      <p:ext uri="{BB962C8B-B14F-4D97-AF65-F5344CB8AC3E}">
+        <p14:creationId xmlns:p14="http://schemas.microsoft.com/office/powerpoint/2010/main" val="1592215265"/>
+      </p:ext>
+    </p:extLst>
+  </p:cSld>
+  <p:clrMapOvr>
+    <a:masterClrMapping/>
+  </p:clrMapOvr>
+  <p:timing>
+    <p:tnLst>
+      <p:par>
+        <p:cTn id="1" dur="indefinite" restart="never" nodeType="tmRoot"/>
+      </p:par>
+    </p:tnLst>
+  </p:timing>
+</p:sld>
+</file>
+
+<file path=ppt/slides/slide22.xml><?xml version="1.0" encoding="utf-8"?>
+<p:sld xmlns:a="http://schemas.openxmlformats.org/drawingml/2006/main" xmlns:r="http://schemas.openxmlformats.org/officeDocument/2006/relationships" xmlns:p="http://schemas.openxmlformats.org/presentationml/2006/main">
+  <p:cSld>
+    <p:spTree>
+      <p:nvGrpSpPr>
+        <p:cNvPr id="1" name=""/>
+        <p:cNvGrpSpPr/>
+        <p:nvPr/>
+      </p:nvGrpSpPr>
+      <p:grpSpPr>
+        <a:xfrm>
+          <a:off x="0" y="0"/>
+          <a:ext cx="0" cy="0"/>
+          <a:chOff x="0" y="0"/>
+          <a:chExt cx="0" cy="0"/>
+        </a:xfrm>
+      </p:grpSpPr>
+      <p:sp>
+        <p:nvSpPr>
+          <p:cNvPr id="3" name="Title 2"/>
+          <p:cNvSpPr>
+            <a:spLocks noGrp="1"/>
+          </p:cNvSpPr>
+          <p:nvPr>
+            <p:ph type="title"/>
+          </p:nvPr>
+        </p:nvSpPr>
+        <p:spPr/>
+        <p:txBody>
+          <a:bodyPr/>
+          <a:lstStyle/>
+          <a:p>
+            <a:r>
+              <a:rPr lang="en-US" dirty="0" smtClean="0"/>
+              <a:t>Image issues</a:t>
+            </a:r>
+            <a:endParaRPr lang="en-US" dirty="0"/>
+          </a:p>
+        </p:txBody>
+      </p:sp>
+      <p:sp>
+        <p:nvSpPr>
+          <p:cNvPr id="4" name="Content Placeholder 3"/>
+          <p:cNvSpPr>
+            <a:spLocks noGrp="1"/>
+          </p:cNvSpPr>
+          <p:nvPr>
+            <p:ph sz="quarter" idx="10"/>
+          </p:nvPr>
+        </p:nvSpPr>
+        <p:spPr/>
+        <p:txBody>
+          <a:bodyPr/>
+          <a:lstStyle/>
+          <a:p>
+            <a:r>
+              <a:rPr lang="en-US" dirty="0" smtClean="0"/>
+              <a:t>Need to send down right sized images</a:t>
+            </a:r>
+          </a:p>
+          <a:p>
+            <a:r>
+              <a:rPr lang="en-US" dirty="0" smtClean="0"/>
+              <a:t>Servers don't automatically resize images</a:t>
+            </a:r>
+          </a:p>
+          <a:p>
+            <a:r>
+              <a:rPr lang="en-US" dirty="0" err="1" smtClean="0"/>
+              <a:t>img</a:t>
+            </a:r>
+            <a:r>
+              <a:rPr lang="en-US" dirty="0" smtClean="0"/>
+              <a:t> tag doesn't support size detection</a:t>
+            </a:r>
+            <a:endParaRPr lang="en-US" dirty="0"/>
+          </a:p>
+        </p:txBody>
+      </p:sp>
+    </p:spTree>
+    <p:extLst>
+      <p:ext uri="{BB962C8B-B14F-4D97-AF65-F5344CB8AC3E}">
+        <p14:creationId xmlns:p14="http://schemas.microsoft.com/office/powerpoint/2010/main" val="3212056008"/>
+      </p:ext>
+    </p:extLst>
+  </p:cSld>
+  <p:clrMapOvr>
+    <a:masterClrMapping/>
+  </p:clrMapOvr>
+  <p:timing>
+    <p:tnLst>
+      <p:par>
+        <p:cTn id="1" dur="indefinite" restart="never" nodeType="tmRoot"/>
+      </p:par>
+    </p:tnLst>
+  </p:timing>
+</p:sld>
+</file>
+
+<file path=ppt/slides/slide23.xml><?xml version="1.0" encoding="utf-8"?>
+<p:sld xmlns:a="http://schemas.openxmlformats.org/drawingml/2006/main" xmlns:r="http://schemas.openxmlformats.org/officeDocument/2006/relationships" xmlns:p="http://schemas.openxmlformats.org/presentationml/2006/main">
+  <p:cSld>
+    <p:spTree>
+      <p:nvGrpSpPr>
+        <p:cNvPr id="1" name=""/>
+        <p:cNvGrpSpPr/>
+        <p:nvPr/>
+      </p:nvGrpSpPr>
+      <p:grpSpPr>
+        <a:xfrm>
+          <a:off x="0" y="0"/>
+          <a:ext cx="0" cy="0"/>
+          <a:chOff x="0" y="0"/>
+          <a:chExt cx="0" cy="0"/>
+        </a:xfrm>
+      </p:grpSpPr>
+      <p:sp>
+        <p:nvSpPr>
+          <p:cNvPr id="2" name="Title 1"/>
+          <p:cNvSpPr>
+            <a:spLocks noGrp="1"/>
+          </p:cNvSpPr>
+          <p:nvPr>
+            <p:ph type="title"/>
+          </p:nvPr>
+        </p:nvSpPr>
+        <p:spPr/>
+        <p:txBody>
+          <a:bodyPr/>
+          <a:lstStyle/>
+          <a:p>
+            <a:r>
+              <a:rPr lang="en-US" dirty="0" smtClean="0"/>
+              <a:t>Option one</a:t>
+            </a:r>
+            <a:endParaRPr lang="en-US" dirty="0"/>
+          </a:p>
+        </p:txBody>
+      </p:sp>
+      <p:sp>
+        <p:nvSpPr>
+          <p:cNvPr id="3" name="Content Placeholder 2"/>
+          <p:cNvSpPr>
+            <a:spLocks noGrp="1"/>
+          </p:cNvSpPr>
+          <p:nvPr>
+            <p:ph sz="quarter" idx="10"/>
+          </p:nvPr>
+        </p:nvSpPr>
+        <p:spPr/>
+        <p:txBody>
+          <a:bodyPr>
+            <a:normAutofit lnSpcReduction="10000"/>
+          </a:bodyPr>
+          <a:lstStyle/>
+          <a:p>
+            <a:r>
+              <a:rPr lang="en-US" dirty="0" smtClean="0"/>
+              <a:t>SVG graphics</a:t>
+            </a:r>
+          </a:p>
+          <a:p>
+            <a:r>
+              <a:rPr lang="en-US" dirty="0" smtClean="0"/>
+              <a:t>The name says it all</a:t>
+            </a:r>
+          </a:p>
+          <a:p>
+            <a:pPr lvl="1"/>
+            <a:r>
+              <a:rPr lang="en-US" dirty="0" smtClean="0"/>
+              <a:t>Scalable</a:t>
+            </a:r>
+          </a:p>
+          <a:p>
+            <a:pPr lvl="1"/>
+            <a:r>
+              <a:rPr lang="en-US" dirty="0" smtClean="0"/>
+              <a:t>Vector</a:t>
+            </a:r>
+          </a:p>
+          <a:p>
+            <a:pPr lvl="1"/>
+            <a:r>
+              <a:rPr lang="en-US" dirty="0" smtClean="0"/>
+              <a:t>Graphics</a:t>
+            </a:r>
+          </a:p>
+          <a:p>
+            <a:r>
+              <a:rPr lang="en-US" dirty="0" smtClean="0"/>
+              <a:t>Images are created declaratively</a:t>
+            </a:r>
+          </a:p>
+          <a:p>
+            <a:pPr lvl="1"/>
+            <a:r>
+              <a:rPr lang="en-US" dirty="0" smtClean="0"/>
+              <a:t>Least amount of data to be downloaded</a:t>
+            </a:r>
+          </a:p>
+          <a:p>
+            <a:r>
+              <a:rPr lang="en-US" dirty="0" smtClean="0"/>
+              <a:t>Potential issues</a:t>
+            </a:r>
+          </a:p>
+          <a:p>
+            <a:pPr lvl="1"/>
+            <a:r>
+              <a:rPr lang="en-US" dirty="0" smtClean="0"/>
+              <a:t>Browser support</a:t>
+            </a:r>
+          </a:p>
+          <a:p>
+            <a:pPr lvl="1"/>
+            <a:r>
+              <a:rPr lang="en-US" dirty="0" smtClean="0"/>
+              <a:t>Generating SVG</a:t>
+            </a:r>
+            <a:endParaRPr lang="en-US" dirty="0"/>
+          </a:p>
+        </p:txBody>
+      </p:sp>
+    </p:spTree>
+    <p:extLst>
+      <p:ext uri="{BB962C8B-B14F-4D97-AF65-F5344CB8AC3E}">
+        <p14:creationId xmlns:p14="http://schemas.microsoft.com/office/powerpoint/2010/main" val="3387769857"/>
+      </p:ext>
+    </p:extLst>
+  </p:cSld>
+  <p:clrMapOvr>
+    <a:masterClrMapping/>
+  </p:clrMapOvr>
+  <p:timing>
+    <p:tnLst>
+      <p:par>
+        <p:cTn id="1" dur="indefinite" restart="never" nodeType="tmRoot"/>
+      </p:par>
+    </p:tnLst>
+  </p:timing>
+</p:sld>
+</file>
+
+<file path=ppt/slides/slide24.xml><?xml version="1.0" encoding="utf-8"?>
+<p:sld xmlns:a="http://schemas.openxmlformats.org/drawingml/2006/main" xmlns:r="http://schemas.openxmlformats.org/officeDocument/2006/relationships" xmlns:p="http://schemas.openxmlformats.org/presentationml/2006/main">
+  <p:cSld>
+    <p:spTree>
+      <p:nvGrpSpPr>
+        <p:cNvPr id="1" name=""/>
+        <p:cNvGrpSpPr/>
+        <p:nvPr/>
+      </p:nvGrpSpPr>
+      <p:grpSpPr>
+        <a:xfrm>
+          <a:off x="0" y="0"/>
+          <a:ext cx="0" cy="0"/>
+          <a:chOff x="0" y="0"/>
+          <a:chExt cx="0" cy="0"/>
+        </a:xfrm>
+      </p:grpSpPr>
+      <p:sp>
+        <p:nvSpPr>
+          <p:cNvPr id="4" name="Title 3"/>
+          <p:cNvSpPr>
+            <a:spLocks noGrp="1"/>
+          </p:cNvSpPr>
+          <p:nvPr>
+            <p:ph type="title"/>
+          </p:nvPr>
+        </p:nvSpPr>
+        <p:spPr/>
+        <p:txBody>
+          <a:bodyPr/>
+          <a:lstStyle/>
+          <a:p>
+            <a:r>
+              <a:rPr lang="en-US" dirty="0" smtClean="0"/>
+              <a:t>A simple SVG</a:t>
+            </a:r>
+            <a:endParaRPr lang="en-US" dirty="0"/>
+          </a:p>
+        </p:txBody>
+      </p:sp>
+    </p:spTree>
+    <p:extLst>
+      <p:ext uri="{BB962C8B-B14F-4D97-AF65-F5344CB8AC3E}">
+        <p14:creationId xmlns:p14="http://schemas.microsoft.com/office/powerpoint/2010/main" val="3218674372"/>
+      </p:ext>
+    </p:extLst>
+  </p:cSld>
+  <p:clrMapOvr>
+    <a:masterClrMapping/>
+  </p:clrMapOvr>
+  <p:timing>
+    <p:tnLst>
+      <p:par>
+        <p:cTn id="1" dur="indefinite" restart="never" nodeType="tmRoot"/>
+      </p:par>
+    </p:tnLst>
+  </p:timing>
+</p:sld>
+</file>
+
+<file path=ppt/slides/slide25.xml><?xml version="1.0" encoding="utf-8"?>
+<p:sld xmlns:a="http://schemas.openxmlformats.org/drawingml/2006/main" xmlns:r="http://schemas.openxmlformats.org/officeDocument/2006/relationships" xmlns:p="http://schemas.openxmlformats.org/presentationml/2006/main">
+  <p:cSld>
+    <p:spTree>
+      <p:nvGrpSpPr>
+        <p:cNvPr id="1" name=""/>
+        <p:cNvGrpSpPr/>
+        <p:nvPr/>
+      </p:nvGrpSpPr>
+      <p:grpSpPr>
+        <a:xfrm>
+          <a:off x="0" y="0"/>
+          <a:ext cx="0" cy="0"/>
+          <a:chOff x="0" y="0"/>
+          <a:chExt cx="0" cy="0"/>
+        </a:xfrm>
+      </p:grpSpPr>
+      <p:sp>
+        <p:nvSpPr>
+          <p:cNvPr id="2" name="Title 1"/>
+          <p:cNvSpPr>
+            <a:spLocks noGrp="1"/>
+          </p:cNvSpPr>
+          <p:nvPr>
+            <p:ph type="title"/>
+          </p:nvPr>
+        </p:nvSpPr>
+        <p:spPr/>
+        <p:txBody>
+          <a:bodyPr/>
+          <a:lstStyle/>
+          <a:p>
+            <a:r>
+              <a:rPr lang="en-US" dirty="0" smtClean="0"/>
+              <a:t>Option two</a:t>
+            </a:r>
+            <a:endParaRPr lang="en-US" dirty="0"/>
+          </a:p>
+        </p:txBody>
+      </p:sp>
+      <p:sp>
+        <p:nvSpPr>
+          <p:cNvPr id="3" name="Content Placeholder 2"/>
+          <p:cNvSpPr>
+            <a:spLocks noGrp="1"/>
+          </p:cNvSpPr>
+          <p:nvPr>
+            <p:ph sz="quarter" idx="10"/>
+          </p:nvPr>
+        </p:nvSpPr>
+        <p:spPr/>
+        <p:txBody>
+          <a:bodyPr/>
+          <a:lstStyle/>
+          <a:p>
+            <a:r>
+              <a:rPr lang="en-US" dirty="0" smtClean="0"/>
+              <a:t>HTML5 picture element</a:t>
+            </a:r>
+          </a:p>
+          <a:p>
+            <a:r>
+              <a:rPr lang="en-US" dirty="0" smtClean="0"/>
+              <a:t>W3C draft standard</a:t>
+            </a:r>
+          </a:p>
+          <a:p>
+            <a:r>
+              <a:rPr lang="en-US" dirty="0" smtClean="0"/>
+              <a:t>Similar to audio and video elements</a:t>
+            </a:r>
+          </a:p>
+          <a:p>
+            <a:pPr lvl="1"/>
+            <a:r>
+              <a:rPr lang="en-US" dirty="0" smtClean="0"/>
+              <a:t>Specify multiple images</a:t>
+            </a:r>
+          </a:p>
+          <a:p>
+            <a:pPr lvl="1"/>
+            <a:r>
+              <a:rPr lang="en-US" dirty="0" smtClean="0"/>
+              <a:t>Supports media queries</a:t>
+            </a:r>
+          </a:p>
+          <a:p>
+            <a:r>
+              <a:rPr lang="en-US" dirty="0" smtClean="0"/>
+              <a:t>Potential issues</a:t>
+            </a:r>
+          </a:p>
+          <a:p>
+            <a:pPr lvl="1"/>
+            <a:r>
+              <a:rPr lang="en-US" dirty="0" smtClean="0"/>
+              <a:t>Browser support</a:t>
+            </a:r>
+          </a:p>
+          <a:p>
+            <a:pPr lvl="1"/>
+            <a:r>
+              <a:rPr lang="en-US" dirty="0" smtClean="0"/>
+              <a:t>Scott </a:t>
+            </a:r>
+            <a:r>
+              <a:rPr lang="en-US" dirty="0" err="1" smtClean="0"/>
+              <a:t>Jehl's</a:t>
+            </a:r>
+            <a:r>
+              <a:rPr lang="en-US" dirty="0" smtClean="0"/>
+              <a:t> </a:t>
+            </a:r>
+            <a:r>
+              <a:rPr lang="en-US" dirty="0" err="1" smtClean="0"/>
+              <a:t>picturefill</a:t>
+            </a:r>
+            <a:r>
+              <a:rPr lang="en-US" dirty="0"/>
+              <a:t>: https://github.com/scottjehl/picturefill</a:t>
+            </a:r>
+          </a:p>
+        </p:txBody>
+      </p:sp>
+    </p:spTree>
+    <p:extLst>
+      <p:ext uri="{BB962C8B-B14F-4D97-AF65-F5344CB8AC3E}">
+        <p14:creationId xmlns:p14="http://schemas.microsoft.com/office/powerpoint/2010/main" val="2849641477"/>
+      </p:ext>
+    </p:extLst>
+  </p:cSld>
+  <p:clrMapOvr>
+    <a:masterClrMapping/>
+  </p:clrMapOvr>
+  <p:timing>
+    <p:tnLst>
+      <p:par>
+        <p:cTn id="1" dur="indefinite" restart="never" nodeType="tmRoot"/>
+      </p:par>
+    </p:tnLst>
+  </p:timing>
+</p:sld>
+</file>
+
+<file path=ppt/slides/slide26.xml><?xml version="1.0" encoding="utf-8"?>
+<p:sld xmlns:a="http://schemas.openxmlformats.org/drawingml/2006/main" xmlns:r="http://schemas.openxmlformats.org/officeDocument/2006/relationships" xmlns:p="http://schemas.openxmlformats.org/presentationml/2006/main">
+  <p:cSld>
+    <p:spTree>
+      <p:nvGrpSpPr>
+        <p:cNvPr id="1" name=""/>
+        <p:cNvGrpSpPr/>
+        <p:nvPr/>
+      </p:nvGrpSpPr>
+      <p:grpSpPr>
+        <a:xfrm>
+          <a:off x="0" y="0"/>
+          <a:ext cx="0" cy="0"/>
+          <a:chOff x="0" y="0"/>
+          <a:chExt cx="0" cy="0"/>
+        </a:xfrm>
+      </p:grpSpPr>
+      <p:sp>
+        <p:nvSpPr>
+          <p:cNvPr id="4" name="Title 3"/>
+          <p:cNvSpPr>
+            <a:spLocks noGrp="1"/>
+          </p:cNvSpPr>
+          <p:nvPr>
+            <p:ph type="title"/>
+          </p:nvPr>
+        </p:nvSpPr>
+        <p:spPr/>
+        <p:txBody>
+          <a:bodyPr/>
+          <a:lstStyle/>
+          <a:p>
+            <a:r>
+              <a:rPr lang="en-US" dirty="0" smtClean="0"/>
+              <a:t>Picture element</a:t>
+            </a:r>
+            <a:endParaRPr lang="en-US" dirty="0"/>
+          </a:p>
+        </p:txBody>
+      </p:sp>
+      <p:sp>
+        <p:nvSpPr>
+          <p:cNvPr id="5" name="Rectangle 4"/>
+          <p:cNvSpPr/>
+          <p:nvPr/>
+        </p:nvSpPr>
+        <p:spPr>
+          <a:xfrm>
+            <a:off x="2523519" y="6145164"/>
+            <a:ext cx="7602279" cy="400110"/>
+          </a:xfrm>
+          <a:prstGeom prst="rect">
+            <a:avLst/>
+          </a:prstGeom>
+        </p:spPr>
+        <p:style>
+          <a:lnRef idx="3">
+            <a:schemeClr val="lt1"/>
+          </a:lnRef>
+          <a:fillRef idx="1">
+            <a:schemeClr val="accent6"/>
+          </a:fillRef>
+          <a:effectRef idx="1">
+            <a:schemeClr val="accent6"/>
+          </a:effectRef>
+          <a:fontRef idx="minor">
+            <a:schemeClr val="lt1"/>
+          </a:fontRef>
+        </p:style>
+        <p:txBody>
+          <a:bodyPr wrap="square">
+            <a:spAutoFit/>
+          </a:bodyPr>
+          <a:lstStyle/>
+          <a:p>
+            <a:r>
+              <a:rPr lang="en-US" sz="2000" dirty="0"/>
+              <a:t>http://www.html5rocks.com/en/tutorials/responsive/picture-element/</a:t>
+            </a:r>
+          </a:p>
+        </p:txBody>
+      </p:sp>
+    </p:spTree>
+    <p:extLst>
+      <p:ext uri="{BB962C8B-B14F-4D97-AF65-F5344CB8AC3E}">
+        <p14:creationId xmlns:p14="http://schemas.microsoft.com/office/powerpoint/2010/main" val="249011017"/>
+      </p:ext>
+    </p:extLst>
+  </p:cSld>
+  <p:clrMapOvr>
+    <a:masterClrMapping/>
+  </p:clrMapOvr>
+  <p:timing>
+    <p:tnLst>
+      <p:par>
+        <p:cTn id="1" dur="indefinite" restart="never" nodeType="tmRoot"/>
+      </p:par>
+    </p:tnLst>
+  </p:timing>
+</p:sld>
+</file>
+
+<file path=ppt/slides/slide27.xml><?xml version="1.0" encoding="utf-8"?>
+<p:sld xmlns:a="http://schemas.openxmlformats.org/drawingml/2006/main" xmlns:r="http://schemas.openxmlformats.org/officeDocument/2006/relationships" xmlns:p="http://schemas.openxmlformats.org/presentationml/2006/main">
+  <p:cSld>
+    <p:spTree>
+      <p:nvGrpSpPr>
+        <p:cNvPr id="1" name=""/>
+        <p:cNvGrpSpPr/>
+        <p:nvPr/>
+      </p:nvGrpSpPr>
+      <p:grpSpPr>
+        <a:xfrm>
+          <a:off x="0" y="0"/>
+          <a:ext cx="0" cy="0"/>
+          <a:chOff x="0" y="0"/>
+          <a:chExt cx="0" cy="0"/>
+        </a:xfrm>
+      </p:grpSpPr>
+      <p:sp>
+        <p:nvSpPr>
+          <p:cNvPr id="3" name="Title 2"/>
+          <p:cNvSpPr>
+            <a:spLocks noGrp="1"/>
+          </p:cNvSpPr>
+          <p:nvPr>
+            <p:ph type="title"/>
+          </p:nvPr>
+        </p:nvSpPr>
+        <p:spPr/>
+        <p:txBody>
+          <a:bodyPr/>
+          <a:lstStyle/>
+          <a:p>
+            <a:r>
+              <a:rPr lang="en-US" dirty="0" smtClean="0"/>
+              <a:t>Option three</a:t>
+            </a:r>
+            <a:endParaRPr lang="en-US" dirty="0"/>
+          </a:p>
+        </p:txBody>
+      </p:sp>
+      <p:sp>
+        <p:nvSpPr>
+          <p:cNvPr id="4" name="Content Placeholder 3"/>
+          <p:cNvSpPr>
+            <a:spLocks noGrp="1"/>
+          </p:cNvSpPr>
+          <p:nvPr>
+            <p:ph sz="quarter" idx="10"/>
+          </p:nvPr>
+        </p:nvSpPr>
+        <p:spPr/>
+        <p:txBody>
+          <a:bodyPr/>
+          <a:lstStyle/>
+          <a:p>
+            <a:r>
+              <a:rPr lang="en-US" dirty="0" smtClean="0"/>
+              <a:t>Background images on div tags</a:t>
+            </a:r>
+          </a:p>
+          <a:p>
+            <a:r>
+              <a:rPr lang="en-US" dirty="0" smtClean="0"/>
+              <a:t>Always works</a:t>
+            </a:r>
+          </a:p>
+          <a:p>
+            <a:r>
+              <a:rPr lang="en-US" dirty="0" smtClean="0"/>
+              <a:t>Supports media queries</a:t>
+            </a:r>
+          </a:p>
+          <a:p>
+            <a:r>
+              <a:rPr lang="en-US" dirty="0" smtClean="0"/>
+              <a:t>Potential issues</a:t>
+            </a:r>
+          </a:p>
+          <a:p>
+            <a:pPr lvl="1"/>
+            <a:r>
+              <a:rPr lang="en-US" dirty="0" smtClean="0"/>
+              <a:t>It's a hack</a:t>
+            </a:r>
+            <a:endParaRPr lang="en-US" dirty="0"/>
+          </a:p>
+        </p:txBody>
+      </p:sp>
+    </p:spTree>
+    <p:extLst>
+      <p:ext uri="{BB962C8B-B14F-4D97-AF65-F5344CB8AC3E}">
+        <p14:creationId xmlns:p14="http://schemas.microsoft.com/office/powerpoint/2010/main" val="3356672372"/>
+      </p:ext>
+    </p:extLst>
+  </p:cSld>
+  <p:clrMapOvr>
+    <a:masterClrMapping/>
+  </p:clrMapOvr>
+  <p:timing>
+    <p:tnLst>
+      <p:par>
+        <p:cTn id="1" dur="indefinite" restart="never" nodeType="tmRoot"/>
+      </p:par>
+    </p:tnLst>
+  </p:timing>
+</p:sld>
+</file>
+
+<file path=ppt/slides/slide28.xml><?xml version="1.0" encoding="utf-8"?>
+<p:sld xmlns:a="http://schemas.openxmlformats.org/drawingml/2006/main" xmlns:r="http://schemas.openxmlformats.org/officeDocument/2006/relationships" xmlns:p="http://schemas.openxmlformats.org/presentationml/2006/main">
+  <p:cSld>
+    <p:spTree>
+      <p:nvGrpSpPr>
+        <p:cNvPr id="1" name=""/>
+        <p:cNvGrpSpPr/>
+        <p:nvPr/>
+      </p:nvGrpSpPr>
+      <p:grpSpPr>
+        <a:xfrm>
+          <a:off x="0" y="0"/>
+          <a:ext cx="0" cy="0"/>
+          <a:chOff x="0" y="0"/>
+          <a:chExt cx="0" cy="0"/>
+        </a:xfrm>
+      </p:grpSpPr>
+      <p:sp>
+        <p:nvSpPr>
+          <p:cNvPr id="4" name="Title 3"/>
+          <p:cNvSpPr>
+            <a:spLocks noGrp="1"/>
+          </p:cNvSpPr>
+          <p:nvPr>
+            <p:ph type="title"/>
+          </p:nvPr>
+        </p:nvSpPr>
+        <p:spPr/>
+        <p:txBody>
+          <a:bodyPr/>
+          <a:lstStyle/>
+          <a:p>
+            <a:r>
+              <a:rPr lang="en-US" dirty="0" smtClean="0"/>
+              <a:t>Background images</a:t>
+            </a:r>
+            <a:endParaRPr lang="en-US" dirty="0"/>
+          </a:p>
+        </p:txBody>
+      </p:sp>
+    </p:spTree>
+    <p:extLst>
+      <p:ext uri="{BB962C8B-B14F-4D97-AF65-F5344CB8AC3E}">
+        <p14:creationId xmlns:p14="http://schemas.microsoft.com/office/powerpoint/2010/main" val="3444144893"/>
+      </p:ext>
+    </p:extLst>
+  </p:cSld>
+  <p:clrMapOvr>
+    <a:masterClrMapping/>
+  </p:clrMapOvr>
+  <p:timing>
+    <p:tnLst>
+      <p:par>
+        <p:cTn id="1" dur="indefinite" restart="never" nodeType="tmRoot"/>
+      </p:par>
+    </p:tnLst>
+  </p:timing>
+</p:sld>
+</file>
+
+<file path=ppt/slides/slide29.xml><?xml version="1.0" encoding="utf-8"?>
+<p:sld xmlns:a="http://schemas.openxmlformats.org/drawingml/2006/main" xmlns:r="http://schemas.openxmlformats.org/officeDocument/2006/relationships" xmlns:p="http://schemas.openxmlformats.org/presentationml/2006/main">
+  <p:cSld>
+    <p:spTree>
+      <p:nvGrpSpPr>
+        <p:cNvPr id="1" name=""/>
+        <p:cNvGrpSpPr/>
+        <p:nvPr/>
+      </p:nvGrpSpPr>
+      <p:grpSpPr>
+        <a:xfrm>
+          <a:off x="0" y="0"/>
+          <a:ext cx="0" cy="0"/>
+          <a:chOff x="0" y="0"/>
+          <a:chExt cx="0" cy="0"/>
+        </a:xfrm>
+      </p:grpSpPr>
+      <p:sp>
+        <p:nvSpPr>
+          <p:cNvPr id="4" name="Text Placeholder 3"/>
+          <p:cNvSpPr>
+            <a:spLocks noGrp="1"/>
+          </p:cNvSpPr>
+          <p:nvPr>
+            <p:ph type="body" sz="quarter" idx="10"/>
+          </p:nvPr>
+        </p:nvSpPr>
+        <p:spPr/>
+        <p:txBody>
+          <a:bodyPr/>
+          <a:lstStyle/>
+          <a:p>
+            <a:r>
+              <a:rPr lang="en-US" dirty="0" smtClean="0"/>
+              <a:t>Mimicking apps</a:t>
+            </a:r>
+            <a:endParaRPr lang="en-US" dirty="0"/>
+          </a:p>
+        </p:txBody>
+      </p:sp>
+      <p:sp>
+        <p:nvSpPr>
+          <p:cNvPr id="3" name="Subtitle 2"/>
+          <p:cNvSpPr>
+            <a:spLocks noGrp="1"/>
+          </p:cNvSpPr>
+          <p:nvPr>
+            <p:ph type="subTitle" idx="1"/>
+          </p:nvPr>
+        </p:nvSpPr>
+        <p:spPr/>
+        <p:txBody>
+          <a:bodyPr/>
+          <a:lstStyle/>
+          <a:p>
+            <a:endParaRPr lang="en-US" dirty="0"/>
+          </a:p>
+        </p:txBody>
+      </p:sp>
+    </p:spTree>
+    <p:extLst>
+      <p:ext uri="{BB962C8B-B14F-4D97-AF65-F5344CB8AC3E}">
+        <p14:creationId xmlns:p14="http://schemas.microsoft.com/office/powerpoint/2010/main" val="2838956436"/>
+      </p:ext>
+    </p:extLst>
+  </p:cSld>
+  <p:clrMapOvr>
+    <a:masterClrMapping/>
+  </p:clrMapOvr>
+  <p:timing>
+    <p:tnLst>
+      <p:par>
+        <p:cTn id="1" dur="indefinite" restart="never" nodeType="tmRoot"/>
+      </p:par>
+    </p:tnLst>
+  </p:timing>
+</p:sld>
+</file>
+
 <file path=ppt/slides/slide3.xml><?xml version="1.0" encoding="utf-8"?>
 <p:sld xmlns:a="http://schemas.openxmlformats.org/drawingml/2006/main" xmlns:r="http://schemas.openxmlformats.org/officeDocument/2006/relationships" xmlns:p="http://schemas.openxmlformats.org/presentationml/2006/main">
   <p:cSld>
@@ -7381,6 +9295,629 @@
     <p:extLst>
       <p:ext uri="{BB962C8B-B14F-4D97-AF65-F5344CB8AC3E}">
         <p14:creationId xmlns:p14="http://schemas.microsoft.com/office/powerpoint/2010/main" val="1027802248"/>
+      </p:ext>
+    </p:extLst>
+  </p:cSld>
+  <p:clrMapOvr>
+    <a:masterClrMapping/>
+  </p:clrMapOvr>
+  <p:timing>
+    <p:tnLst>
+      <p:par>
+        <p:cTn id="1" dur="indefinite" restart="never" nodeType="tmRoot"/>
+      </p:par>
+    </p:tnLst>
+  </p:timing>
+</p:sld>
+</file>
+
+<file path=ppt/slides/slide30.xml><?xml version="1.0" encoding="utf-8"?>
+<p:sld xmlns:a="http://schemas.openxmlformats.org/drawingml/2006/main" xmlns:r="http://schemas.openxmlformats.org/officeDocument/2006/relationships" xmlns:p="http://schemas.openxmlformats.org/presentationml/2006/main">
+  <p:cSld>
+    <p:spTree>
+      <p:nvGrpSpPr>
+        <p:cNvPr id="1" name=""/>
+        <p:cNvGrpSpPr/>
+        <p:nvPr/>
+      </p:nvGrpSpPr>
+      <p:grpSpPr>
+        <a:xfrm>
+          <a:off x="0" y="0"/>
+          <a:ext cx="0" cy="0"/>
+          <a:chOff x="0" y="0"/>
+          <a:chExt cx="0" cy="0"/>
+        </a:xfrm>
+      </p:grpSpPr>
+      <p:sp>
+        <p:nvSpPr>
+          <p:cNvPr id="4" name="Title 3"/>
+          <p:cNvSpPr>
+            <a:spLocks noGrp="1"/>
+          </p:cNvSpPr>
+          <p:nvPr>
+            <p:ph type="title"/>
+          </p:nvPr>
+        </p:nvSpPr>
+        <p:spPr/>
+        <p:txBody>
+          <a:bodyPr/>
+          <a:lstStyle/>
+          <a:p>
+            <a:r>
+              <a:rPr lang="en-US" dirty="0" smtClean="0"/>
+              <a:t>Just because it's not an app...</a:t>
+            </a:r>
+            <a:endParaRPr lang="en-US" dirty="0"/>
+          </a:p>
+        </p:txBody>
+      </p:sp>
+      <p:sp>
+        <p:nvSpPr>
+          <p:cNvPr id="5" name="Content Placeholder 4"/>
+          <p:cNvSpPr>
+            <a:spLocks noGrp="1"/>
+          </p:cNvSpPr>
+          <p:nvPr>
+            <p:ph sz="quarter" idx="10"/>
+          </p:nvPr>
+        </p:nvSpPr>
+        <p:spPr/>
+        <p:txBody>
+          <a:bodyPr/>
+          <a:lstStyle/>
+          <a:p>
+            <a:r>
+              <a:rPr lang="en-US" dirty="0" smtClean="0"/>
+              <a:t>Doesn't mean we don't want it to behave like one</a:t>
+            </a:r>
+          </a:p>
+          <a:p>
+            <a:r>
+              <a:rPr lang="en-US" dirty="0" smtClean="0"/>
+              <a:t>Components</a:t>
+            </a:r>
+          </a:p>
+          <a:p>
+            <a:pPr lvl="1"/>
+            <a:r>
+              <a:rPr lang="en-US" dirty="0" smtClean="0"/>
+              <a:t>Controlling the browser</a:t>
+            </a:r>
+          </a:p>
+          <a:p>
+            <a:pPr lvl="1"/>
+            <a:r>
+              <a:rPr lang="en-US" dirty="0" smtClean="0"/>
+              <a:t>Shortcut icon</a:t>
+            </a:r>
+          </a:p>
+        </p:txBody>
+      </p:sp>
+    </p:spTree>
+    <p:extLst>
+      <p:ext uri="{BB962C8B-B14F-4D97-AF65-F5344CB8AC3E}">
+        <p14:creationId xmlns:p14="http://schemas.microsoft.com/office/powerpoint/2010/main" val="1191592407"/>
+      </p:ext>
+    </p:extLst>
+  </p:cSld>
+  <p:clrMapOvr>
+    <a:masterClrMapping/>
+  </p:clrMapOvr>
+  <p:timing>
+    <p:tnLst>
+      <p:par>
+        <p:cTn id="1" dur="indefinite" restart="never" nodeType="tmRoot"/>
+      </p:par>
+    </p:tnLst>
+  </p:timing>
+</p:sld>
+</file>
+
+<file path=ppt/slides/slide31.xml><?xml version="1.0" encoding="utf-8"?>
+<p:sld xmlns:a="http://schemas.openxmlformats.org/drawingml/2006/main" xmlns:r="http://schemas.openxmlformats.org/officeDocument/2006/relationships" xmlns:p="http://schemas.openxmlformats.org/presentationml/2006/main">
+  <p:cSld>
+    <p:spTree>
+      <p:nvGrpSpPr>
+        <p:cNvPr id="1" name=""/>
+        <p:cNvGrpSpPr/>
+        <p:nvPr/>
+      </p:nvGrpSpPr>
+      <p:grpSpPr>
+        <a:xfrm>
+          <a:off x="0" y="0"/>
+          <a:ext cx="0" cy="0"/>
+          <a:chOff x="0" y="0"/>
+          <a:chExt cx="0" cy="0"/>
+        </a:xfrm>
+      </p:grpSpPr>
+      <p:sp>
+        <p:nvSpPr>
+          <p:cNvPr id="2" name="Title 1"/>
+          <p:cNvSpPr>
+            <a:spLocks noGrp="1"/>
+          </p:cNvSpPr>
+          <p:nvPr>
+            <p:ph type="title"/>
+          </p:nvPr>
+        </p:nvSpPr>
+        <p:spPr/>
+        <p:txBody>
+          <a:bodyPr/>
+          <a:lstStyle/>
+          <a:p>
+            <a:r>
+              <a:rPr lang="en-US" dirty="0" smtClean="0"/>
+              <a:t>Controlling the browser</a:t>
+            </a:r>
+            <a:endParaRPr lang="en-US" dirty="0"/>
+          </a:p>
+        </p:txBody>
+      </p:sp>
+      <p:sp>
+        <p:nvSpPr>
+          <p:cNvPr id="3" name="Content Placeholder 2"/>
+          <p:cNvSpPr>
+            <a:spLocks noGrp="1"/>
+          </p:cNvSpPr>
+          <p:nvPr>
+            <p:ph sz="quarter" idx="10"/>
+          </p:nvPr>
+        </p:nvSpPr>
+        <p:spPr/>
+        <p:txBody>
+          <a:bodyPr/>
+          <a:lstStyle/>
+          <a:p>
+            <a:r>
+              <a:rPr lang="en-US" dirty="0" smtClean="0"/>
+              <a:t>viewport meta tag</a:t>
+            </a:r>
+          </a:p>
+          <a:p>
+            <a:pPr lvl="1"/>
+            <a:r>
+              <a:rPr lang="en-US" dirty="0" smtClean="0"/>
+              <a:t>Set zoom capabilities</a:t>
+            </a:r>
+          </a:p>
+          <a:p>
+            <a:r>
+              <a:rPr lang="en-US" dirty="0" smtClean="0"/>
+              <a:t>Hiding the address bar</a:t>
+            </a:r>
+          </a:p>
+          <a:p>
+            <a:pPr lvl="1"/>
+            <a:r>
+              <a:rPr lang="en-US" dirty="0"/>
+              <a:t>https://</a:t>
+            </a:r>
+            <a:r>
+              <a:rPr lang="en-US" dirty="0" smtClean="0"/>
+              <a:t>gist.github.com/scottjehl/1183357</a:t>
+            </a:r>
+          </a:p>
+          <a:p>
+            <a:pPr lvl="2"/>
+            <a:r>
+              <a:rPr lang="en-US" dirty="0" smtClean="0"/>
+              <a:t>(iOS and Android only)</a:t>
+            </a:r>
+            <a:endParaRPr lang="en-US" dirty="0"/>
+          </a:p>
+        </p:txBody>
+      </p:sp>
+    </p:spTree>
+    <p:extLst>
+      <p:ext uri="{BB962C8B-B14F-4D97-AF65-F5344CB8AC3E}">
+        <p14:creationId xmlns:p14="http://schemas.microsoft.com/office/powerpoint/2010/main" val="3667106330"/>
+      </p:ext>
+    </p:extLst>
+  </p:cSld>
+  <p:clrMapOvr>
+    <a:masterClrMapping/>
+  </p:clrMapOvr>
+  <p:timing>
+    <p:tnLst>
+      <p:par>
+        <p:cTn id="1" dur="indefinite" restart="never" nodeType="tmRoot"/>
+      </p:par>
+    </p:tnLst>
+  </p:timing>
+</p:sld>
+</file>
+
+<file path=ppt/slides/slide32.xml><?xml version="1.0" encoding="utf-8"?>
+<p:sld xmlns:a="http://schemas.openxmlformats.org/drawingml/2006/main" xmlns:r="http://schemas.openxmlformats.org/officeDocument/2006/relationships" xmlns:p="http://schemas.openxmlformats.org/presentationml/2006/main">
+  <p:cSld>
+    <p:spTree>
+      <p:nvGrpSpPr>
+        <p:cNvPr id="1" name=""/>
+        <p:cNvGrpSpPr/>
+        <p:nvPr/>
+      </p:nvGrpSpPr>
+      <p:grpSpPr>
+        <a:xfrm>
+          <a:off x="0" y="0"/>
+          <a:ext cx="0" cy="0"/>
+          <a:chOff x="0" y="0"/>
+          <a:chExt cx="0" cy="0"/>
+        </a:xfrm>
+      </p:grpSpPr>
+      <p:sp>
+        <p:nvSpPr>
+          <p:cNvPr id="2" name="Title 1"/>
+          <p:cNvSpPr>
+            <a:spLocks noGrp="1"/>
+          </p:cNvSpPr>
+          <p:nvPr>
+            <p:ph type="title"/>
+          </p:nvPr>
+        </p:nvSpPr>
+        <p:spPr/>
+        <p:txBody>
+          <a:bodyPr/>
+          <a:lstStyle/>
+          <a:p>
+            <a:r>
+              <a:rPr lang="en-US" dirty="0" smtClean="0"/>
+              <a:t>Icons</a:t>
+            </a:r>
+            <a:endParaRPr lang="en-US" dirty="0"/>
+          </a:p>
+        </p:txBody>
+      </p:sp>
+      <p:sp>
+        <p:nvSpPr>
+          <p:cNvPr id="3" name="Content Placeholder 2"/>
+          <p:cNvSpPr>
+            <a:spLocks noGrp="1"/>
+          </p:cNvSpPr>
+          <p:nvPr>
+            <p:ph sz="quarter" idx="10"/>
+          </p:nvPr>
+        </p:nvSpPr>
+        <p:spPr/>
+        <p:txBody>
+          <a:bodyPr/>
+          <a:lstStyle/>
+          <a:p>
+            <a:r>
+              <a:rPr lang="en-US" dirty="0" smtClean="0"/>
+              <a:t>Determine what is placed on home screen when "installed"</a:t>
+            </a:r>
+          </a:p>
+          <a:p>
+            <a:r>
+              <a:rPr lang="en-US" dirty="0" smtClean="0"/>
+              <a:t>Unfortunately, each vendor has their own method</a:t>
+            </a:r>
+          </a:p>
+          <a:p>
+            <a:pPr lvl="1"/>
+            <a:r>
+              <a:rPr lang="en-US" dirty="0">
+                <a:hlinkClick r:id="rId2"/>
+              </a:rPr>
+              <a:t>http://</a:t>
+            </a:r>
+            <a:r>
+              <a:rPr lang="en-US" dirty="0" smtClean="0">
+                <a:hlinkClick r:id="rId2"/>
+              </a:rPr>
+              <a:t>en.wikipedia.org/wiki/Favicon</a:t>
+            </a:r>
+            <a:endParaRPr lang="en-US" dirty="0" smtClean="0"/>
+          </a:p>
+        </p:txBody>
+      </p:sp>
+    </p:spTree>
+    <p:extLst>
+      <p:ext uri="{BB962C8B-B14F-4D97-AF65-F5344CB8AC3E}">
+        <p14:creationId xmlns:p14="http://schemas.microsoft.com/office/powerpoint/2010/main" val="3707912732"/>
+      </p:ext>
+    </p:extLst>
+  </p:cSld>
+  <p:clrMapOvr>
+    <a:masterClrMapping/>
+  </p:clrMapOvr>
+  <p:timing>
+    <p:tnLst>
+      <p:par>
+        <p:cTn id="1" dur="indefinite" restart="never" nodeType="tmRoot"/>
+      </p:par>
+    </p:tnLst>
+  </p:timing>
+</p:sld>
+</file>
+
+<file path=ppt/slides/slide33.xml><?xml version="1.0" encoding="utf-8"?>
+<p:sld xmlns:a="http://schemas.openxmlformats.org/drawingml/2006/main" xmlns:r="http://schemas.openxmlformats.org/officeDocument/2006/relationships" xmlns:p="http://schemas.openxmlformats.org/presentationml/2006/main">
+  <p:cSld>
+    <p:spTree>
+      <p:nvGrpSpPr>
+        <p:cNvPr id="1" name=""/>
+        <p:cNvGrpSpPr/>
+        <p:nvPr/>
+      </p:nvGrpSpPr>
+      <p:grpSpPr>
+        <a:xfrm>
+          <a:off x="0" y="0"/>
+          <a:ext cx="0" cy="0"/>
+          <a:chOff x="0" y="0"/>
+          <a:chExt cx="0" cy="0"/>
+        </a:xfrm>
+      </p:grpSpPr>
+      <p:sp>
+        <p:nvSpPr>
+          <p:cNvPr id="2" name="Title 1"/>
+          <p:cNvSpPr>
+            <a:spLocks noGrp="1"/>
+          </p:cNvSpPr>
+          <p:nvPr>
+            <p:ph type="title"/>
+          </p:nvPr>
+        </p:nvSpPr>
+        <p:spPr/>
+        <p:txBody>
+          <a:bodyPr/>
+          <a:lstStyle/>
+          <a:p>
+            <a:r>
+              <a:rPr lang="en-US" dirty="0" smtClean="0"/>
+              <a:t>Mimicking live tile</a:t>
+            </a:r>
+            <a:endParaRPr lang="en-US" dirty="0"/>
+          </a:p>
+        </p:txBody>
+      </p:sp>
+      <p:sp>
+        <p:nvSpPr>
+          <p:cNvPr id="3" name="Content Placeholder 2"/>
+          <p:cNvSpPr>
+            <a:spLocks noGrp="1"/>
+          </p:cNvSpPr>
+          <p:nvPr>
+            <p:ph sz="quarter" idx="10"/>
+          </p:nvPr>
+        </p:nvSpPr>
+        <p:spPr/>
+        <p:txBody>
+          <a:bodyPr/>
+          <a:lstStyle/>
+          <a:p>
+            <a:r>
+              <a:rPr lang="en-US" dirty="0" smtClean="0"/>
+              <a:t>Live tiles show state of an application</a:t>
+            </a:r>
+          </a:p>
+          <a:p>
+            <a:pPr lvl="1"/>
+            <a:r>
+              <a:rPr lang="en-US" dirty="0" smtClean="0"/>
+              <a:t>Unread messages</a:t>
+            </a:r>
+          </a:p>
+          <a:p>
+            <a:pPr lvl="1"/>
+            <a:r>
+              <a:rPr lang="en-US" dirty="0" smtClean="0"/>
+              <a:t>Number of posted updates</a:t>
+            </a:r>
+          </a:p>
+          <a:p>
+            <a:r>
+              <a:rPr lang="en-US" dirty="0" smtClean="0"/>
+              <a:t>Using polling, pinned sites can behave like live tiles</a:t>
+            </a:r>
+          </a:p>
+          <a:p>
+            <a:pPr lvl="1"/>
+            <a:r>
+              <a:rPr lang="en-US" dirty="0" smtClean="0"/>
+              <a:t>Full details:</a:t>
+            </a:r>
+          </a:p>
+          <a:p>
+            <a:pPr lvl="2"/>
+            <a:r>
+              <a:rPr lang="en-US" dirty="0" smtClean="0"/>
+              <a:t>http</a:t>
+            </a:r>
+            <a:r>
+              <a:rPr lang="en-US" dirty="0"/>
+              <a:t>://msdn.microsoft.com/en-us/library/ie/dn455115(v=vs.85).</a:t>
+            </a:r>
+            <a:r>
+              <a:rPr lang="en-US" dirty="0" smtClean="0"/>
+              <a:t>aspx</a:t>
+            </a:r>
+          </a:p>
+          <a:p>
+            <a:pPr lvl="1"/>
+            <a:r>
+              <a:rPr lang="en-US" dirty="0" smtClean="0"/>
+              <a:t>Scott </a:t>
+            </a:r>
+            <a:r>
+              <a:rPr lang="en-US" dirty="0" err="1" smtClean="0"/>
+              <a:t>Hanselman's</a:t>
+            </a:r>
+            <a:r>
+              <a:rPr lang="en-US" dirty="0" smtClean="0"/>
+              <a:t> blog:</a:t>
+            </a:r>
+          </a:p>
+          <a:p>
+            <a:pPr lvl="2"/>
+            <a:r>
+              <a:rPr lang="en-US" dirty="0"/>
+              <a:t>http://www.hanselman.com/blog/MakeAWindows81PinnedLiveTileForYOURWebsiteInMinutes.aspx</a:t>
+            </a:r>
+          </a:p>
+        </p:txBody>
+      </p:sp>
+    </p:spTree>
+    <p:extLst>
+      <p:ext uri="{BB962C8B-B14F-4D97-AF65-F5344CB8AC3E}">
+        <p14:creationId xmlns:p14="http://schemas.microsoft.com/office/powerpoint/2010/main" val="1452181934"/>
+      </p:ext>
+    </p:extLst>
+  </p:cSld>
+  <p:clrMapOvr>
+    <a:masterClrMapping/>
+  </p:clrMapOvr>
+  <p:timing>
+    <p:tnLst>
+      <p:par>
+        <p:cTn id="1" dur="indefinite" restart="never" nodeType="tmRoot"/>
+      </p:par>
+    </p:tnLst>
+  </p:timing>
+</p:sld>
+</file>
+
+<file path=ppt/slides/slide34.xml><?xml version="1.0" encoding="utf-8"?>
+<p:sld xmlns:a="http://schemas.openxmlformats.org/drawingml/2006/main" xmlns:r="http://schemas.openxmlformats.org/officeDocument/2006/relationships" xmlns:p="http://schemas.openxmlformats.org/presentationml/2006/main">
+  <p:cSld>
+    <p:spTree>
+      <p:nvGrpSpPr>
+        <p:cNvPr id="1" name=""/>
+        <p:cNvGrpSpPr/>
+        <p:nvPr/>
+      </p:nvGrpSpPr>
+      <p:grpSpPr>
+        <a:xfrm>
+          <a:off x="0" y="0"/>
+          <a:ext cx="0" cy="0"/>
+          <a:chOff x="0" y="0"/>
+          <a:chExt cx="0" cy="0"/>
+        </a:xfrm>
+      </p:grpSpPr>
+      <p:sp>
+        <p:nvSpPr>
+          <p:cNvPr id="4" name="Title 3"/>
+          <p:cNvSpPr>
+            <a:spLocks noGrp="1"/>
+          </p:cNvSpPr>
+          <p:nvPr>
+            <p:ph type="title"/>
+          </p:nvPr>
+        </p:nvSpPr>
+        <p:spPr/>
+        <p:txBody>
+          <a:bodyPr/>
+          <a:lstStyle/>
+          <a:p>
+            <a:r>
+              <a:rPr lang="en-US" dirty="0" smtClean="0"/>
+              <a:t>Live tiles</a:t>
+            </a:r>
+            <a:endParaRPr lang="en-US" dirty="0"/>
+          </a:p>
+        </p:txBody>
+      </p:sp>
+    </p:spTree>
+    <p:extLst>
+      <p:ext uri="{BB962C8B-B14F-4D97-AF65-F5344CB8AC3E}">
+        <p14:creationId xmlns:p14="http://schemas.microsoft.com/office/powerpoint/2010/main" val="1591606619"/>
+      </p:ext>
+    </p:extLst>
+  </p:cSld>
+  <p:clrMapOvr>
+    <a:masterClrMapping/>
+  </p:clrMapOvr>
+  <p:timing>
+    <p:tnLst>
+      <p:par>
+        <p:cTn id="1" dur="indefinite" restart="never" nodeType="tmRoot"/>
+      </p:par>
+    </p:tnLst>
+  </p:timing>
+</p:sld>
+</file>
+
+<file path=ppt/slides/slide35.xml><?xml version="1.0" encoding="utf-8"?>
+<p:sld xmlns:a="http://schemas.openxmlformats.org/drawingml/2006/main" xmlns:r="http://schemas.openxmlformats.org/officeDocument/2006/relationships" xmlns:p="http://schemas.openxmlformats.org/presentationml/2006/main">
+  <p:cSld>
+    <p:spTree>
+      <p:nvGrpSpPr>
+        <p:cNvPr id="1" name=""/>
+        <p:cNvGrpSpPr/>
+        <p:nvPr/>
+      </p:nvGrpSpPr>
+      <p:grpSpPr>
+        <a:xfrm>
+          <a:off x="0" y="0"/>
+          <a:ext cx="0" cy="0"/>
+          <a:chOff x="0" y="0"/>
+          <a:chExt cx="0" cy="0"/>
+        </a:xfrm>
+      </p:grpSpPr>
+      <p:sp>
+        <p:nvSpPr>
+          <p:cNvPr id="2" name="Title 1"/>
+          <p:cNvSpPr>
+            <a:spLocks noGrp="1"/>
+          </p:cNvSpPr>
+          <p:nvPr>
+            <p:ph type="title"/>
+          </p:nvPr>
+        </p:nvSpPr>
+        <p:spPr/>
+        <p:txBody>
+          <a:bodyPr/>
+          <a:lstStyle/>
+          <a:p>
+            <a:r>
+              <a:rPr lang="en-US" dirty="0" smtClean="0"/>
+              <a:t>Frayed Knot App</a:t>
+            </a:r>
+            <a:endParaRPr lang="en-US" dirty="0"/>
+          </a:p>
+        </p:txBody>
+      </p:sp>
+    </p:spTree>
+    <p:extLst>
+      <p:ext uri="{BB962C8B-B14F-4D97-AF65-F5344CB8AC3E}">
+        <p14:creationId xmlns:p14="http://schemas.microsoft.com/office/powerpoint/2010/main" val="3105802328"/>
+      </p:ext>
+    </p:extLst>
+  </p:cSld>
+  <p:clrMapOvr>
+    <a:masterClrMapping/>
+  </p:clrMapOvr>
+  <p:timing>
+    <p:tnLst>
+      <p:par>
+        <p:cTn id="1" dur="indefinite" restart="never" nodeType="tmRoot"/>
+      </p:par>
+    </p:tnLst>
+  </p:timing>
+</p:sld>
+</file>
+
+<file path=ppt/slides/slide36.xml><?xml version="1.0" encoding="utf-8"?>
+<p:sld xmlns:a="http://schemas.openxmlformats.org/drawingml/2006/main" xmlns:r="http://schemas.openxmlformats.org/officeDocument/2006/relationships" xmlns:p="http://schemas.openxmlformats.org/presentationml/2006/main">
+  <p:cSld>
+    <p:spTree>
+      <p:nvGrpSpPr>
+        <p:cNvPr id="1" name=""/>
+        <p:cNvGrpSpPr/>
+        <p:nvPr/>
+      </p:nvGrpSpPr>
+      <p:grpSpPr>
+        <a:xfrm>
+          <a:off x="0" y="0"/>
+          <a:ext cx="0" cy="0"/>
+          <a:chOff x="0" y="0"/>
+          <a:chExt cx="0" cy="0"/>
+        </a:xfrm>
+      </p:grpSpPr>
+    </p:spTree>
+    <p:extLst>
+      <p:ext uri="{BB962C8B-B14F-4D97-AF65-F5344CB8AC3E}">
+        <p14:creationId xmlns:p14="http://schemas.microsoft.com/office/powerpoint/2010/main" val="898363405"/>
       </p:ext>
     </p:extLst>
   </p:cSld>
@@ -7433,23 +9970,26 @@
           <a:p>
             <a:r>
               <a:rPr lang="en-GB" dirty="0" smtClean="0"/>
-              <a:t>Section 1</a:t>
-            </a:r>
-            <a:endParaRPr lang="en-GB" dirty="0"/>
+              <a:t>CSS and media queries</a:t>
+            </a:r>
           </a:p>
           <a:p>
             <a:r>
               <a:rPr lang="en-GB" dirty="0" smtClean="0"/>
-              <a:t>Section 2</a:t>
-            </a:r>
-            <a:endParaRPr lang="en-GB" dirty="0"/>
+              <a:t>Bootstrap</a:t>
+            </a:r>
           </a:p>
           <a:p>
             <a:r>
               <a:rPr lang="en-GB" dirty="0" smtClean="0"/>
-              <a:t>Section 3</a:t>
-            </a:r>
-            <a:endParaRPr lang="en-GB" dirty="0"/>
+              <a:t>Images</a:t>
+            </a:r>
+          </a:p>
+          <a:p>
+            <a:r>
+              <a:rPr lang="en-GB" dirty="0" smtClean="0"/>
+              <a:t>Mimicking Apps</a:t>
+            </a:r>
           </a:p>
         </p:txBody>
       </p:sp>
@@ -7530,7 +10070,7 @@
           <a:p>
             <a:r>
               <a:rPr lang="en-US" dirty="0" smtClean="0"/>
-              <a:t>Section 1</a:t>
+              <a:t>CSS and media queries</a:t>
             </a:r>
             <a:endParaRPr lang="en-US" dirty="0"/>
           </a:p>
@@ -7551,7 +10091,7 @@
           <a:bodyPr/>
           <a:lstStyle/>
           <a:p>
-            <a:endParaRPr lang="en-US"/>
+            <a:endParaRPr lang="en-US" dirty="0"/>
           </a:p>
         </p:txBody>
       </p:sp>
@@ -7565,6 +10105,13 @@
   <p:clrMapOvr>
     <a:masterClrMapping/>
   </p:clrMapOvr>
+  <p:timing>
+    <p:tnLst>
+      <p:par>
+        <p:cTn id="1" dur="indefinite" restart="never" nodeType="tmRoot"/>
+      </p:par>
+    </p:tnLst>
+  </p:timing>
 </p:sld>
 </file>
 
@@ -7587,12 +10134,12 @@
       </p:grpSpPr>
       <p:sp>
         <p:nvSpPr>
-          <p:cNvPr id="2" name="Text Placeholder 1"/>
+          <p:cNvPr id="4" name="Title 3"/>
           <p:cNvSpPr>
             <a:spLocks noGrp="1"/>
           </p:cNvSpPr>
           <p:nvPr>
-            <p:ph type="body" sz="quarter" idx="10"/>
+            <p:ph type="title"/>
           </p:nvPr>
         </p:nvSpPr>
         <p:spPr/>
@@ -7602,7 +10149,7 @@
           <a:p>
             <a:r>
               <a:rPr lang="en-US" dirty="0" smtClean="0"/>
-              <a:t>Section 2</a:t>
+              <a:t>Browser detection</a:t>
             </a:r>
             <a:endParaRPr lang="en-US" dirty="0"/>
           </a:p>
@@ -7610,12 +10157,12 @@
       </p:sp>
       <p:sp>
         <p:nvSpPr>
-          <p:cNvPr id="3" name="Subtitle 2"/>
+          <p:cNvPr id="5" name="Content Placeholder 4"/>
           <p:cNvSpPr>
             <a:spLocks noGrp="1"/>
           </p:cNvSpPr>
           <p:nvPr>
-            <p:ph type="subTitle" idx="1"/>
+            <p:ph sz="quarter" idx="10"/>
           </p:nvPr>
         </p:nvSpPr>
         <p:spPr/>
@@ -7623,20 +10170,65 @@
           <a:bodyPr/>
           <a:lstStyle/>
           <a:p>
-            <a:endParaRPr lang="en-US"/>
+            <a:r>
+              <a:rPr lang="en-US" dirty="0" smtClean="0"/>
+              <a:t>Challenging at best</a:t>
+            </a:r>
+          </a:p>
+          <a:p>
+            <a:pPr lvl="1"/>
+            <a:r>
+              <a:rPr lang="en-US" dirty="0" smtClean="0"/>
+              <a:t>User agent strings can be misleading</a:t>
+            </a:r>
+          </a:p>
+          <a:p>
+            <a:pPr lvl="1"/>
+            <a:r>
+              <a:rPr lang="en-US" dirty="0" smtClean="0"/>
+              <a:t>User agent strings can be spoofed</a:t>
+            </a:r>
+          </a:p>
+          <a:p>
+            <a:r>
+              <a:rPr lang="en-US" dirty="0" smtClean="0"/>
+              <a:t>Use a library</a:t>
+            </a:r>
+          </a:p>
+          <a:p>
+            <a:pPr lvl="1"/>
+            <a:r>
+              <a:rPr lang="en-US" dirty="0" smtClean="0"/>
+              <a:t>UA.js</a:t>
+            </a:r>
+          </a:p>
+          <a:p>
+            <a:pPr lvl="2"/>
+            <a:r>
+              <a:rPr lang="en-US" dirty="0"/>
+              <a:t>https://github.com/g13n/ua.js</a:t>
+            </a:r>
+            <a:endParaRPr lang="en-US" dirty="0" smtClean="0"/>
           </a:p>
         </p:txBody>
       </p:sp>
     </p:spTree>
     <p:extLst>
       <p:ext uri="{BB962C8B-B14F-4D97-AF65-F5344CB8AC3E}">
-        <p14:creationId xmlns:p14="http://schemas.microsoft.com/office/powerpoint/2010/main" val="4190290233"/>
+        <p14:creationId xmlns:p14="http://schemas.microsoft.com/office/powerpoint/2010/main" val="2662582982"/>
       </p:ext>
     </p:extLst>
   </p:cSld>
   <p:clrMapOvr>
     <a:masterClrMapping/>
   </p:clrMapOvr>
+  <p:timing>
+    <p:tnLst>
+      <p:par>
+        <p:cTn id="1" dur="indefinite" restart="never" nodeType="tmRoot"/>
+      </p:par>
+    </p:tnLst>
+  </p:timing>
 </p:sld>
 </file>
 
@@ -7659,12 +10251,12 @@
       </p:grpSpPr>
       <p:sp>
         <p:nvSpPr>
-          <p:cNvPr id="2" name="Text Placeholder 1"/>
+          <p:cNvPr id="2" name="Title 1"/>
           <p:cNvSpPr>
             <a:spLocks noGrp="1"/>
           </p:cNvSpPr>
           <p:nvPr>
-            <p:ph type="body" sz="quarter" idx="10"/>
+            <p:ph type="title"/>
           </p:nvPr>
         </p:nvSpPr>
         <p:spPr/>
@@ -7674,7 +10266,7 @@
           <a:p>
             <a:r>
               <a:rPr lang="en-US" dirty="0" smtClean="0"/>
-              <a:t>Section 3</a:t>
+              <a:t>30 second CSS review</a:t>
             </a:r>
             <a:endParaRPr lang="en-US" dirty="0"/>
           </a:p>
@@ -7682,12 +10274,12 @@
       </p:sp>
       <p:sp>
         <p:nvSpPr>
-          <p:cNvPr id="3" name="Subtitle 2"/>
+          <p:cNvPr id="3" name="Content Placeholder 2"/>
           <p:cNvSpPr>
             <a:spLocks noGrp="1"/>
           </p:cNvSpPr>
           <p:nvPr>
-            <p:ph type="subTitle" idx="1"/>
+            <p:ph sz="quarter" idx="10"/>
           </p:nvPr>
         </p:nvSpPr>
         <p:spPr/>
@@ -7695,14 +10287,54 @@
           <a:bodyPr/>
           <a:lstStyle/>
           <a:p>
-            <a:endParaRPr lang="en-US"/>
+            <a:r>
+              <a:rPr lang="en-US" dirty="0" smtClean="0"/>
+              <a:t>Cascading style sheets</a:t>
+            </a:r>
+          </a:p>
+          <a:p>
+            <a:pPr lvl="1"/>
+            <a:r>
+              <a:rPr lang="en-US" dirty="0" smtClean="0"/>
+              <a:t>Higher precedence for best matches</a:t>
+            </a:r>
+          </a:p>
+          <a:p>
+            <a:pPr lvl="2"/>
+            <a:r>
+              <a:rPr lang="en-US" dirty="0" smtClean="0"/>
+              <a:t>ID</a:t>
+            </a:r>
+          </a:p>
+          <a:p>
+            <a:pPr lvl="2"/>
+            <a:r>
+              <a:rPr lang="en-US" dirty="0" smtClean="0"/>
+              <a:t>Class</a:t>
+            </a:r>
+          </a:p>
+          <a:p>
+            <a:pPr lvl="2"/>
+            <a:r>
+              <a:rPr lang="en-US" dirty="0" smtClean="0"/>
+              <a:t>Element</a:t>
+            </a:r>
+            <a:endParaRPr lang="en-US" dirty="0"/>
+          </a:p>
+          <a:p>
+            <a:pPr lvl="1"/>
+            <a:r>
+              <a:rPr lang="en-US" dirty="0" smtClean="0"/>
+              <a:t>Last write wins</a:t>
+            </a:r>
+            <a:endParaRPr lang="en-US" dirty="0"/>
           </a:p>
         </p:txBody>
       </p:sp>
     </p:spTree>
     <p:extLst>
       <p:ext uri="{BB962C8B-B14F-4D97-AF65-F5344CB8AC3E}">
-        <p14:creationId xmlns:p14="http://schemas.microsoft.com/office/powerpoint/2010/main" val="4243374243"/>
+        <p14:creationId xmlns:p14="http://schemas.microsoft.com/office/powerpoint/2010/main" val="3893462293"/>
       </p:ext>
     </p:extLst>
   </p:cSld>
@@ -7731,27 +10363,6 @@
       </p:grpSpPr>
       <p:sp>
         <p:nvSpPr>
-          <p:cNvPr id="7" name="Content Placeholder 6"/>
-          <p:cNvSpPr>
-            <a:spLocks noGrp="1"/>
-          </p:cNvSpPr>
-          <p:nvPr>
-            <p:ph sz="quarter" idx="10"/>
-          </p:nvPr>
-        </p:nvSpPr>
-        <p:spPr/>
-        <p:txBody>
-          <a:bodyPr>
-            <a:normAutofit/>
-          </a:bodyPr>
-          <a:lstStyle/>
-          <a:p>
-            <a:endParaRPr lang="en-GB" dirty="0"/>
-          </a:p>
-        </p:txBody>
-      </p:sp>
-      <p:sp>
-        <p:nvSpPr>
           <p:cNvPr id="2" name="Title 1"/>
           <p:cNvSpPr>
             <a:spLocks noGrp="1"/>
@@ -7767,29 +10378,65 @@
           <a:p>
             <a:r>
               <a:rPr lang="en-US" dirty="0" smtClean="0"/>
-              <a:t>Resources</a:t>
+              <a:t>Media queries</a:t>
             </a:r>
             <a:endParaRPr lang="en-US" dirty="0"/>
+          </a:p>
+        </p:txBody>
+      </p:sp>
+      <p:sp>
+        <p:nvSpPr>
+          <p:cNvPr id="3" name="Content Placeholder 2"/>
+          <p:cNvSpPr>
+            <a:spLocks noGrp="1"/>
+          </p:cNvSpPr>
+          <p:nvPr>
+            <p:ph sz="quarter" idx="10"/>
+          </p:nvPr>
+        </p:nvSpPr>
+        <p:spPr/>
+        <p:txBody>
+          <a:bodyPr/>
+          <a:lstStyle/>
+          <a:p>
+            <a:r>
+              <a:rPr lang="en-US" dirty="0" smtClean="0"/>
+              <a:t>Specify different settings based on</a:t>
+            </a:r>
+          </a:p>
+          <a:p>
+            <a:pPr lvl="1"/>
+            <a:r>
+              <a:rPr lang="en-US" dirty="0" smtClean="0"/>
+              <a:t>Device type</a:t>
+            </a:r>
+          </a:p>
+          <a:p>
+            <a:pPr lvl="1"/>
+            <a:r>
+              <a:rPr lang="en-US" dirty="0" smtClean="0"/>
+              <a:t>State</a:t>
+            </a:r>
+          </a:p>
+          <a:p>
+            <a:pPr lvl="1"/>
+            <a:r>
+              <a:rPr lang="en-US" dirty="0" smtClean="0"/>
+              <a:t>Screen size</a:t>
+            </a:r>
           </a:p>
         </p:txBody>
       </p:sp>
     </p:spTree>
     <p:extLst>
       <p:ext uri="{BB962C8B-B14F-4D97-AF65-F5344CB8AC3E}">
-        <p14:creationId xmlns:p14="http://schemas.microsoft.com/office/powerpoint/2010/main" val="2567384094"/>
+        <p14:creationId xmlns:p14="http://schemas.microsoft.com/office/powerpoint/2010/main" val="1701759998"/>
       </p:ext>
     </p:extLst>
   </p:cSld>
   <p:clrMapOvr>
     <a:masterClrMapping/>
   </p:clrMapOvr>
-  <p:timing>
-    <p:tnLst>
-      <p:par>
-        <p:cTn id="1" dur="indefinite" restart="never" nodeType="tmRoot"/>
-      </p:par>
-    </p:tnLst>
-  </p:timing>
 </p:sld>
 </file>
 
@@ -7812,43 +10459,6 @@
       </p:grpSpPr>
       <p:sp>
         <p:nvSpPr>
-          <p:cNvPr id="7" name="Content Placeholder 6"/>
-          <p:cNvSpPr>
-            <a:spLocks noGrp="1"/>
-          </p:cNvSpPr>
-          <p:nvPr>
-            <p:ph sz="quarter" idx="10"/>
-          </p:nvPr>
-        </p:nvSpPr>
-        <p:spPr/>
-        <p:txBody>
-          <a:bodyPr>
-            <a:normAutofit/>
-          </a:bodyPr>
-          <a:lstStyle/>
-          <a:p>
-            <a:r>
-              <a:rPr lang="en-GB" dirty="0" smtClean="0"/>
-              <a:t>Section 1</a:t>
-            </a:r>
-          </a:p>
-          <a:p>
-            <a:r>
-              <a:rPr lang="en-GB" dirty="0" smtClean="0"/>
-              <a:t>Section 2</a:t>
-            </a:r>
-          </a:p>
-          <a:p>
-            <a:r>
-              <a:rPr lang="en-GB" dirty="0" smtClean="0"/>
-              <a:t>Section 3</a:t>
-            </a:r>
-            <a:endParaRPr lang="en-GB" dirty="0"/>
-          </a:p>
-        </p:txBody>
-      </p:sp>
-      <p:sp>
-        <p:nvSpPr>
           <p:cNvPr id="2" name="Title 1"/>
           <p:cNvSpPr>
             <a:spLocks noGrp="1"/>
@@ -7864,7 +10474,69 @@
           <a:p>
             <a:r>
               <a:rPr lang="en-US" dirty="0" smtClean="0"/>
-              <a:t>Summary</a:t>
+              <a:t>Device types</a:t>
+            </a:r>
+            <a:endParaRPr lang="en-US" dirty="0"/>
+          </a:p>
+        </p:txBody>
+      </p:sp>
+      <p:sp>
+        <p:nvSpPr>
+          <p:cNvPr id="3" name="Content Placeholder 2"/>
+          <p:cNvSpPr>
+            <a:spLocks noGrp="1"/>
+          </p:cNvSpPr>
+          <p:nvPr>
+            <p:ph sz="quarter" idx="10"/>
+          </p:nvPr>
+        </p:nvSpPr>
+        <p:spPr/>
+        <p:txBody>
+          <a:bodyPr/>
+          <a:lstStyle/>
+          <a:p>
+            <a:r>
+              <a:rPr lang="en-US" dirty="0" smtClean="0"/>
+              <a:t>Screen</a:t>
+            </a:r>
+          </a:p>
+          <a:p>
+            <a:r>
+              <a:rPr lang="en-US" dirty="0" smtClean="0"/>
+              <a:t>Print</a:t>
+            </a:r>
+          </a:p>
+          <a:p>
+            <a:r>
+              <a:rPr lang="en-US" dirty="0" smtClean="0"/>
+              <a:t>Projector</a:t>
+            </a:r>
+          </a:p>
+          <a:p>
+            <a:r>
+              <a:rPr lang="en-US" dirty="0" smtClean="0"/>
+              <a:t>Handheld</a:t>
+            </a:r>
+          </a:p>
+          <a:p>
+            <a:pPr lvl="1"/>
+            <a:r>
+              <a:rPr lang="en-US" dirty="0" smtClean="0"/>
+              <a:t>Don't use</a:t>
+            </a:r>
+          </a:p>
+          <a:p>
+            <a:pPr lvl="1"/>
+            <a:r>
+              <a:rPr lang="en-US" dirty="0" smtClean="0"/>
+              <a:t>Won't test as positive for most tablets</a:t>
+            </a:r>
+          </a:p>
+          <a:p>
+            <a:pPr lvl="1"/>
+            <a:r>
+              <a:rPr lang="en-US" dirty="0" smtClean="0"/>
+              <a:t>Doesn't give us enough information</a:t>
             </a:r>
             <a:endParaRPr lang="en-US" dirty="0"/>
           </a:p>
@@ -7873,7 +10545,7 @@
     </p:spTree>
     <p:extLst>
       <p:ext uri="{BB962C8B-B14F-4D97-AF65-F5344CB8AC3E}">
-        <p14:creationId xmlns:p14="http://schemas.microsoft.com/office/powerpoint/2010/main" val="393125443"/>
+        <p14:creationId xmlns:p14="http://schemas.microsoft.com/office/powerpoint/2010/main" val="3430814828"/>
       </p:ext>
     </p:extLst>
   </p:cSld>
@@ -7883,7 +10555,213 @@
   <p:timing>
     <p:tnLst>
       <p:par>
-        <p:cTn id="1" dur="indefinite" restart="never" nodeType="tmRoot"/>
+        <p:cTn id="1" dur="indefinite" restart="never" nodeType="tmRoot">
+          <p:childTnLst>
+            <p:seq concurrent="1" nextAc="seek">
+              <p:cTn id="2" dur="indefinite" nodeType="mainSeq">
+                <p:childTnLst>
+                  <p:par>
+                    <p:cTn id="3" fill="hold">
+                      <p:stCondLst>
+                        <p:cond delay="indefinite"/>
+                      </p:stCondLst>
+                      <p:childTnLst>
+                        <p:par>
+                          <p:cTn id="4" fill="hold">
+                            <p:stCondLst>
+                              <p:cond delay="0"/>
+                            </p:stCondLst>
+                            <p:childTnLst>
+                              <p:par>
+                                <p:cTn id="5" presetID="10" presetClass="entr" presetSubtype="0" fill="hold" nodeType="clickEffect">
+                                  <p:stCondLst>
+                                    <p:cond delay="0"/>
+                                  </p:stCondLst>
+                                  <p:childTnLst>
+                                    <p:set>
+                                      <p:cBhvr>
+                                        <p:cTn id="6" dur="1" fill="hold">
+                                          <p:stCondLst>
+                                            <p:cond delay="0"/>
+                                          </p:stCondLst>
+                                        </p:cTn>
+                                        <p:tgtEl>
+                                          <p:spTgt spid="3">
+                                            <p:txEl>
+                                              <p:pRg st="4" end="4"/>
+                                            </p:txEl>
+                                          </p:spTgt>
+                                        </p:tgtEl>
+                                        <p:attrNameLst>
+                                          <p:attrName>style.visibility</p:attrName>
+                                        </p:attrNameLst>
+                                      </p:cBhvr>
+                                      <p:to>
+                                        <p:strVal val="visible"/>
+                                      </p:to>
+                                    </p:set>
+                                    <p:animEffect transition="in" filter="fade">
+                                      <p:cBhvr>
+                                        <p:cTn id="7" dur="500"/>
+                                        <p:tgtEl>
+                                          <p:spTgt spid="3">
+                                            <p:txEl>
+                                              <p:pRg st="4" end="4"/>
+                                            </p:txEl>
+                                          </p:spTgt>
+                                        </p:tgtEl>
+                                      </p:cBhvr>
+                                    </p:animEffect>
+                                  </p:childTnLst>
+                                </p:cTn>
+                              </p:par>
+                            </p:childTnLst>
+                          </p:cTn>
+                        </p:par>
+                      </p:childTnLst>
+                    </p:cTn>
+                  </p:par>
+                  <p:par>
+                    <p:cTn id="8" fill="hold">
+                      <p:stCondLst>
+                        <p:cond delay="indefinite"/>
+                      </p:stCondLst>
+                      <p:childTnLst>
+                        <p:par>
+                          <p:cTn id="9" fill="hold">
+                            <p:stCondLst>
+                              <p:cond delay="0"/>
+                            </p:stCondLst>
+                            <p:childTnLst>
+                              <p:par>
+                                <p:cTn id="10" presetID="10" presetClass="entr" presetSubtype="0" fill="hold" nodeType="clickEffect">
+                                  <p:stCondLst>
+                                    <p:cond delay="0"/>
+                                  </p:stCondLst>
+                                  <p:childTnLst>
+                                    <p:set>
+                                      <p:cBhvr>
+                                        <p:cTn id="11" dur="1" fill="hold">
+                                          <p:stCondLst>
+                                            <p:cond delay="0"/>
+                                          </p:stCondLst>
+                                        </p:cTn>
+                                        <p:tgtEl>
+                                          <p:spTgt spid="3">
+                                            <p:txEl>
+                                              <p:pRg st="5" end="5"/>
+                                            </p:txEl>
+                                          </p:spTgt>
+                                        </p:tgtEl>
+                                        <p:attrNameLst>
+                                          <p:attrName>style.visibility</p:attrName>
+                                        </p:attrNameLst>
+                                      </p:cBhvr>
+                                      <p:to>
+                                        <p:strVal val="visible"/>
+                                      </p:to>
+                                    </p:set>
+                                    <p:animEffect transition="in" filter="fade">
+                                      <p:cBhvr>
+                                        <p:cTn id="12" dur="500"/>
+                                        <p:tgtEl>
+                                          <p:spTgt spid="3">
+                                            <p:txEl>
+                                              <p:pRg st="5" end="5"/>
+                                            </p:txEl>
+                                          </p:spTgt>
+                                        </p:tgtEl>
+                                      </p:cBhvr>
+                                    </p:animEffect>
+                                  </p:childTnLst>
+                                </p:cTn>
+                              </p:par>
+                            </p:childTnLst>
+                          </p:cTn>
+                        </p:par>
+                      </p:childTnLst>
+                    </p:cTn>
+                  </p:par>
+                  <p:par>
+                    <p:cTn id="13" fill="hold">
+                      <p:stCondLst>
+                        <p:cond delay="indefinite"/>
+                      </p:stCondLst>
+                      <p:childTnLst>
+                        <p:par>
+                          <p:cTn id="14" fill="hold">
+                            <p:stCondLst>
+                              <p:cond delay="0"/>
+                            </p:stCondLst>
+                            <p:childTnLst>
+                              <p:par>
+                                <p:cTn id="15" presetID="10" presetClass="entr" presetSubtype="0" fill="hold" nodeType="clickEffect">
+                                  <p:stCondLst>
+                                    <p:cond delay="0"/>
+                                  </p:stCondLst>
+                                  <p:childTnLst>
+                                    <p:set>
+                                      <p:cBhvr>
+                                        <p:cTn id="16" dur="1" fill="hold">
+                                          <p:stCondLst>
+                                            <p:cond delay="0"/>
+                                          </p:stCondLst>
+                                        </p:cTn>
+                                        <p:tgtEl>
+                                          <p:spTgt spid="3">
+                                            <p:txEl>
+                                              <p:pRg st="6" end="6"/>
+                                            </p:txEl>
+                                          </p:spTgt>
+                                        </p:tgtEl>
+                                        <p:attrNameLst>
+                                          <p:attrName>style.visibility</p:attrName>
+                                        </p:attrNameLst>
+                                      </p:cBhvr>
+                                      <p:to>
+                                        <p:strVal val="visible"/>
+                                      </p:to>
+                                    </p:set>
+                                    <p:animEffect transition="in" filter="fade">
+                                      <p:cBhvr>
+                                        <p:cTn id="17" dur="500"/>
+                                        <p:tgtEl>
+                                          <p:spTgt spid="3">
+                                            <p:txEl>
+                                              <p:pRg st="6" end="6"/>
+                                            </p:txEl>
+                                          </p:spTgt>
+                                        </p:tgtEl>
+                                      </p:cBhvr>
+                                    </p:animEffect>
+                                  </p:childTnLst>
+                                </p:cTn>
+                              </p:par>
+                            </p:childTnLst>
+                          </p:cTn>
+                        </p:par>
+                      </p:childTnLst>
+                    </p:cTn>
+                  </p:par>
+                </p:childTnLst>
+              </p:cTn>
+              <p:prevCondLst>
+                <p:cond evt="onPrev" delay="0">
+                  <p:tgtEl>
+                    <p:sldTgt/>
+                  </p:tgtEl>
+                </p:cond>
+              </p:prevCondLst>
+              <p:nextCondLst>
+                <p:cond evt="onNext" delay="0">
+                  <p:tgtEl>
+                    <p:sldTgt/>
+                  </p:tgtEl>
+                </p:cond>
+              </p:nextCondLst>
+            </p:seq>
+          </p:childTnLst>
+        </p:cTn>
       </p:par>
     </p:tnLst>
   </p:timing>
@@ -8983,9 +11861,12 @@
 </file>
 
 <file path=customXml/item1.xml><?xml version="1.0" encoding="utf-8"?>
-<p:properties xmlns:p="http://schemas.microsoft.com/office/2006/metadata/properties" xmlns:xsi="http://www.w3.org/2001/XMLSchema-instance" xmlns:pc="http://schemas.microsoft.com/office/infopath/2007/PartnerControls">
-  <documentManagement/>
-</p:properties>
+<?mso-contentType ?>
+<FormTemplates xmlns="http://schemas.microsoft.com/sharepoint/v3/contenttype/forms">
+  <Display>DocumentLibraryForm</Display>
+  <Edit>DocumentLibraryForm</Edit>
+  <New>DocumentLibraryForm</New>
+</FormTemplates>
 </file>
 
 <file path=customXml/item2.xml><?xml version="1.0" encoding="utf-8"?>
@@ -9129,26 +12010,15 @@
 </file>
 
 <file path=customXml/item3.xml><?xml version="1.0" encoding="utf-8"?>
-<?mso-contentType ?>
-<FormTemplates xmlns="http://schemas.microsoft.com/sharepoint/v3/contenttype/forms">
-  <Display>DocumentLibraryForm</Display>
-  <Edit>DocumentLibraryForm</Edit>
-  <New>DocumentLibraryForm</New>
-</FormTemplates>
+<p:properties xmlns:p="http://schemas.microsoft.com/office/2006/metadata/properties" xmlns:xsi="http://www.w3.org/2001/XMLSchema-instance" xmlns:pc="http://schemas.microsoft.com/office/infopath/2007/PartnerControls">
+  <documentManagement/>
+</p:properties>
 </file>
 
 <file path=customXml/itemProps1.xml><?xml version="1.0" encoding="utf-8"?>
-<ds:datastoreItem xmlns:ds="http://schemas.openxmlformats.org/officeDocument/2006/customXml" ds:itemID="{7025FDD9-4C58-4084-9F89-0E6ADD6FFF55}">
+<ds:datastoreItem xmlns:ds="http://schemas.openxmlformats.org/officeDocument/2006/customXml" ds:itemID="{B0CA13EC-1D3C-4D6F-8D1C-E8A452CFC79A}">
   <ds:schemaRefs>
-    <ds:schemaRef ds:uri="http://purl.org/dc/elements/1.1/"/>
-    <ds:schemaRef ds:uri="http://schemas.microsoft.com/office/2006/metadata/properties"/>
-    <ds:schemaRef ds:uri="http://purl.org/dc/terms/"/>
-    <ds:schemaRef ds:uri="http://schemas.openxmlformats.org/package/2006/metadata/core-properties"/>
-    <ds:schemaRef ds:uri="http://schemas.microsoft.com/office/2006/documentManagement/types"/>
-    <ds:schemaRef ds:uri="http://schemas.microsoft.com/office/infopath/2007/PartnerControls"/>
-    <ds:schemaRef ds:uri="ecd1fa32-ae44-48d6-80a1-71a52da60b4a"/>
-    <ds:schemaRef ds:uri="http://www.w3.org/XML/1998/namespace"/>
-    <ds:schemaRef ds:uri="http://purl.org/dc/dcmitype/"/>
+    <ds:schemaRef ds:uri="http://schemas.microsoft.com/sharepoint/v3/contenttype/forms"/>
   </ds:schemaRefs>
 </ds:datastoreItem>
 </file>
@@ -9172,9 +12042,17 @@
 </file>
 
 <file path=customXml/itemProps3.xml><?xml version="1.0" encoding="utf-8"?>
-<ds:datastoreItem xmlns:ds="http://schemas.openxmlformats.org/officeDocument/2006/customXml" ds:itemID="{B0CA13EC-1D3C-4D6F-8D1C-E8A452CFC79A}">
+<ds:datastoreItem xmlns:ds="http://schemas.openxmlformats.org/officeDocument/2006/customXml" ds:itemID="{7025FDD9-4C58-4084-9F89-0E6ADD6FFF55}">
   <ds:schemaRefs>
-    <ds:schemaRef ds:uri="http://schemas.microsoft.com/sharepoint/v3/contenttype/forms"/>
+    <ds:schemaRef ds:uri="http://purl.org/dc/elements/1.1/"/>
+    <ds:schemaRef ds:uri="http://schemas.microsoft.com/office/2006/metadata/properties"/>
+    <ds:schemaRef ds:uri="http://purl.org/dc/terms/"/>
+    <ds:schemaRef ds:uri="http://schemas.openxmlformats.org/package/2006/metadata/core-properties"/>
+    <ds:schemaRef ds:uri="http://schemas.microsoft.com/office/2006/documentManagement/types"/>
+    <ds:schemaRef ds:uri="http://schemas.microsoft.com/office/infopath/2007/PartnerControls"/>
+    <ds:schemaRef ds:uri="ecd1fa32-ae44-48d6-80a1-71a52da60b4a"/>
+    <ds:schemaRef ds:uri="http://www.w3.org/XML/1998/namespace"/>
+    <ds:schemaRef ds:uri="http://purl.org/dc/dcmitype/"/>
   </ds:schemaRefs>
 </ds:datastoreItem>
 </file>
--- a/Slides/M2 Mobile UI.pptx
+++ b/Slides/M2 Mobile UI.pptx
@@ -291,7 +291,7 @@
           <a:p>
             <a:fld id="{312E7B4A-039C-48A2-9B2C-AF16AA3873D8}" type="datetimeFigureOut">
               <a:rPr lang="en-US" smtClean="0"/>
-              <a:t>10/13/2014</a:t>
+              <a:t>10/17/2014</a:t>
             </a:fld>
             <a:endParaRPr lang="en-US"/>
           </a:p>
@@ -456,7 +456,7 @@
           <a:p>
             <a:fld id="{DA005A0C-54D9-45AA-87D4-C551D08DFCE1}" type="datetimeFigureOut">
               <a:rPr lang="en-US" smtClean="0"/>
-              <a:t>10/13/2014</a:t>
+              <a:t>10/17/2014</a:t>
             </a:fld>
             <a:endParaRPr lang="en-US"/>
           </a:p>
@@ -7937,14 +7937,14 @@
                 <a:gridCol w="5762625">
                   <a:extLst>
                     <a:ext uri="{9D8B030D-6E8A-4147-A177-3AD203B41FA5}">
-                      <a16:colId xmlns:a16="http://schemas.microsoft.com/office/drawing/2014/main" xmlns="" val="1632794655"/>
+                      <a16:colId xmlns="" xmlns:a16="http://schemas.microsoft.com/office/drawing/2014/main" val="1632794655"/>
                     </a:ext>
                   </a:extLst>
                 </a:gridCol>
                 <a:gridCol w="5762625">
                   <a:extLst>
                     <a:ext uri="{9D8B030D-6E8A-4147-A177-3AD203B41FA5}">
-                      <a16:colId xmlns:a16="http://schemas.microsoft.com/office/drawing/2014/main" xmlns="" val="2011313899"/>
+                      <a16:colId xmlns="" xmlns:a16="http://schemas.microsoft.com/office/drawing/2014/main" val="2011313899"/>
                     </a:ext>
                   </a:extLst>
                 </a:gridCol>
@@ -7982,7 +7982,7 @@
                 </a:tc>
                 <a:extLst>
                   <a:ext uri="{0D108BD9-81ED-4DB2-BD59-A6C34878D82A}">
-                    <a16:rowId xmlns:a16="http://schemas.microsoft.com/office/drawing/2014/main" xmlns="" val="1789177411"/>
+                    <a16:rowId xmlns="" xmlns:a16="http://schemas.microsoft.com/office/drawing/2014/main" val="1789177411"/>
                   </a:ext>
                 </a:extLst>
               </a:tr>
@@ -8043,7 +8043,7 @@
                 </a:tc>
                 <a:extLst>
                   <a:ext uri="{0D108BD9-81ED-4DB2-BD59-A6C34878D82A}">
-                    <a16:rowId xmlns:a16="http://schemas.microsoft.com/office/drawing/2014/main" xmlns="" val="3842815335"/>
+                    <a16:rowId xmlns="" xmlns:a16="http://schemas.microsoft.com/office/drawing/2014/main" val="3842815335"/>
                   </a:ext>
                 </a:extLst>
               </a:tr>
@@ -8090,7 +8090,7 @@
                 </a:tc>
                 <a:extLst>
                   <a:ext uri="{0D108BD9-81ED-4DB2-BD59-A6C34878D82A}">
-                    <a16:rowId xmlns:a16="http://schemas.microsoft.com/office/drawing/2014/main" xmlns="" val="321066646"/>
+                    <a16:rowId xmlns="" xmlns:a16="http://schemas.microsoft.com/office/drawing/2014/main" val="321066646"/>
                   </a:ext>
                 </a:extLst>
               </a:tr>
@@ -8161,7 +8161,7 @@
                 </a:tc>
                 <a:extLst>
                   <a:ext uri="{0D108BD9-81ED-4DB2-BD59-A6C34878D82A}">
-                    <a16:rowId xmlns:a16="http://schemas.microsoft.com/office/drawing/2014/main" xmlns="" val="3812060533"/>
+                    <a16:rowId xmlns="" xmlns:a16="http://schemas.microsoft.com/office/drawing/2014/main" val="3812060533"/>
                   </a:ext>
                 </a:extLst>
               </a:tr>
@@ -9752,8 +9752,31 @@
             <a:pPr lvl="2"/>
             <a:r>
               <a:rPr lang="en-US" dirty="0"/>
-              <a:t>http://www.hanselman.com/blog/MakeAWindows81PinnedLiveTileForYOURWebsiteInMinutes.aspx</a:t>
-            </a:r>
+              <a:t>http://</a:t>
+            </a:r>
+            <a:r>
+              <a:rPr lang="en-US" dirty="0" smtClean="0"/>
+              <a:t>www.hanselman.com/blog/MakeAWindows81PinnedLiveTileForYOURWebsiteInMinutes.aspx</a:t>
+            </a:r>
+          </a:p>
+          <a:p>
+            <a:pPr lvl="1"/>
+            <a:r>
+              <a:rPr lang="en-US" dirty="0" smtClean="0"/>
+              <a:t>Build My Pinned Site</a:t>
+            </a:r>
+          </a:p>
+          <a:p>
+            <a:pPr lvl="2"/>
+            <a:r>
+              <a:rPr lang="en-US" dirty="0"/>
+              <a:t>http://</a:t>
+            </a:r>
+            <a:r>
+              <a:rPr lang="en-US" dirty="0" smtClean="0"/>
+              <a:t>www.buildmypinnedsite.com/</a:t>
+            </a:r>
+            <a:endParaRPr lang="en-US" dirty="0"/>
           </a:p>
         </p:txBody>
       </p:sp>
@@ -11861,15 +11884,6 @@
 </file>
 
 <file path=customXml/item1.xml><?xml version="1.0" encoding="utf-8"?>
-<?mso-contentType ?>
-<FormTemplates xmlns="http://schemas.microsoft.com/sharepoint/v3/contenttype/forms">
-  <Display>DocumentLibraryForm</Display>
-  <Edit>DocumentLibraryForm</Edit>
-  <New>DocumentLibraryForm</New>
-</FormTemplates>
-</file>
-
-<file path=customXml/item2.xml><?xml version="1.0" encoding="utf-8"?>
 <ct:contentTypeSchema xmlns:ct="http://schemas.microsoft.com/office/2006/metadata/contentType" xmlns:ma="http://schemas.microsoft.com/office/2006/metadata/properties/metaAttributes" ct:_="" ma:_="" ma:contentTypeName="Document" ma:contentTypeID="0x010100CF3CFFA86DA93345A891C3CCBC738F63" ma:contentTypeVersion="1" ma:contentTypeDescription="Create a new document." ma:contentTypeScope="" ma:versionID="060e45d69093970729cdde03e78aa3cc">
   <xsd:schema xmlns:xsd="http://www.w3.org/2001/XMLSchema" xmlns:xs="http://www.w3.org/2001/XMLSchema" xmlns:p="http://schemas.microsoft.com/office/2006/metadata/properties" xmlns:ns3="ecd1fa32-ae44-48d6-80a1-71a52da60b4a" targetNamespace="http://schemas.microsoft.com/office/2006/metadata/properties" ma:root="true" ma:fieldsID="2fc9741b54117334ed0e10932dac3600" ns3:_="">
     <xsd:import namespace="ecd1fa32-ae44-48d6-80a1-71a52da60b4a"/>
@@ -12009,6 +12023,15 @@
 </ct:contentTypeSchema>
 </file>
 
+<file path=customXml/item2.xml><?xml version="1.0" encoding="utf-8"?>
+<?mso-contentType ?>
+<FormTemplates xmlns="http://schemas.microsoft.com/sharepoint/v3/contenttype/forms">
+  <Display>DocumentLibraryForm</Display>
+  <Edit>DocumentLibraryForm</Edit>
+  <New>DocumentLibraryForm</New>
+</FormTemplates>
+</file>
+
 <file path=customXml/item3.xml><?xml version="1.0" encoding="utf-8"?>
 <p:properties xmlns:p="http://schemas.microsoft.com/office/2006/metadata/properties" xmlns:xsi="http://www.w3.org/2001/XMLSchema-instance" xmlns:pc="http://schemas.microsoft.com/office/infopath/2007/PartnerControls">
   <documentManagement/>
@@ -12016,14 +12039,6 @@
 </file>
 
 <file path=customXml/itemProps1.xml><?xml version="1.0" encoding="utf-8"?>
-<ds:datastoreItem xmlns:ds="http://schemas.openxmlformats.org/officeDocument/2006/customXml" ds:itemID="{B0CA13EC-1D3C-4D6F-8D1C-E8A452CFC79A}">
-  <ds:schemaRefs>
-    <ds:schemaRef ds:uri="http://schemas.microsoft.com/sharepoint/v3/contenttype/forms"/>
-  </ds:schemaRefs>
-</ds:datastoreItem>
-</file>
-
-<file path=customXml/itemProps2.xml><?xml version="1.0" encoding="utf-8"?>
 <ds:datastoreItem xmlns:ds="http://schemas.openxmlformats.org/officeDocument/2006/customXml" ds:itemID="{A545FFDC-6555-4FAD-8A13-72F96FEB882E}">
   <ds:schemaRefs>
     <ds:schemaRef ds:uri="http://schemas.microsoft.com/office/2006/metadata/contentType"/>
@@ -12037,6 +12052,14 @@
     <ds:schemaRef ds:uri="http://purl.org/dc/elements/1.1/"/>
     <ds:schemaRef ds:uri="http://purl.org/dc/terms/"/>
     <ds:schemaRef ds:uri="http://schemas.microsoft.com/internal/obd"/>
+  </ds:schemaRefs>
+</ds:datastoreItem>
+</file>
+
+<file path=customXml/itemProps2.xml><?xml version="1.0" encoding="utf-8"?>
+<ds:datastoreItem xmlns:ds="http://schemas.openxmlformats.org/officeDocument/2006/customXml" ds:itemID="{B0CA13EC-1D3C-4D6F-8D1C-E8A452CFC79A}">
+  <ds:schemaRefs>
+    <ds:schemaRef ds:uri="http://schemas.microsoft.com/sharepoint/v3/contenttype/forms"/>
   </ds:schemaRefs>
 </ds:datastoreItem>
 </file>

--- a/Slides/M2 Mobile UI.pptx
+++ b/Slides/M2 Mobile UI.pptx
@@ -291,7 +291,7 @@
           <a:p>
             <a:fld id="{312E7B4A-039C-48A2-9B2C-AF16AA3873D8}" type="datetimeFigureOut">
               <a:rPr lang="en-US" smtClean="0"/>
-              <a:t>10/17/2014</a:t>
+              <a:t>10/20/2014</a:t>
             </a:fld>
             <a:endParaRPr lang="en-US"/>
           </a:p>
@@ -456,7 +456,7 @@
           <a:p>
             <a:fld id="{DA005A0C-54D9-45AA-87D4-C551D08DFCE1}" type="datetimeFigureOut">
               <a:rPr lang="en-US" smtClean="0"/>
-              <a:t>10/17/2014</a:t>
+              <a:t>10/20/2014</a:t>
             </a:fld>
             <a:endParaRPr lang="en-US"/>
           </a:p>
@@ -7327,6 +7327,14 @@
 <file path=ppt/slides/slide15.xml><?xml version="1.0" encoding="utf-8"?>
 <p:sld xmlns:a="http://schemas.openxmlformats.org/drawingml/2006/main" xmlns:r="http://schemas.openxmlformats.org/officeDocument/2006/relationships" xmlns:p="http://schemas.openxmlformats.org/presentationml/2006/main">
   <p:cSld>
+    <p:bg>
+      <p:bgPr>
+        <a:solidFill>
+          <a:srgbClr val="6A4F93"/>
+        </a:solidFill>
+        <a:effectLst/>
+      </p:bgPr>
+    </p:bg>
     <p:spTree>
       <p:nvGrpSpPr>
         <p:cNvPr id="1" name=""/>
@@ -7937,14 +7945,14 @@
                 <a:gridCol w="5762625">
                   <a:extLst>
                     <a:ext uri="{9D8B030D-6E8A-4147-A177-3AD203B41FA5}">
-                      <a16:colId xmlns="" xmlns:a16="http://schemas.microsoft.com/office/drawing/2014/main" val="1632794655"/>
+                      <a16:colId xmlns:a16="http://schemas.microsoft.com/office/drawing/2014/main" xmlns="" val="1632794655"/>
                     </a:ext>
                   </a:extLst>
                 </a:gridCol>
                 <a:gridCol w="5762625">
                   <a:extLst>
                     <a:ext uri="{9D8B030D-6E8A-4147-A177-3AD203B41FA5}">
-                      <a16:colId xmlns="" xmlns:a16="http://schemas.microsoft.com/office/drawing/2014/main" val="2011313899"/>
+                      <a16:colId xmlns:a16="http://schemas.microsoft.com/office/drawing/2014/main" xmlns="" val="2011313899"/>
                     </a:ext>
                   </a:extLst>
                 </a:gridCol>
@@ -7982,7 +7990,7 @@
                 </a:tc>
                 <a:extLst>
                   <a:ext uri="{0D108BD9-81ED-4DB2-BD59-A6C34878D82A}">
-                    <a16:rowId xmlns="" xmlns:a16="http://schemas.microsoft.com/office/drawing/2014/main" val="1789177411"/>
+                    <a16:rowId xmlns:a16="http://schemas.microsoft.com/office/drawing/2014/main" xmlns="" val="1789177411"/>
                   </a:ext>
                 </a:extLst>
               </a:tr>
@@ -8043,7 +8051,7 @@
                 </a:tc>
                 <a:extLst>
                   <a:ext uri="{0D108BD9-81ED-4DB2-BD59-A6C34878D82A}">
-                    <a16:rowId xmlns="" xmlns:a16="http://schemas.microsoft.com/office/drawing/2014/main" val="3842815335"/>
+                    <a16:rowId xmlns:a16="http://schemas.microsoft.com/office/drawing/2014/main" xmlns="" val="3842815335"/>
                   </a:ext>
                 </a:extLst>
               </a:tr>
@@ -8090,7 +8098,7 @@
                 </a:tc>
                 <a:extLst>
                   <a:ext uri="{0D108BD9-81ED-4DB2-BD59-A6C34878D82A}">
-                    <a16:rowId xmlns="" xmlns:a16="http://schemas.microsoft.com/office/drawing/2014/main" val="321066646"/>
+                    <a16:rowId xmlns:a16="http://schemas.microsoft.com/office/drawing/2014/main" xmlns="" val="321066646"/>
                   </a:ext>
                 </a:extLst>
               </a:tr>
@@ -8161,7 +8169,7 @@
                 </a:tc>
                 <a:extLst>
                   <a:ext uri="{0D108BD9-81ED-4DB2-BD59-A6C34878D82A}">
-                    <a16:rowId xmlns="" xmlns:a16="http://schemas.microsoft.com/office/drawing/2014/main" val="3812060533"/>
+                    <a16:rowId xmlns:a16="http://schemas.microsoft.com/office/drawing/2014/main" xmlns="" val="3812060533"/>
                   </a:ext>
                 </a:extLst>
               </a:tr>
@@ -10364,6 +10372,13 @@
   <p:clrMapOvr>
     <a:masterClrMapping/>
   </p:clrMapOvr>
+  <p:timing>
+    <p:tnLst>
+      <p:par>
+        <p:cTn id="1" dur="indefinite" restart="never" nodeType="tmRoot"/>
+      </p:par>
+    </p:tnLst>
+  </p:timing>
 </p:sld>
 </file>
 
@@ -10460,6 +10475,13 @@
   <p:clrMapOvr>
     <a:masterClrMapping/>
   </p:clrMapOvr>
+  <p:timing>
+    <p:tnLst>
+      <p:par>
+        <p:cTn id="1" dur="indefinite" restart="never" nodeType="tmRoot"/>
+      </p:par>
+    </p:tnLst>
+  </p:timing>
 </p:sld>
 </file>
 
@@ -11884,6 +11906,21 @@
 </file>
 
 <file path=customXml/item1.xml><?xml version="1.0" encoding="utf-8"?>
+<p:properties xmlns:p="http://schemas.microsoft.com/office/2006/metadata/properties" xmlns:xsi="http://www.w3.org/2001/XMLSchema-instance" xmlns:pc="http://schemas.microsoft.com/office/infopath/2007/PartnerControls">
+  <documentManagement/>
+</p:properties>
+</file>
+
+<file path=customXml/item2.xml><?xml version="1.0" encoding="utf-8"?>
+<?mso-contentType ?>
+<FormTemplates xmlns="http://schemas.microsoft.com/sharepoint/v3/contenttype/forms">
+  <Display>DocumentLibraryForm</Display>
+  <Edit>DocumentLibraryForm</Edit>
+  <New>DocumentLibraryForm</New>
+</FormTemplates>
+</file>
+
+<file path=customXml/item3.xml><?xml version="1.0" encoding="utf-8"?>
 <ct:contentTypeSchema xmlns:ct="http://schemas.microsoft.com/office/2006/metadata/contentType" xmlns:ma="http://schemas.microsoft.com/office/2006/metadata/properties/metaAttributes" ct:_="" ma:_="" ma:contentTypeName="Document" ma:contentTypeID="0x010100CF3CFFA86DA93345A891C3CCBC738F63" ma:contentTypeVersion="1" ma:contentTypeDescription="Create a new document." ma:contentTypeScope="" ma:versionID="060e45d69093970729cdde03e78aa3cc">
   <xsd:schema xmlns:xsd="http://www.w3.org/2001/XMLSchema" xmlns:xs="http://www.w3.org/2001/XMLSchema" xmlns:p="http://schemas.microsoft.com/office/2006/metadata/properties" xmlns:ns3="ecd1fa32-ae44-48d6-80a1-71a52da60b4a" targetNamespace="http://schemas.microsoft.com/office/2006/metadata/properties" ma:root="true" ma:fieldsID="2fc9741b54117334ed0e10932dac3600" ns3:_="">
     <xsd:import namespace="ecd1fa32-ae44-48d6-80a1-71a52da60b4a"/>
@@ -12023,22 +12060,31 @@
 </ct:contentTypeSchema>
 </file>
 
-<file path=customXml/item2.xml><?xml version="1.0" encoding="utf-8"?>
-<?mso-contentType ?>
-<FormTemplates xmlns="http://schemas.microsoft.com/sharepoint/v3/contenttype/forms">
-  <Display>DocumentLibraryForm</Display>
-  <Edit>DocumentLibraryForm</Edit>
-  <New>DocumentLibraryForm</New>
-</FormTemplates>
+<file path=customXml/itemProps1.xml><?xml version="1.0" encoding="utf-8"?>
+<ds:datastoreItem xmlns:ds="http://schemas.openxmlformats.org/officeDocument/2006/customXml" ds:itemID="{7025FDD9-4C58-4084-9F89-0E6ADD6FFF55}">
+  <ds:schemaRefs>
+    <ds:schemaRef ds:uri="http://purl.org/dc/elements/1.1/"/>
+    <ds:schemaRef ds:uri="http://schemas.microsoft.com/office/2006/metadata/properties"/>
+    <ds:schemaRef ds:uri="http://purl.org/dc/terms/"/>
+    <ds:schemaRef ds:uri="http://schemas.openxmlformats.org/package/2006/metadata/core-properties"/>
+    <ds:schemaRef ds:uri="http://schemas.microsoft.com/office/2006/documentManagement/types"/>
+    <ds:schemaRef ds:uri="http://schemas.microsoft.com/office/infopath/2007/PartnerControls"/>
+    <ds:schemaRef ds:uri="ecd1fa32-ae44-48d6-80a1-71a52da60b4a"/>
+    <ds:schemaRef ds:uri="http://www.w3.org/XML/1998/namespace"/>
+    <ds:schemaRef ds:uri="http://purl.org/dc/dcmitype/"/>
+  </ds:schemaRefs>
+</ds:datastoreItem>
 </file>
 
-<file path=customXml/item3.xml><?xml version="1.0" encoding="utf-8"?>
-<p:properties xmlns:p="http://schemas.microsoft.com/office/2006/metadata/properties" xmlns:xsi="http://www.w3.org/2001/XMLSchema-instance" xmlns:pc="http://schemas.microsoft.com/office/infopath/2007/PartnerControls">
-  <documentManagement/>
-</p:properties>
+<file path=customXml/itemProps2.xml><?xml version="1.0" encoding="utf-8"?>
+<ds:datastoreItem xmlns:ds="http://schemas.openxmlformats.org/officeDocument/2006/customXml" ds:itemID="{B0CA13EC-1D3C-4D6F-8D1C-E8A452CFC79A}">
+  <ds:schemaRefs>
+    <ds:schemaRef ds:uri="http://schemas.microsoft.com/sharepoint/v3/contenttype/forms"/>
+  </ds:schemaRefs>
+</ds:datastoreItem>
 </file>
 
-<file path=customXml/itemProps1.xml><?xml version="1.0" encoding="utf-8"?>
+<file path=customXml/itemProps3.xml><?xml version="1.0" encoding="utf-8"?>
 <ds:datastoreItem xmlns:ds="http://schemas.openxmlformats.org/officeDocument/2006/customXml" ds:itemID="{A545FFDC-6555-4FAD-8A13-72F96FEB882E}">
   <ds:schemaRefs>
     <ds:schemaRef ds:uri="http://schemas.microsoft.com/office/2006/metadata/contentType"/>
@@ -12054,28 +12100,4 @@
     <ds:schemaRef ds:uri="http://schemas.microsoft.com/internal/obd"/>
   </ds:schemaRefs>
 </ds:datastoreItem>
-</file>
-
-<file path=customXml/itemProps2.xml><?xml version="1.0" encoding="utf-8"?>
-<ds:datastoreItem xmlns:ds="http://schemas.openxmlformats.org/officeDocument/2006/customXml" ds:itemID="{B0CA13EC-1D3C-4D6F-8D1C-E8A452CFC79A}">
-  <ds:schemaRefs>
-    <ds:schemaRef ds:uri="http://schemas.microsoft.com/sharepoint/v3/contenttype/forms"/>
-  </ds:schemaRefs>
-</ds:datastoreItem>
-</file>
-
-<file path=customXml/itemProps3.xml><?xml version="1.0" encoding="utf-8"?>
-<ds:datastoreItem xmlns:ds="http://schemas.openxmlformats.org/officeDocument/2006/customXml" ds:itemID="{7025FDD9-4C58-4084-9F89-0E6ADD6FFF55}">
-  <ds:schemaRefs>
-    <ds:schemaRef ds:uri="http://purl.org/dc/elements/1.1/"/>
-    <ds:schemaRef ds:uri="http://schemas.microsoft.com/office/2006/metadata/properties"/>
-    <ds:schemaRef ds:uri="http://purl.org/dc/terms/"/>
-    <ds:schemaRef ds:uri="http://schemas.openxmlformats.org/package/2006/metadata/core-properties"/>
-    <ds:schemaRef ds:uri="http://schemas.microsoft.com/office/2006/documentManagement/types"/>
-    <ds:schemaRef ds:uri="http://schemas.microsoft.com/office/infopath/2007/PartnerControls"/>
-    <ds:schemaRef ds:uri="ecd1fa32-ae44-48d6-80a1-71a52da60b4a"/>
-    <ds:schemaRef ds:uri="http://www.w3.org/XML/1998/namespace"/>
-    <ds:schemaRef ds:uri="http://purl.org/dc/dcmitype/"/>
-  </ds:schemaRefs>
-</ds:datastoreItem>
 </file>
--- a/Slides/M2 Mobile UI.pptx
+++ b/Slides/M2 Mobile UI.pptx
@@ -6,10 +6,10 @@
     <p:sldMasterId id="2147483674" r:id="rId5"/>
   </p:sldMasterIdLst>
   <p:notesMasterIdLst>
-    <p:notesMasterId r:id="rId42"/>
+    <p:notesMasterId r:id="rId43"/>
   </p:notesMasterIdLst>
   <p:handoutMasterIdLst>
-    <p:handoutMasterId r:id="rId43"/>
+    <p:handoutMasterId r:id="rId44"/>
   </p:handoutMasterIdLst>
   <p:sldIdLst>
     <p:sldId id="271" r:id="rId6"/>
@@ -17,37 +17,38 @@
     <p:sldId id="283" r:id="rId8"/>
     <p:sldId id="288" r:id="rId9"/>
     <p:sldId id="414" r:id="rId10"/>
-    <p:sldId id="460" r:id="rId11"/>
-    <p:sldId id="461" r:id="rId12"/>
-    <p:sldId id="462" r:id="rId13"/>
-    <p:sldId id="463" r:id="rId14"/>
-    <p:sldId id="465" r:id="rId15"/>
-    <p:sldId id="466" r:id="rId16"/>
-    <p:sldId id="467" r:id="rId17"/>
-    <p:sldId id="464" r:id="rId18"/>
-    <p:sldId id="447" r:id="rId19"/>
-    <p:sldId id="468" r:id="rId20"/>
-    <p:sldId id="469" r:id="rId21"/>
-    <p:sldId id="470" r:id="rId22"/>
-    <p:sldId id="471" r:id="rId23"/>
-    <p:sldId id="472" r:id="rId24"/>
-    <p:sldId id="416" r:id="rId25"/>
-    <p:sldId id="473" r:id="rId26"/>
-    <p:sldId id="474" r:id="rId27"/>
-    <p:sldId id="476" r:id="rId28"/>
-    <p:sldId id="477" r:id="rId29"/>
-    <p:sldId id="475" r:id="rId30"/>
-    <p:sldId id="478" r:id="rId31"/>
-    <p:sldId id="479" r:id="rId32"/>
-    <p:sldId id="480" r:id="rId33"/>
-    <p:sldId id="481" r:id="rId34"/>
-    <p:sldId id="482" r:id="rId35"/>
-    <p:sldId id="483" r:id="rId36"/>
-    <p:sldId id="484" r:id="rId37"/>
-    <p:sldId id="485" r:id="rId38"/>
-    <p:sldId id="486" r:id="rId39"/>
-    <p:sldId id="487" r:id="rId40"/>
-    <p:sldId id="269" r:id="rId41"/>
+    <p:sldId id="461" r:id="rId11"/>
+    <p:sldId id="460" r:id="rId12"/>
+    <p:sldId id="488" r:id="rId13"/>
+    <p:sldId id="489" r:id="rId14"/>
+    <p:sldId id="462" r:id="rId15"/>
+    <p:sldId id="463" r:id="rId16"/>
+    <p:sldId id="465" r:id="rId17"/>
+    <p:sldId id="466" r:id="rId18"/>
+    <p:sldId id="467" r:id="rId19"/>
+    <p:sldId id="464" r:id="rId20"/>
+    <p:sldId id="447" r:id="rId21"/>
+    <p:sldId id="468" r:id="rId22"/>
+    <p:sldId id="469" r:id="rId23"/>
+    <p:sldId id="470" r:id="rId24"/>
+    <p:sldId id="471" r:id="rId25"/>
+    <p:sldId id="472" r:id="rId26"/>
+    <p:sldId id="416" r:id="rId27"/>
+    <p:sldId id="473" r:id="rId28"/>
+    <p:sldId id="474" r:id="rId29"/>
+    <p:sldId id="476" r:id="rId30"/>
+    <p:sldId id="477" r:id="rId31"/>
+    <p:sldId id="475" r:id="rId32"/>
+    <p:sldId id="478" r:id="rId33"/>
+    <p:sldId id="479" r:id="rId34"/>
+    <p:sldId id="480" r:id="rId35"/>
+    <p:sldId id="481" r:id="rId36"/>
+    <p:sldId id="482" r:id="rId37"/>
+    <p:sldId id="483" r:id="rId38"/>
+    <p:sldId id="484" r:id="rId39"/>
+    <p:sldId id="485" r:id="rId40"/>
+    <p:sldId id="486" r:id="rId41"/>
+    <p:sldId id="269" r:id="rId42"/>
   </p:sldIdLst>
   <p:sldSz cx="12192000" cy="6858000"/>
   <p:notesSz cx="6858000" cy="9144000"/>
@@ -160,8 +161,10 @@
             <p14:sldId id="283"/>
             <p14:sldId id="288"/>
             <p14:sldId id="414"/>
+            <p14:sldId id="461"/>
             <p14:sldId id="460"/>
-            <p14:sldId id="461"/>
+            <p14:sldId id="488"/>
+            <p14:sldId id="489"/>
             <p14:sldId id="462"/>
             <p14:sldId id="463"/>
             <p14:sldId id="465"/>
@@ -189,7 +192,6 @@
             <p14:sldId id="484"/>
             <p14:sldId id="485"/>
             <p14:sldId id="486"/>
-            <p14:sldId id="487"/>
           </p14:sldIdLst>
         </p14:section>
         <p14:section name="End" id="{E17367C9-8ACE-479F-BE70-706EA28440B9}">
@@ -291,7 +293,7 @@
           <a:p>
             <a:fld id="{312E7B4A-039C-48A2-9B2C-AF16AA3873D8}" type="datetimeFigureOut">
               <a:rPr lang="en-US" smtClean="0"/>
-              <a:t>10/20/2014</a:t>
+              <a:t>10/21/2014</a:t>
             </a:fld>
             <a:endParaRPr lang="en-US"/>
           </a:p>
@@ -456,7 +458,7 @@
           <a:p>
             <a:fld id="{DA005A0C-54D9-45AA-87D4-C551D08DFCE1}" type="datetimeFigureOut">
               <a:rPr lang="en-US" smtClean="0"/>
-              <a:t>10/20/2014</a:t>
+              <a:t>10/21/2014</a:t>
             </a:fld>
             <a:endParaRPr lang="en-US"/>
           </a:p>
@@ -1166,7 +1168,7 @@
             <a:fld id="{13F0F35F-DD44-4607-AEC1-49D7A4BC4066}" type="slidenum">
               <a:rPr lang="en-US" smtClean="0"/>
               <a:pPr/>
-              <a:t>15</a:t>
+              <a:t>17</a:t>
             </a:fld>
             <a:endParaRPr lang="en-US" dirty="0"/>
           </a:p>
@@ -1258,7 +1260,7 @@
             <a:fld id="{13F0F35F-DD44-4607-AEC1-49D7A4BC4066}" type="slidenum">
               <a:rPr lang="en-US" smtClean="0"/>
               <a:pPr/>
-              <a:t>16</a:t>
+              <a:t>18</a:t>
             </a:fld>
             <a:endParaRPr lang="en-US" dirty="0"/>
           </a:p>
@@ -6816,3606 +6818,6 @@
           <a:p>
             <a:r>
               <a:rPr lang="en-US" dirty="0" smtClean="0"/>
-              <a:t>Orientation</a:t>
-            </a:r>
-            <a:endParaRPr lang="en-US" dirty="0"/>
-          </a:p>
-        </p:txBody>
-      </p:sp>
-      <p:sp>
-        <p:nvSpPr>
-          <p:cNvPr id="3" name="Content Placeholder 2"/>
-          <p:cNvSpPr>
-            <a:spLocks noGrp="1"/>
-          </p:cNvSpPr>
-          <p:nvPr>
-            <p:ph sz="quarter" idx="10"/>
-          </p:nvPr>
-        </p:nvSpPr>
-        <p:spPr/>
-        <p:txBody>
-          <a:bodyPr/>
-          <a:lstStyle/>
-          <a:p>
-            <a:r>
-              <a:rPr lang="en-US" dirty="0" smtClean="0"/>
-              <a:t>Portrait</a:t>
-            </a:r>
-          </a:p>
-          <a:p>
-            <a:endParaRPr lang="en-US" dirty="0" smtClean="0"/>
-          </a:p>
-          <a:p>
-            <a:endParaRPr lang="en-US" dirty="0"/>
-          </a:p>
-          <a:p>
-            <a:endParaRPr lang="en-US" dirty="0" smtClean="0"/>
-          </a:p>
-          <a:p>
-            <a:r>
-              <a:rPr lang="en-US" dirty="0" smtClean="0"/>
-              <a:t>Landscape</a:t>
-            </a:r>
-          </a:p>
-        </p:txBody>
-      </p:sp>
-      <p:sp>
-        <p:nvSpPr>
-          <p:cNvPr id="4" name="Rectangle 3"/>
-          <p:cNvSpPr/>
-          <p:nvPr/>
-        </p:nvSpPr>
-        <p:spPr>
-          <a:xfrm>
-            <a:off x="1265275" y="2077029"/>
-            <a:ext cx="1286540" cy="1956391"/>
-          </a:xfrm>
-          <a:prstGeom prst="rect">
-            <a:avLst/>
-          </a:prstGeom>
-        </p:spPr>
-        <p:style>
-          <a:lnRef idx="2">
-            <a:schemeClr val="accent1">
-              <a:shade val="50000"/>
-            </a:schemeClr>
-          </a:lnRef>
-          <a:fillRef idx="1">
-            <a:schemeClr val="accent1"/>
-          </a:fillRef>
-          <a:effectRef idx="0">
-            <a:schemeClr val="accent1"/>
-          </a:effectRef>
-          <a:fontRef idx="minor">
-            <a:schemeClr val="lt1"/>
-          </a:fontRef>
-        </p:style>
-        <p:txBody>
-          <a:bodyPr rtlCol="0" anchor="ctr"/>
-          <a:lstStyle/>
-          <a:p>
-            <a:pPr algn="ctr"/>
-            <a:endParaRPr lang="en-US"/>
-          </a:p>
-        </p:txBody>
-      </p:sp>
-      <p:sp>
-        <p:nvSpPr>
-          <p:cNvPr id="5" name="Rectangle 4"/>
-          <p:cNvSpPr/>
-          <p:nvPr/>
-        </p:nvSpPr>
-        <p:spPr>
-          <a:xfrm rot="5400000">
-            <a:off x="1265274" y="4387298"/>
-            <a:ext cx="1286540" cy="1956391"/>
-          </a:xfrm>
-          <a:prstGeom prst="rect">
-            <a:avLst/>
-          </a:prstGeom>
-        </p:spPr>
-        <p:style>
-          <a:lnRef idx="2">
-            <a:schemeClr val="accent1">
-              <a:shade val="50000"/>
-            </a:schemeClr>
-          </a:lnRef>
-          <a:fillRef idx="1">
-            <a:schemeClr val="accent1"/>
-          </a:fillRef>
-          <a:effectRef idx="0">
-            <a:schemeClr val="accent1"/>
-          </a:effectRef>
-          <a:fontRef idx="minor">
-            <a:schemeClr val="lt1"/>
-          </a:fontRef>
-        </p:style>
-        <p:txBody>
-          <a:bodyPr rtlCol="0" anchor="ctr"/>
-          <a:lstStyle/>
-          <a:p>
-            <a:pPr algn="ctr"/>
-            <a:endParaRPr lang="en-US"/>
-          </a:p>
-        </p:txBody>
-      </p:sp>
-    </p:spTree>
-    <p:extLst>
-      <p:ext uri="{BB962C8B-B14F-4D97-AF65-F5344CB8AC3E}">
-        <p14:creationId xmlns:p14="http://schemas.microsoft.com/office/powerpoint/2010/main" val="2013922320"/>
-      </p:ext>
-    </p:extLst>
-  </p:cSld>
-  <p:clrMapOvr>
-    <a:masterClrMapping/>
-  </p:clrMapOvr>
-  <p:timing>
-    <p:tnLst>
-      <p:par>
-        <p:cTn id="1" dur="indefinite" restart="never" nodeType="tmRoot"/>
-      </p:par>
-    </p:tnLst>
-  </p:timing>
-</p:sld>
-</file>
-
-<file path=ppt/slides/slide11.xml><?xml version="1.0" encoding="utf-8"?>
-<p:sld xmlns:a="http://schemas.openxmlformats.org/drawingml/2006/main" xmlns:r="http://schemas.openxmlformats.org/officeDocument/2006/relationships" xmlns:p="http://schemas.openxmlformats.org/presentationml/2006/main">
-  <p:cSld>
-    <p:spTree>
-      <p:nvGrpSpPr>
-        <p:cNvPr id="1" name=""/>
-        <p:cNvGrpSpPr/>
-        <p:nvPr/>
-      </p:nvGrpSpPr>
-      <p:grpSpPr>
-        <a:xfrm>
-          <a:off x="0" y="0"/>
-          <a:ext cx="0" cy="0"/>
-          <a:chOff x="0" y="0"/>
-          <a:chExt cx="0" cy="0"/>
-        </a:xfrm>
-      </p:grpSpPr>
-      <p:sp>
-        <p:nvSpPr>
-          <p:cNvPr id="2" name="Title 1"/>
-          <p:cNvSpPr>
-            <a:spLocks noGrp="1"/>
-          </p:cNvSpPr>
-          <p:nvPr>
-            <p:ph type="title"/>
-          </p:nvPr>
-        </p:nvSpPr>
-        <p:spPr/>
-        <p:txBody>
-          <a:bodyPr/>
-          <a:lstStyle/>
-          <a:p>
-            <a:r>
-              <a:rPr lang="en-US" dirty="0" smtClean="0"/>
-              <a:t>Size</a:t>
-            </a:r>
-            <a:endParaRPr lang="en-US" dirty="0"/>
-          </a:p>
-        </p:txBody>
-      </p:sp>
-      <p:sp>
-        <p:nvSpPr>
-          <p:cNvPr id="3" name="Content Placeholder 2"/>
-          <p:cNvSpPr>
-            <a:spLocks noGrp="1"/>
-          </p:cNvSpPr>
-          <p:nvPr>
-            <p:ph sz="quarter" idx="10"/>
-          </p:nvPr>
-        </p:nvSpPr>
-        <p:spPr/>
-        <p:txBody>
-          <a:bodyPr/>
-          <a:lstStyle/>
-          <a:p>
-            <a:r>
-              <a:rPr lang="en-US" dirty="0" smtClean="0"/>
-              <a:t>Width and height</a:t>
-            </a:r>
-          </a:p>
-          <a:p>
-            <a:pPr lvl="1"/>
-            <a:r>
-              <a:rPr lang="en-US" dirty="0" smtClean="0"/>
-              <a:t>Size of the current window</a:t>
-            </a:r>
-          </a:p>
-          <a:p>
-            <a:r>
-              <a:rPr lang="en-US" dirty="0" smtClean="0"/>
-              <a:t>Device-width and device-height</a:t>
-            </a:r>
-          </a:p>
-          <a:p>
-            <a:pPr lvl="1"/>
-            <a:r>
-              <a:rPr lang="en-US" dirty="0" smtClean="0"/>
-              <a:t>Size of the current device</a:t>
-            </a:r>
-          </a:p>
-          <a:p>
-            <a:r>
-              <a:rPr lang="en-US" dirty="0" smtClean="0"/>
-              <a:t>Max and min modifiers</a:t>
-            </a:r>
-            <a:endParaRPr lang="en-US" dirty="0"/>
-          </a:p>
-        </p:txBody>
-      </p:sp>
-    </p:spTree>
-    <p:extLst>
-      <p:ext uri="{BB962C8B-B14F-4D97-AF65-F5344CB8AC3E}">
-        <p14:creationId xmlns:p14="http://schemas.microsoft.com/office/powerpoint/2010/main" val="4032747531"/>
-      </p:ext>
-    </p:extLst>
-  </p:cSld>
-  <p:clrMapOvr>
-    <a:masterClrMapping/>
-  </p:clrMapOvr>
-  <p:timing>
-    <p:tnLst>
-      <p:par>
-        <p:cTn id="1" dur="indefinite" restart="never" nodeType="tmRoot"/>
-      </p:par>
-    </p:tnLst>
-  </p:timing>
-</p:sld>
-</file>
-
-<file path=ppt/slides/slide12.xml><?xml version="1.0" encoding="utf-8"?>
-<p:sld xmlns:a="http://schemas.openxmlformats.org/drawingml/2006/main" xmlns:r="http://schemas.openxmlformats.org/officeDocument/2006/relationships" xmlns:p="http://schemas.openxmlformats.org/presentationml/2006/main">
-  <p:cSld>
-    <p:spTree>
-      <p:nvGrpSpPr>
-        <p:cNvPr id="1" name=""/>
-        <p:cNvGrpSpPr/>
-        <p:nvPr/>
-      </p:nvGrpSpPr>
-      <p:grpSpPr>
-        <a:xfrm>
-          <a:off x="0" y="0"/>
-          <a:ext cx="0" cy="0"/>
-          <a:chOff x="0" y="0"/>
-          <a:chExt cx="0" cy="0"/>
-        </a:xfrm>
-      </p:grpSpPr>
-      <p:sp>
-        <p:nvSpPr>
-          <p:cNvPr id="2" name="Title 1"/>
-          <p:cNvSpPr>
-            <a:spLocks noGrp="1"/>
-          </p:cNvSpPr>
-          <p:nvPr>
-            <p:ph type="title"/>
-          </p:nvPr>
-        </p:nvSpPr>
-        <p:spPr/>
-        <p:txBody>
-          <a:bodyPr/>
-          <a:lstStyle/>
-          <a:p>
-            <a:r>
-              <a:rPr lang="en-US" dirty="0" smtClean="0"/>
-              <a:t>Using media queries</a:t>
-            </a:r>
-            <a:endParaRPr lang="en-US" dirty="0"/>
-          </a:p>
-        </p:txBody>
-      </p:sp>
-      <p:sp>
-        <p:nvSpPr>
-          <p:cNvPr id="3" name="Content Placeholder 2"/>
-          <p:cNvSpPr>
-            <a:spLocks noGrp="1"/>
-          </p:cNvSpPr>
-          <p:nvPr>
-            <p:ph sz="quarter" idx="10"/>
-          </p:nvPr>
-        </p:nvSpPr>
-        <p:spPr/>
-        <p:txBody>
-          <a:bodyPr/>
-          <a:lstStyle/>
-          <a:p>
-            <a:r>
-              <a:rPr lang="en-US" dirty="0" smtClean="0"/>
-              <a:t>Remember cascading rules</a:t>
-            </a:r>
-          </a:p>
-          <a:p>
-            <a:pPr lvl="1"/>
-            <a:r>
-              <a:rPr lang="en-US" dirty="0" smtClean="0"/>
-              <a:t>Higher precedence to best match</a:t>
-            </a:r>
-          </a:p>
-          <a:p>
-            <a:pPr lvl="1"/>
-            <a:r>
-              <a:rPr lang="en-US" dirty="0" smtClean="0"/>
-              <a:t>Media query sections override generic rules</a:t>
-            </a:r>
-          </a:p>
-          <a:p>
-            <a:r>
-              <a:rPr lang="en-US" dirty="0" smtClean="0"/>
-              <a:t>Ordering matters</a:t>
-            </a:r>
-          </a:p>
-          <a:p>
-            <a:pPr lvl="1"/>
-            <a:r>
-              <a:rPr lang="en-US" dirty="0" smtClean="0"/>
-              <a:t>Put global rules first</a:t>
-            </a:r>
-          </a:p>
-          <a:p>
-            <a:pPr lvl="1"/>
-            <a:r>
-              <a:rPr lang="en-US" dirty="0" smtClean="0"/>
-              <a:t>Smallest to largest or largest to smallest</a:t>
-            </a:r>
-            <a:endParaRPr lang="en-US" dirty="0"/>
-          </a:p>
-        </p:txBody>
-      </p:sp>
-    </p:spTree>
-    <p:extLst>
-      <p:ext uri="{BB962C8B-B14F-4D97-AF65-F5344CB8AC3E}">
-        <p14:creationId xmlns:p14="http://schemas.microsoft.com/office/powerpoint/2010/main" val="167428106"/>
-      </p:ext>
-    </p:extLst>
-  </p:cSld>
-  <p:clrMapOvr>
-    <a:masterClrMapping/>
-  </p:clrMapOvr>
-  <p:timing>
-    <p:tnLst>
-      <p:par>
-        <p:cTn id="1" dur="indefinite" restart="never" nodeType="tmRoot"/>
-      </p:par>
-    </p:tnLst>
-  </p:timing>
-</p:sld>
-</file>
-
-<file path=ppt/slides/slide13.xml><?xml version="1.0" encoding="utf-8"?>
-<p:sld xmlns:a="http://schemas.openxmlformats.org/drawingml/2006/main" xmlns:r="http://schemas.openxmlformats.org/officeDocument/2006/relationships" xmlns:p="http://schemas.openxmlformats.org/presentationml/2006/main">
-  <p:cSld>
-    <p:spTree>
-      <p:nvGrpSpPr>
-        <p:cNvPr id="1" name=""/>
-        <p:cNvGrpSpPr/>
-        <p:nvPr/>
-      </p:nvGrpSpPr>
-      <p:grpSpPr>
-        <a:xfrm>
-          <a:off x="0" y="0"/>
-          <a:ext cx="0" cy="0"/>
-          <a:chOff x="0" y="0"/>
-          <a:chExt cx="0" cy="0"/>
-        </a:xfrm>
-      </p:grpSpPr>
-      <p:sp>
-        <p:nvSpPr>
-          <p:cNvPr id="2" name="Title 1"/>
-          <p:cNvSpPr>
-            <a:spLocks noGrp="1"/>
-          </p:cNvSpPr>
-          <p:nvPr>
-            <p:ph type="title"/>
-          </p:nvPr>
-        </p:nvSpPr>
-        <p:spPr/>
-        <p:txBody>
-          <a:bodyPr/>
-          <a:lstStyle/>
-          <a:p>
-            <a:r>
-              <a:rPr lang="en-US" dirty="0" smtClean="0"/>
-              <a:t>Media queries</a:t>
-            </a:r>
-            <a:endParaRPr lang="en-US" dirty="0"/>
-          </a:p>
-        </p:txBody>
-      </p:sp>
-    </p:spTree>
-    <p:extLst>
-      <p:ext uri="{BB962C8B-B14F-4D97-AF65-F5344CB8AC3E}">
-        <p14:creationId xmlns:p14="http://schemas.microsoft.com/office/powerpoint/2010/main" val="1867365439"/>
-      </p:ext>
-    </p:extLst>
-  </p:cSld>
-  <p:clrMapOvr>
-    <a:masterClrMapping/>
-  </p:clrMapOvr>
-  <p:timing>
-    <p:tnLst>
-      <p:par>
-        <p:cTn id="1" dur="indefinite" restart="never" nodeType="tmRoot"/>
-      </p:par>
-    </p:tnLst>
-  </p:timing>
-</p:sld>
-</file>
-
-<file path=ppt/slides/slide14.xml><?xml version="1.0" encoding="utf-8"?>
-<p:sld xmlns:a="http://schemas.openxmlformats.org/drawingml/2006/main" xmlns:r="http://schemas.openxmlformats.org/officeDocument/2006/relationships" xmlns:p="http://schemas.openxmlformats.org/presentationml/2006/main">
-  <p:cSld>
-    <p:spTree>
-      <p:nvGrpSpPr>
-        <p:cNvPr id="1" name=""/>
-        <p:cNvGrpSpPr/>
-        <p:nvPr/>
-      </p:nvGrpSpPr>
-      <p:grpSpPr>
-        <a:xfrm>
-          <a:off x="0" y="0"/>
-          <a:ext cx="0" cy="0"/>
-          <a:chOff x="0" y="0"/>
-          <a:chExt cx="0" cy="0"/>
-        </a:xfrm>
-      </p:grpSpPr>
-      <p:sp>
-        <p:nvSpPr>
-          <p:cNvPr id="2" name="Text Placeholder 1"/>
-          <p:cNvSpPr>
-            <a:spLocks noGrp="1"/>
-          </p:cNvSpPr>
-          <p:nvPr>
-            <p:ph type="body" sz="quarter" idx="10"/>
-          </p:nvPr>
-        </p:nvSpPr>
-        <p:spPr/>
-        <p:txBody>
-          <a:bodyPr/>
-          <a:lstStyle/>
-          <a:p>
-            <a:r>
-              <a:rPr lang="en-US" dirty="0" smtClean="0"/>
-              <a:t>Bootstrap</a:t>
-            </a:r>
-            <a:endParaRPr lang="en-US" dirty="0"/>
-          </a:p>
-        </p:txBody>
-      </p:sp>
-      <p:sp>
-        <p:nvSpPr>
-          <p:cNvPr id="3" name="Subtitle 2"/>
-          <p:cNvSpPr>
-            <a:spLocks noGrp="1"/>
-          </p:cNvSpPr>
-          <p:nvPr>
-            <p:ph type="subTitle" idx="1"/>
-          </p:nvPr>
-        </p:nvSpPr>
-        <p:spPr/>
-        <p:txBody>
-          <a:bodyPr/>
-          <a:lstStyle/>
-          <a:p>
-            <a:endParaRPr lang="en-US"/>
-          </a:p>
-        </p:txBody>
-      </p:sp>
-    </p:spTree>
-    <p:extLst>
-      <p:ext uri="{BB962C8B-B14F-4D97-AF65-F5344CB8AC3E}">
-        <p14:creationId xmlns:p14="http://schemas.microsoft.com/office/powerpoint/2010/main" val="4190290233"/>
-      </p:ext>
-    </p:extLst>
-  </p:cSld>
-  <p:clrMapOvr>
-    <a:masterClrMapping/>
-  </p:clrMapOvr>
-  <p:timing>
-    <p:tnLst>
-      <p:par>
-        <p:cTn id="1" dur="indefinite" restart="never" nodeType="tmRoot"/>
-      </p:par>
-    </p:tnLst>
-  </p:timing>
-</p:sld>
-</file>
-
-<file path=ppt/slides/slide15.xml><?xml version="1.0" encoding="utf-8"?>
-<p:sld xmlns:a="http://schemas.openxmlformats.org/drawingml/2006/main" xmlns:r="http://schemas.openxmlformats.org/officeDocument/2006/relationships" xmlns:p="http://schemas.openxmlformats.org/presentationml/2006/main">
-  <p:cSld>
-    <p:bg>
-      <p:bgPr>
-        <a:solidFill>
-          <a:srgbClr val="6A4F93"/>
-        </a:solidFill>
-        <a:effectLst/>
-      </p:bgPr>
-    </p:bg>
-    <p:spTree>
-      <p:nvGrpSpPr>
-        <p:cNvPr id="1" name=""/>
-        <p:cNvGrpSpPr/>
-        <p:nvPr/>
-      </p:nvGrpSpPr>
-      <p:grpSpPr>
-        <a:xfrm>
-          <a:off x="0" y="0"/>
-          <a:ext cx="0" cy="0"/>
-          <a:chOff x="0" y="0"/>
-          <a:chExt cx="0" cy="0"/>
-        </a:xfrm>
-      </p:grpSpPr>
-      <p:sp>
-        <p:nvSpPr>
-          <p:cNvPr id="7" name="Content Placeholder 6"/>
-          <p:cNvSpPr>
-            <a:spLocks noGrp="1"/>
-          </p:cNvSpPr>
-          <p:nvPr>
-            <p:ph sz="quarter" idx="10"/>
-          </p:nvPr>
-        </p:nvSpPr>
-        <p:spPr/>
-        <p:txBody>
-          <a:bodyPr>
-            <a:normAutofit/>
-          </a:bodyPr>
-          <a:lstStyle/>
-          <a:p>
-            <a:pPr marL="0" indent="0">
-              <a:buNone/>
-            </a:pPr>
-            <a:r>
-              <a:rPr lang="en-US" dirty="0"/>
-              <a:t>The most popular front-end framework for developing </a:t>
-            </a:r>
-            <a:r>
-              <a:rPr lang="en-US" dirty="0" smtClean="0"/>
-              <a:t/>
-            </a:r>
-            <a:br>
-              <a:rPr lang="en-US" dirty="0" smtClean="0"/>
-            </a:br>
-            <a:r>
-              <a:rPr lang="en-US" dirty="0" smtClean="0"/>
-              <a:t>responsive</a:t>
-            </a:r>
-            <a:r>
-              <a:rPr lang="en-US" dirty="0"/>
-              <a:t>, mobile first projects on the web.</a:t>
-            </a:r>
-            <a:endParaRPr lang="en-GB" dirty="0" smtClean="0"/>
-          </a:p>
-        </p:txBody>
-      </p:sp>
-      <p:sp>
-        <p:nvSpPr>
-          <p:cNvPr id="2" name="Title 1"/>
-          <p:cNvSpPr>
-            <a:spLocks noGrp="1"/>
-          </p:cNvSpPr>
-          <p:nvPr>
-            <p:ph type="title"/>
-          </p:nvPr>
-        </p:nvSpPr>
-        <p:spPr/>
-        <p:txBody>
-          <a:bodyPr/>
-          <a:lstStyle/>
-          <a:p>
-            <a:r>
-              <a:rPr lang="en-US" dirty="0" smtClean="0"/>
-              <a:t>Bootstrap</a:t>
-            </a:r>
-            <a:endParaRPr lang="en-US" dirty="0"/>
-          </a:p>
-        </p:txBody>
-      </p:sp>
-      <p:pic>
-        <p:nvPicPr>
-          <p:cNvPr id="3" name="Picture 2" descr="Screen Clipping"/>
-          <p:cNvPicPr>
-            <a:picLocks noChangeAspect="1"/>
-          </p:cNvPicPr>
-          <p:nvPr/>
-        </p:nvPicPr>
-        <p:blipFill rotWithShape="1">
-          <a:blip r:embed="rId3">
-            <a:extLst>
-              <a:ext uri="{28A0092B-C50C-407E-A947-70E740481C1C}">
-                <a14:useLocalDpi xmlns:a14="http://schemas.microsoft.com/office/drawing/2010/main" val="0"/>
-              </a:ext>
-            </a:extLst>
-          </a:blip>
-          <a:srcRect b="3785"/>
-          <a:stretch/>
-        </p:blipFill>
-        <p:spPr>
-          <a:xfrm>
-            <a:off x="-25295" y="0"/>
-            <a:ext cx="12217295" cy="6134100"/>
-          </a:xfrm>
-          <a:prstGeom prst="rect">
-            <a:avLst/>
-          </a:prstGeom>
-        </p:spPr>
-      </p:pic>
-    </p:spTree>
-    <p:extLst>
-      <p:ext uri="{BB962C8B-B14F-4D97-AF65-F5344CB8AC3E}">
-        <p14:creationId xmlns:p14="http://schemas.microsoft.com/office/powerpoint/2010/main" val="815590604"/>
-      </p:ext>
-    </p:extLst>
-  </p:cSld>
-  <p:clrMapOvr>
-    <a:masterClrMapping/>
-  </p:clrMapOvr>
-  <p:timing>
-    <p:tnLst>
-      <p:par>
-        <p:cTn id="1" dur="indefinite" restart="never" nodeType="tmRoot"/>
-      </p:par>
-    </p:tnLst>
-  </p:timing>
-</p:sld>
-</file>
-
-<file path=ppt/slides/slide16.xml><?xml version="1.0" encoding="utf-8"?>
-<p:sld xmlns:a="http://schemas.openxmlformats.org/drawingml/2006/main" xmlns:r="http://schemas.openxmlformats.org/officeDocument/2006/relationships" xmlns:p="http://schemas.openxmlformats.org/presentationml/2006/main">
-  <p:cSld>
-    <p:spTree>
-      <p:nvGrpSpPr>
-        <p:cNvPr id="1" name=""/>
-        <p:cNvGrpSpPr/>
-        <p:nvPr/>
-      </p:nvGrpSpPr>
-      <p:grpSpPr>
-        <a:xfrm>
-          <a:off x="0" y="0"/>
-          <a:ext cx="0" cy="0"/>
-          <a:chOff x="0" y="0"/>
-          <a:chExt cx="0" cy="0"/>
-        </a:xfrm>
-      </p:grpSpPr>
-      <p:sp>
-        <p:nvSpPr>
-          <p:cNvPr id="7" name="Content Placeholder 6"/>
-          <p:cNvSpPr>
-            <a:spLocks noGrp="1"/>
-          </p:cNvSpPr>
-          <p:nvPr>
-            <p:ph sz="quarter" idx="10"/>
-          </p:nvPr>
-        </p:nvSpPr>
-        <p:spPr/>
-        <p:txBody>
-          <a:bodyPr>
-            <a:normAutofit/>
-          </a:bodyPr>
-          <a:lstStyle/>
-          <a:p>
-            <a:r>
-              <a:rPr lang="en-US" dirty="0"/>
-              <a:t>Theme Support </a:t>
-            </a:r>
-            <a:endParaRPr lang="en-US" dirty="0" smtClean="0"/>
-          </a:p>
-          <a:p>
-            <a:r>
-              <a:rPr lang="en-US" dirty="0" smtClean="0"/>
-              <a:t>Responsive</a:t>
-            </a:r>
-            <a:endParaRPr lang="en-US" dirty="0"/>
-          </a:p>
-          <a:p>
-            <a:r>
-              <a:rPr lang="en-US" dirty="0"/>
-              <a:t>Grid</a:t>
-            </a:r>
-          </a:p>
-          <a:p>
-            <a:r>
-              <a:rPr lang="en-US" dirty="0"/>
-              <a:t>Components</a:t>
-            </a:r>
-          </a:p>
-          <a:p>
-            <a:pPr lvl="1"/>
-            <a:r>
-              <a:rPr lang="en-US" dirty="0"/>
-              <a:t>Pagination</a:t>
-            </a:r>
-          </a:p>
-          <a:p>
-            <a:pPr lvl="1"/>
-            <a:r>
-              <a:rPr lang="en-US" dirty="0"/>
-              <a:t>Buttons</a:t>
-            </a:r>
-          </a:p>
-          <a:p>
-            <a:pPr lvl="1"/>
-            <a:r>
-              <a:rPr lang="en-US" dirty="0"/>
-              <a:t>Modal</a:t>
-            </a:r>
-          </a:p>
-          <a:p>
-            <a:r>
-              <a:rPr lang="en-US" dirty="0" smtClean="0"/>
-              <a:t>Great Visual </a:t>
-            </a:r>
-            <a:r>
-              <a:rPr lang="en-US" dirty="0"/>
-              <a:t>Studio </a:t>
-            </a:r>
-            <a:r>
-              <a:rPr lang="en-US" dirty="0" smtClean="0"/>
-              <a:t>support</a:t>
-            </a:r>
-            <a:endParaRPr lang="en-US" dirty="0"/>
-          </a:p>
-        </p:txBody>
-      </p:sp>
-      <p:sp>
-        <p:nvSpPr>
-          <p:cNvPr id="2" name="Title 1"/>
-          <p:cNvSpPr>
-            <a:spLocks noGrp="1"/>
-          </p:cNvSpPr>
-          <p:nvPr>
-            <p:ph type="title"/>
-          </p:nvPr>
-        </p:nvSpPr>
-        <p:spPr/>
-        <p:txBody>
-          <a:bodyPr/>
-          <a:lstStyle/>
-          <a:p>
-            <a:r>
-              <a:rPr lang="en-US" smtClean="0"/>
-              <a:t>Bootstrap Features</a:t>
-            </a:r>
-            <a:endParaRPr lang="en-US" dirty="0"/>
-          </a:p>
-        </p:txBody>
-      </p:sp>
-    </p:spTree>
-    <p:extLst>
-      <p:ext uri="{BB962C8B-B14F-4D97-AF65-F5344CB8AC3E}">
-        <p14:creationId xmlns:p14="http://schemas.microsoft.com/office/powerpoint/2010/main" val="1805450907"/>
-      </p:ext>
-    </p:extLst>
-  </p:cSld>
-  <p:clrMapOvr>
-    <a:masterClrMapping/>
-  </p:clrMapOvr>
-  <p:timing>
-    <p:tnLst>
-      <p:par>
-        <p:cTn id="1" dur="indefinite" restart="never" nodeType="tmRoot"/>
-      </p:par>
-    </p:tnLst>
-  </p:timing>
-</p:sld>
-</file>
-
-<file path=ppt/slides/slide17.xml><?xml version="1.0" encoding="utf-8"?>
-<p:sld xmlns:a="http://schemas.openxmlformats.org/drawingml/2006/main" xmlns:r="http://schemas.openxmlformats.org/officeDocument/2006/relationships" xmlns:p="http://schemas.openxmlformats.org/presentationml/2006/main">
-  <p:cSld>
-    <p:spTree>
-      <p:nvGrpSpPr>
-        <p:cNvPr id="1" name=""/>
-        <p:cNvGrpSpPr/>
-        <p:nvPr/>
-      </p:nvGrpSpPr>
-      <p:grpSpPr>
-        <a:xfrm>
-          <a:off x="0" y="0"/>
-          <a:ext cx="0" cy="0"/>
-          <a:chOff x="0" y="0"/>
-          <a:chExt cx="0" cy="0"/>
-        </a:xfrm>
-      </p:grpSpPr>
-      <p:sp>
-        <p:nvSpPr>
-          <p:cNvPr id="2" name="Title 1"/>
-          <p:cNvSpPr>
-            <a:spLocks noGrp="1"/>
-          </p:cNvSpPr>
-          <p:nvPr>
-            <p:ph type="title"/>
-          </p:nvPr>
-        </p:nvSpPr>
-        <p:spPr/>
-        <p:txBody>
-          <a:bodyPr/>
-          <a:lstStyle/>
-          <a:p>
-            <a:r>
-              <a:rPr lang="en-US" dirty="0" smtClean="0"/>
-              <a:t>Responsive Layout</a:t>
-            </a:r>
-            <a:endParaRPr lang="en-US" dirty="0"/>
-          </a:p>
-        </p:txBody>
-      </p:sp>
-      <p:pic>
-        <p:nvPicPr>
-          <p:cNvPr id="4" name="Content Placeholder 3" descr="Screen Clipping"/>
-          <p:cNvPicPr>
-            <a:picLocks noGrp="1" noChangeAspect="1"/>
-          </p:cNvPicPr>
-          <p:nvPr>
-            <p:ph sz="quarter" idx="10"/>
-          </p:nvPr>
-        </p:nvPicPr>
-        <p:blipFill>
-          <a:blip r:embed="rId2">
-            <a:extLst>
-              <a:ext uri="{28A0092B-C50C-407E-A947-70E740481C1C}">
-                <a14:useLocalDpi xmlns:a14="http://schemas.microsoft.com/office/drawing/2010/main" val="0"/>
-              </a:ext>
-            </a:extLst>
-          </a:blip>
-          <a:stretch>
-            <a:fillRect/>
-          </a:stretch>
-        </p:blipFill>
-        <p:spPr>
-          <a:xfrm>
-            <a:off x="3128113" y="1208989"/>
-            <a:ext cx="5935774" cy="4440022"/>
-          </a:xfrm>
-        </p:spPr>
-      </p:pic>
-    </p:spTree>
-    <p:extLst>
-      <p:ext uri="{BB962C8B-B14F-4D97-AF65-F5344CB8AC3E}">
-        <p14:creationId xmlns:p14="http://schemas.microsoft.com/office/powerpoint/2010/main" val="149482777"/>
-      </p:ext>
-    </p:extLst>
-  </p:cSld>
-  <p:clrMapOvr>
-    <a:masterClrMapping/>
-  </p:clrMapOvr>
-  <p:timing>
-    <p:tnLst>
-      <p:par>
-        <p:cTn id="1" dur="indefinite" restart="never" nodeType="tmRoot"/>
-      </p:par>
-    </p:tnLst>
-  </p:timing>
-</p:sld>
-</file>
-
-<file path=ppt/slides/slide18.xml><?xml version="1.0" encoding="utf-8"?>
-<p:sld xmlns:a="http://schemas.openxmlformats.org/drawingml/2006/main" xmlns:r="http://schemas.openxmlformats.org/officeDocument/2006/relationships" xmlns:p="http://schemas.openxmlformats.org/presentationml/2006/main">
-  <p:cSld>
-    <p:spTree>
-      <p:nvGrpSpPr>
-        <p:cNvPr id="1" name=""/>
-        <p:cNvGrpSpPr/>
-        <p:nvPr/>
-      </p:nvGrpSpPr>
-      <p:grpSpPr>
-        <a:xfrm>
-          <a:off x="0" y="0"/>
-          <a:ext cx="0" cy="0"/>
-          <a:chOff x="0" y="0"/>
-          <a:chExt cx="0" cy="0"/>
-        </a:xfrm>
-      </p:grpSpPr>
-      <p:sp>
-        <p:nvSpPr>
-          <p:cNvPr id="2" name="Title 1"/>
-          <p:cNvSpPr>
-            <a:spLocks noGrp="1"/>
-          </p:cNvSpPr>
-          <p:nvPr>
-            <p:ph type="title"/>
-          </p:nvPr>
-        </p:nvSpPr>
-        <p:spPr/>
-        <p:txBody>
-          <a:bodyPr/>
-          <a:lstStyle/>
-          <a:p>
-            <a:r>
-              <a:rPr lang="en-US" dirty="0" smtClean="0"/>
-              <a:t>Responsive Layout</a:t>
-            </a:r>
-            <a:endParaRPr lang="en-US" dirty="0"/>
-          </a:p>
-        </p:txBody>
-      </p:sp>
-      <p:pic>
-        <p:nvPicPr>
-          <p:cNvPr id="3" name="Picture 2"/>
-          <p:cNvPicPr>
-            <a:picLocks noChangeAspect="1"/>
-          </p:cNvPicPr>
-          <p:nvPr/>
-        </p:nvPicPr>
-        <p:blipFill>
-          <a:blip r:embed="rId2">
-            <a:extLst>
-              <a:ext uri="{28A0092B-C50C-407E-A947-70E740481C1C}">
-                <a14:useLocalDpi xmlns:a14="http://schemas.microsoft.com/office/drawing/2010/main" val="0"/>
-              </a:ext>
-            </a:extLst>
-          </a:blip>
-          <a:stretch>
-            <a:fillRect/>
-          </a:stretch>
-        </p:blipFill>
-        <p:spPr>
-          <a:xfrm>
-            <a:off x="9009870" y="1289634"/>
-            <a:ext cx="2342071" cy="4264214"/>
-          </a:xfrm>
-          <a:prstGeom prst="rect">
-            <a:avLst/>
-          </a:prstGeom>
-        </p:spPr>
-      </p:pic>
-      <p:pic>
-        <p:nvPicPr>
-          <p:cNvPr id="5" name="Picture 4"/>
-          <p:cNvPicPr>
-            <a:picLocks noChangeAspect="1"/>
-          </p:cNvPicPr>
-          <p:nvPr/>
-        </p:nvPicPr>
-        <p:blipFill>
-          <a:blip r:embed="rId3">
-            <a:extLst>
-              <a:ext uri="{28A0092B-C50C-407E-A947-70E740481C1C}">
-                <a14:useLocalDpi xmlns:a14="http://schemas.microsoft.com/office/drawing/2010/main" val="0"/>
-              </a:ext>
-            </a:extLst>
-          </a:blip>
-          <a:stretch>
-            <a:fillRect/>
-          </a:stretch>
-        </p:blipFill>
-        <p:spPr>
-          <a:xfrm>
-            <a:off x="847865" y="1245702"/>
-            <a:ext cx="6029184" cy="4308146"/>
-          </a:xfrm>
-          <a:prstGeom prst="rect">
-            <a:avLst/>
-          </a:prstGeom>
-        </p:spPr>
-      </p:pic>
-    </p:spTree>
-    <p:extLst>
-      <p:ext uri="{BB962C8B-B14F-4D97-AF65-F5344CB8AC3E}">
-        <p14:creationId xmlns:p14="http://schemas.microsoft.com/office/powerpoint/2010/main" val="1841082446"/>
-      </p:ext>
-    </p:extLst>
-  </p:cSld>
-  <p:clrMapOvr>
-    <a:masterClrMapping/>
-  </p:clrMapOvr>
-  <p:timing>
-    <p:tnLst>
-      <p:par>
-        <p:cTn id="1" dur="indefinite" restart="never" nodeType="tmRoot"/>
-      </p:par>
-    </p:tnLst>
-  </p:timing>
-</p:sld>
-</file>
-
-<file path=ppt/slides/slide19.xml><?xml version="1.0" encoding="utf-8"?>
-<p:sld xmlns:a="http://schemas.openxmlformats.org/drawingml/2006/main" xmlns:r="http://schemas.openxmlformats.org/officeDocument/2006/relationships" xmlns:p="http://schemas.openxmlformats.org/presentationml/2006/main">
-  <p:cSld>
-    <p:spTree>
-      <p:nvGrpSpPr>
-        <p:cNvPr id="1" name=""/>
-        <p:cNvGrpSpPr/>
-        <p:nvPr/>
-      </p:nvGrpSpPr>
-      <p:grpSpPr>
-        <a:xfrm>
-          <a:off x="0" y="0"/>
-          <a:ext cx="0" cy="0"/>
-          <a:chOff x="0" y="0"/>
-          <a:chExt cx="0" cy="0"/>
-        </a:xfrm>
-      </p:grpSpPr>
-      <p:sp>
-        <p:nvSpPr>
-          <p:cNvPr id="4" name="Title 3"/>
-          <p:cNvSpPr>
-            <a:spLocks noGrp="1"/>
-          </p:cNvSpPr>
-          <p:nvPr>
-            <p:ph type="title"/>
-          </p:nvPr>
-        </p:nvSpPr>
-        <p:spPr/>
-        <p:txBody>
-          <a:bodyPr/>
-          <a:lstStyle/>
-          <a:p>
-            <a:r>
-              <a:rPr lang="en-US" dirty="0" smtClean="0"/>
-              <a:t>Bootstrap and mobile devices</a:t>
-            </a:r>
-            <a:endParaRPr lang="en-US" dirty="0"/>
-          </a:p>
-        </p:txBody>
-      </p:sp>
-    </p:spTree>
-    <p:extLst>
-      <p:ext uri="{BB962C8B-B14F-4D97-AF65-F5344CB8AC3E}">
-        <p14:creationId xmlns:p14="http://schemas.microsoft.com/office/powerpoint/2010/main" val="4194210046"/>
-      </p:ext>
-    </p:extLst>
-  </p:cSld>
-  <p:clrMapOvr>
-    <a:masterClrMapping/>
-  </p:clrMapOvr>
-  <p:timing>
-    <p:tnLst>
-      <p:par>
-        <p:cTn id="1" dur="indefinite" restart="never" nodeType="tmRoot"/>
-      </p:par>
-    </p:tnLst>
-  </p:timing>
-</p:sld>
-</file>
-
-<file path=ppt/slides/slide2.xml><?xml version="1.0" encoding="utf-8"?>
-<p:sld xmlns:a="http://schemas.openxmlformats.org/drawingml/2006/main" xmlns:r="http://schemas.openxmlformats.org/officeDocument/2006/relationships" xmlns:p="http://schemas.openxmlformats.org/presentationml/2006/main">
-  <p:cSld>
-    <p:spTree>
-      <p:nvGrpSpPr>
-        <p:cNvPr id="1" name=""/>
-        <p:cNvGrpSpPr/>
-        <p:nvPr/>
-      </p:nvGrpSpPr>
-      <p:grpSpPr>
-        <a:xfrm>
-          <a:off x="0" y="0"/>
-          <a:ext cx="0" cy="0"/>
-          <a:chOff x="0" y="0"/>
-          <a:chExt cx="0" cy="0"/>
-        </a:xfrm>
-      </p:grpSpPr>
-      <p:sp>
-        <p:nvSpPr>
-          <p:cNvPr id="2" name="Title 1"/>
-          <p:cNvSpPr>
-            <a:spLocks noGrp="1"/>
-          </p:cNvSpPr>
-          <p:nvPr>
-            <p:ph type="title"/>
-          </p:nvPr>
-        </p:nvSpPr>
-        <p:spPr/>
-        <p:txBody>
-          <a:bodyPr>
-            <a:normAutofit/>
-          </a:bodyPr>
-          <a:lstStyle/>
-          <a:p>
-            <a:pPr lvl="0"/>
-            <a:r>
-              <a:rPr lang="en-US" dirty="0" smtClean="0"/>
-              <a:t>Course Topics</a:t>
-            </a:r>
-            <a:endParaRPr lang="en-US" dirty="0"/>
-          </a:p>
-        </p:txBody>
-      </p:sp>
-      <p:graphicFrame>
-        <p:nvGraphicFramePr>
-          <p:cNvPr id="4" name="Content Placeholder 3"/>
-          <p:cNvGraphicFramePr>
-            <a:graphicFrameLocks noGrp="1"/>
-          </p:cNvGraphicFramePr>
-          <p:nvPr>
-            <p:ph sz="quarter" idx="10"/>
-            <p:extLst>
-              <p:ext uri="{D42A27DB-BD31-4B8C-83A1-F6EECF244321}">
-                <p14:modId xmlns:p14="http://schemas.microsoft.com/office/powerpoint/2010/main" val="521422569"/>
-              </p:ext>
-            </p:extLst>
-          </p:nvPr>
-        </p:nvGraphicFramePr>
-        <p:xfrm>
-          <a:off x="379413" y="1417636"/>
-          <a:ext cx="11525250" cy="3838160"/>
-        </p:xfrm>
-        <a:graphic>
-          <a:graphicData uri="http://schemas.openxmlformats.org/drawingml/2006/table">
-            <a:tbl>
-              <a:tblPr firstRow="1" bandRow="1">
-                <a:tableStyleId>{5C22544A-7EE6-4342-B048-85BDC9FD1C3A}</a:tableStyleId>
-              </a:tblPr>
-              <a:tblGrid>
-                <a:gridCol w="5762625">
-                  <a:extLst>
-                    <a:ext uri="{9D8B030D-6E8A-4147-A177-3AD203B41FA5}">
-                      <a16:colId xmlns:a16="http://schemas.microsoft.com/office/drawing/2014/main" xmlns="" val="1632794655"/>
-                    </a:ext>
-                  </a:extLst>
-                </a:gridCol>
-                <a:gridCol w="5762625">
-                  <a:extLst>
-                    <a:ext uri="{9D8B030D-6E8A-4147-A177-3AD203B41FA5}">
-                      <a16:colId xmlns:a16="http://schemas.microsoft.com/office/drawing/2014/main" xmlns="" val="2011313899"/>
-                    </a:ext>
-                  </a:extLst>
-                </a:gridCol>
-              </a:tblGrid>
-              <a:tr h="767632">
-                <a:tc gridSpan="2">
-                  <a:txBody>
-                    <a:bodyPr/>
-                    <a:lstStyle/>
-                    <a:p>
-                      <a:r>
-                        <a:rPr lang="en-US" sz="3600" dirty="0" smtClean="0">
-                          <a:latin typeface="Segoe UI Light" panose="020B0502040204020203" pitchFamily="34" charset="0"/>
-                          <a:cs typeface="Segoe UI Light" panose="020B0502040204020203" pitchFamily="34" charset="0"/>
-                        </a:rPr>
-                        <a:t>Mobile Web</a:t>
-                      </a:r>
-                      <a:endParaRPr lang="en-US" sz="3600" dirty="0">
-                        <a:latin typeface="Segoe UI Light" panose="020B0502040204020203" pitchFamily="34" charset="0"/>
-                        <a:cs typeface="Segoe UI Light" panose="020B0502040204020203" pitchFamily="34" charset="0"/>
-                      </a:endParaRPr>
-                    </a:p>
-                  </a:txBody>
-                  <a:tcPr anchor="ctr"/>
-                </a:tc>
-                <a:tc hMerge="1">
-                  <a:txBody>
-                    <a:bodyPr/>
-                    <a:lstStyle/>
-                    <a:p>
-                      <a:endParaRPr lang="en-US" dirty="0"/>
-                    </a:p>
-                  </a:txBody>
-                  <a:tcPr/>
-                </a:tc>
-                <a:extLst>
-                  <a:ext uri="{0D108BD9-81ED-4DB2-BD59-A6C34878D82A}">
-                    <a16:rowId xmlns:a16="http://schemas.microsoft.com/office/drawing/2014/main" xmlns="" val="1789177411"/>
-                  </a:ext>
-                </a:extLst>
-              </a:tr>
-              <a:tr h="767632">
-                <a:tc>
-                  <a:txBody>
-                    <a:bodyPr/>
-                    <a:lstStyle/>
-                    <a:p>
-                      <a:r>
-                        <a:rPr lang="en-US" sz="2400" dirty="0" smtClean="0">
-                          <a:latin typeface="Segoe UI Light" panose="020B0502040204020203" pitchFamily="34" charset="0"/>
-                          <a:cs typeface="Segoe UI Light" panose="020B0502040204020203" pitchFamily="34" charset="0"/>
-                        </a:rPr>
-                        <a:t>01 | Designing</a:t>
-                      </a:r>
-                      <a:r>
-                        <a:rPr lang="en-US" sz="2400" baseline="0" dirty="0" smtClean="0">
-                          <a:latin typeface="Segoe UI Light" panose="020B0502040204020203" pitchFamily="34" charset="0"/>
-                          <a:cs typeface="Segoe UI Light" panose="020B0502040204020203" pitchFamily="34" charset="0"/>
-                        </a:rPr>
-                        <a:t> for Mobile</a:t>
-                      </a:r>
-                      <a:endParaRPr lang="en-US" sz="2400" dirty="0">
-                        <a:latin typeface="Segoe UI Light" panose="020B0502040204020203" pitchFamily="34" charset="0"/>
-                        <a:cs typeface="Segoe UI Light" panose="020B0502040204020203" pitchFamily="34" charset="0"/>
-                      </a:endParaRPr>
-                    </a:p>
-                  </a:txBody>
-                  <a:tcPr anchor="ctr"/>
-                </a:tc>
-                <a:tc>
-                  <a:txBody>
-                    <a:bodyPr/>
-                    <a:lstStyle/>
-                    <a:p>
-                      <a:r>
-                        <a:rPr lang="en-US" sz="2400" dirty="0" smtClean="0">
-                          <a:latin typeface="Segoe UI Light" panose="020B0502040204020203" pitchFamily="34" charset="0"/>
-                          <a:cs typeface="Segoe UI Light" panose="020B0502040204020203" pitchFamily="34" charset="0"/>
-                        </a:rPr>
-                        <a:t>05 | The Mobile</a:t>
-                      </a:r>
-                      <a:r>
-                        <a:rPr lang="en-US" sz="2400" baseline="0" dirty="0" smtClean="0">
-                          <a:latin typeface="Segoe UI Light" panose="020B0502040204020203" pitchFamily="34" charset="0"/>
-                          <a:cs typeface="Segoe UI Light" panose="020B0502040204020203" pitchFamily="34" charset="0"/>
-                        </a:rPr>
-                        <a:t> Client</a:t>
-                      </a:r>
-                      <a:endParaRPr lang="en-US" sz="2400" dirty="0">
-                        <a:latin typeface="Segoe UI Light" panose="020B0502040204020203" pitchFamily="34" charset="0"/>
-                        <a:cs typeface="Segoe UI Light" panose="020B0502040204020203" pitchFamily="34" charset="0"/>
-                      </a:endParaRPr>
-                    </a:p>
-                  </a:txBody>
-                  <a:tcPr anchor="ctr"/>
-                </a:tc>
-                <a:extLst>
-                  <a:ext uri="{0D108BD9-81ED-4DB2-BD59-A6C34878D82A}">
-                    <a16:rowId xmlns:a16="http://schemas.microsoft.com/office/drawing/2014/main" xmlns="" val="3842815335"/>
-                  </a:ext>
-                </a:extLst>
-              </a:tr>
-              <a:tr h="767632">
-                <a:tc>
-                  <a:txBody>
-                    <a:bodyPr/>
-                    <a:lstStyle/>
-                    <a:p>
-                      <a:r>
-                        <a:rPr lang="en-US" sz="2400" dirty="0" smtClean="0">
-                          <a:latin typeface="Segoe UI Light" panose="020B0502040204020203" pitchFamily="34" charset="0"/>
-                          <a:cs typeface="Segoe UI Light" panose="020B0502040204020203" pitchFamily="34" charset="0"/>
-                        </a:rPr>
-                        <a:t>02 | Mobile UI</a:t>
-                      </a:r>
-                      <a:endParaRPr lang="en-US" sz="2400" dirty="0">
-                        <a:latin typeface="Segoe UI Light" panose="020B0502040204020203" pitchFamily="34" charset="0"/>
-                        <a:cs typeface="Segoe UI Light" panose="020B0502040204020203" pitchFamily="34" charset="0"/>
-                      </a:endParaRPr>
-                    </a:p>
-                  </a:txBody>
-                  <a:tcPr anchor="ctr"/>
-                </a:tc>
-                <a:tc>
-                  <a:txBody>
-                    <a:bodyPr/>
-                    <a:lstStyle/>
-                    <a:p>
-                      <a:r>
-                        <a:rPr lang="en-US" sz="2400" dirty="0" smtClean="0">
-                          <a:latin typeface="Segoe UI Light" panose="020B0502040204020203" pitchFamily="34" charset="0"/>
-                          <a:cs typeface="Segoe UI Light" panose="020B0502040204020203" pitchFamily="34" charset="0"/>
-                        </a:rPr>
-                        <a:t>06 | Offline Data</a:t>
-                      </a:r>
-                      <a:endParaRPr lang="en-US" sz="2400" dirty="0">
-                        <a:latin typeface="Segoe UI Light" panose="020B0502040204020203" pitchFamily="34" charset="0"/>
-                        <a:cs typeface="Segoe UI Light" panose="020B0502040204020203" pitchFamily="34" charset="0"/>
-                      </a:endParaRPr>
-                    </a:p>
-                  </a:txBody>
-                  <a:tcPr anchor="ctr"/>
-                </a:tc>
-                <a:extLst>
-                  <a:ext uri="{0D108BD9-81ED-4DB2-BD59-A6C34878D82A}">
-                    <a16:rowId xmlns:a16="http://schemas.microsoft.com/office/drawing/2014/main" xmlns="" val="321066646"/>
-                  </a:ext>
-                </a:extLst>
-              </a:tr>
-              <a:tr h="767632">
-                <a:tc>
-                  <a:txBody>
-                    <a:bodyPr/>
-                    <a:lstStyle/>
-                    <a:p>
-                      <a:pPr marL="0" marR="0" indent="0" algn="l" defTabSz="914088" rtl="0" eaLnBrk="1" fontAlgn="auto" latinLnBrk="0" hangingPunct="1">
-                        <a:lnSpc>
-                          <a:spcPct val="100000"/>
-                        </a:lnSpc>
-                        <a:spcBef>
-                          <a:spcPts val="0"/>
-                        </a:spcBef>
-                        <a:spcAft>
-                          <a:spcPts val="0"/>
-                        </a:spcAft>
-                        <a:buClrTx/>
-                        <a:buSzTx/>
-                        <a:buFontTx/>
-                        <a:buNone/>
-                        <a:tabLst/>
-                        <a:defRPr/>
-                      </a:pPr>
-                      <a:r>
-                        <a:rPr lang="en-US" sz="2400" dirty="0" smtClean="0">
-                          <a:latin typeface="Segoe UI Light" panose="020B0502040204020203" pitchFamily="34" charset="0"/>
-                          <a:cs typeface="Segoe UI Light" panose="020B0502040204020203" pitchFamily="34" charset="0"/>
-                        </a:rPr>
-                        <a:t>03</a:t>
-                      </a:r>
-                      <a:r>
-                        <a:rPr lang="en-US" sz="2400" baseline="0" dirty="0" smtClean="0">
-                          <a:latin typeface="Segoe UI Light" panose="020B0502040204020203" pitchFamily="34" charset="0"/>
-                          <a:cs typeface="Segoe UI Light" panose="020B0502040204020203" pitchFamily="34" charset="0"/>
-                        </a:rPr>
-                        <a:t> | Integrating Touch</a:t>
-                      </a:r>
-                      <a:endParaRPr lang="en-US" sz="2400" dirty="0" smtClean="0">
-                        <a:latin typeface="Segoe UI Light" panose="020B0502040204020203" pitchFamily="34" charset="0"/>
-                        <a:cs typeface="Segoe UI Light" panose="020B0502040204020203" pitchFamily="34" charset="0"/>
-                      </a:endParaRPr>
-                    </a:p>
-                  </a:txBody>
-                  <a:tcPr anchor="ctr"/>
-                </a:tc>
-                <a:tc>
-                  <a:txBody>
-                    <a:bodyPr/>
-                    <a:lstStyle/>
-                    <a:p>
-                      <a:r>
-                        <a:rPr lang="en-US" sz="2400" dirty="0" smtClean="0">
-                          <a:latin typeface="Segoe UI Light" panose="020B0502040204020203" pitchFamily="34" charset="0"/>
-                          <a:cs typeface="Segoe UI Light" panose="020B0502040204020203" pitchFamily="34" charset="0"/>
-                        </a:rPr>
-                        <a:t>07 | Publishing to Azure</a:t>
-                      </a:r>
-                      <a:endParaRPr lang="en-US" sz="2400" dirty="0">
-                        <a:latin typeface="Segoe UI Light" panose="020B0502040204020203" pitchFamily="34" charset="0"/>
-                        <a:cs typeface="Segoe UI Light" panose="020B0502040204020203" pitchFamily="34" charset="0"/>
-                      </a:endParaRPr>
-                    </a:p>
-                  </a:txBody>
-                  <a:tcPr anchor="ctr"/>
-                </a:tc>
-                <a:extLst>
-                  <a:ext uri="{0D108BD9-81ED-4DB2-BD59-A6C34878D82A}">
-                    <a16:rowId xmlns:a16="http://schemas.microsoft.com/office/drawing/2014/main" xmlns="" val="3812060533"/>
-                  </a:ext>
-                </a:extLst>
-              </a:tr>
-              <a:tr h="767632">
-                <a:tc>
-                  <a:txBody>
-                    <a:bodyPr/>
-                    <a:lstStyle/>
-                    <a:p>
-                      <a:pPr marL="0" marR="0" indent="0" algn="l" defTabSz="914088" rtl="0" eaLnBrk="1" fontAlgn="auto" latinLnBrk="0" hangingPunct="1">
-                        <a:lnSpc>
-                          <a:spcPct val="100000"/>
-                        </a:lnSpc>
-                        <a:spcBef>
-                          <a:spcPts val="0"/>
-                        </a:spcBef>
-                        <a:spcAft>
-                          <a:spcPts val="0"/>
-                        </a:spcAft>
-                        <a:buClrTx/>
-                        <a:buSzTx/>
-                        <a:buFontTx/>
-                        <a:buNone/>
-                        <a:tabLst/>
-                        <a:defRPr/>
-                      </a:pPr>
-                      <a:r>
-                        <a:rPr lang="en-US" sz="2400" dirty="0" smtClean="0">
-                          <a:latin typeface="Segoe UI Light" panose="020B0502040204020203" pitchFamily="34" charset="0"/>
-                          <a:cs typeface="Segoe UI Light" panose="020B0502040204020203" pitchFamily="34" charset="0"/>
-                        </a:rPr>
-                        <a:t>04 | Setting Up the</a:t>
-                      </a:r>
-                      <a:r>
-                        <a:rPr lang="en-US" sz="2400" baseline="0" dirty="0" smtClean="0">
-                          <a:latin typeface="Segoe UI Light" panose="020B0502040204020203" pitchFamily="34" charset="0"/>
-                          <a:cs typeface="Segoe UI Light" panose="020B0502040204020203" pitchFamily="34" charset="0"/>
-                        </a:rPr>
-                        <a:t> Server</a:t>
-                      </a:r>
-                      <a:endParaRPr lang="en-US" sz="2400" dirty="0" smtClean="0">
-                        <a:latin typeface="Segoe UI Light" panose="020B0502040204020203" pitchFamily="34" charset="0"/>
-                        <a:cs typeface="Segoe UI Light" panose="020B0502040204020203" pitchFamily="34" charset="0"/>
-                      </a:endParaRPr>
-                    </a:p>
-                  </a:txBody>
-                  <a:tcPr anchor="ctr"/>
-                </a:tc>
-                <a:tc>
-                  <a:txBody>
-                    <a:bodyPr/>
-                    <a:lstStyle/>
-                    <a:p>
-                      <a:endParaRPr lang="en-US" sz="2400" dirty="0">
-                        <a:latin typeface="Segoe UI Light" panose="020B0502040204020203" pitchFamily="34" charset="0"/>
-                        <a:cs typeface="Segoe UI Light" panose="020B0502040204020203" pitchFamily="34" charset="0"/>
-                      </a:endParaRPr>
-                    </a:p>
-                  </a:txBody>
-                  <a:tcPr anchor="ctr"/>
-                </a:tc>
-              </a:tr>
-            </a:tbl>
-          </a:graphicData>
-        </a:graphic>
-      </p:graphicFrame>
-    </p:spTree>
-    <p:extLst>
-      <p:ext uri="{BB962C8B-B14F-4D97-AF65-F5344CB8AC3E}">
-        <p14:creationId xmlns:p14="http://schemas.microsoft.com/office/powerpoint/2010/main" val="2643436815"/>
-      </p:ext>
-    </p:extLst>
-  </p:cSld>
-  <p:clrMapOvr>
-    <a:masterClrMapping/>
-  </p:clrMapOvr>
-  <mc:AlternateContent xmlns:mc="http://schemas.openxmlformats.org/markup-compatibility/2006" xmlns:p14="http://schemas.microsoft.com/office/powerpoint/2010/main">
-    <mc:Choice Requires="p14">
-      <p:transition spd="slow" p14:dur="2000"/>
-    </mc:Choice>
-    <mc:Fallback xmlns="">
-      <p:transition spd="slow"/>
-    </mc:Fallback>
-  </mc:AlternateContent>
-  <p:timing>
-    <p:tnLst>
-      <p:par>
-        <p:cTn id="1" dur="indefinite" restart="never" nodeType="tmRoot"/>
-      </p:par>
-    </p:tnLst>
-  </p:timing>
-</p:sld>
-</file>
-
-<file path=ppt/slides/slide20.xml><?xml version="1.0" encoding="utf-8"?>
-<p:sld xmlns:a="http://schemas.openxmlformats.org/drawingml/2006/main" xmlns:r="http://schemas.openxmlformats.org/officeDocument/2006/relationships" xmlns:p="http://schemas.openxmlformats.org/presentationml/2006/main">
-  <p:cSld>
-    <p:spTree>
-      <p:nvGrpSpPr>
-        <p:cNvPr id="1" name=""/>
-        <p:cNvGrpSpPr/>
-        <p:nvPr/>
-      </p:nvGrpSpPr>
-      <p:grpSpPr>
-        <a:xfrm>
-          <a:off x="0" y="0"/>
-          <a:ext cx="0" cy="0"/>
-          <a:chOff x="0" y="0"/>
-          <a:chExt cx="0" cy="0"/>
-        </a:xfrm>
-      </p:grpSpPr>
-      <p:sp>
-        <p:nvSpPr>
-          <p:cNvPr id="2" name="Text Placeholder 1"/>
-          <p:cNvSpPr>
-            <a:spLocks noGrp="1"/>
-          </p:cNvSpPr>
-          <p:nvPr>
-            <p:ph type="body" sz="quarter" idx="10"/>
-          </p:nvPr>
-        </p:nvSpPr>
-        <p:spPr/>
-        <p:txBody>
-          <a:bodyPr/>
-          <a:lstStyle/>
-          <a:p>
-            <a:r>
-              <a:rPr lang="en-US" dirty="0" smtClean="0"/>
-              <a:t>Images</a:t>
-            </a:r>
-            <a:endParaRPr lang="en-US" dirty="0"/>
-          </a:p>
-        </p:txBody>
-      </p:sp>
-      <p:sp>
-        <p:nvSpPr>
-          <p:cNvPr id="3" name="Subtitle 2"/>
-          <p:cNvSpPr>
-            <a:spLocks noGrp="1"/>
-          </p:cNvSpPr>
-          <p:nvPr>
-            <p:ph type="subTitle" idx="1"/>
-          </p:nvPr>
-        </p:nvSpPr>
-        <p:spPr/>
-        <p:txBody>
-          <a:bodyPr/>
-          <a:lstStyle/>
-          <a:p>
-            <a:endParaRPr lang="en-US"/>
-          </a:p>
-        </p:txBody>
-      </p:sp>
-    </p:spTree>
-    <p:extLst>
-      <p:ext uri="{BB962C8B-B14F-4D97-AF65-F5344CB8AC3E}">
-        <p14:creationId xmlns:p14="http://schemas.microsoft.com/office/powerpoint/2010/main" val="4243374243"/>
-      </p:ext>
-    </p:extLst>
-  </p:cSld>
-  <p:clrMapOvr>
-    <a:masterClrMapping/>
-  </p:clrMapOvr>
-  <p:timing>
-    <p:tnLst>
-      <p:par>
-        <p:cTn id="1" dur="indefinite" restart="never" nodeType="tmRoot"/>
-      </p:par>
-    </p:tnLst>
-  </p:timing>
-</p:sld>
-</file>
-
-<file path=ppt/slides/slide21.xml><?xml version="1.0" encoding="utf-8"?>
-<p:sld xmlns:a="http://schemas.openxmlformats.org/drawingml/2006/main" xmlns:r="http://schemas.openxmlformats.org/officeDocument/2006/relationships" xmlns:p="http://schemas.openxmlformats.org/presentationml/2006/main">
-  <p:cSld>
-    <p:spTree>
-      <p:nvGrpSpPr>
-        <p:cNvPr id="1" name=""/>
-        <p:cNvGrpSpPr/>
-        <p:nvPr/>
-      </p:nvGrpSpPr>
-      <p:grpSpPr>
-        <a:xfrm>
-          <a:off x="0" y="0"/>
-          <a:ext cx="0" cy="0"/>
-          <a:chOff x="0" y="0"/>
-          <a:chExt cx="0" cy="0"/>
-        </a:xfrm>
-      </p:grpSpPr>
-      <p:sp>
-        <p:nvSpPr>
-          <p:cNvPr id="4" name="Title 3"/>
-          <p:cNvSpPr>
-            <a:spLocks noGrp="1"/>
-          </p:cNvSpPr>
-          <p:nvPr>
-            <p:ph type="title"/>
-          </p:nvPr>
-        </p:nvSpPr>
-        <p:spPr/>
-        <p:txBody>
-          <a:bodyPr/>
-          <a:lstStyle/>
-          <a:p>
-            <a:r>
-              <a:rPr lang="en-US" dirty="0" smtClean="0"/>
-              <a:t>What not to do</a:t>
-            </a:r>
-            <a:br>
-              <a:rPr lang="en-US" dirty="0" smtClean="0"/>
-            </a:br>
-            <a:r>
-              <a:rPr lang="en-US" dirty="0" smtClean="0"/>
-              <a:t/>
-            </a:r>
-            <a:br>
-              <a:rPr lang="en-US" dirty="0" smtClean="0"/>
-            </a:br>
-            <a:r>
-              <a:rPr lang="en-US" dirty="0" smtClean="0"/>
-              <a:t>F12 tools</a:t>
-            </a:r>
-            <a:endParaRPr lang="en-US" dirty="0"/>
-          </a:p>
-        </p:txBody>
-      </p:sp>
-    </p:spTree>
-    <p:extLst>
-      <p:ext uri="{BB962C8B-B14F-4D97-AF65-F5344CB8AC3E}">
-        <p14:creationId xmlns:p14="http://schemas.microsoft.com/office/powerpoint/2010/main" val="1592215265"/>
-      </p:ext>
-    </p:extLst>
-  </p:cSld>
-  <p:clrMapOvr>
-    <a:masterClrMapping/>
-  </p:clrMapOvr>
-  <p:timing>
-    <p:tnLst>
-      <p:par>
-        <p:cTn id="1" dur="indefinite" restart="never" nodeType="tmRoot"/>
-      </p:par>
-    </p:tnLst>
-  </p:timing>
-</p:sld>
-</file>
-
-<file path=ppt/slides/slide22.xml><?xml version="1.0" encoding="utf-8"?>
-<p:sld xmlns:a="http://schemas.openxmlformats.org/drawingml/2006/main" xmlns:r="http://schemas.openxmlformats.org/officeDocument/2006/relationships" xmlns:p="http://schemas.openxmlformats.org/presentationml/2006/main">
-  <p:cSld>
-    <p:spTree>
-      <p:nvGrpSpPr>
-        <p:cNvPr id="1" name=""/>
-        <p:cNvGrpSpPr/>
-        <p:nvPr/>
-      </p:nvGrpSpPr>
-      <p:grpSpPr>
-        <a:xfrm>
-          <a:off x="0" y="0"/>
-          <a:ext cx="0" cy="0"/>
-          <a:chOff x="0" y="0"/>
-          <a:chExt cx="0" cy="0"/>
-        </a:xfrm>
-      </p:grpSpPr>
-      <p:sp>
-        <p:nvSpPr>
-          <p:cNvPr id="3" name="Title 2"/>
-          <p:cNvSpPr>
-            <a:spLocks noGrp="1"/>
-          </p:cNvSpPr>
-          <p:nvPr>
-            <p:ph type="title"/>
-          </p:nvPr>
-        </p:nvSpPr>
-        <p:spPr/>
-        <p:txBody>
-          <a:bodyPr/>
-          <a:lstStyle/>
-          <a:p>
-            <a:r>
-              <a:rPr lang="en-US" dirty="0" smtClean="0"/>
-              <a:t>Image issues</a:t>
-            </a:r>
-            <a:endParaRPr lang="en-US" dirty="0"/>
-          </a:p>
-        </p:txBody>
-      </p:sp>
-      <p:sp>
-        <p:nvSpPr>
-          <p:cNvPr id="4" name="Content Placeholder 3"/>
-          <p:cNvSpPr>
-            <a:spLocks noGrp="1"/>
-          </p:cNvSpPr>
-          <p:nvPr>
-            <p:ph sz="quarter" idx="10"/>
-          </p:nvPr>
-        </p:nvSpPr>
-        <p:spPr/>
-        <p:txBody>
-          <a:bodyPr/>
-          <a:lstStyle/>
-          <a:p>
-            <a:r>
-              <a:rPr lang="en-US" dirty="0" smtClean="0"/>
-              <a:t>Need to send down right sized images</a:t>
-            </a:r>
-          </a:p>
-          <a:p>
-            <a:r>
-              <a:rPr lang="en-US" dirty="0" smtClean="0"/>
-              <a:t>Servers don't automatically resize images</a:t>
-            </a:r>
-          </a:p>
-          <a:p>
-            <a:r>
-              <a:rPr lang="en-US" dirty="0" err="1" smtClean="0"/>
-              <a:t>img</a:t>
-            </a:r>
-            <a:r>
-              <a:rPr lang="en-US" dirty="0" smtClean="0"/>
-              <a:t> tag doesn't support size detection</a:t>
-            </a:r>
-            <a:endParaRPr lang="en-US" dirty="0"/>
-          </a:p>
-        </p:txBody>
-      </p:sp>
-    </p:spTree>
-    <p:extLst>
-      <p:ext uri="{BB962C8B-B14F-4D97-AF65-F5344CB8AC3E}">
-        <p14:creationId xmlns:p14="http://schemas.microsoft.com/office/powerpoint/2010/main" val="3212056008"/>
-      </p:ext>
-    </p:extLst>
-  </p:cSld>
-  <p:clrMapOvr>
-    <a:masterClrMapping/>
-  </p:clrMapOvr>
-  <p:timing>
-    <p:tnLst>
-      <p:par>
-        <p:cTn id="1" dur="indefinite" restart="never" nodeType="tmRoot"/>
-      </p:par>
-    </p:tnLst>
-  </p:timing>
-</p:sld>
-</file>
-
-<file path=ppt/slides/slide23.xml><?xml version="1.0" encoding="utf-8"?>
-<p:sld xmlns:a="http://schemas.openxmlformats.org/drawingml/2006/main" xmlns:r="http://schemas.openxmlformats.org/officeDocument/2006/relationships" xmlns:p="http://schemas.openxmlformats.org/presentationml/2006/main">
-  <p:cSld>
-    <p:spTree>
-      <p:nvGrpSpPr>
-        <p:cNvPr id="1" name=""/>
-        <p:cNvGrpSpPr/>
-        <p:nvPr/>
-      </p:nvGrpSpPr>
-      <p:grpSpPr>
-        <a:xfrm>
-          <a:off x="0" y="0"/>
-          <a:ext cx="0" cy="0"/>
-          <a:chOff x="0" y="0"/>
-          <a:chExt cx="0" cy="0"/>
-        </a:xfrm>
-      </p:grpSpPr>
-      <p:sp>
-        <p:nvSpPr>
-          <p:cNvPr id="2" name="Title 1"/>
-          <p:cNvSpPr>
-            <a:spLocks noGrp="1"/>
-          </p:cNvSpPr>
-          <p:nvPr>
-            <p:ph type="title"/>
-          </p:nvPr>
-        </p:nvSpPr>
-        <p:spPr/>
-        <p:txBody>
-          <a:bodyPr/>
-          <a:lstStyle/>
-          <a:p>
-            <a:r>
-              <a:rPr lang="en-US" dirty="0" smtClean="0"/>
-              <a:t>Option one</a:t>
-            </a:r>
-            <a:endParaRPr lang="en-US" dirty="0"/>
-          </a:p>
-        </p:txBody>
-      </p:sp>
-      <p:sp>
-        <p:nvSpPr>
-          <p:cNvPr id="3" name="Content Placeholder 2"/>
-          <p:cNvSpPr>
-            <a:spLocks noGrp="1"/>
-          </p:cNvSpPr>
-          <p:nvPr>
-            <p:ph sz="quarter" idx="10"/>
-          </p:nvPr>
-        </p:nvSpPr>
-        <p:spPr/>
-        <p:txBody>
-          <a:bodyPr>
-            <a:normAutofit lnSpcReduction="10000"/>
-          </a:bodyPr>
-          <a:lstStyle/>
-          <a:p>
-            <a:r>
-              <a:rPr lang="en-US" dirty="0" smtClean="0"/>
-              <a:t>SVG graphics</a:t>
-            </a:r>
-          </a:p>
-          <a:p>
-            <a:r>
-              <a:rPr lang="en-US" dirty="0" smtClean="0"/>
-              <a:t>The name says it all</a:t>
-            </a:r>
-          </a:p>
-          <a:p>
-            <a:pPr lvl="1"/>
-            <a:r>
-              <a:rPr lang="en-US" dirty="0" smtClean="0"/>
-              <a:t>Scalable</a:t>
-            </a:r>
-          </a:p>
-          <a:p>
-            <a:pPr lvl="1"/>
-            <a:r>
-              <a:rPr lang="en-US" dirty="0" smtClean="0"/>
-              <a:t>Vector</a:t>
-            </a:r>
-          </a:p>
-          <a:p>
-            <a:pPr lvl="1"/>
-            <a:r>
-              <a:rPr lang="en-US" dirty="0" smtClean="0"/>
-              <a:t>Graphics</a:t>
-            </a:r>
-          </a:p>
-          <a:p>
-            <a:r>
-              <a:rPr lang="en-US" dirty="0" smtClean="0"/>
-              <a:t>Images are created declaratively</a:t>
-            </a:r>
-          </a:p>
-          <a:p>
-            <a:pPr lvl="1"/>
-            <a:r>
-              <a:rPr lang="en-US" dirty="0" smtClean="0"/>
-              <a:t>Least amount of data to be downloaded</a:t>
-            </a:r>
-          </a:p>
-          <a:p>
-            <a:r>
-              <a:rPr lang="en-US" dirty="0" smtClean="0"/>
-              <a:t>Potential issues</a:t>
-            </a:r>
-          </a:p>
-          <a:p>
-            <a:pPr lvl="1"/>
-            <a:r>
-              <a:rPr lang="en-US" dirty="0" smtClean="0"/>
-              <a:t>Browser support</a:t>
-            </a:r>
-          </a:p>
-          <a:p>
-            <a:pPr lvl="1"/>
-            <a:r>
-              <a:rPr lang="en-US" dirty="0" smtClean="0"/>
-              <a:t>Generating SVG</a:t>
-            </a:r>
-            <a:endParaRPr lang="en-US" dirty="0"/>
-          </a:p>
-        </p:txBody>
-      </p:sp>
-    </p:spTree>
-    <p:extLst>
-      <p:ext uri="{BB962C8B-B14F-4D97-AF65-F5344CB8AC3E}">
-        <p14:creationId xmlns:p14="http://schemas.microsoft.com/office/powerpoint/2010/main" val="3387769857"/>
-      </p:ext>
-    </p:extLst>
-  </p:cSld>
-  <p:clrMapOvr>
-    <a:masterClrMapping/>
-  </p:clrMapOvr>
-  <p:timing>
-    <p:tnLst>
-      <p:par>
-        <p:cTn id="1" dur="indefinite" restart="never" nodeType="tmRoot"/>
-      </p:par>
-    </p:tnLst>
-  </p:timing>
-</p:sld>
-</file>
-
-<file path=ppt/slides/slide24.xml><?xml version="1.0" encoding="utf-8"?>
-<p:sld xmlns:a="http://schemas.openxmlformats.org/drawingml/2006/main" xmlns:r="http://schemas.openxmlformats.org/officeDocument/2006/relationships" xmlns:p="http://schemas.openxmlformats.org/presentationml/2006/main">
-  <p:cSld>
-    <p:spTree>
-      <p:nvGrpSpPr>
-        <p:cNvPr id="1" name=""/>
-        <p:cNvGrpSpPr/>
-        <p:nvPr/>
-      </p:nvGrpSpPr>
-      <p:grpSpPr>
-        <a:xfrm>
-          <a:off x="0" y="0"/>
-          <a:ext cx="0" cy="0"/>
-          <a:chOff x="0" y="0"/>
-          <a:chExt cx="0" cy="0"/>
-        </a:xfrm>
-      </p:grpSpPr>
-      <p:sp>
-        <p:nvSpPr>
-          <p:cNvPr id="4" name="Title 3"/>
-          <p:cNvSpPr>
-            <a:spLocks noGrp="1"/>
-          </p:cNvSpPr>
-          <p:nvPr>
-            <p:ph type="title"/>
-          </p:nvPr>
-        </p:nvSpPr>
-        <p:spPr/>
-        <p:txBody>
-          <a:bodyPr/>
-          <a:lstStyle/>
-          <a:p>
-            <a:r>
-              <a:rPr lang="en-US" dirty="0" smtClean="0"/>
-              <a:t>A simple SVG</a:t>
-            </a:r>
-            <a:endParaRPr lang="en-US" dirty="0"/>
-          </a:p>
-        </p:txBody>
-      </p:sp>
-    </p:spTree>
-    <p:extLst>
-      <p:ext uri="{BB962C8B-B14F-4D97-AF65-F5344CB8AC3E}">
-        <p14:creationId xmlns:p14="http://schemas.microsoft.com/office/powerpoint/2010/main" val="3218674372"/>
-      </p:ext>
-    </p:extLst>
-  </p:cSld>
-  <p:clrMapOvr>
-    <a:masterClrMapping/>
-  </p:clrMapOvr>
-  <p:timing>
-    <p:tnLst>
-      <p:par>
-        <p:cTn id="1" dur="indefinite" restart="never" nodeType="tmRoot"/>
-      </p:par>
-    </p:tnLst>
-  </p:timing>
-</p:sld>
-</file>
-
-<file path=ppt/slides/slide25.xml><?xml version="1.0" encoding="utf-8"?>
-<p:sld xmlns:a="http://schemas.openxmlformats.org/drawingml/2006/main" xmlns:r="http://schemas.openxmlformats.org/officeDocument/2006/relationships" xmlns:p="http://schemas.openxmlformats.org/presentationml/2006/main">
-  <p:cSld>
-    <p:spTree>
-      <p:nvGrpSpPr>
-        <p:cNvPr id="1" name=""/>
-        <p:cNvGrpSpPr/>
-        <p:nvPr/>
-      </p:nvGrpSpPr>
-      <p:grpSpPr>
-        <a:xfrm>
-          <a:off x="0" y="0"/>
-          <a:ext cx="0" cy="0"/>
-          <a:chOff x="0" y="0"/>
-          <a:chExt cx="0" cy="0"/>
-        </a:xfrm>
-      </p:grpSpPr>
-      <p:sp>
-        <p:nvSpPr>
-          <p:cNvPr id="2" name="Title 1"/>
-          <p:cNvSpPr>
-            <a:spLocks noGrp="1"/>
-          </p:cNvSpPr>
-          <p:nvPr>
-            <p:ph type="title"/>
-          </p:nvPr>
-        </p:nvSpPr>
-        <p:spPr/>
-        <p:txBody>
-          <a:bodyPr/>
-          <a:lstStyle/>
-          <a:p>
-            <a:r>
-              <a:rPr lang="en-US" dirty="0" smtClean="0"/>
-              <a:t>Option two</a:t>
-            </a:r>
-            <a:endParaRPr lang="en-US" dirty="0"/>
-          </a:p>
-        </p:txBody>
-      </p:sp>
-      <p:sp>
-        <p:nvSpPr>
-          <p:cNvPr id="3" name="Content Placeholder 2"/>
-          <p:cNvSpPr>
-            <a:spLocks noGrp="1"/>
-          </p:cNvSpPr>
-          <p:nvPr>
-            <p:ph sz="quarter" idx="10"/>
-          </p:nvPr>
-        </p:nvSpPr>
-        <p:spPr/>
-        <p:txBody>
-          <a:bodyPr/>
-          <a:lstStyle/>
-          <a:p>
-            <a:r>
-              <a:rPr lang="en-US" dirty="0" smtClean="0"/>
-              <a:t>HTML5 picture element</a:t>
-            </a:r>
-          </a:p>
-          <a:p>
-            <a:r>
-              <a:rPr lang="en-US" dirty="0" smtClean="0"/>
-              <a:t>W3C draft standard</a:t>
-            </a:r>
-          </a:p>
-          <a:p>
-            <a:r>
-              <a:rPr lang="en-US" dirty="0" smtClean="0"/>
-              <a:t>Similar to audio and video elements</a:t>
-            </a:r>
-          </a:p>
-          <a:p>
-            <a:pPr lvl="1"/>
-            <a:r>
-              <a:rPr lang="en-US" dirty="0" smtClean="0"/>
-              <a:t>Specify multiple images</a:t>
-            </a:r>
-          </a:p>
-          <a:p>
-            <a:pPr lvl="1"/>
-            <a:r>
-              <a:rPr lang="en-US" dirty="0" smtClean="0"/>
-              <a:t>Supports media queries</a:t>
-            </a:r>
-          </a:p>
-          <a:p>
-            <a:r>
-              <a:rPr lang="en-US" dirty="0" smtClean="0"/>
-              <a:t>Potential issues</a:t>
-            </a:r>
-          </a:p>
-          <a:p>
-            <a:pPr lvl="1"/>
-            <a:r>
-              <a:rPr lang="en-US" dirty="0" smtClean="0"/>
-              <a:t>Browser support</a:t>
-            </a:r>
-          </a:p>
-          <a:p>
-            <a:pPr lvl="1"/>
-            <a:r>
-              <a:rPr lang="en-US" dirty="0" smtClean="0"/>
-              <a:t>Scott </a:t>
-            </a:r>
-            <a:r>
-              <a:rPr lang="en-US" dirty="0" err="1" smtClean="0"/>
-              <a:t>Jehl's</a:t>
-            </a:r>
-            <a:r>
-              <a:rPr lang="en-US" dirty="0" smtClean="0"/>
-              <a:t> </a:t>
-            </a:r>
-            <a:r>
-              <a:rPr lang="en-US" dirty="0" err="1" smtClean="0"/>
-              <a:t>picturefill</a:t>
-            </a:r>
-            <a:r>
-              <a:rPr lang="en-US" dirty="0"/>
-              <a:t>: https://github.com/scottjehl/picturefill</a:t>
-            </a:r>
-          </a:p>
-        </p:txBody>
-      </p:sp>
-    </p:spTree>
-    <p:extLst>
-      <p:ext uri="{BB962C8B-B14F-4D97-AF65-F5344CB8AC3E}">
-        <p14:creationId xmlns:p14="http://schemas.microsoft.com/office/powerpoint/2010/main" val="2849641477"/>
-      </p:ext>
-    </p:extLst>
-  </p:cSld>
-  <p:clrMapOvr>
-    <a:masterClrMapping/>
-  </p:clrMapOvr>
-  <p:timing>
-    <p:tnLst>
-      <p:par>
-        <p:cTn id="1" dur="indefinite" restart="never" nodeType="tmRoot"/>
-      </p:par>
-    </p:tnLst>
-  </p:timing>
-</p:sld>
-</file>
-
-<file path=ppt/slides/slide26.xml><?xml version="1.0" encoding="utf-8"?>
-<p:sld xmlns:a="http://schemas.openxmlformats.org/drawingml/2006/main" xmlns:r="http://schemas.openxmlformats.org/officeDocument/2006/relationships" xmlns:p="http://schemas.openxmlformats.org/presentationml/2006/main">
-  <p:cSld>
-    <p:spTree>
-      <p:nvGrpSpPr>
-        <p:cNvPr id="1" name=""/>
-        <p:cNvGrpSpPr/>
-        <p:nvPr/>
-      </p:nvGrpSpPr>
-      <p:grpSpPr>
-        <a:xfrm>
-          <a:off x="0" y="0"/>
-          <a:ext cx="0" cy="0"/>
-          <a:chOff x="0" y="0"/>
-          <a:chExt cx="0" cy="0"/>
-        </a:xfrm>
-      </p:grpSpPr>
-      <p:sp>
-        <p:nvSpPr>
-          <p:cNvPr id="4" name="Title 3"/>
-          <p:cNvSpPr>
-            <a:spLocks noGrp="1"/>
-          </p:cNvSpPr>
-          <p:nvPr>
-            <p:ph type="title"/>
-          </p:nvPr>
-        </p:nvSpPr>
-        <p:spPr/>
-        <p:txBody>
-          <a:bodyPr/>
-          <a:lstStyle/>
-          <a:p>
-            <a:r>
-              <a:rPr lang="en-US" dirty="0" smtClean="0"/>
-              <a:t>Picture element</a:t>
-            </a:r>
-            <a:endParaRPr lang="en-US" dirty="0"/>
-          </a:p>
-        </p:txBody>
-      </p:sp>
-      <p:sp>
-        <p:nvSpPr>
-          <p:cNvPr id="5" name="Rectangle 4"/>
-          <p:cNvSpPr/>
-          <p:nvPr/>
-        </p:nvSpPr>
-        <p:spPr>
-          <a:xfrm>
-            <a:off x="2523519" y="6145164"/>
-            <a:ext cx="7602279" cy="400110"/>
-          </a:xfrm>
-          <a:prstGeom prst="rect">
-            <a:avLst/>
-          </a:prstGeom>
-        </p:spPr>
-        <p:style>
-          <a:lnRef idx="3">
-            <a:schemeClr val="lt1"/>
-          </a:lnRef>
-          <a:fillRef idx="1">
-            <a:schemeClr val="accent6"/>
-          </a:fillRef>
-          <a:effectRef idx="1">
-            <a:schemeClr val="accent6"/>
-          </a:effectRef>
-          <a:fontRef idx="minor">
-            <a:schemeClr val="lt1"/>
-          </a:fontRef>
-        </p:style>
-        <p:txBody>
-          <a:bodyPr wrap="square">
-            <a:spAutoFit/>
-          </a:bodyPr>
-          <a:lstStyle/>
-          <a:p>
-            <a:r>
-              <a:rPr lang="en-US" sz="2000" dirty="0"/>
-              <a:t>http://www.html5rocks.com/en/tutorials/responsive/picture-element/</a:t>
-            </a:r>
-          </a:p>
-        </p:txBody>
-      </p:sp>
-    </p:spTree>
-    <p:extLst>
-      <p:ext uri="{BB962C8B-B14F-4D97-AF65-F5344CB8AC3E}">
-        <p14:creationId xmlns:p14="http://schemas.microsoft.com/office/powerpoint/2010/main" val="249011017"/>
-      </p:ext>
-    </p:extLst>
-  </p:cSld>
-  <p:clrMapOvr>
-    <a:masterClrMapping/>
-  </p:clrMapOvr>
-  <p:timing>
-    <p:tnLst>
-      <p:par>
-        <p:cTn id="1" dur="indefinite" restart="never" nodeType="tmRoot"/>
-      </p:par>
-    </p:tnLst>
-  </p:timing>
-</p:sld>
-</file>
-
-<file path=ppt/slides/slide27.xml><?xml version="1.0" encoding="utf-8"?>
-<p:sld xmlns:a="http://schemas.openxmlformats.org/drawingml/2006/main" xmlns:r="http://schemas.openxmlformats.org/officeDocument/2006/relationships" xmlns:p="http://schemas.openxmlformats.org/presentationml/2006/main">
-  <p:cSld>
-    <p:spTree>
-      <p:nvGrpSpPr>
-        <p:cNvPr id="1" name=""/>
-        <p:cNvGrpSpPr/>
-        <p:nvPr/>
-      </p:nvGrpSpPr>
-      <p:grpSpPr>
-        <a:xfrm>
-          <a:off x="0" y="0"/>
-          <a:ext cx="0" cy="0"/>
-          <a:chOff x="0" y="0"/>
-          <a:chExt cx="0" cy="0"/>
-        </a:xfrm>
-      </p:grpSpPr>
-      <p:sp>
-        <p:nvSpPr>
-          <p:cNvPr id="3" name="Title 2"/>
-          <p:cNvSpPr>
-            <a:spLocks noGrp="1"/>
-          </p:cNvSpPr>
-          <p:nvPr>
-            <p:ph type="title"/>
-          </p:nvPr>
-        </p:nvSpPr>
-        <p:spPr/>
-        <p:txBody>
-          <a:bodyPr/>
-          <a:lstStyle/>
-          <a:p>
-            <a:r>
-              <a:rPr lang="en-US" dirty="0" smtClean="0"/>
-              <a:t>Option three</a:t>
-            </a:r>
-            <a:endParaRPr lang="en-US" dirty="0"/>
-          </a:p>
-        </p:txBody>
-      </p:sp>
-      <p:sp>
-        <p:nvSpPr>
-          <p:cNvPr id="4" name="Content Placeholder 3"/>
-          <p:cNvSpPr>
-            <a:spLocks noGrp="1"/>
-          </p:cNvSpPr>
-          <p:nvPr>
-            <p:ph sz="quarter" idx="10"/>
-          </p:nvPr>
-        </p:nvSpPr>
-        <p:spPr/>
-        <p:txBody>
-          <a:bodyPr/>
-          <a:lstStyle/>
-          <a:p>
-            <a:r>
-              <a:rPr lang="en-US" dirty="0" smtClean="0"/>
-              <a:t>Background images on div tags</a:t>
-            </a:r>
-          </a:p>
-          <a:p>
-            <a:r>
-              <a:rPr lang="en-US" dirty="0" smtClean="0"/>
-              <a:t>Always works</a:t>
-            </a:r>
-          </a:p>
-          <a:p>
-            <a:r>
-              <a:rPr lang="en-US" dirty="0" smtClean="0"/>
-              <a:t>Supports media queries</a:t>
-            </a:r>
-          </a:p>
-          <a:p>
-            <a:r>
-              <a:rPr lang="en-US" dirty="0" smtClean="0"/>
-              <a:t>Potential issues</a:t>
-            </a:r>
-          </a:p>
-          <a:p>
-            <a:pPr lvl="1"/>
-            <a:r>
-              <a:rPr lang="en-US" dirty="0" smtClean="0"/>
-              <a:t>It's a hack</a:t>
-            </a:r>
-            <a:endParaRPr lang="en-US" dirty="0"/>
-          </a:p>
-        </p:txBody>
-      </p:sp>
-    </p:spTree>
-    <p:extLst>
-      <p:ext uri="{BB962C8B-B14F-4D97-AF65-F5344CB8AC3E}">
-        <p14:creationId xmlns:p14="http://schemas.microsoft.com/office/powerpoint/2010/main" val="3356672372"/>
-      </p:ext>
-    </p:extLst>
-  </p:cSld>
-  <p:clrMapOvr>
-    <a:masterClrMapping/>
-  </p:clrMapOvr>
-  <p:timing>
-    <p:tnLst>
-      <p:par>
-        <p:cTn id="1" dur="indefinite" restart="never" nodeType="tmRoot"/>
-      </p:par>
-    </p:tnLst>
-  </p:timing>
-</p:sld>
-</file>
-
-<file path=ppt/slides/slide28.xml><?xml version="1.0" encoding="utf-8"?>
-<p:sld xmlns:a="http://schemas.openxmlformats.org/drawingml/2006/main" xmlns:r="http://schemas.openxmlformats.org/officeDocument/2006/relationships" xmlns:p="http://schemas.openxmlformats.org/presentationml/2006/main">
-  <p:cSld>
-    <p:spTree>
-      <p:nvGrpSpPr>
-        <p:cNvPr id="1" name=""/>
-        <p:cNvGrpSpPr/>
-        <p:nvPr/>
-      </p:nvGrpSpPr>
-      <p:grpSpPr>
-        <a:xfrm>
-          <a:off x="0" y="0"/>
-          <a:ext cx="0" cy="0"/>
-          <a:chOff x="0" y="0"/>
-          <a:chExt cx="0" cy="0"/>
-        </a:xfrm>
-      </p:grpSpPr>
-      <p:sp>
-        <p:nvSpPr>
-          <p:cNvPr id="4" name="Title 3"/>
-          <p:cNvSpPr>
-            <a:spLocks noGrp="1"/>
-          </p:cNvSpPr>
-          <p:nvPr>
-            <p:ph type="title"/>
-          </p:nvPr>
-        </p:nvSpPr>
-        <p:spPr/>
-        <p:txBody>
-          <a:bodyPr/>
-          <a:lstStyle/>
-          <a:p>
-            <a:r>
-              <a:rPr lang="en-US" dirty="0" smtClean="0"/>
-              <a:t>Background images</a:t>
-            </a:r>
-            <a:endParaRPr lang="en-US" dirty="0"/>
-          </a:p>
-        </p:txBody>
-      </p:sp>
-    </p:spTree>
-    <p:extLst>
-      <p:ext uri="{BB962C8B-B14F-4D97-AF65-F5344CB8AC3E}">
-        <p14:creationId xmlns:p14="http://schemas.microsoft.com/office/powerpoint/2010/main" val="3444144893"/>
-      </p:ext>
-    </p:extLst>
-  </p:cSld>
-  <p:clrMapOvr>
-    <a:masterClrMapping/>
-  </p:clrMapOvr>
-  <p:timing>
-    <p:tnLst>
-      <p:par>
-        <p:cTn id="1" dur="indefinite" restart="never" nodeType="tmRoot"/>
-      </p:par>
-    </p:tnLst>
-  </p:timing>
-</p:sld>
-</file>
-
-<file path=ppt/slides/slide29.xml><?xml version="1.0" encoding="utf-8"?>
-<p:sld xmlns:a="http://schemas.openxmlformats.org/drawingml/2006/main" xmlns:r="http://schemas.openxmlformats.org/officeDocument/2006/relationships" xmlns:p="http://schemas.openxmlformats.org/presentationml/2006/main">
-  <p:cSld>
-    <p:spTree>
-      <p:nvGrpSpPr>
-        <p:cNvPr id="1" name=""/>
-        <p:cNvGrpSpPr/>
-        <p:nvPr/>
-      </p:nvGrpSpPr>
-      <p:grpSpPr>
-        <a:xfrm>
-          <a:off x="0" y="0"/>
-          <a:ext cx="0" cy="0"/>
-          <a:chOff x="0" y="0"/>
-          <a:chExt cx="0" cy="0"/>
-        </a:xfrm>
-      </p:grpSpPr>
-      <p:sp>
-        <p:nvSpPr>
-          <p:cNvPr id="4" name="Text Placeholder 3"/>
-          <p:cNvSpPr>
-            <a:spLocks noGrp="1"/>
-          </p:cNvSpPr>
-          <p:nvPr>
-            <p:ph type="body" sz="quarter" idx="10"/>
-          </p:nvPr>
-        </p:nvSpPr>
-        <p:spPr/>
-        <p:txBody>
-          <a:bodyPr/>
-          <a:lstStyle/>
-          <a:p>
-            <a:r>
-              <a:rPr lang="en-US" dirty="0" smtClean="0"/>
-              <a:t>Mimicking apps</a:t>
-            </a:r>
-            <a:endParaRPr lang="en-US" dirty="0"/>
-          </a:p>
-        </p:txBody>
-      </p:sp>
-      <p:sp>
-        <p:nvSpPr>
-          <p:cNvPr id="3" name="Subtitle 2"/>
-          <p:cNvSpPr>
-            <a:spLocks noGrp="1"/>
-          </p:cNvSpPr>
-          <p:nvPr>
-            <p:ph type="subTitle" idx="1"/>
-          </p:nvPr>
-        </p:nvSpPr>
-        <p:spPr/>
-        <p:txBody>
-          <a:bodyPr/>
-          <a:lstStyle/>
-          <a:p>
-            <a:endParaRPr lang="en-US" dirty="0"/>
-          </a:p>
-        </p:txBody>
-      </p:sp>
-    </p:spTree>
-    <p:extLst>
-      <p:ext uri="{BB962C8B-B14F-4D97-AF65-F5344CB8AC3E}">
-        <p14:creationId xmlns:p14="http://schemas.microsoft.com/office/powerpoint/2010/main" val="2838956436"/>
-      </p:ext>
-    </p:extLst>
-  </p:cSld>
-  <p:clrMapOvr>
-    <a:masterClrMapping/>
-  </p:clrMapOvr>
-  <p:timing>
-    <p:tnLst>
-      <p:par>
-        <p:cTn id="1" dur="indefinite" restart="never" nodeType="tmRoot"/>
-      </p:par>
-    </p:tnLst>
-  </p:timing>
-</p:sld>
-</file>
-
-<file path=ppt/slides/slide3.xml><?xml version="1.0" encoding="utf-8"?>
-<p:sld xmlns:a="http://schemas.openxmlformats.org/drawingml/2006/main" xmlns:r="http://schemas.openxmlformats.org/officeDocument/2006/relationships" xmlns:p="http://schemas.openxmlformats.org/presentationml/2006/main">
-  <p:cSld>
-    <p:spTree>
-      <p:nvGrpSpPr>
-        <p:cNvPr id="1" name=""/>
-        <p:cNvGrpSpPr/>
-        <p:nvPr/>
-      </p:nvGrpSpPr>
-      <p:grpSpPr>
-        <a:xfrm>
-          <a:off x="0" y="0"/>
-          <a:ext cx="0" cy="0"/>
-          <a:chOff x="0" y="0"/>
-          <a:chExt cx="0" cy="0"/>
-        </a:xfrm>
-      </p:grpSpPr>
-      <p:sp>
-        <p:nvSpPr>
-          <p:cNvPr id="5" name="Text Placeholder 4"/>
-          <p:cNvSpPr>
-            <a:spLocks noGrp="1"/>
-          </p:cNvSpPr>
-          <p:nvPr>
-            <p:ph type="body" sz="quarter" idx="10"/>
-          </p:nvPr>
-        </p:nvSpPr>
-        <p:spPr>
-          <a:solidFill>
-            <a:srgbClr val="007233"/>
-          </a:solidFill>
-          <a:ln>
-            <a:noFill/>
-          </a:ln>
-        </p:spPr>
-        <p:txBody>
-          <a:bodyPr/>
-          <a:lstStyle/>
-          <a:p>
-            <a:pPr marL="914400" indent="-914400"/>
-            <a:r>
-              <a:rPr lang="en-US" dirty="0" smtClean="0"/>
-              <a:t>02 | Mobile UI</a:t>
-            </a:r>
-            <a:endParaRPr lang="en-US" dirty="0"/>
-          </a:p>
-        </p:txBody>
-      </p:sp>
-      <p:sp>
-        <p:nvSpPr>
-          <p:cNvPr id="4" name="Subtitle 3"/>
-          <p:cNvSpPr>
-            <a:spLocks noGrp="1"/>
-          </p:cNvSpPr>
-          <p:nvPr>
-            <p:ph type="subTitle" idx="1"/>
-          </p:nvPr>
-        </p:nvSpPr>
-        <p:spPr/>
-        <p:txBody>
-          <a:bodyPr/>
-          <a:lstStyle/>
-          <a:p>
-            <a:r>
-              <a:rPr lang="en-US" dirty="0"/>
-              <a:t>Christopher Harrison | </a:t>
-            </a:r>
-            <a:r>
-              <a:rPr lang="en-US" dirty="0" smtClean="0"/>
-              <a:t>@</a:t>
-            </a:r>
-            <a:r>
-              <a:rPr lang="en-US" smtClean="0"/>
-              <a:t>GeekTrainer</a:t>
-            </a:r>
-            <a:endParaRPr lang="en-US" dirty="0"/>
-          </a:p>
-          <a:p>
-            <a:r>
-              <a:rPr lang="en-US" dirty="0"/>
-              <a:t>Jeremy Foster | @codefoster</a:t>
-            </a:r>
-          </a:p>
-        </p:txBody>
-      </p:sp>
-    </p:spTree>
-    <p:extLst>
-      <p:ext uri="{BB962C8B-B14F-4D97-AF65-F5344CB8AC3E}">
-        <p14:creationId xmlns:p14="http://schemas.microsoft.com/office/powerpoint/2010/main" val="1027802248"/>
-      </p:ext>
-    </p:extLst>
-  </p:cSld>
-  <p:clrMapOvr>
-    <a:masterClrMapping/>
-  </p:clrMapOvr>
-  <p:timing>
-    <p:tnLst>
-      <p:par>
-        <p:cTn id="1" dur="indefinite" restart="never" nodeType="tmRoot"/>
-      </p:par>
-    </p:tnLst>
-  </p:timing>
-</p:sld>
-</file>
-
-<file path=ppt/slides/slide30.xml><?xml version="1.0" encoding="utf-8"?>
-<p:sld xmlns:a="http://schemas.openxmlformats.org/drawingml/2006/main" xmlns:r="http://schemas.openxmlformats.org/officeDocument/2006/relationships" xmlns:p="http://schemas.openxmlformats.org/presentationml/2006/main">
-  <p:cSld>
-    <p:spTree>
-      <p:nvGrpSpPr>
-        <p:cNvPr id="1" name=""/>
-        <p:cNvGrpSpPr/>
-        <p:nvPr/>
-      </p:nvGrpSpPr>
-      <p:grpSpPr>
-        <a:xfrm>
-          <a:off x="0" y="0"/>
-          <a:ext cx="0" cy="0"/>
-          <a:chOff x="0" y="0"/>
-          <a:chExt cx="0" cy="0"/>
-        </a:xfrm>
-      </p:grpSpPr>
-      <p:sp>
-        <p:nvSpPr>
-          <p:cNvPr id="4" name="Title 3"/>
-          <p:cNvSpPr>
-            <a:spLocks noGrp="1"/>
-          </p:cNvSpPr>
-          <p:nvPr>
-            <p:ph type="title"/>
-          </p:nvPr>
-        </p:nvSpPr>
-        <p:spPr/>
-        <p:txBody>
-          <a:bodyPr/>
-          <a:lstStyle/>
-          <a:p>
-            <a:r>
-              <a:rPr lang="en-US" dirty="0" smtClean="0"/>
-              <a:t>Just because it's not an app...</a:t>
-            </a:r>
-            <a:endParaRPr lang="en-US" dirty="0"/>
-          </a:p>
-        </p:txBody>
-      </p:sp>
-      <p:sp>
-        <p:nvSpPr>
-          <p:cNvPr id="5" name="Content Placeholder 4"/>
-          <p:cNvSpPr>
-            <a:spLocks noGrp="1"/>
-          </p:cNvSpPr>
-          <p:nvPr>
-            <p:ph sz="quarter" idx="10"/>
-          </p:nvPr>
-        </p:nvSpPr>
-        <p:spPr/>
-        <p:txBody>
-          <a:bodyPr/>
-          <a:lstStyle/>
-          <a:p>
-            <a:r>
-              <a:rPr lang="en-US" dirty="0" smtClean="0"/>
-              <a:t>Doesn't mean we don't want it to behave like one</a:t>
-            </a:r>
-          </a:p>
-          <a:p>
-            <a:r>
-              <a:rPr lang="en-US" dirty="0" smtClean="0"/>
-              <a:t>Components</a:t>
-            </a:r>
-          </a:p>
-          <a:p>
-            <a:pPr lvl="1"/>
-            <a:r>
-              <a:rPr lang="en-US" dirty="0" smtClean="0"/>
-              <a:t>Controlling the browser</a:t>
-            </a:r>
-          </a:p>
-          <a:p>
-            <a:pPr lvl="1"/>
-            <a:r>
-              <a:rPr lang="en-US" dirty="0" smtClean="0"/>
-              <a:t>Shortcut icon</a:t>
-            </a:r>
-          </a:p>
-        </p:txBody>
-      </p:sp>
-    </p:spTree>
-    <p:extLst>
-      <p:ext uri="{BB962C8B-B14F-4D97-AF65-F5344CB8AC3E}">
-        <p14:creationId xmlns:p14="http://schemas.microsoft.com/office/powerpoint/2010/main" val="1191592407"/>
-      </p:ext>
-    </p:extLst>
-  </p:cSld>
-  <p:clrMapOvr>
-    <a:masterClrMapping/>
-  </p:clrMapOvr>
-  <p:timing>
-    <p:tnLst>
-      <p:par>
-        <p:cTn id="1" dur="indefinite" restart="never" nodeType="tmRoot"/>
-      </p:par>
-    </p:tnLst>
-  </p:timing>
-</p:sld>
-</file>
-
-<file path=ppt/slides/slide31.xml><?xml version="1.0" encoding="utf-8"?>
-<p:sld xmlns:a="http://schemas.openxmlformats.org/drawingml/2006/main" xmlns:r="http://schemas.openxmlformats.org/officeDocument/2006/relationships" xmlns:p="http://schemas.openxmlformats.org/presentationml/2006/main">
-  <p:cSld>
-    <p:spTree>
-      <p:nvGrpSpPr>
-        <p:cNvPr id="1" name=""/>
-        <p:cNvGrpSpPr/>
-        <p:nvPr/>
-      </p:nvGrpSpPr>
-      <p:grpSpPr>
-        <a:xfrm>
-          <a:off x="0" y="0"/>
-          <a:ext cx="0" cy="0"/>
-          <a:chOff x="0" y="0"/>
-          <a:chExt cx="0" cy="0"/>
-        </a:xfrm>
-      </p:grpSpPr>
-      <p:sp>
-        <p:nvSpPr>
-          <p:cNvPr id="2" name="Title 1"/>
-          <p:cNvSpPr>
-            <a:spLocks noGrp="1"/>
-          </p:cNvSpPr>
-          <p:nvPr>
-            <p:ph type="title"/>
-          </p:nvPr>
-        </p:nvSpPr>
-        <p:spPr/>
-        <p:txBody>
-          <a:bodyPr/>
-          <a:lstStyle/>
-          <a:p>
-            <a:r>
-              <a:rPr lang="en-US" dirty="0" smtClean="0"/>
-              <a:t>Controlling the browser</a:t>
-            </a:r>
-            <a:endParaRPr lang="en-US" dirty="0"/>
-          </a:p>
-        </p:txBody>
-      </p:sp>
-      <p:sp>
-        <p:nvSpPr>
-          <p:cNvPr id="3" name="Content Placeholder 2"/>
-          <p:cNvSpPr>
-            <a:spLocks noGrp="1"/>
-          </p:cNvSpPr>
-          <p:nvPr>
-            <p:ph sz="quarter" idx="10"/>
-          </p:nvPr>
-        </p:nvSpPr>
-        <p:spPr/>
-        <p:txBody>
-          <a:bodyPr/>
-          <a:lstStyle/>
-          <a:p>
-            <a:r>
-              <a:rPr lang="en-US" dirty="0" smtClean="0"/>
-              <a:t>viewport meta tag</a:t>
-            </a:r>
-          </a:p>
-          <a:p>
-            <a:pPr lvl="1"/>
-            <a:r>
-              <a:rPr lang="en-US" dirty="0" smtClean="0"/>
-              <a:t>Set zoom capabilities</a:t>
-            </a:r>
-          </a:p>
-          <a:p>
-            <a:r>
-              <a:rPr lang="en-US" dirty="0" smtClean="0"/>
-              <a:t>Hiding the address bar</a:t>
-            </a:r>
-          </a:p>
-          <a:p>
-            <a:pPr lvl="1"/>
-            <a:r>
-              <a:rPr lang="en-US" dirty="0"/>
-              <a:t>https://</a:t>
-            </a:r>
-            <a:r>
-              <a:rPr lang="en-US" dirty="0" smtClean="0"/>
-              <a:t>gist.github.com/scottjehl/1183357</a:t>
-            </a:r>
-          </a:p>
-          <a:p>
-            <a:pPr lvl="2"/>
-            <a:r>
-              <a:rPr lang="en-US" dirty="0" smtClean="0"/>
-              <a:t>(iOS and Android only)</a:t>
-            </a:r>
-            <a:endParaRPr lang="en-US" dirty="0"/>
-          </a:p>
-        </p:txBody>
-      </p:sp>
-    </p:spTree>
-    <p:extLst>
-      <p:ext uri="{BB962C8B-B14F-4D97-AF65-F5344CB8AC3E}">
-        <p14:creationId xmlns:p14="http://schemas.microsoft.com/office/powerpoint/2010/main" val="3667106330"/>
-      </p:ext>
-    </p:extLst>
-  </p:cSld>
-  <p:clrMapOvr>
-    <a:masterClrMapping/>
-  </p:clrMapOvr>
-  <p:timing>
-    <p:tnLst>
-      <p:par>
-        <p:cTn id="1" dur="indefinite" restart="never" nodeType="tmRoot"/>
-      </p:par>
-    </p:tnLst>
-  </p:timing>
-</p:sld>
-</file>
-
-<file path=ppt/slides/slide32.xml><?xml version="1.0" encoding="utf-8"?>
-<p:sld xmlns:a="http://schemas.openxmlformats.org/drawingml/2006/main" xmlns:r="http://schemas.openxmlformats.org/officeDocument/2006/relationships" xmlns:p="http://schemas.openxmlformats.org/presentationml/2006/main">
-  <p:cSld>
-    <p:spTree>
-      <p:nvGrpSpPr>
-        <p:cNvPr id="1" name=""/>
-        <p:cNvGrpSpPr/>
-        <p:nvPr/>
-      </p:nvGrpSpPr>
-      <p:grpSpPr>
-        <a:xfrm>
-          <a:off x="0" y="0"/>
-          <a:ext cx="0" cy="0"/>
-          <a:chOff x="0" y="0"/>
-          <a:chExt cx="0" cy="0"/>
-        </a:xfrm>
-      </p:grpSpPr>
-      <p:sp>
-        <p:nvSpPr>
-          <p:cNvPr id="2" name="Title 1"/>
-          <p:cNvSpPr>
-            <a:spLocks noGrp="1"/>
-          </p:cNvSpPr>
-          <p:nvPr>
-            <p:ph type="title"/>
-          </p:nvPr>
-        </p:nvSpPr>
-        <p:spPr/>
-        <p:txBody>
-          <a:bodyPr/>
-          <a:lstStyle/>
-          <a:p>
-            <a:r>
-              <a:rPr lang="en-US" dirty="0" smtClean="0"/>
-              <a:t>Icons</a:t>
-            </a:r>
-            <a:endParaRPr lang="en-US" dirty="0"/>
-          </a:p>
-        </p:txBody>
-      </p:sp>
-      <p:sp>
-        <p:nvSpPr>
-          <p:cNvPr id="3" name="Content Placeholder 2"/>
-          <p:cNvSpPr>
-            <a:spLocks noGrp="1"/>
-          </p:cNvSpPr>
-          <p:nvPr>
-            <p:ph sz="quarter" idx="10"/>
-          </p:nvPr>
-        </p:nvSpPr>
-        <p:spPr/>
-        <p:txBody>
-          <a:bodyPr/>
-          <a:lstStyle/>
-          <a:p>
-            <a:r>
-              <a:rPr lang="en-US" dirty="0" smtClean="0"/>
-              <a:t>Determine what is placed on home screen when "installed"</a:t>
-            </a:r>
-          </a:p>
-          <a:p>
-            <a:r>
-              <a:rPr lang="en-US" dirty="0" smtClean="0"/>
-              <a:t>Unfortunately, each vendor has their own method</a:t>
-            </a:r>
-          </a:p>
-          <a:p>
-            <a:pPr lvl="1"/>
-            <a:r>
-              <a:rPr lang="en-US" dirty="0">
-                <a:hlinkClick r:id="rId2"/>
-              </a:rPr>
-              <a:t>http://</a:t>
-            </a:r>
-            <a:r>
-              <a:rPr lang="en-US" dirty="0" smtClean="0">
-                <a:hlinkClick r:id="rId2"/>
-              </a:rPr>
-              <a:t>en.wikipedia.org/wiki/Favicon</a:t>
-            </a:r>
-            <a:endParaRPr lang="en-US" dirty="0" smtClean="0"/>
-          </a:p>
-        </p:txBody>
-      </p:sp>
-    </p:spTree>
-    <p:extLst>
-      <p:ext uri="{BB962C8B-B14F-4D97-AF65-F5344CB8AC3E}">
-        <p14:creationId xmlns:p14="http://schemas.microsoft.com/office/powerpoint/2010/main" val="3707912732"/>
-      </p:ext>
-    </p:extLst>
-  </p:cSld>
-  <p:clrMapOvr>
-    <a:masterClrMapping/>
-  </p:clrMapOvr>
-  <p:timing>
-    <p:tnLst>
-      <p:par>
-        <p:cTn id="1" dur="indefinite" restart="never" nodeType="tmRoot"/>
-      </p:par>
-    </p:tnLst>
-  </p:timing>
-</p:sld>
-</file>
-
-<file path=ppt/slides/slide33.xml><?xml version="1.0" encoding="utf-8"?>
-<p:sld xmlns:a="http://schemas.openxmlformats.org/drawingml/2006/main" xmlns:r="http://schemas.openxmlformats.org/officeDocument/2006/relationships" xmlns:p="http://schemas.openxmlformats.org/presentationml/2006/main">
-  <p:cSld>
-    <p:spTree>
-      <p:nvGrpSpPr>
-        <p:cNvPr id="1" name=""/>
-        <p:cNvGrpSpPr/>
-        <p:nvPr/>
-      </p:nvGrpSpPr>
-      <p:grpSpPr>
-        <a:xfrm>
-          <a:off x="0" y="0"/>
-          <a:ext cx="0" cy="0"/>
-          <a:chOff x="0" y="0"/>
-          <a:chExt cx="0" cy="0"/>
-        </a:xfrm>
-      </p:grpSpPr>
-      <p:sp>
-        <p:nvSpPr>
-          <p:cNvPr id="2" name="Title 1"/>
-          <p:cNvSpPr>
-            <a:spLocks noGrp="1"/>
-          </p:cNvSpPr>
-          <p:nvPr>
-            <p:ph type="title"/>
-          </p:nvPr>
-        </p:nvSpPr>
-        <p:spPr/>
-        <p:txBody>
-          <a:bodyPr/>
-          <a:lstStyle/>
-          <a:p>
-            <a:r>
-              <a:rPr lang="en-US" dirty="0" smtClean="0"/>
-              <a:t>Mimicking live tile</a:t>
-            </a:r>
-            <a:endParaRPr lang="en-US" dirty="0"/>
-          </a:p>
-        </p:txBody>
-      </p:sp>
-      <p:sp>
-        <p:nvSpPr>
-          <p:cNvPr id="3" name="Content Placeholder 2"/>
-          <p:cNvSpPr>
-            <a:spLocks noGrp="1"/>
-          </p:cNvSpPr>
-          <p:nvPr>
-            <p:ph sz="quarter" idx="10"/>
-          </p:nvPr>
-        </p:nvSpPr>
-        <p:spPr/>
-        <p:txBody>
-          <a:bodyPr/>
-          <a:lstStyle/>
-          <a:p>
-            <a:r>
-              <a:rPr lang="en-US" dirty="0" smtClean="0"/>
-              <a:t>Live tiles show state of an application</a:t>
-            </a:r>
-          </a:p>
-          <a:p>
-            <a:pPr lvl="1"/>
-            <a:r>
-              <a:rPr lang="en-US" dirty="0" smtClean="0"/>
-              <a:t>Unread messages</a:t>
-            </a:r>
-          </a:p>
-          <a:p>
-            <a:pPr lvl="1"/>
-            <a:r>
-              <a:rPr lang="en-US" dirty="0" smtClean="0"/>
-              <a:t>Number of posted updates</a:t>
-            </a:r>
-          </a:p>
-          <a:p>
-            <a:r>
-              <a:rPr lang="en-US" dirty="0" smtClean="0"/>
-              <a:t>Using polling, pinned sites can behave like live tiles</a:t>
-            </a:r>
-          </a:p>
-          <a:p>
-            <a:pPr lvl="1"/>
-            <a:r>
-              <a:rPr lang="en-US" dirty="0" smtClean="0"/>
-              <a:t>Full details:</a:t>
-            </a:r>
-          </a:p>
-          <a:p>
-            <a:pPr lvl="2"/>
-            <a:r>
-              <a:rPr lang="en-US" dirty="0" smtClean="0"/>
-              <a:t>http</a:t>
-            </a:r>
-            <a:r>
-              <a:rPr lang="en-US" dirty="0"/>
-              <a:t>://msdn.microsoft.com/en-us/library/ie/dn455115(v=vs.85).</a:t>
-            </a:r>
-            <a:r>
-              <a:rPr lang="en-US" dirty="0" smtClean="0"/>
-              <a:t>aspx</a:t>
-            </a:r>
-          </a:p>
-          <a:p>
-            <a:pPr lvl="1"/>
-            <a:r>
-              <a:rPr lang="en-US" dirty="0" smtClean="0"/>
-              <a:t>Scott </a:t>
-            </a:r>
-            <a:r>
-              <a:rPr lang="en-US" dirty="0" err="1" smtClean="0"/>
-              <a:t>Hanselman's</a:t>
-            </a:r>
-            <a:r>
-              <a:rPr lang="en-US" dirty="0" smtClean="0"/>
-              <a:t> blog:</a:t>
-            </a:r>
-          </a:p>
-          <a:p>
-            <a:pPr lvl="2"/>
-            <a:r>
-              <a:rPr lang="en-US" dirty="0"/>
-              <a:t>http://</a:t>
-            </a:r>
-            <a:r>
-              <a:rPr lang="en-US" dirty="0" smtClean="0"/>
-              <a:t>www.hanselman.com/blog/MakeAWindows81PinnedLiveTileForYOURWebsiteInMinutes.aspx</a:t>
-            </a:r>
-          </a:p>
-          <a:p>
-            <a:pPr lvl="1"/>
-            <a:r>
-              <a:rPr lang="en-US" dirty="0" smtClean="0"/>
-              <a:t>Build My Pinned Site</a:t>
-            </a:r>
-          </a:p>
-          <a:p>
-            <a:pPr lvl="2"/>
-            <a:r>
-              <a:rPr lang="en-US" dirty="0"/>
-              <a:t>http://</a:t>
-            </a:r>
-            <a:r>
-              <a:rPr lang="en-US" dirty="0" smtClean="0"/>
-              <a:t>www.buildmypinnedsite.com/</a:t>
-            </a:r>
-            <a:endParaRPr lang="en-US" dirty="0"/>
-          </a:p>
-        </p:txBody>
-      </p:sp>
-    </p:spTree>
-    <p:extLst>
-      <p:ext uri="{BB962C8B-B14F-4D97-AF65-F5344CB8AC3E}">
-        <p14:creationId xmlns:p14="http://schemas.microsoft.com/office/powerpoint/2010/main" val="1452181934"/>
-      </p:ext>
-    </p:extLst>
-  </p:cSld>
-  <p:clrMapOvr>
-    <a:masterClrMapping/>
-  </p:clrMapOvr>
-  <p:timing>
-    <p:tnLst>
-      <p:par>
-        <p:cTn id="1" dur="indefinite" restart="never" nodeType="tmRoot"/>
-      </p:par>
-    </p:tnLst>
-  </p:timing>
-</p:sld>
-</file>
-
-<file path=ppt/slides/slide34.xml><?xml version="1.0" encoding="utf-8"?>
-<p:sld xmlns:a="http://schemas.openxmlformats.org/drawingml/2006/main" xmlns:r="http://schemas.openxmlformats.org/officeDocument/2006/relationships" xmlns:p="http://schemas.openxmlformats.org/presentationml/2006/main">
-  <p:cSld>
-    <p:spTree>
-      <p:nvGrpSpPr>
-        <p:cNvPr id="1" name=""/>
-        <p:cNvGrpSpPr/>
-        <p:nvPr/>
-      </p:nvGrpSpPr>
-      <p:grpSpPr>
-        <a:xfrm>
-          <a:off x="0" y="0"/>
-          <a:ext cx="0" cy="0"/>
-          <a:chOff x="0" y="0"/>
-          <a:chExt cx="0" cy="0"/>
-        </a:xfrm>
-      </p:grpSpPr>
-      <p:sp>
-        <p:nvSpPr>
-          <p:cNvPr id="4" name="Title 3"/>
-          <p:cNvSpPr>
-            <a:spLocks noGrp="1"/>
-          </p:cNvSpPr>
-          <p:nvPr>
-            <p:ph type="title"/>
-          </p:nvPr>
-        </p:nvSpPr>
-        <p:spPr/>
-        <p:txBody>
-          <a:bodyPr/>
-          <a:lstStyle/>
-          <a:p>
-            <a:r>
-              <a:rPr lang="en-US" dirty="0" smtClean="0"/>
-              <a:t>Live tiles</a:t>
-            </a:r>
-            <a:endParaRPr lang="en-US" dirty="0"/>
-          </a:p>
-        </p:txBody>
-      </p:sp>
-    </p:spTree>
-    <p:extLst>
-      <p:ext uri="{BB962C8B-B14F-4D97-AF65-F5344CB8AC3E}">
-        <p14:creationId xmlns:p14="http://schemas.microsoft.com/office/powerpoint/2010/main" val="1591606619"/>
-      </p:ext>
-    </p:extLst>
-  </p:cSld>
-  <p:clrMapOvr>
-    <a:masterClrMapping/>
-  </p:clrMapOvr>
-  <p:timing>
-    <p:tnLst>
-      <p:par>
-        <p:cTn id="1" dur="indefinite" restart="never" nodeType="tmRoot"/>
-      </p:par>
-    </p:tnLst>
-  </p:timing>
-</p:sld>
-</file>
-
-<file path=ppt/slides/slide35.xml><?xml version="1.0" encoding="utf-8"?>
-<p:sld xmlns:a="http://schemas.openxmlformats.org/drawingml/2006/main" xmlns:r="http://schemas.openxmlformats.org/officeDocument/2006/relationships" xmlns:p="http://schemas.openxmlformats.org/presentationml/2006/main">
-  <p:cSld>
-    <p:spTree>
-      <p:nvGrpSpPr>
-        <p:cNvPr id="1" name=""/>
-        <p:cNvGrpSpPr/>
-        <p:nvPr/>
-      </p:nvGrpSpPr>
-      <p:grpSpPr>
-        <a:xfrm>
-          <a:off x="0" y="0"/>
-          <a:ext cx="0" cy="0"/>
-          <a:chOff x="0" y="0"/>
-          <a:chExt cx="0" cy="0"/>
-        </a:xfrm>
-      </p:grpSpPr>
-      <p:sp>
-        <p:nvSpPr>
-          <p:cNvPr id="2" name="Title 1"/>
-          <p:cNvSpPr>
-            <a:spLocks noGrp="1"/>
-          </p:cNvSpPr>
-          <p:nvPr>
-            <p:ph type="title"/>
-          </p:nvPr>
-        </p:nvSpPr>
-        <p:spPr/>
-        <p:txBody>
-          <a:bodyPr/>
-          <a:lstStyle/>
-          <a:p>
-            <a:r>
-              <a:rPr lang="en-US" dirty="0" smtClean="0"/>
-              <a:t>Frayed Knot App</a:t>
-            </a:r>
-            <a:endParaRPr lang="en-US" dirty="0"/>
-          </a:p>
-        </p:txBody>
-      </p:sp>
-    </p:spTree>
-    <p:extLst>
-      <p:ext uri="{BB962C8B-B14F-4D97-AF65-F5344CB8AC3E}">
-        <p14:creationId xmlns:p14="http://schemas.microsoft.com/office/powerpoint/2010/main" val="3105802328"/>
-      </p:ext>
-    </p:extLst>
-  </p:cSld>
-  <p:clrMapOvr>
-    <a:masterClrMapping/>
-  </p:clrMapOvr>
-  <p:timing>
-    <p:tnLst>
-      <p:par>
-        <p:cTn id="1" dur="indefinite" restart="never" nodeType="tmRoot"/>
-      </p:par>
-    </p:tnLst>
-  </p:timing>
-</p:sld>
-</file>
-
-<file path=ppt/slides/slide36.xml><?xml version="1.0" encoding="utf-8"?>
-<p:sld xmlns:a="http://schemas.openxmlformats.org/drawingml/2006/main" xmlns:r="http://schemas.openxmlformats.org/officeDocument/2006/relationships" xmlns:p="http://schemas.openxmlformats.org/presentationml/2006/main">
-  <p:cSld>
-    <p:spTree>
-      <p:nvGrpSpPr>
-        <p:cNvPr id="1" name=""/>
-        <p:cNvGrpSpPr/>
-        <p:nvPr/>
-      </p:nvGrpSpPr>
-      <p:grpSpPr>
-        <a:xfrm>
-          <a:off x="0" y="0"/>
-          <a:ext cx="0" cy="0"/>
-          <a:chOff x="0" y="0"/>
-          <a:chExt cx="0" cy="0"/>
-        </a:xfrm>
-      </p:grpSpPr>
-    </p:spTree>
-    <p:extLst>
-      <p:ext uri="{BB962C8B-B14F-4D97-AF65-F5344CB8AC3E}">
-        <p14:creationId xmlns:p14="http://schemas.microsoft.com/office/powerpoint/2010/main" val="898363405"/>
-      </p:ext>
-    </p:extLst>
-  </p:cSld>
-  <p:clrMapOvr>
-    <a:masterClrMapping/>
-  </p:clrMapOvr>
-  <p:timing>
-    <p:tnLst>
-      <p:par>
-        <p:cTn id="1" dur="indefinite" restart="never" nodeType="tmRoot"/>
-      </p:par>
-    </p:tnLst>
-  </p:timing>
-</p:sld>
-</file>
-
-<file path=ppt/slides/slide4.xml><?xml version="1.0" encoding="utf-8"?>
-<p:sld xmlns:a="http://schemas.openxmlformats.org/drawingml/2006/main" xmlns:r="http://schemas.openxmlformats.org/officeDocument/2006/relationships" xmlns:p="http://schemas.openxmlformats.org/presentationml/2006/main">
-  <p:cSld>
-    <p:spTree>
-      <p:nvGrpSpPr>
-        <p:cNvPr id="1" name=""/>
-        <p:cNvGrpSpPr/>
-        <p:nvPr/>
-      </p:nvGrpSpPr>
-      <p:grpSpPr>
-        <a:xfrm>
-          <a:off x="0" y="0"/>
-          <a:ext cx="0" cy="0"/>
-          <a:chOff x="0" y="0"/>
-          <a:chExt cx="0" cy="0"/>
-        </a:xfrm>
-      </p:grpSpPr>
-      <p:sp>
-        <p:nvSpPr>
-          <p:cNvPr id="7" name="Content Placeholder 6"/>
-          <p:cNvSpPr>
-            <a:spLocks noGrp="1"/>
-          </p:cNvSpPr>
-          <p:nvPr>
-            <p:ph sz="quarter" idx="10"/>
-          </p:nvPr>
-        </p:nvSpPr>
-        <p:spPr/>
-        <p:txBody>
-          <a:bodyPr>
-            <a:normAutofit/>
-          </a:bodyPr>
-          <a:lstStyle/>
-          <a:p>
-            <a:r>
-              <a:rPr lang="en-GB" dirty="0" smtClean="0"/>
-              <a:t>CSS and media queries</a:t>
-            </a:r>
-          </a:p>
-          <a:p>
-            <a:r>
-              <a:rPr lang="en-GB" dirty="0" smtClean="0"/>
-              <a:t>Bootstrap</a:t>
-            </a:r>
-          </a:p>
-          <a:p>
-            <a:r>
-              <a:rPr lang="en-GB" dirty="0" smtClean="0"/>
-              <a:t>Images</a:t>
-            </a:r>
-          </a:p>
-          <a:p>
-            <a:r>
-              <a:rPr lang="en-GB" dirty="0" smtClean="0"/>
-              <a:t>Mimicking Apps</a:t>
-            </a:r>
-          </a:p>
-        </p:txBody>
-      </p:sp>
-      <p:sp>
-        <p:nvSpPr>
-          <p:cNvPr id="2" name="Title 1"/>
-          <p:cNvSpPr>
-            <a:spLocks noGrp="1"/>
-          </p:cNvSpPr>
-          <p:nvPr>
-            <p:ph type="title"/>
-          </p:nvPr>
-        </p:nvSpPr>
-        <p:spPr/>
-        <p:txBody>
-          <a:bodyPr/>
-          <a:lstStyle/>
-          <a:p>
-            <a:r>
-              <a:rPr lang="en-US" smtClean="0"/>
-              <a:t>Module Overview</a:t>
-            </a:r>
-            <a:endParaRPr lang="en-US" dirty="0"/>
-          </a:p>
-        </p:txBody>
-      </p:sp>
-    </p:spTree>
-    <p:extLst>
-      <p:ext uri="{BB962C8B-B14F-4D97-AF65-F5344CB8AC3E}">
-        <p14:creationId xmlns:p14="http://schemas.microsoft.com/office/powerpoint/2010/main" val="1284220802"/>
-      </p:ext>
-    </p:extLst>
-  </p:cSld>
-  <p:clrMapOvr>
-    <a:masterClrMapping/>
-  </p:clrMapOvr>
-  <p:timing>
-    <p:tnLst>
-      <p:par>
-        <p:cTn id="1" dur="indefinite" restart="never" nodeType="tmRoot"/>
-      </p:par>
-    </p:tnLst>
-  </p:timing>
-</p:sld>
-</file>
-
-<file path=ppt/slides/slide5.xml><?xml version="1.0" encoding="utf-8"?>
-<p:sld xmlns:a="http://schemas.openxmlformats.org/drawingml/2006/main" xmlns:r="http://schemas.openxmlformats.org/officeDocument/2006/relationships" xmlns:p="http://schemas.openxmlformats.org/presentationml/2006/main">
-  <p:cSld>
-    <p:spTree>
-      <p:nvGrpSpPr>
-        <p:cNvPr id="1" name=""/>
-        <p:cNvGrpSpPr/>
-        <p:nvPr/>
-      </p:nvGrpSpPr>
-      <p:grpSpPr>
-        <a:xfrm>
-          <a:off x="0" y="0"/>
-          <a:ext cx="0" cy="0"/>
-          <a:chOff x="0" y="0"/>
-          <a:chExt cx="0" cy="0"/>
-        </a:xfrm>
-      </p:grpSpPr>
-      <p:sp>
-        <p:nvSpPr>
-          <p:cNvPr id="2" name="Text Placeholder 1"/>
-          <p:cNvSpPr>
-            <a:spLocks noGrp="1"/>
-          </p:cNvSpPr>
-          <p:nvPr>
-            <p:ph type="body" sz="quarter" idx="10"/>
-          </p:nvPr>
-        </p:nvSpPr>
-        <p:spPr/>
-        <p:txBody>
-          <a:bodyPr/>
-          <a:lstStyle/>
-          <a:p>
-            <a:r>
-              <a:rPr lang="en-US" dirty="0" smtClean="0"/>
-              <a:t>CSS and media queries</a:t>
-            </a:r>
-            <a:endParaRPr lang="en-US" dirty="0"/>
-          </a:p>
-        </p:txBody>
-      </p:sp>
-      <p:sp>
-        <p:nvSpPr>
-          <p:cNvPr id="3" name="Subtitle 2"/>
-          <p:cNvSpPr>
-            <a:spLocks noGrp="1"/>
-          </p:cNvSpPr>
-          <p:nvPr>
-            <p:ph type="subTitle" idx="1"/>
-          </p:nvPr>
-        </p:nvSpPr>
-        <p:spPr/>
-        <p:txBody>
-          <a:bodyPr/>
-          <a:lstStyle/>
-          <a:p>
-            <a:endParaRPr lang="en-US" dirty="0"/>
-          </a:p>
-        </p:txBody>
-      </p:sp>
-    </p:spTree>
-    <p:extLst>
-      <p:ext uri="{BB962C8B-B14F-4D97-AF65-F5344CB8AC3E}">
-        <p14:creationId xmlns:p14="http://schemas.microsoft.com/office/powerpoint/2010/main" val="3729075762"/>
-      </p:ext>
-    </p:extLst>
-  </p:cSld>
-  <p:clrMapOvr>
-    <a:masterClrMapping/>
-  </p:clrMapOvr>
-  <p:timing>
-    <p:tnLst>
-      <p:par>
-        <p:cTn id="1" dur="indefinite" restart="never" nodeType="tmRoot"/>
-      </p:par>
-    </p:tnLst>
-  </p:timing>
-</p:sld>
-</file>
-
-<file path=ppt/slides/slide6.xml><?xml version="1.0" encoding="utf-8"?>
-<p:sld xmlns:a="http://schemas.openxmlformats.org/drawingml/2006/main" xmlns:r="http://schemas.openxmlformats.org/officeDocument/2006/relationships" xmlns:p="http://schemas.openxmlformats.org/presentationml/2006/main">
-  <p:cSld>
-    <p:spTree>
-      <p:nvGrpSpPr>
-        <p:cNvPr id="1" name=""/>
-        <p:cNvGrpSpPr/>
-        <p:nvPr/>
-      </p:nvGrpSpPr>
-      <p:grpSpPr>
-        <a:xfrm>
-          <a:off x="0" y="0"/>
-          <a:ext cx="0" cy="0"/>
-          <a:chOff x="0" y="0"/>
-          <a:chExt cx="0" cy="0"/>
-        </a:xfrm>
-      </p:grpSpPr>
-      <p:sp>
-        <p:nvSpPr>
-          <p:cNvPr id="4" name="Title 3"/>
-          <p:cNvSpPr>
-            <a:spLocks noGrp="1"/>
-          </p:cNvSpPr>
-          <p:nvPr>
-            <p:ph type="title"/>
-          </p:nvPr>
-        </p:nvSpPr>
-        <p:spPr/>
-        <p:txBody>
-          <a:bodyPr/>
-          <a:lstStyle/>
-          <a:p>
-            <a:r>
-              <a:rPr lang="en-US" dirty="0" smtClean="0"/>
-              <a:t>Browser detection</a:t>
-            </a:r>
-            <a:endParaRPr lang="en-US" dirty="0"/>
-          </a:p>
-        </p:txBody>
-      </p:sp>
-      <p:sp>
-        <p:nvSpPr>
-          <p:cNvPr id="5" name="Content Placeholder 4"/>
-          <p:cNvSpPr>
-            <a:spLocks noGrp="1"/>
-          </p:cNvSpPr>
-          <p:nvPr>
-            <p:ph sz="quarter" idx="10"/>
-          </p:nvPr>
-        </p:nvSpPr>
-        <p:spPr/>
-        <p:txBody>
-          <a:bodyPr/>
-          <a:lstStyle/>
-          <a:p>
-            <a:r>
-              <a:rPr lang="en-US" dirty="0" smtClean="0"/>
-              <a:t>Challenging at best</a:t>
-            </a:r>
-          </a:p>
-          <a:p>
-            <a:pPr lvl="1"/>
-            <a:r>
-              <a:rPr lang="en-US" dirty="0" smtClean="0"/>
-              <a:t>User agent strings can be misleading</a:t>
-            </a:r>
-          </a:p>
-          <a:p>
-            <a:pPr lvl="1"/>
-            <a:r>
-              <a:rPr lang="en-US" dirty="0" smtClean="0"/>
-              <a:t>User agent strings can be spoofed</a:t>
-            </a:r>
-          </a:p>
-          <a:p>
-            <a:r>
-              <a:rPr lang="en-US" dirty="0" smtClean="0"/>
-              <a:t>Use a library</a:t>
-            </a:r>
-          </a:p>
-          <a:p>
-            <a:pPr lvl="1"/>
-            <a:r>
-              <a:rPr lang="en-US" dirty="0" smtClean="0"/>
-              <a:t>UA.js</a:t>
-            </a:r>
-          </a:p>
-          <a:p>
-            <a:pPr lvl="2"/>
-            <a:r>
-              <a:rPr lang="en-US" dirty="0"/>
-              <a:t>https://github.com/g13n/ua.js</a:t>
-            </a:r>
-            <a:endParaRPr lang="en-US" dirty="0" smtClean="0"/>
-          </a:p>
-        </p:txBody>
-      </p:sp>
-    </p:spTree>
-    <p:extLst>
-      <p:ext uri="{BB962C8B-B14F-4D97-AF65-F5344CB8AC3E}">
-        <p14:creationId xmlns:p14="http://schemas.microsoft.com/office/powerpoint/2010/main" val="2662582982"/>
-      </p:ext>
-    </p:extLst>
-  </p:cSld>
-  <p:clrMapOvr>
-    <a:masterClrMapping/>
-  </p:clrMapOvr>
-  <p:timing>
-    <p:tnLst>
-      <p:par>
-        <p:cTn id="1" dur="indefinite" restart="never" nodeType="tmRoot"/>
-      </p:par>
-    </p:tnLst>
-  </p:timing>
-</p:sld>
-</file>
-
-<file path=ppt/slides/slide7.xml><?xml version="1.0" encoding="utf-8"?>
-<p:sld xmlns:a="http://schemas.openxmlformats.org/drawingml/2006/main" xmlns:r="http://schemas.openxmlformats.org/officeDocument/2006/relationships" xmlns:p="http://schemas.openxmlformats.org/presentationml/2006/main">
-  <p:cSld>
-    <p:spTree>
-      <p:nvGrpSpPr>
-        <p:cNvPr id="1" name=""/>
-        <p:cNvGrpSpPr/>
-        <p:nvPr/>
-      </p:nvGrpSpPr>
-      <p:grpSpPr>
-        <a:xfrm>
-          <a:off x="0" y="0"/>
-          <a:ext cx="0" cy="0"/>
-          <a:chOff x="0" y="0"/>
-          <a:chExt cx="0" cy="0"/>
-        </a:xfrm>
-      </p:grpSpPr>
-      <p:sp>
-        <p:nvSpPr>
-          <p:cNvPr id="2" name="Title 1"/>
-          <p:cNvSpPr>
-            <a:spLocks noGrp="1"/>
-          </p:cNvSpPr>
-          <p:nvPr>
-            <p:ph type="title"/>
-          </p:nvPr>
-        </p:nvSpPr>
-        <p:spPr/>
-        <p:txBody>
-          <a:bodyPr/>
-          <a:lstStyle/>
-          <a:p>
-            <a:r>
-              <a:rPr lang="en-US" dirty="0" smtClean="0"/>
-              <a:t>30 second CSS review</a:t>
-            </a:r>
-            <a:endParaRPr lang="en-US" dirty="0"/>
-          </a:p>
-        </p:txBody>
-      </p:sp>
-      <p:sp>
-        <p:nvSpPr>
-          <p:cNvPr id="3" name="Content Placeholder 2"/>
-          <p:cNvSpPr>
-            <a:spLocks noGrp="1"/>
-          </p:cNvSpPr>
-          <p:nvPr>
-            <p:ph sz="quarter" idx="10"/>
-          </p:nvPr>
-        </p:nvSpPr>
-        <p:spPr/>
-        <p:txBody>
-          <a:bodyPr/>
-          <a:lstStyle/>
-          <a:p>
-            <a:r>
-              <a:rPr lang="en-US" dirty="0" smtClean="0"/>
-              <a:t>Cascading style sheets</a:t>
-            </a:r>
-          </a:p>
-          <a:p>
-            <a:pPr lvl="1"/>
-            <a:r>
-              <a:rPr lang="en-US" dirty="0" smtClean="0"/>
-              <a:t>Higher precedence for best matches</a:t>
-            </a:r>
-          </a:p>
-          <a:p>
-            <a:pPr lvl="2"/>
-            <a:r>
-              <a:rPr lang="en-US" dirty="0" smtClean="0"/>
-              <a:t>ID</a:t>
-            </a:r>
-          </a:p>
-          <a:p>
-            <a:pPr lvl="2"/>
-            <a:r>
-              <a:rPr lang="en-US" dirty="0" smtClean="0"/>
-              <a:t>Class</a:t>
-            </a:r>
-          </a:p>
-          <a:p>
-            <a:pPr lvl="2"/>
-            <a:r>
-              <a:rPr lang="en-US" dirty="0" smtClean="0"/>
-              <a:t>Element</a:t>
-            </a:r>
-            <a:endParaRPr lang="en-US" dirty="0"/>
-          </a:p>
-          <a:p>
-            <a:pPr lvl="1"/>
-            <a:r>
-              <a:rPr lang="en-US" dirty="0" smtClean="0"/>
-              <a:t>Last write wins</a:t>
-            </a:r>
-            <a:endParaRPr lang="en-US" dirty="0"/>
-          </a:p>
-        </p:txBody>
-      </p:sp>
-    </p:spTree>
-    <p:extLst>
-      <p:ext uri="{BB962C8B-B14F-4D97-AF65-F5344CB8AC3E}">
-        <p14:creationId xmlns:p14="http://schemas.microsoft.com/office/powerpoint/2010/main" val="3893462293"/>
-      </p:ext>
-    </p:extLst>
-  </p:cSld>
-  <p:clrMapOvr>
-    <a:masterClrMapping/>
-  </p:clrMapOvr>
-  <p:timing>
-    <p:tnLst>
-      <p:par>
-        <p:cTn id="1" dur="indefinite" restart="never" nodeType="tmRoot"/>
-      </p:par>
-    </p:tnLst>
-  </p:timing>
-</p:sld>
-</file>
-
-<file path=ppt/slides/slide8.xml><?xml version="1.0" encoding="utf-8"?>
-<p:sld xmlns:a="http://schemas.openxmlformats.org/drawingml/2006/main" xmlns:r="http://schemas.openxmlformats.org/officeDocument/2006/relationships" xmlns:p="http://schemas.openxmlformats.org/presentationml/2006/main">
-  <p:cSld>
-    <p:spTree>
-      <p:nvGrpSpPr>
-        <p:cNvPr id="1" name=""/>
-        <p:cNvGrpSpPr/>
-        <p:nvPr/>
-      </p:nvGrpSpPr>
-      <p:grpSpPr>
-        <a:xfrm>
-          <a:off x="0" y="0"/>
-          <a:ext cx="0" cy="0"/>
-          <a:chOff x="0" y="0"/>
-          <a:chExt cx="0" cy="0"/>
-        </a:xfrm>
-      </p:grpSpPr>
-      <p:sp>
-        <p:nvSpPr>
-          <p:cNvPr id="2" name="Title 1"/>
-          <p:cNvSpPr>
-            <a:spLocks noGrp="1"/>
-          </p:cNvSpPr>
-          <p:nvPr>
-            <p:ph type="title"/>
-          </p:nvPr>
-        </p:nvSpPr>
-        <p:spPr/>
-        <p:txBody>
-          <a:bodyPr/>
-          <a:lstStyle/>
-          <a:p>
-            <a:r>
-              <a:rPr lang="en-US" dirty="0" smtClean="0"/>
               <a:t>Media queries</a:t>
             </a:r>
             <a:endParaRPr lang="en-US" dirty="0"/>
@@ -10485,7 +6887,7 @@
 </p:sld>
 </file>
 
-<file path=ppt/slides/slide9.xml><?xml version="1.0" encoding="utf-8"?>
+<file path=ppt/slides/slide11.xml><?xml version="1.0" encoding="utf-8"?>
 <p:sld xmlns:a="http://schemas.openxmlformats.org/drawingml/2006/main" xmlns:r="http://schemas.openxmlformats.org/officeDocument/2006/relationships" xmlns:p="http://schemas.openxmlformats.org/presentationml/2006/main">
   <p:cSld>
     <p:spTree>
@@ -10807,6 +7209,3746 @@
             </p:seq>
           </p:childTnLst>
         </p:cTn>
+      </p:par>
+    </p:tnLst>
+  </p:timing>
+</p:sld>
+</file>
+
+<file path=ppt/slides/slide12.xml><?xml version="1.0" encoding="utf-8"?>
+<p:sld xmlns:a="http://schemas.openxmlformats.org/drawingml/2006/main" xmlns:r="http://schemas.openxmlformats.org/officeDocument/2006/relationships" xmlns:p="http://schemas.openxmlformats.org/presentationml/2006/main">
+  <p:cSld>
+    <p:spTree>
+      <p:nvGrpSpPr>
+        <p:cNvPr id="1" name=""/>
+        <p:cNvGrpSpPr/>
+        <p:nvPr/>
+      </p:nvGrpSpPr>
+      <p:grpSpPr>
+        <a:xfrm>
+          <a:off x="0" y="0"/>
+          <a:ext cx="0" cy="0"/>
+          <a:chOff x="0" y="0"/>
+          <a:chExt cx="0" cy="0"/>
+        </a:xfrm>
+      </p:grpSpPr>
+      <p:sp>
+        <p:nvSpPr>
+          <p:cNvPr id="2" name="Title 1"/>
+          <p:cNvSpPr>
+            <a:spLocks noGrp="1"/>
+          </p:cNvSpPr>
+          <p:nvPr>
+            <p:ph type="title"/>
+          </p:nvPr>
+        </p:nvSpPr>
+        <p:spPr/>
+        <p:txBody>
+          <a:bodyPr/>
+          <a:lstStyle/>
+          <a:p>
+            <a:r>
+              <a:rPr lang="en-US" dirty="0" smtClean="0"/>
+              <a:t>Orientation</a:t>
+            </a:r>
+            <a:endParaRPr lang="en-US" dirty="0"/>
+          </a:p>
+        </p:txBody>
+      </p:sp>
+      <p:sp>
+        <p:nvSpPr>
+          <p:cNvPr id="3" name="Content Placeholder 2"/>
+          <p:cNvSpPr>
+            <a:spLocks noGrp="1"/>
+          </p:cNvSpPr>
+          <p:nvPr>
+            <p:ph sz="quarter" idx="10"/>
+          </p:nvPr>
+        </p:nvSpPr>
+        <p:spPr/>
+        <p:txBody>
+          <a:bodyPr/>
+          <a:lstStyle/>
+          <a:p>
+            <a:r>
+              <a:rPr lang="en-US" dirty="0" smtClean="0"/>
+              <a:t>Portrait</a:t>
+            </a:r>
+          </a:p>
+          <a:p>
+            <a:endParaRPr lang="en-US" dirty="0" smtClean="0"/>
+          </a:p>
+          <a:p>
+            <a:endParaRPr lang="en-US" dirty="0"/>
+          </a:p>
+          <a:p>
+            <a:endParaRPr lang="en-US" dirty="0" smtClean="0"/>
+          </a:p>
+          <a:p>
+            <a:r>
+              <a:rPr lang="en-US" dirty="0" smtClean="0"/>
+              <a:t>Landscape</a:t>
+            </a:r>
+          </a:p>
+        </p:txBody>
+      </p:sp>
+      <p:sp>
+        <p:nvSpPr>
+          <p:cNvPr id="4" name="Rectangle 3"/>
+          <p:cNvSpPr/>
+          <p:nvPr/>
+        </p:nvSpPr>
+        <p:spPr>
+          <a:xfrm>
+            <a:off x="1265275" y="2077029"/>
+            <a:ext cx="1286540" cy="1956391"/>
+          </a:xfrm>
+          <a:prstGeom prst="rect">
+            <a:avLst/>
+          </a:prstGeom>
+        </p:spPr>
+        <p:style>
+          <a:lnRef idx="2">
+            <a:schemeClr val="accent1">
+              <a:shade val="50000"/>
+            </a:schemeClr>
+          </a:lnRef>
+          <a:fillRef idx="1">
+            <a:schemeClr val="accent1"/>
+          </a:fillRef>
+          <a:effectRef idx="0">
+            <a:schemeClr val="accent1"/>
+          </a:effectRef>
+          <a:fontRef idx="minor">
+            <a:schemeClr val="lt1"/>
+          </a:fontRef>
+        </p:style>
+        <p:txBody>
+          <a:bodyPr rtlCol="0" anchor="ctr"/>
+          <a:lstStyle/>
+          <a:p>
+            <a:pPr algn="ctr"/>
+            <a:endParaRPr lang="en-US"/>
+          </a:p>
+        </p:txBody>
+      </p:sp>
+      <p:sp>
+        <p:nvSpPr>
+          <p:cNvPr id="5" name="Rectangle 4"/>
+          <p:cNvSpPr/>
+          <p:nvPr/>
+        </p:nvSpPr>
+        <p:spPr>
+          <a:xfrm rot="5400000">
+            <a:off x="1265274" y="4387298"/>
+            <a:ext cx="1286540" cy="1956391"/>
+          </a:xfrm>
+          <a:prstGeom prst="rect">
+            <a:avLst/>
+          </a:prstGeom>
+        </p:spPr>
+        <p:style>
+          <a:lnRef idx="2">
+            <a:schemeClr val="accent1">
+              <a:shade val="50000"/>
+            </a:schemeClr>
+          </a:lnRef>
+          <a:fillRef idx="1">
+            <a:schemeClr val="accent1"/>
+          </a:fillRef>
+          <a:effectRef idx="0">
+            <a:schemeClr val="accent1"/>
+          </a:effectRef>
+          <a:fontRef idx="minor">
+            <a:schemeClr val="lt1"/>
+          </a:fontRef>
+        </p:style>
+        <p:txBody>
+          <a:bodyPr rtlCol="0" anchor="ctr"/>
+          <a:lstStyle/>
+          <a:p>
+            <a:pPr algn="ctr"/>
+            <a:endParaRPr lang="en-US"/>
+          </a:p>
+        </p:txBody>
+      </p:sp>
+    </p:spTree>
+    <p:extLst>
+      <p:ext uri="{BB962C8B-B14F-4D97-AF65-F5344CB8AC3E}">
+        <p14:creationId xmlns:p14="http://schemas.microsoft.com/office/powerpoint/2010/main" val="2013922320"/>
+      </p:ext>
+    </p:extLst>
+  </p:cSld>
+  <p:clrMapOvr>
+    <a:masterClrMapping/>
+  </p:clrMapOvr>
+  <p:timing>
+    <p:tnLst>
+      <p:par>
+        <p:cTn id="1" dur="indefinite" restart="never" nodeType="tmRoot"/>
+      </p:par>
+    </p:tnLst>
+  </p:timing>
+</p:sld>
+</file>
+
+<file path=ppt/slides/slide13.xml><?xml version="1.0" encoding="utf-8"?>
+<p:sld xmlns:a="http://schemas.openxmlformats.org/drawingml/2006/main" xmlns:r="http://schemas.openxmlformats.org/officeDocument/2006/relationships" xmlns:p="http://schemas.openxmlformats.org/presentationml/2006/main">
+  <p:cSld>
+    <p:spTree>
+      <p:nvGrpSpPr>
+        <p:cNvPr id="1" name=""/>
+        <p:cNvGrpSpPr/>
+        <p:nvPr/>
+      </p:nvGrpSpPr>
+      <p:grpSpPr>
+        <a:xfrm>
+          <a:off x="0" y="0"/>
+          <a:ext cx="0" cy="0"/>
+          <a:chOff x="0" y="0"/>
+          <a:chExt cx="0" cy="0"/>
+        </a:xfrm>
+      </p:grpSpPr>
+      <p:sp>
+        <p:nvSpPr>
+          <p:cNvPr id="2" name="Title 1"/>
+          <p:cNvSpPr>
+            <a:spLocks noGrp="1"/>
+          </p:cNvSpPr>
+          <p:nvPr>
+            <p:ph type="title"/>
+          </p:nvPr>
+        </p:nvSpPr>
+        <p:spPr/>
+        <p:txBody>
+          <a:bodyPr/>
+          <a:lstStyle/>
+          <a:p>
+            <a:r>
+              <a:rPr lang="en-US" dirty="0" smtClean="0"/>
+              <a:t>Size</a:t>
+            </a:r>
+            <a:endParaRPr lang="en-US" dirty="0"/>
+          </a:p>
+        </p:txBody>
+      </p:sp>
+      <p:sp>
+        <p:nvSpPr>
+          <p:cNvPr id="3" name="Content Placeholder 2"/>
+          <p:cNvSpPr>
+            <a:spLocks noGrp="1"/>
+          </p:cNvSpPr>
+          <p:nvPr>
+            <p:ph sz="quarter" idx="10"/>
+          </p:nvPr>
+        </p:nvSpPr>
+        <p:spPr/>
+        <p:txBody>
+          <a:bodyPr/>
+          <a:lstStyle/>
+          <a:p>
+            <a:r>
+              <a:rPr lang="en-US" dirty="0" smtClean="0"/>
+              <a:t>Width and height</a:t>
+            </a:r>
+          </a:p>
+          <a:p>
+            <a:pPr lvl="1"/>
+            <a:r>
+              <a:rPr lang="en-US" dirty="0" smtClean="0"/>
+              <a:t>Size of the current window</a:t>
+            </a:r>
+          </a:p>
+          <a:p>
+            <a:r>
+              <a:rPr lang="en-US" dirty="0" smtClean="0"/>
+              <a:t>Device-width and device-height</a:t>
+            </a:r>
+          </a:p>
+          <a:p>
+            <a:pPr lvl="1"/>
+            <a:r>
+              <a:rPr lang="en-US" dirty="0" smtClean="0"/>
+              <a:t>Size of the current device</a:t>
+            </a:r>
+          </a:p>
+          <a:p>
+            <a:r>
+              <a:rPr lang="en-US" dirty="0" smtClean="0"/>
+              <a:t>Max and min modifiers</a:t>
+            </a:r>
+            <a:endParaRPr lang="en-US" dirty="0"/>
+          </a:p>
+        </p:txBody>
+      </p:sp>
+    </p:spTree>
+    <p:extLst>
+      <p:ext uri="{BB962C8B-B14F-4D97-AF65-F5344CB8AC3E}">
+        <p14:creationId xmlns:p14="http://schemas.microsoft.com/office/powerpoint/2010/main" val="4032747531"/>
+      </p:ext>
+    </p:extLst>
+  </p:cSld>
+  <p:clrMapOvr>
+    <a:masterClrMapping/>
+  </p:clrMapOvr>
+  <p:timing>
+    <p:tnLst>
+      <p:par>
+        <p:cTn id="1" dur="indefinite" restart="never" nodeType="tmRoot"/>
+      </p:par>
+    </p:tnLst>
+  </p:timing>
+</p:sld>
+</file>
+
+<file path=ppt/slides/slide14.xml><?xml version="1.0" encoding="utf-8"?>
+<p:sld xmlns:a="http://schemas.openxmlformats.org/drawingml/2006/main" xmlns:r="http://schemas.openxmlformats.org/officeDocument/2006/relationships" xmlns:p="http://schemas.openxmlformats.org/presentationml/2006/main">
+  <p:cSld>
+    <p:spTree>
+      <p:nvGrpSpPr>
+        <p:cNvPr id="1" name=""/>
+        <p:cNvGrpSpPr/>
+        <p:nvPr/>
+      </p:nvGrpSpPr>
+      <p:grpSpPr>
+        <a:xfrm>
+          <a:off x="0" y="0"/>
+          <a:ext cx="0" cy="0"/>
+          <a:chOff x="0" y="0"/>
+          <a:chExt cx="0" cy="0"/>
+        </a:xfrm>
+      </p:grpSpPr>
+      <p:sp>
+        <p:nvSpPr>
+          <p:cNvPr id="2" name="Title 1"/>
+          <p:cNvSpPr>
+            <a:spLocks noGrp="1"/>
+          </p:cNvSpPr>
+          <p:nvPr>
+            <p:ph type="title"/>
+          </p:nvPr>
+        </p:nvSpPr>
+        <p:spPr/>
+        <p:txBody>
+          <a:bodyPr/>
+          <a:lstStyle/>
+          <a:p>
+            <a:r>
+              <a:rPr lang="en-US" dirty="0" smtClean="0"/>
+              <a:t>Using media queries</a:t>
+            </a:r>
+            <a:endParaRPr lang="en-US" dirty="0"/>
+          </a:p>
+        </p:txBody>
+      </p:sp>
+      <p:sp>
+        <p:nvSpPr>
+          <p:cNvPr id="3" name="Content Placeholder 2"/>
+          <p:cNvSpPr>
+            <a:spLocks noGrp="1"/>
+          </p:cNvSpPr>
+          <p:nvPr>
+            <p:ph sz="quarter" idx="10"/>
+          </p:nvPr>
+        </p:nvSpPr>
+        <p:spPr/>
+        <p:txBody>
+          <a:bodyPr/>
+          <a:lstStyle/>
+          <a:p>
+            <a:r>
+              <a:rPr lang="en-US" dirty="0" smtClean="0"/>
+              <a:t>Remember cascading rules</a:t>
+            </a:r>
+          </a:p>
+          <a:p>
+            <a:pPr lvl="1"/>
+            <a:r>
+              <a:rPr lang="en-US" dirty="0" smtClean="0"/>
+              <a:t>Higher precedence to best match</a:t>
+            </a:r>
+          </a:p>
+          <a:p>
+            <a:pPr lvl="1"/>
+            <a:r>
+              <a:rPr lang="en-US" dirty="0" smtClean="0"/>
+              <a:t>Media query sections override generic rules</a:t>
+            </a:r>
+          </a:p>
+          <a:p>
+            <a:r>
+              <a:rPr lang="en-US" dirty="0" smtClean="0"/>
+              <a:t>Ordering matters</a:t>
+            </a:r>
+          </a:p>
+          <a:p>
+            <a:pPr lvl="1"/>
+            <a:r>
+              <a:rPr lang="en-US" dirty="0" smtClean="0"/>
+              <a:t>Put global rules first</a:t>
+            </a:r>
+          </a:p>
+          <a:p>
+            <a:pPr lvl="1"/>
+            <a:r>
+              <a:rPr lang="en-US" dirty="0" smtClean="0"/>
+              <a:t>Smallest to largest or largest to smallest</a:t>
+            </a:r>
+            <a:endParaRPr lang="en-US" dirty="0"/>
+          </a:p>
+        </p:txBody>
+      </p:sp>
+    </p:spTree>
+    <p:extLst>
+      <p:ext uri="{BB962C8B-B14F-4D97-AF65-F5344CB8AC3E}">
+        <p14:creationId xmlns:p14="http://schemas.microsoft.com/office/powerpoint/2010/main" val="167428106"/>
+      </p:ext>
+    </p:extLst>
+  </p:cSld>
+  <p:clrMapOvr>
+    <a:masterClrMapping/>
+  </p:clrMapOvr>
+  <p:timing>
+    <p:tnLst>
+      <p:par>
+        <p:cTn id="1" dur="indefinite" restart="never" nodeType="tmRoot"/>
+      </p:par>
+    </p:tnLst>
+  </p:timing>
+</p:sld>
+</file>
+
+<file path=ppt/slides/slide15.xml><?xml version="1.0" encoding="utf-8"?>
+<p:sld xmlns:a="http://schemas.openxmlformats.org/drawingml/2006/main" xmlns:r="http://schemas.openxmlformats.org/officeDocument/2006/relationships" xmlns:p="http://schemas.openxmlformats.org/presentationml/2006/main">
+  <p:cSld>
+    <p:spTree>
+      <p:nvGrpSpPr>
+        <p:cNvPr id="1" name=""/>
+        <p:cNvGrpSpPr/>
+        <p:nvPr/>
+      </p:nvGrpSpPr>
+      <p:grpSpPr>
+        <a:xfrm>
+          <a:off x="0" y="0"/>
+          <a:ext cx="0" cy="0"/>
+          <a:chOff x="0" y="0"/>
+          <a:chExt cx="0" cy="0"/>
+        </a:xfrm>
+      </p:grpSpPr>
+      <p:sp>
+        <p:nvSpPr>
+          <p:cNvPr id="2" name="Title 1"/>
+          <p:cNvSpPr>
+            <a:spLocks noGrp="1"/>
+          </p:cNvSpPr>
+          <p:nvPr>
+            <p:ph type="title"/>
+          </p:nvPr>
+        </p:nvSpPr>
+        <p:spPr/>
+        <p:txBody>
+          <a:bodyPr/>
+          <a:lstStyle/>
+          <a:p>
+            <a:r>
+              <a:rPr lang="en-US" dirty="0" smtClean="0"/>
+              <a:t>Media queries</a:t>
+            </a:r>
+            <a:endParaRPr lang="en-US" dirty="0"/>
+          </a:p>
+        </p:txBody>
+      </p:sp>
+    </p:spTree>
+    <p:extLst>
+      <p:ext uri="{BB962C8B-B14F-4D97-AF65-F5344CB8AC3E}">
+        <p14:creationId xmlns:p14="http://schemas.microsoft.com/office/powerpoint/2010/main" val="1867365439"/>
+      </p:ext>
+    </p:extLst>
+  </p:cSld>
+  <p:clrMapOvr>
+    <a:masterClrMapping/>
+  </p:clrMapOvr>
+  <p:timing>
+    <p:tnLst>
+      <p:par>
+        <p:cTn id="1" dur="indefinite" restart="never" nodeType="tmRoot"/>
+      </p:par>
+    </p:tnLst>
+  </p:timing>
+</p:sld>
+</file>
+
+<file path=ppt/slides/slide16.xml><?xml version="1.0" encoding="utf-8"?>
+<p:sld xmlns:a="http://schemas.openxmlformats.org/drawingml/2006/main" xmlns:r="http://schemas.openxmlformats.org/officeDocument/2006/relationships" xmlns:p="http://schemas.openxmlformats.org/presentationml/2006/main">
+  <p:cSld>
+    <p:spTree>
+      <p:nvGrpSpPr>
+        <p:cNvPr id="1" name=""/>
+        <p:cNvGrpSpPr/>
+        <p:nvPr/>
+      </p:nvGrpSpPr>
+      <p:grpSpPr>
+        <a:xfrm>
+          <a:off x="0" y="0"/>
+          <a:ext cx="0" cy="0"/>
+          <a:chOff x="0" y="0"/>
+          <a:chExt cx="0" cy="0"/>
+        </a:xfrm>
+      </p:grpSpPr>
+      <p:sp>
+        <p:nvSpPr>
+          <p:cNvPr id="2" name="Text Placeholder 1"/>
+          <p:cNvSpPr>
+            <a:spLocks noGrp="1"/>
+          </p:cNvSpPr>
+          <p:nvPr>
+            <p:ph type="body" sz="quarter" idx="10"/>
+          </p:nvPr>
+        </p:nvSpPr>
+        <p:spPr/>
+        <p:txBody>
+          <a:bodyPr/>
+          <a:lstStyle/>
+          <a:p>
+            <a:r>
+              <a:rPr lang="en-US" dirty="0" smtClean="0"/>
+              <a:t>Bootstrap</a:t>
+            </a:r>
+            <a:endParaRPr lang="en-US" dirty="0"/>
+          </a:p>
+        </p:txBody>
+      </p:sp>
+      <p:sp>
+        <p:nvSpPr>
+          <p:cNvPr id="3" name="Subtitle 2"/>
+          <p:cNvSpPr>
+            <a:spLocks noGrp="1"/>
+          </p:cNvSpPr>
+          <p:nvPr>
+            <p:ph type="subTitle" idx="1"/>
+          </p:nvPr>
+        </p:nvSpPr>
+        <p:spPr/>
+        <p:txBody>
+          <a:bodyPr/>
+          <a:lstStyle/>
+          <a:p>
+            <a:endParaRPr lang="en-US"/>
+          </a:p>
+        </p:txBody>
+      </p:sp>
+    </p:spTree>
+    <p:extLst>
+      <p:ext uri="{BB962C8B-B14F-4D97-AF65-F5344CB8AC3E}">
+        <p14:creationId xmlns:p14="http://schemas.microsoft.com/office/powerpoint/2010/main" val="4190290233"/>
+      </p:ext>
+    </p:extLst>
+  </p:cSld>
+  <p:clrMapOvr>
+    <a:masterClrMapping/>
+  </p:clrMapOvr>
+  <p:timing>
+    <p:tnLst>
+      <p:par>
+        <p:cTn id="1" dur="indefinite" restart="never" nodeType="tmRoot"/>
+      </p:par>
+    </p:tnLst>
+  </p:timing>
+</p:sld>
+</file>
+
+<file path=ppt/slides/slide17.xml><?xml version="1.0" encoding="utf-8"?>
+<p:sld xmlns:a="http://schemas.openxmlformats.org/drawingml/2006/main" xmlns:r="http://schemas.openxmlformats.org/officeDocument/2006/relationships" xmlns:p="http://schemas.openxmlformats.org/presentationml/2006/main">
+  <p:cSld>
+    <p:bg>
+      <p:bgPr>
+        <a:solidFill>
+          <a:srgbClr val="6A4F93"/>
+        </a:solidFill>
+        <a:effectLst/>
+      </p:bgPr>
+    </p:bg>
+    <p:spTree>
+      <p:nvGrpSpPr>
+        <p:cNvPr id="1" name=""/>
+        <p:cNvGrpSpPr/>
+        <p:nvPr/>
+      </p:nvGrpSpPr>
+      <p:grpSpPr>
+        <a:xfrm>
+          <a:off x="0" y="0"/>
+          <a:ext cx="0" cy="0"/>
+          <a:chOff x="0" y="0"/>
+          <a:chExt cx="0" cy="0"/>
+        </a:xfrm>
+      </p:grpSpPr>
+      <p:sp>
+        <p:nvSpPr>
+          <p:cNvPr id="7" name="Content Placeholder 6"/>
+          <p:cNvSpPr>
+            <a:spLocks noGrp="1"/>
+          </p:cNvSpPr>
+          <p:nvPr>
+            <p:ph sz="quarter" idx="10"/>
+          </p:nvPr>
+        </p:nvSpPr>
+        <p:spPr/>
+        <p:txBody>
+          <a:bodyPr>
+            <a:normAutofit/>
+          </a:bodyPr>
+          <a:lstStyle/>
+          <a:p>
+            <a:pPr marL="0" indent="0">
+              <a:buNone/>
+            </a:pPr>
+            <a:r>
+              <a:rPr lang="en-US" dirty="0"/>
+              <a:t>The most popular front-end framework for developing </a:t>
+            </a:r>
+            <a:r>
+              <a:rPr lang="en-US" dirty="0" smtClean="0"/>
+              <a:t/>
+            </a:r>
+            <a:br>
+              <a:rPr lang="en-US" dirty="0" smtClean="0"/>
+            </a:br>
+            <a:r>
+              <a:rPr lang="en-US" dirty="0" smtClean="0"/>
+              <a:t>responsive</a:t>
+            </a:r>
+            <a:r>
+              <a:rPr lang="en-US" dirty="0"/>
+              <a:t>, mobile first projects on the web.</a:t>
+            </a:r>
+            <a:endParaRPr lang="en-GB" dirty="0" smtClean="0"/>
+          </a:p>
+        </p:txBody>
+      </p:sp>
+      <p:sp>
+        <p:nvSpPr>
+          <p:cNvPr id="2" name="Title 1"/>
+          <p:cNvSpPr>
+            <a:spLocks noGrp="1"/>
+          </p:cNvSpPr>
+          <p:nvPr>
+            <p:ph type="title"/>
+          </p:nvPr>
+        </p:nvSpPr>
+        <p:spPr/>
+        <p:txBody>
+          <a:bodyPr/>
+          <a:lstStyle/>
+          <a:p>
+            <a:r>
+              <a:rPr lang="en-US" dirty="0" smtClean="0"/>
+              <a:t>Bootstrap</a:t>
+            </a:r>
+            <a:endParaRPr lang="en-US" dirty="0"/>
+          </a:p>
+        </p:txBody>
+      </p:sp>
+      <p:pic>
+        <p:nvPicPr>
+          <p:cNvPr id="3" name="Picture 2" descr="Screen Clipping"/>
+          <p:cNvPicPr>
+            <a:picLocks noChangeAspect="1"/>
+          </p:cNvPicPr>
+          <p:nvPr/>
+        </p:nvPicPr>
+        <p:blipFill rotWithShape="1">
+          <a:blip r:embed="rId3">
+            <a:extLst>
+              <a:ext uri="{28A0092B-C50C-407E-A947-70E740481C1C}">
+                <a14:useLocalDpi xmlns:a14="http://schemas.microsoft.com/office/drawing/2010/main" val="0"/>
+              </a:ext>
+            </a:extLst>
+          </a:blip>
+          <a:srcRect b="3785"/>
+          <a:stretch/>
+        </p:blipFill>
+        <p:spPr>
+          <a:xfrm>
+            <a:off x="-25295" y="0"/>
+            <a:ext cx="12217295" cy="6134100"/>
+          </a:xfrm>
+          <a:prstGeom prst="rect">
+            <a:avLst/>
+          </a:prstGeom>
+        </p:spPr>
+      </p:pic>
+    </p:spTree>
+    <p:extLst>
+      <p:ext uri="{BB962C8B-B14F-4D97-AF65-F5344CB8AC3E}">
+        <p14:creationId xmlns:p14="http://schemas.microsoft.com/office/powerpoint/2010/main" val="815590604"/>
+      </p:ext>
+    </p:extLst>
+  </p:cSld>
+  <p:clrMapOvr>
+    <a:masterClrMapping/>
+  </p:clrMapOvr>
+  <p:timing>
+    <p:tnLst>
+      <p:par>
+        <p:cTn id="1" dur="indefinite" restart="never" nodeType="tmRoot"/>
+      </p:par>
+    </p:tnLst>
+  </p:timing>
+</p:sld>
+</file>
+
+<file path=ppt/slides/slide18.xml><?xml version="1.0" encoding="utf-8"?>
+<p:sld xmlns:a="http://schemas.openxmlformats.org/drawingml/2006/main" xmlns:r="http://schemas.openxmlformats.org/officeDocument/2006/relationships" xmlns:p="http://schemas.openxmlformats.org/presentationml/2006/main">
+  <p:cSld>
+    <p:spTree>
+      <p:nvGrpSpPr>
+        <p:cNvPr id="1" name=""/>
+        <p:cNvGrpSpPr/>
+        <p:nvPr/>
+      </p:nvGrpSpPr>
+      <p:grpSpPr>
+        <a:xfrm>
+          <a:off x="0" y="0"/>
+          <a:ext cx="0" cy="0"/>
+          <a:chOff x="0" y="0"/>
+          <a:chExt cx="0" cy="0"/>
+        </a:xfrm>
+      </p:grpSpPr>
+      <p:sp>
+        <p:nvSpPr>
+          <p:cNvPr id="7" name="Content Placeholder 6"/>
+          <p:cNvSpPr>
+            <a:spLocks noGrp="1"/>
+          </p:cNvSpPr>
+          <p:nvPr>
+            <p:ph sz="quarter" idx="10"/>
+          </p:nvPr>
+        </p:nvSpPr>
+        <p:spPr/>
+        <p:txBody>
+          <a:bodyPr>
+            <a:normAutofit/>
+          </a:bodyPr>
+          <a:lstStyle/>
+          <a:p>
+            <a:r>
+              <a:rPr lang="en-US" dirty="0"/>
+              <a:t>Theme Support </a:t>
+            </a:r>
+            <a:endParaRPr lang="en-US" dirty="0" smtClean="0"/>
+          </a:p>
+          <a:p>
+            <a:r>
+              <a:rPr lang="en-US" dirty="0" smtClean="0"/>
+              <a:t>Responsive</a:t>
+            </a:r>
+            <a:endParaRPr lang="en-US" dirty="0"/>
+          </a:p>
+          <a:p>
+            <a:r>
+              <a:rPr lang="en-US" dirty="0"/>
+              <a:t>Grid</a:t>
+            </a:r>
+          </a:p>
+          <a:p>
+            <a:r>
+              <a:rPr lang="en-US" dirty="0"/>
+              <a:t>Components</a:t>
+            </a:r>
+          </a:p>
+          <a:p>
+            <a:pPr lvl="1"/>
+            <a:r>
+              <a:rPr lang="en-US" dirty="0"/>
+              <a:t>Pagination</a:t>
+            </a:r>
+          </a:p>
+          <a:p>
+            <a:pPr lvl="1"/>
+            <a:r>
+              <a:rPr lang="en-US" dirty="0"/>
+              <a:t>Buttons</a:t>
+            </a:r>
+          </a:p>
+          <a:p>
+            <a:pPr lvl="1"/>
+            <a:r>
+              <a:rPr lang="en-US" dirty="0"/>
+              <a:t>Modal</a:t>
+            </a:r>
+          </a:p>
+          <a:p>
+            <a:r>
+              <a:rPr lang="en-US" dirty="0" smtClean="0"/>
+              <a:t>Great Visual </a:t>
+            </a:r>
+            <a:r>
+              <a:rPr lang="en-US" dirty="0"/>
+              <a:t>Studio </a:t>
+            </a:r>
+            <a:r>
+              <a:rPr lang="en-US" dirty="0" smtClean="0"/>
+              <a:t>support</a:t>
+            </a:r>
+            <a:endParaRPr lang="en-US" dirty="0"/>
+          </a:p>
+        </p:txBody>
+      </p:sp>
+      <p:sp>
+        <p:nvSpPr>
+          <p:cNvPr id="2" name="Title 1"/>
+          <p:cNvSpPr>
+            <a:spLocks noGrp="1"/>
+          </p:cNvSpPr>
+          <p:nvPr>
+            <p:ph type="title"/>
+          </p:nvPr>
+        </p:nvSpPr>
+        <p:spPr/>
+        <p:txBody>
+          <a:bodyPr/>
+          <a:lstStyle/>
+          <a:p>
+            <a:r>
+              <a:rPr lang="en-US" smtClean="0"/>
+              <a:t>Bootstrap Features</a:t>
+            </a:r>
+            <a:endParaRPr lang="en-US" dirty="0"/>
+          </a:p>
+        </p:txBody>
+      </p:sp>
+    </p:spTree>
+    <p:extLst>
+      <p:ext uri="{BB962C8B-B14F-4D97-AF65-F5344CB8AC3E}">
+        <p14:creationId xmlns:p14="http://schemas.microsoft.com/office/powerpoint/2010/main" val="1805450907"/>
+      </p:ext>
+    </p:extLst>
+  </p:cSld>
+  <p:clrMapOvr>
+    <a:masterClrMapping/>
+  </p:clrMapOvr>
+  <p:timing>
+    <p:tnLst>
+      <p:par>
+        <p:cTn id="1" dur="indefinite" restart="never" nodeType="tmRoot"/>
+      </p:par>
+    </p:tnLst>
+  </p:timing>
+</p:sld>
+</file>
+
+<file path=ppt/slides/slide19.xml><?xml version="1.0" encoding="utf-8"?>
+<p:sld xmlns:a="http://schemas.openxmlformats.org/drawingml/2006/main" xmlns:r="http://schemas.openxmlformats.org/officeDocument/2006/relationships" xmlns:p="http://schemas.openxmlformats.org/presentationml/2006/main">
+  <p:cSld>
+    <p:spTree>
+      <p:nvGrpSpPr>
+        <p:cNvPr id="1" name=""/>
+        <p:cNvGrpSpPr/>
+        <p:nvPr/>
+      </p:nvGrpSpPr>
+      <p:grpSpPr>
+        <a:xfrm>
+          <a:off x="0" y="0"/>
+          <a:ext cx="0" cy="0"/>
+          <a:chOff x="0" y="0"/>
+          <a:chExt cx="0" cy="0"/>
+        </a:xfrm>
+      </p:grpSpPr>
+      <p:sp>
+        <p:nvSpPr>
+          <p:cNvPr id="2" name="Title 1"/>
+          <p:cNvSpPr>
+            <a:spLocks noGrp="1"/>
+          </p:cNvSpPr>
+          <p:nvPr>
+            <p:ph type="title"/>
+          </p:nvPr>
+        </p:nvSpPr>
+        <p:spPr/>
+        <p:txBody>
+          <a:bodyPr/>
+          <a:lstStyle/>
+          <a:p>
+            <a:r>
+              <a:rPr lang="en-US" dirty="0" smtClean="0"/>
+              <a:t>Responsive Layout</a:t>
+            </a:r>
+            <a:endParaRPr lang="en-US" dirty="0"/>
+          </a:p>
+        </p:txBody>
+      </p:sp>
+      <p:pic>
+        <p:nvPicPr>
+          <p:cNvPr id="4" name="Content Placeholder 3" descr="Screen Clipping"/>
+          <p:cNvPicPr>
+            <a:picLocks noGrp="1" noChangeAspect="1"/>
+          </p:cNvPicPr>
+          <p:nvPr>
+            <p:ph sz="quarter" idx="10"/>
+          </p:nvPr>
+        </p:nvPicPr>
+        <p:blipFill>
+          <a:blip r:embed="rId2">
+            <a:extLst>
+              <a:ext uri="{28A0092B-C50C-407E-A947-70E740481C1C}">
+                <a14:useLocalDpi xmlns:a14="http://schemas.microsoft.com/office/drawing/2010/main" val="0"/>
+              </a:ext>
+            </a:extLst>
+          </a:blip>
+          <a:stretch>
+            <a:fillRect/>
+          </a:stretch>
+        </p:blipFill>
+        <p:spPr>
+          <a:xfrm>
+            <a:off x="3128113" y="1208989"/>
+            <a:ext cx="5935774" cy="4440022"/>
+          </a:xfrm>
+        </p:spPr>
+      </p:pic>
+    </p:spTree>
+    <p:extLst>
+      <p:ext uri="{BB962C8B-B14F-4D97-AF65-F5344CB8AC3E}">
+        <p14:creationId xmlns:p14="http://schemas.microsoft.com/office/powerpoint/2010/main" val="149482777"/>
+      </p:ext>
+    </p:extLst>
+  </p:cSld>
+  <p:clrMapOvr>
+    <a:masterClrMapping/>
+  </p:clrMapOvr>
+  <p:timing>
+    <p:tnLst>
+      <p:par>
+        <p:cTn id="1" dur="indefinite" restart="never" nodeType="tmRoot"/>
+      </p:par>
+    </p:tnLst>
+  </p:timing>
+</p:sld>
+</file>
+
+<file path=ppt/slides/slide2.xml><?xml version="1.0" encoding="utf-8"?>
+<p:sld xmlns:a="http://schemas.openxmlformats.org/drawingml/2006/main" xmlns:r="http://schemas.openxmlformats.org/officeDocument/2006/relationships" xmlns:p="http://schemas.openxmlformats.org/presentationml/2006/main">
+  <p:cSld>
+    <p:spTree>
+      <p:nvGrpSpPr>
+        <p:cNvPr id="1" name=""/>
+        <p:cNvGrpSpPr/>
+        <p:nvPr/>
+      </p:nvGrpSpPr>
+      <p:grpSpPr>
+        <a:xfrm>
+          <a:off x="0" y="0"/>
+          <a:ext cx="0" cy="0"/>
+          <a:chOff x="0" y="0"/>
+          <a:chExt cx="0" cy="0"/>
+        </a:xfrm>
+      </p:grpSpPr>
+      <p:sp>
+        <p:nvSpPr>
+          <p:cNvPr id="2" name="Title 1"/>
+          <p:cNvSpPr>
+            <a:spLocks noGrp="1"/>
+          </p:cNvSpPr>
+          <p:nvPr>
+            <p:ph type="title"/>
+          </p:nvPr>
+        </p:nvSpPr>
+        <p:spPr/>
+        <p:txBody>
+          <a:bodyPr>
+            <a:normAutofit/>
+          </a:bodyPr>
+          <a:lstStyle/>
+          <a:p>
+            <a:pPr lvl="0"/>
+            <a:r>
+              <a:rPr lang="en-US" dirty="0" smtClean="0"/>
+              <a:t>Course Topics</a:t>
+            </a:r>
+            <a:endParaRPr lang="en-US" dirty="0"/>
+          </a:p>
+        </p:txBody>
+      </p:sp>
+      <p:graphicFrame>
+        <p:nvGraphicFramePr>
+          <p:cNvPr id="4" name="Content Placeholder 3"/>
+          <p:cNvGraphicFramePr>
+            <a:graphicFrameLocks noGrp="1"/>
+          </p:cNvGraphicFramePr>
+          <p:nvPr>
+            <p:ph sz="quarter" idx="10"/>
+            <p:extLst>
+              <p:ext uri="{D42A27DB-BD31-4B8C-83A1-F6EECF244321}">
+                <p14:modId xmlns:p14="http://schemas.microsoft.com/office/powerpoint/2010/main" val="521422569"/>
+              </p:ext>
+            </p:extLst>
+          </p:nvPr>
+        </p:nvGraphicFramePr>
+        <p:xfrm>
+          <a:off x="379413" y="1417636"/>
+          <a:ext cx="11525250" cy="3838160"/>
+        </p:xfrm>
+        <a:graphic>
+          <a:graphicData uri="http://schemas.openxmlformats.org/drawingml/2006/table">
+            <a:tbl>
+              <a:tblPr firstRow="1" bandRow="1">
+                <a:tableStyleId>{5C22544A-7EE6-4342-B048-85BDC9FD1C3A}</a:tableStyleId>
+              </a:tblPr>
+              <a:tblGrid>
+                <a:gridCol w="5762625">
+                  <a:extLst>
+                    <a:ext uri="{9D8B030D-6E8A-4147-A177-3AD203B41FA5}">
+                      <a16:colId xmlns="" xmlns:a16="http://schemas.microsoft.com/office/drawing/2014/main" val="1632794655"/>
+                    </a:ext>
+                  </a:extLst>
+                </a:gridCol>
+                <a:gridCol w="5762625">
+                  <a:extLst>
+                    <a:ext uri="{9D8B030D-6E8A-4147-A177-3AD203B41FA5}">
+                      <a16:colId xmlns="" xmlns:a16="http://schemas.microsoft.com/office/drawing/2014/main" val="2011313899"/>
+                    </a:ext>
+                  </a:extLst>
+                </a:gridCol>
+              </a:tblGrid>
+              <a:tr h="767632">
+                <a:tc gridSpan="2">
+                  <a:txBody>
+                    <a:bodyPr/>
+                    <a:lstStyle/>
+                    <a:p>
+                      <a:r>
+                        <a:rPr lang="en-US" sz="3600" dirty="0" smtClean="0">
+                          <a:latin typeface="Segoe UI Light" panose="020B0502040204020203" pitchFamily="34" charset="0"/>
+                          <a:cs typeface="Segoe UI Light" panose="020B0502040204020203" pitchFamily="34" charset="0"/>
+                        </a:rPr>
+                        <a:t>Mobile Web</a:t>
+                      </a:r>
+                      <a:endParaRPr lang="en-US" sz="3600" dirty="0">
+                        <a:latin typeface="Segoe UI Light" panose="020B0502040204020203" pitchFamily="34" charset="0"/>
+                        <a:cs typeface="Segoe UI Light" panose="020B0502040204020203" pitchFamily="34" charset="0"/>
+                      </a:endParaRPr>
+                    </a:p>
+                  </a:txBody>
+                  <a:tcPr anchor="ctr"/>
+                </a:tc>
+                <a:tc hMerge="1">
+                  <a:txBody>
+                    <a:bodyPr/>
+                    <a:lstStyle/>
+                    <a:p>
+                      <a:endParaRPr lang="en-US" dirty="0"/>
+                    </a:p>
+                  </a:txBody>
+                  <a:tcPr/>
+                </a:tc>
+                <a:extLst>
+                  <a:ext uri="{0D108BD9-81ED-4DB2-BD59-A6C34878D82A}">
+                    <a16:rowId xmlns="" xmlns:a16="http://schemas.microsoft.com/office/drawing/2014/main" val="1789177411"/>
+                  </a:ext>
+                </a:extLst>
+              </a:tr>
+              <a:tr h="767632">
+                <a:tc>
+                  <a:txBody>
+                    <a:bodyPr/>
+                    <a:lstStyle/>
+                    <a:p>
+                      <a:r>
+                        <a:rPr lang="en-US" sz="2400" dirty="0" smtClean="0">
+                          <a:latin typeface="Segoe UI Light" panose="020B0502040204020203" pitchFamily="34" charset="0"/>
+                          <a:cs typeface="Segoe UI Light" panose="020B0502040204020203" pitchFamily="34" charset="0"/>
+                        </a:rPr>
+                        <a:t>01 | Designing</a:t>
+                      </a:r>
+                      <a:r>
+                        <a:rPr lang="en-US" sz="2400" baseline="0" dirty="0" smtClean="0">
+                          <a:latin typeface="Segoe UI Light" panose="020B0502040204020203" pitchFamily="34" charset="0"/>
+                          <a:cs typeface="Segoe UI Light" panose="020B0502040204020203" pitchFamily="34" charset="0"/>
+                        </a:rPr>
+                        <a:t> for Mobile</a:t>
+                      </a:r>
+                      <a:endParaRPr lang="en-US" sz="2400" dirty="0">
+                        <a:latin typeface="Segoe UI Light" panose="020B0502040204020203" pitchFamily="34" charset="0"/>
+                        <a:cs typeface="Segoe UI Light" panose="020B0502040204020203" pitchFamily="34" charset="0"/>
+                      </a:endParaRPr>
+                    </a:p>
+                  </a:txBody>
+                  <a:tcPr anchor="ctr"/>
+                </a:tc>
+                <a:tc>
+                  <a:txBody>
+                    <a:bodyPr/>
+                    <a:lstStyle/>
+                    <a:p>
+                      <a:r>
+                        <a:rPr lang="en-US" sz="2400" dirty="0" smtClean="0">
+                          <a:latin typeface="Segoe UI Light" panose="020B0502040204020203" pitchFamily="34" charset="0"/>
+                          <a:cs typeface="Segoe UI Light" panose="020B0502040204020203" pitchFamily="34" charset="0"/>
+                        </a:rPr>
+                        <a:t>05 | The Mobile</a:t>
+                      </a:r>
+                      <a:r>
+                        <a:rPr lang="en-US" sz="2400" baseline="0" dirty="0" smtClean="0">
+                          <a:latin typeface="Segoe UI Light" panose="020B0502040204020203" pitchFamily="34" charset="0"/>
+                          <a:cs typeface="Segoe UI Light" panose="020B0502040204020203" pitchFamily="34" charset="0"/>
+                        </a:rPr>
+                        <a:t> Client</a:t>
+                      </a:r>
+                      <a:endParaRPr lang="en-US" sz="2400" dirty="0">
+                        <a:latin typeface="Segoe UI Light" panose="020B0502040204020203" pitchFamily="34" charset="0"/>
+                        <a:cs typeface="Segoe UI Light" panose="020B0502040204020203" pitchFamily="34" charset="0"/>
+                      </a:endParaRPr>
+                    </a:p>
+                  </a:txBody>
+                  <a:tcPr anchor="ctr"/>
+                </a:tc>
+                <a:extLst>
+                  <a:ext uri="{0D108BD9-81ED-4DB2-BD59-A6C34878D82A}">
+                    <a16:rowId xmlns="" xmlns:a16="http://schemas.microsoft.com/office/drawing/2014/main" val="3842815335"/>
+                  </a:ext>
+                </a:extLst>
+              </a:tr>
+              <a:tr h="767632">
+                <a:tc>
+                  <a:txBody>
+                    <a:bodyPr/>
+                    <a:lstStyle/>
+                    <a:p>
+                      <a:r>
+                        <a:rPr lang="en-US" sz="2400" dirty="0" smtClean="0">
+                          <a:latin typeface="Segoe UI Light" panose="020B0502040204020203" pitchFamily="34" charset="0"/>
+                          <a:cs typeface="Segoe UI Light" panose="020B0502040204020203" pitchFamily="34" charset="0"/>
+                        </a:rPr>
+                        <a:t>02 | Mobile UI</a:t>
+                      </a:r>
+                      <a:endParaRPr lang="en-US" sz="2400" dirty="0">
+                        <a:latin typeface="Segoe UI Light" panose="020B0502040204020203" pitchFamily="34" charset="0"/>
+                        <a:cs typeface="Segoe UI Light" panose="020B0502040204020203" pitchFamily="34" charset="0"/>
+                      </a:endParaRPr>
+                    </a:p>
+                  </a:txBody>
+                  <a:tcPr anchor="ctr"/>
+                </a:tc>
+                <a:tc>
+                  <a:txBody>
+                    <a:bodyPr/>
+                    <a:lstStyle/>
+                    <a:p>
+                      <a:r>
+                        <a:rPr lang="en-US" sz="2400" dirty="0" smtClean="0">
+                          <a:latin typeface="Segoe UI Light" panose="020B0502040204020203" pitchFamily="34" charset="0"/>
+                          <a:cs typeface="Segoe UI Light" panose="020B0502040204020203" pitchFamily="34" charset="0"/>
+                        </a:rPr>
+                        <a:t>06 | Offline Data</a:t>
+                      </a:r>
+                      <a:endParaRPr lang="en-US" sz="2400" dirty="0">
+                        <a:latin typeface="Segoe UI Light" panose="020B0502040204020203" pitchFamily="34" charset="0"/>
+                        <a:cs typeface="Segoe UI Light" panose="020B0502040204020203" pitchFamily="34" charset="0"/>
+                      </a:endParaRPr>
+                    </a:p>
+                  </a:txBody>
+                  <a:tcPr anchor="ctr"/>
+                </a:tc>
+                <a:extLst>
+                  <a:ext uri="{0D108BD9-81ED-4DB2-BD59-A6C34878D82A}">
+                    <a16:rowId xmlns="" xmlns:a16="http://schemas.microsoft.com/office/drawing/2014/main" val="321066646"/>
+                  </a:ext>
+                </a:extLst>
+              </a:tr>
+              <a:tr h="767632">
+                <a:tc>
+                  <a:txBody>
+                    <a:bodyPr/>
+                    <a:lstStyle/>
+                    <a:p>
+                      <a:pPr marL="0" marR="0" indent="0" algn="l" defTabSz="914088" rtl="0" eaLnBrk="1" fontAlgn="auto" latinLnBrk="0" hangingPunct="1">
+                        <a:lnSpc>
+                          <a:spcPct val="100000"/>
+                        </a:lnSpc>
+                        <a:spcBef>
+                          <a:spcPts val="0"/>
+                        </a:spcBef>
+                        <a:spcAft>
+                          <a:spcPts val="0"/>
+                        </a:spcAft>
+                        <a:buClrTx/>
+                        <a:buSzTx/>
+                        <a:buFontTx/>
+                        <a:buNone/>
+                        <a:tabLst/>
+                        <a:defRPr/>
+                      </a:pPr>
+                      <a:r>
+                        <a:rPr lang="en-US" sz="2400" dirty="0" smtClean="0">
+                          <a:latin typeface="Segoe UI Light" panose="020B0502040204020203" pitchFamily="34" charset="0"/>
+                          <a:cs typeface="Segoe UI Light" panose="020B0502040204020203" pitchFamily="34" charset="0"/>
+                        </a:rPr>
+                        <a:t>03</a:t>
+                      </a:r>
+                      <a:r>
+                        <a:rPr lang="en-US" sz="2400" baseline="0" dirty="0" smtClean="0">
+                          <a:latin typeface="Segoe UI Light" panose="020B0502040204020203" pitchFamily="34" charset="0"/>
+                          <a:cs typeface="Segoe UI Light" panose="020B0502040204020203" pitchFamily="34" charset="0"/>
+                        </a:rPr>
+                        <a:t> | Integrating Touch</a:t>
+                      </a:r>
+                      <a:endParaRPr lang="en-US" sz="2400" dirty="0" smtClean="0">
+                        <a:latin typeface="Segoe UI Light" panose="020B0502040204020203" pitchFamily="34" charset="0"/>
+                        <a:cs typeface="Segoe UI Light" panose="020B0502040204020203" pitchFamily="34" charset="0"/>
+                      </a:endParaRPr>
+                    </a:p>
+                  </a:txBody>
+                  <a:tcPr anchor="ctr"/>
+                </a:tc>
+                <a:tc>
+                  <a:txBody>
+                    <a:bodyPr/>
+                    <a:lstStyle/>
+                    <a:p>
+                      <a:r>
+                        <a:rPr lang="en-US" sz="2400" dirty="0" smtClean="0">
+                          <a:latin typeface="Segoe UI Light" panose="020B0502040204020203" pitchFamily="34" charset="0"/>
+                          <a:cs typeface="Segoe UI Light" panose="020B0502040204020203" pitchFamily="34" charset="0"/>
+                        </a:rPr>
+                        <a:t>07 | Publishing to Azure</a:t>
+                      </a:r>
+                      <a:endParaRPr lang="en-US" sz="2400" dirty="0">
+                        <a:latin typeface="Segoe UI Light" panose="020B0502040204020203" pitchFamily="34" charset="0"/>
+                        <a:cs typeface="Segoe UI Light" panose="020B0502040204020203" pitchFamily="34" charset="0"/>
+                      </a:endParaRPr>
+                    </a:p>
+                  </a:txBody>
+                  <a:tcPr anchor="ctr"/>
+                </a:tc>
+                <a:extLst>
+                  <a:ext uri="{0D108BD9-81ED-4DB2-BD59-A6C34878D82A}">
+                    <a16:rowId xmlns="" xmlns:a16="http://schemas.microsoft.com/office/drawing/2014/main" val="3812060533"/>
+                  </a:ext>
+                </a:extLst>
+              </a:tr>
+              <a:tr h="767632">
+                <a:tc>
+                  <a:txBody>
+                    <a:bodyPr/>
+                    <a:lstStyle/>
+                    <a:p>
+                      <a:pPr marL="0" marR="0" indent="0" algn="l" defTabSz="914088" rtl="0" eaLnBrk="1" fontAlgn="auto" latinLnBrk="0" hangingPunct="1">
+                        <a:lnSpc>
+                          <a:spcPct val="100000"/>
+                        </a:lnSpc>
+                        <a:spcBef>
+                          <a:spcPts val="0"/>
+                        </a:spcBef>
+                        <a:spcAft>
+                          <a:spcPts val="0"/>
+                        </a:spcAft>
+                        <a:buClrTx/>
+                        <a:buSzTx/>
+                        <a:buFontTx/>
+                        <a:buNone/>
+                        <a:tabLst/>
+                        <a:defRPr/>
+                      </a:pPr>
+                      <a:r>
+                        <a:rPr lang="en-US" sz="2400" dirty="0" smtClean="0">
+                          <a:latin typeface="Segoe UI Light" panose="020B0502040204020203" pitchFamily="34" charset="0"/>
+                          <a:cs typeface="Segoe UI Light" panose="020B0502040204020203" pitchFamily="34" charset="0"/>
+                        </a:rPr>
+                        <a:t>04 | Setting Up the</a:t>
+                      </a:r>
+                      <a:r>
+                        <a:rPr lang="en-US" sz="2400" baseline="0" dirty="0" smtClean="0">
+                          <a:latin typeface="Segoe UI Light" panose="020B0502040204020203" pitchFamily="34" charset="0"/>
+                          <a:cs typeface="Segoe UI Light" panose="020B0502040204020203" pitchFamily="34" charset="0"/>
+                        </a:rPr>
+                        <a:t> Server</a:t>
+                      </a:r>
+                      <a:endParaRPr lang="en-US" sz="2400" dirty="0" smtClean="0">
+                        <a:latin typeface="Segoe UI Light" panose="020B0502040204020203" pitchFamily="34" charset="0"/>
+                        <a:cs typeface="Segoe UI Light" panose="020B0502040204020203" pitchFamily="34" charset="0"/>
+                      </a:endParaRPr>
+                    </a:p>
+                  </a:txBody>
+                  <a:tcPr anchor="ctr"/>
+                </a:tc>
+                <a:tc>
+                  <a:txBody>
+                    <a:bodyPr/>
+                    <a:lstStyle/>
+                    <a:p>
+                      <a:endParaRPr lang="en-US" sz="2400" dirty="0">
+                        <a:latin typeface="Segoe UI Light" panose="020B0502040204020203" pitchFamily="34" charset="0"/>
+                        <a:cs typeface="Segoe UI Light" panose="020B0502040204020203" pitchFamily="34" charset="0"/>
+                      </a:endParaRPr>
+                    </a:p>
+                  </a:txBody>
+                  <a:tcPr anchor="ctr"/>
+                </a:tc>
+              </a:tr>
+            </a:tbl>
+          </a:graphicData>
+        </a:graphic>
+      </p:graphicFrame>
+    </p:spTree>
+    <p:extLst>
+      <p:ext uri="{BB962C8B-B14F-4D97-AF65-F5344CB8AC3E}">
+        <p14:creationId xmlns:p14="http://schemas.microsoft.com/office/powerpoint/2010/main" val="2643436815"/>
+      </p:ext>
+    </p:extLst>
+  </p:cSld>
+  <p:clrMapOvr>
+    <a:masterClrMapping/>
+  </p:clrMapOvr>
+  <mc:AlternateContent xmlns:mc="http://schemas.openxmlformats.org/markup-compatibility/2006" xmlns:p14="http://schemas.microsoft.com/office/powerpoint/2010/main">
+    <mc:Choice Requires="p14">
+      <p:transition spd="slow" p14:dur="2000"/>
+    </mc:Choice>
+    <mc:Fallback xmlns="">
+      <p:transition spd="slow"/>
+    </mc:Fallback>
+  </mc:AlternateContent>
+  <p:timing>
+    <p:tnLst>
+      <p:par>
+        <p:cTn id="1" dur="indefinite" restart="never" nodeType="tmRoot"/>
+      </p:par>
+    </p:tnLst>
+  </p:timing>
+</p:sld>
+</file>
+
+<file path=ppt/slides/slide20.xml><?xml version="1.0" encoding="utf-8"?>
+<p:sld xmlns:a="http://schemas.openxmlformats.org/drawingml/2006/main" xmlns:r="http://schemas.openxmlformats.org/officeDocument/2006/relationships" xmlns:p="http://schemas.openxmlformats.org/presentationml/2006/main">
+  <p:cSld>
+    <p:spTree>
+      <p:nvGrpSpPr>
+        <p:cNvPr id="1" name=""/>
+        <p:cNvGrpSpPr/>
+        <p:nvPr/>
+      </p:nvGrpSpPr>
+      <p:grpSpPr>
+        <a:xfrm>
+          <a:off x="0" y="0"/>
+          <a:ext cx="0" cy="0"/>
+          <a:chOff x="0" y="0"/>
+          <a:chExt cx="0" cy="0"/>
+        </a:xfrm>
+      </p:grpSpPr>
+      <p:sp>
+        <p:nvSpPr>
+          <p:cNvPr id="2" name="Title 1"/>
+          <p:cNvSpPr>
+            <a:spLocks noGrp="1"/>
+          </p:cNvSpPr>
+          <p:nvPr>
+            <p:ph type="title"/>
+          </p:nvPr>
+        </p:nvSpPr>
+        <p:spPr/>
+        <p:txBody>
+          <a:bodyPr/>
+          <a:lstStyle/>
+          <a:p>
+            <a:r>
+              <a:rPr lang="en-US" dirty="0" smtClean="0"/>
+              <a:t>Responsive Layout</a:t>
+            </a:r>
+            <a:endParaRPr lang="en-US" dirty="0"/>
+          </a:p>
+        </p:txBody>
+      </p:sp>
+      <p:pic>
+        <p:nvPicPr>
+          <p:cNvPr id="3" name="Picture 2"/>
+          <p:cNvPicPr>
+            <a:picLocks noChangeAspect="1"/>
+          </p:cNvPicPr>
+          <p:nvPr/>
+        </p:nvPicPr>
+        <p:blipFill>
+          <a:blip r:embed="rId2">
+            <a:extLst>
+              <a:ext uri="{28A0092B-C50C-407E-A947-70E740481C1C}">
+                <a14:useLocalDpi xmlns:a14="http://schemas.microsoft.com/office/drawing/2010/main" val="0"/>
+              </a:ext>
+            </a:extLst>
+          </a:blip>
+          <a:stretch>
+            <a:fillRect/>
+          </a:stretch>
+        </p:blipFill>
+        <p:spPr>
+          <a:xfrm>
+            <a:off x="9009870" y="1289634"/>
+            <a:ext cx="2342071" cy="4264214"/>
+          </a:xfrm>
+          <a:prstGeom prst="rect">
+            <a:avLst/>
+          </a:prstGeom>
+        </p:spPr>
+      </p:pic>
+      <p:pic>
+        <p:nvPicPr>
+          <p:cNvPr id="5" name="Picture 4"/>
+          <p:cNvPicPr>
+            <a:picLocks noChangeAspect="1"/>
+          </p:cNvPicPr>
+          <p:nvPr/>
+        </p:nvPicPr>
+        <p:blipFill>
+          <a:blip r:embed="rId3">
+            <a:extLst>
+              <a:ext uri="{28A0092B-C50C-407E-A947-70E740481C1C}">
+                <a14:useLocalDpi xmlns:a14="http://schemas.microsoft.com/office/drawing/2010/main" val="0"/>
+              </a:ext>
+            </a:extLst>
+          </a:blip>
+          <a:stretch>
+            <a:fillRect/>
+          </a:stretch>
+        </p:blipFill>
+        <p:spPr>
+          <a:xfrm>
+            <a:off x="847865" y="1245702"/>
+            <a:ext cx="6029184" cy="4308146"/>
+          </a:xfrm>
+          <a:prstGeom prst="rect">
+            <a:avLst/>
+          </a:prstGeom>
+        </p:spPr>
+      </p:pic>
+    </p:spTree>
+    <p:extLst>
+      <p:ext uri="{BB962C8B-B14F-4D97-AF65-F5344CB8AC3E}">
+        <p14:creationId xmlns:p14="http://schemas.microsoft.com/office/powerpoint/2010/main" val="1841082446"/>
+      </p:ext>
+    </p:extLst>
+  </p:cSld>
+  <p:clrMapOvr>
+    <a:masterClrMapping/>
+  </p:clrMapOvr>
+  <p:timing>
+    <p:tnLst>
+      <p:par>
+        <p:cTn id="1" dur="indefinite" restart="never" nodeType="tmRoot"/>
+      </p:par>
+    </p:tnLst>
+  </p:timing>
+</p:sld>
+</file>
+
+<file path=ppt/slides/slide21.xml><?xml version="1.0" encoding="utf-8"?>
+<p:sld xmlns:a="http://schemas.openxmlformats.org/drawingml/2006/main" xmlns:r="http://schemas.openxmlformats.org/officeDocument/2006/relationships" xmlns:p="http://schemas.openxmlformats.org/presentationml/2006/main">
+  <p:cSld>
+    <p:spTree>
+      <p:nvGrpSpPr>
+        <p:cNvPr id="1" name=""/>
+        <p:cNvGrpSpPr/>
+        <p:nvPr/>
+      </p:nvGrpSpPr>
+      <p:grpSpPr>
+        <a:xfrm>
+          <a:off x="0" y="0"/>
+          <a:ext cx="0" cy="0"/>
+          <a:chOff x="0" y="0"/>
+          <a:chExt cx="0" cy="0"/>
+        </a:xfrm>
+      </p:grpSpPr>
+      <p:sp>
+        <p:nvSpPr>
+          <p:cNvPr id="4" name="Title 3"/>
+          <p:cNvSpPr>
+            <a:spLocks noGrp="1"/>
+          </p:cNvSpPr>
+          <p:nvPr>
+            <p:ph type="title"/>
+          </p:nvPr>
+        </p:nvSpPr>
+        <p:spPr/>
+        <p:txBody>
+          <a:bodyPr/>
+          <a:lstStyle/>
+          <a:p>
+            <a:r>
+              <a:rPr lang="en-US" dirty="0" smtClean="0"/>
+              <a:t>Bootstrap and mobile devices</a:t>
+            </a:r>
+            <a:endParaRPr lang="en-US" dirty="0"/>
+          </a:p>
+        </p:txBody>
+      </p:sp>
+    </p:spTree>
+    <p:extLst>
+      <p:ext uri="{BB962C8B-B14F-4D97-AF65-F5344CB8AC3E}">
+        <p14:creationId xmlns:p14="http://schemas.microsoft.com/office/powerpoint/2010/main" val="4194210046"/>
+      </p:ext>
+    </p:extLst>
+  </p:cSld>
+  <p:clrMapOvr>
+    <a:masterClrMapping/>
+  </p:clrMapOvr>
+  <p:timing>
+    <p:tnLst>
+      <p:par>
+        <p:cTn id="1" dur="indefinite" restart="never" nodeType="tmRoot"/>
+      </p:par>
+    </p:tnLst>
+  </p:timing>
+</p:sld>
+</file>
+
+<file path=ppt/slides/slide22.xml><?xml version="1.0" encoding="utf-8"?>
+<p:sld xmlns:a="http://schemas.openxmlformats.org/drawingml/2006/main" xmlns:r="http://schemas.openxmlformats.org/officeDocument/2006/relationships" xmlns:p="http://schemas.openxmlformats.org/presentationml/2006/main">
+  <p:cSld>
+    <p:spTree>
+      <p:nvGrpSpPr>
+        <p:cNvPr id="1" name=""/>
+        <p:cNvGrpSpPr/>
+        <p:nvPr/>
+      </p:nvGrpSpPr>
+      <p:grpSpPr>
+        <a:xfrm>
+          <a:off x="0" y="0"/>
+          <a:ext cx="0" cy="0"/>
+          <a:chOff x="0" y="0"/>
+          <a:chExt cx="0" cy="0"/>
+        </a:xfrm>
+      </p:grpSpPr>
+      <p:sp>
+        <p:nvSpPr>
+          <p:cNvPr id="2" name="Text Placeholder 1"/>
+          <p:cNvSpPr>
+            <a:spLocks noGrp="1"/>
+          </p:cNvSpPr>
+          <p:nvPr>
+            <p:ph type="body" sz="quarter" idx="10"/>
+          </p:nvPr>
+        </p:nvSpPr>
+        <p:spPr/>
+        <p:txBody>
+          <a:bodyPr/>
+          <a:lstStyle/>
+          <a:p>
+            <a:r>
+              <a:rPr lang="en-US" dirty="0" smtClean="0"/>
+              <a:t>Images</a:t>
+            </a:r>
+            <a:endParaRPr lang="en-US" dirty="0"/>
+          </a:p>
+        </p:txBody>
+      </p:sp>
+      <p:sp>
+        <p:nvSpPr>
+          <p:cNvPr id="3" name="Subtitle 2"/>
+          <p:cNvSpPr>
+            <a:spLocks noGrp="1"/>
+          </p:cNvSpPr>
+          <p:nvPr>
+            <p:ph type="subTitle" idx="1"/>
+          </p:nvPr>
+        </p:nvSpPr>
+        <p:spPr/>
+        <p:txBody>
+          <a:bodyPr/>
+          <a:lstStyle/>
+          <a:p>
+            <a:endParaRPr lang="en-US"/>
+          </a:p>
+        </p:txBody>
+      </p:sp>
+    </p:spTree>
+    <p:extLst>
+      <p:ext uri="{BB962C8B-B14F-4D97-AF65-F5344CB8AC3E}">
+        <p14:creationId xmlns:p14="http://schemas.microsoft.com/office/powerpoint/2010/main" val="4243374243"/>
+      </p:ext>
+    </p:extLst>
+  </p:cSld>
+  <p:clrMapOvr>
+    <a:masterClrMapping/>
+  </p:clrMapOvr>
+  <p:timing>
+    <p:tnLst>
+      <p:par>
+        <p:cTn id="1" dur="indefinite" restart="never" nodeType="tmRoot"/>
+      </p:par>
+    </p:tnLst>
+  </p:timing>
+</p:sld>
+</file>
+
+<file path=ppt/slides/slide23.xml><?xml version="1.0" encoding="utf-8"?>
+<p:sld xmlns:a="http://schemas.openxmlformats.org/drawingml/2006/main" xmlns:r="http://schemas.openxmlformats.org/officeDocument/2006/relationships" xmlns:p="http://schemas.openxmlformats.org/presentationml/2006/main">
+  <p:cSld>
+    <p:spTree>
+      <p:nvGrpSpPr>
+        <p:cNvPr id="1" name=""/>
+        <p:cNvGrpSpPr/>
+        <p:nvPr/>
+      </p:nvGrpSpPr>
+      <p:grpSpPr>
+        <a:xfrm>
+          <a:off x="0" y="0"/>
+          <a:ext cx="0" cy="0"/>
+          <a:chOff x="0" y="0"/>
+          <a:chExt cx="0" cy="0"/>
+        </a:xfrm>
+      </p:grpSpPr>
+      <p:sp>
+        <p:nvSpPr>
+          <p:cNvPr id="4" name="Title 3"/>
+          <p:cNvSpPr>
+            <a:spLocks noGrp="1"/>
+          </p:cNvSpPr>
+          <p:nvPr>
+            <p:ph type="title"/>
+          </p:nvPr>
+        </p:nvSpPr>
+        <p:spPr/>
+        <p:txBody>
+          <a:bodyPr/>
+          <a:lstStyle/>
+          <a:p>
+            <a:r>
+              <a:rPr lang="en-US" dirty="0" smtClean="0"/>
+              <a:t>What not to do</a:t>
+            </a:r>
+            <a:br>
+              <a:rPr lang="en-US" dirty="0" smtClean="0"/>
+            </a:br>
+            <a:r>
+              <a:rPr lang="en-US" dirty="0" smtClean="0"/>
+              <a:t/>
+            </a:r>
+            <a:br>
+              <a:rPr lang="en-US" dirty="0" smtClean="0"/>
+            </a:br>
+            <a:r>
+              <a:rPr lang="en-US" dirty="0" smtClean="0"/>
+              <a:t>F12 tools</a:t>
+            </a:r>
+            <a:endParaRPr lang="en-US" dirty="0"/>
+          </a:p>
+        </p:txBody>
+      </p:sp>
+    </p:spTree>
+    <p:extLst>
+      <p:ext uri="{BB962C8B-B14F-4D97-AF65-F5344CB8AC3E}">
+        <p14:creationId xmlns:p14="http://schemas.microsoft.com/office/powerpoint/2010/main" val="1592215265"/>
+      </p:ext>
+    </p:extLst>
+  </p:cSld>
+  <p:clrMapOvr>
+    <a:masterClrMapping/>
+  </p:clrMapOvr>
+  <p:timing>
+    <p:tnLst>
+      <p:par>
+        <p:cTn id="1" dur="indefinite" restart="never" nodeType="tmRoot"/>
+      </p:par>
+    </p:tnLst>
+  </p:timing>
+</p:sld>
+</file>
+
+<file path=ppt/slides/slide24.xml><?xml version="1.0" encoding="utf-8"?>
+<p:sld xmlns:a="http://schemas.openxmlformats.org/drawingml/2006/main" xmlns:r="http://schemas.openxmlformats.org/officeDocument/2006/relationships" xmlns:p="http://schemas.openxmlformats.org/presentationml/2006/main">
+  <p:cSld>
+    <p:spTree>
+      <p:nvGrpSpPr>
+        <p:cNvPr id="1" name=""/>
+        <p:cNvGrpSpPr/>
+        <p:nvPr/>
+      </p:nvGrpSpPr>
+      <p:grpSpPr>
+        <a:xfrm>
+          <a:off x="0" y="0"/>
+          <a:ext cx="0" cy="0"/>
+          <a:chOff x="0" y="0"/>
+          <a:chExt cx="0" cy="0"/>
+        </a:xfrm>
+      </p:grpSpPr>
+      <p:sp>
+        <p:nvSpPr>
+          <p:cNvPr id="3" name="Title 2"/>
+          <p:cNvSpPr>
+            <a:spLocks noGrp="1"/>
+          </p:cNvSpPr>
+          <p:nvPr>
+            <p:ph type="title"/>
+          </p:nvPr>
+        </p:nvSpPr>
+        <p:spPr/>
+        <p:txBody>
+          <a:bodyPr/>
+          <a:lstStyle/>
+          <a:p>
+            <a:r>
+              <a:rPr lang="en-US" dirty="0" smtClean="0"/>
+              <a:t>Image issues</a:t>
+            </a:r>
+            <a:endParaRPr lang="en-US" dirty="0"/>
+          </a:p>
+        </p:txBody>
+      </p:sp>
+      <p:sp>
+        <p:nvSpPr>
+          <p:cNvPr id="4" name="Content Placeholder 3"/>
+          <p:cNvSpPr>
+            <a:spLocks noGrp="1"/>
+          </p:cNvSpPr>
+          <p:nvPr>
+            <p:ph sz="quarter" idx="10"/>
+          </p:nvPr>
+        </p:nvSpPr>
+        <p:spPr/>
+        <p:txBody>
+          <a:bodyPr/>
+          <a:lstStyle/>
+          <a:p>
+            <a:r>
+              <a:rPr lang="en-US" dirty="0" smtClean="0"/>
+              <a:t>Need to send down right sized images</a:t>
+            </a:r>
+          </a:p>
+          <a:p>
+            <a:r>
+              <a:rPr lang="en-US" dirty="0" smtClean="0"/>
+              <a:t>Servers don't automatically resize images</a:t>
+            </a:r>
+          </a:p>
+          <a:p>
+            <a:r>
+              <a:rPr lang="en-US" dirty="0" err="1" smtClean="0"/>
+              <a:t>img</a:t>
+            </a:r>
+            <a:r>
+              <a:rPr lang="en-US" dirty="0" smtClean="0"/>
+              <a:t> tag doesn't support size detection</a:t>
+            </a:r>
+            <a:endParaRPr lang="en-US" dirty="0"/>
+          </a:p>
+        </p:txBody>
+      </p:sp>
+    </p:spTree>
+    <p:extLst>
+      <p:ext uri="{BB962C8B-B14F-4D97-AF65-F5344CB8AC3E}">
+        <p14:creationId xmlns:p14="http://schemas.microsoft.com/office/powerpoint/2010/main" val="3212056008"/>
+      </p:ext>
+    </p:extLst>
+  </p:cSld>
+  <p:clrMapOvr>
+    <a:masterClrMapping/>
+  </p:clrMapOvr>
+  <p:timing>
+    <p:tnLst>
+      <p:par>
+        <p:cTn id="1" dur="indefinite" restart="never" nodeType="tmRoot"/>
+      </p:par>
+    </p:tnLst>
+  </p:timing>
+</p:sld>
+</file>
+
+<file path=ppt/slides/slide25.xml><?xml version="1.0" encoding="utf-8"?>
+<p:sld xmlns:a="http://schemas.openxmlformats.org/drawingml/2006/main" xmlns:r="http://schemas.openxmlformats.org/officeDocument/2006/relationships" xmlns:p="http://schemas.openxmlformats.org/presentationml/2006/main">
+  <p:cSld>
+    <p:spTree>
+      <p:nvGrpSpPr>
+        <p:cNvPr id="1" name=""/>
+        <p:cNvGrpSpPr/>
+        <p:nvPr/>
+      </p:nvGrpSpPr>
+      <p:grpSpPr>
+        <a:xfrm>
+          <a:off x="0" y="0"/>
+          <a:ext cx="0" cy="0"/>
+          <a:chOff x="0" y="0"/>
+          <a:chExt cx="0" cy="0"/>
+        </a:xfrm>
+      </p:grpSpPr>
+      <p:sp>
+        <p:nvSpPr>
+          <p:cNvPr id="2" name="Title 1"/>
+          <p:cNvSpPr>
+            <a:spLocks noGrp="1"/>
+          </p:cNvSpPr>
+          <p:nvPr>
+            <p:ph type="title"/>
+          </p:nvPr>
+        </p:nvSpPr>
+        <p:spPr/>
+        <p:txBody>
+          <a:bodyPr/>
+          <a:lstStyle/>
+          <a:p>
+            <a:r>
+              <a:rPr lang="en-US" dirty="0" smtClean="0"/>
+              <a:t>Option one</a:t>
+            </a:r>
+            <a:endParaRPr lang="en-US" dirty="0"/>
+          </a:p>
+        </p:txBody>
+      </p:sp>
+      <p:sp>
+        <p:nvSpPr>
+          <p:cNvPr id="3" name="Content Placeholder 2"/>
+          <p:cNvSpPr>
+            <a:spLocks noGrp="1"/>
+          </p:cNvSpPr>
+          <p:nvPr>
+            <p:ph sz="quarter" idx="10"/>
+          </p:nvPr>
+        </p:nvSpPr>
+        <p:spPr/>
+        <p:txBody>
+          <a:bodyPr>
+            <a:normAutofit lnSpcReduction="10000"/>
+          </a:bodyPr>
+          <a:lstStyle/>
+          <a:p>
+            <a:r>
+              <a:rPr lang="en-US" dirty="0" smtClean="0"/>
+              <a:t>SVG graphics</a:t>
+            </a:r>
+          </a:p>
+          <a:p>
+            <a:r>
+              <a:rPr lang="en-US" dirty="0" smtClean="0"/>
+              <a:t>The name says it all</a:t>
+            </a:r>
+          </a:p>
+          <a:p>
+            <a:pPr lvl="1"/>
+            <a:r>
+              <a:rPr lang="en-US" dirty="0" smtClean="0"/>
+              <a:t>Scalable</a:t>
+            </a:r>
+          </a:p>
+          <a:p>
+            <a:pPr lvl="1"/>
+            <a:r>
+              <a:rPr lang="en-US" dirty="0" smtClean="0"/>
+              <a:t>Vector</a:t>
+            </a:r>
+          </a:p>
+          <a:p>
+            <a:pPr lvl="1"/>
+            <a:r>
+              <a:rPr lang="en-US" dirty="0" smtClean="0"/>
+              <a:t>Graphics</a:t>
+            </a:r>
+          </a:p>
+          <a:p>
+            <a:r>
+              <a:rPr lang="en-US" dirty="0" smtClean="0"/>
+              <a:t>Images are created declaratively</a:t>
+            </a:r>
+          </a:p>
+          <a:p>
+            <a:pPr lvl="1"/>
+            <a:r>
+              <a:rPr lang="en-US" dirty="0" smtClean="0"/>
+              <a:t>Least amount of data to be downloaded</a:t>
+            </a:r>
+          </a:p>
+          <a:p>
+            <a:r>
+              <a:rPr lang="en-US" dirty="0" smtClean="0"/>
+              <a:t>Potential issues</a:t>
+            </a:r>
+          </a:p>
+          <a:p>
+            <a:pPr lvl="1"/>
+            <a:r>
+              <a:rPr lang="en-US" dirty="0" smtClean="0"/>
+              <a:t>Browser support</a:t>
+            </a:r>
+          </a:p>
+          <a:p>
+            <a:pPr lvl="1"/>
+            <a:r>
+              <a:rPr lang="en-US" dirty="0" smtClean="0"/>
+              <a:t>Generating SVG</a:t>
+            </a:r>
+            <a:endParaRPr lang="en-US" dirty="0"/>
+          </a:p>
+        </p:txBody>
+      </p:sp>
+    </p:spTree>
+    <p:extLst>
+      <p:ext uri="{BB962C8B-B14F-4D97-AF65-F5344CB8AC3E}">
+        <p14:creationId xmlns:p14="http://schemas.microsoft.com/office/powerpoint/2010/main" val="3387769857"/>
+      </p:ext>
+    </p:extLst>
+  </p:cSld>
+  <p:clrMapOvr>
+    <a:masterClrMapping/>
+  </p:clrMapOvr>
+  <p:timing>
+    <p:tnLst>
+      <p:par>
+        <p:cTn id="1" dur="indefinite" restart="never" nodeType="tmRoot"/>
+      </p:par>
+    </p:tnLst>
+  </p:timing>
+</p:sld>
+</file>
+
+<file path=ppt/slides/slide26.xml><?xml version="1.0" encoding="utf-8"?>
+<p:sld xmlns:a="http://schemas.openxmlformats.org/drawingml/2006/main" xmlns:r="http://schemas.openxmlformats.org/officeDocument/2006/relationships" xmlns:p="http://schemas.openxmlformats.org/presentationml/2006/main">
+  <p:cSld>
+    <p:spTree>
+      <p:nvGrpSpPr>
+        <p:cNvPr id="1" name=""/>
+        <p:cNvGrpSpPr/>
+        <p:nvPr/>
+      </p:nvGrpSpPr>
+      <p:grpSpPr>
+        <a:xfrm>
+          <a:off x="0" y="0"/>
+          <a:ext cx="0" cy="0"/>
+          <a:chOff x="0" y="0"/>
+          <a:chExt cx="0" cy="0"/>
+        </a:xfrm>
+      </p:grpSpPr>
+      <p:sp>
+        <p:nvSpPr>
+          <p:cNvPr id="4" name="Title 3"/>
+          <p:cNvSpPr>
+            <a:spLocks noGrp="1"/>
+          </p:cNvSpPr>
+          <p:nvPr>
+            <p:ph type="title"/>
+          </p:nvPr>
+        </p:nvSpPr>
+        <p:spPr/>
+        <p:txBody>
+          <a:bodyPr/>
+          <a:lstStyle/>
+          <a:p>
+            <a:r>
+              <a:rPr lang="en-US" dirty="0" smtClean="0"/>
+              <a:t>A simple SVG</a:t>
+            </a:r>
+            <a:endParaRPr lang="en-US" dirty="0"/>
+          </a:p>
+        </p:txBody>
+      </p:sp>
+    </p:spTree>
+    <p:extLst>
+      <p:ext uri="{BB962C8B-B14F-4D97-AF65-F5344CB8AC3E}">
+        <p14:creationId xmlns:p14="http://schemas.microsoft.com/office/powerpoint/2010/main" val="3218674372"/>
+      </p:ext>
+    </p:extLst>
+  </p:cSld>
+  <p:clrMapOvr>
+    <a:masterClrMapping/>
+  </p:clrMapOvr>
+  <p:timing>
+    <p:tnLst>
+      <p:par>
+        <p:cTn id="1" dur="indefinite" restart="never" nodeType="tmRoot"/>
+      </p:par>
+    </p:tnLst>
+  </p:timing>
+</p:sld>
+</file>
+
+<file path=ppt/slides/slide27.xml><?xml version="1.0" encoding="utf-8"?>
+<p:sld xmlns:a="http://schemas.openxmlformats.org/drawingml/2006/main" xmlns:r="http://schemas.openxmlformats.org/officeDocument/2006/relationships" xmlns:p="http://schemas.openxmlformats.org/presentationml/2006/main">
+  <p:cSld>
+    <p:spTree>
+      <p:nvGrpSpPr>
+        <p:cNvPr id="1" name=""/>
+        <p:cNvGrpSpPr/>
+        <p:nvPr/>
+      </p:nvGrpSpPr>
+      <p:grpSpPr>
+        <a:xfrm>
+          <a:off x="0" y="0"/>
+          <a:ext cx="0" cy="0"/>
+          <a:chOff x="0" y="0"/>
+          <a:chExt cx="0" cy="0"/>
+        </a:xfrm>
+      </p:grpSpPr>
+      <p:sp>
+        <p:nvSpPr>
+          <p:cNvPr id="2" name="Title 1"/>
+          <p:cNvSpPr>
+            <a:spLocks noGrp="1"/>
+          </p:cNvSpPr>
+          <p:nvPr>
+            <p:ph type="title"/>
+          </p:nvPr>
+        </p:nvSpPr>
+        <p:spPr/>
+        <p:txBody>
+          <a:bodyPr/>
+          <a:lstStyle/>
+          <a:p>
+            <a:r>
+              <a:rPr lang="en-US" dirty="0" smtClean="0"/>
+              <a:t>Option two</a:t>
+            </a:r>
+            <a:endParaRPr lang="en-US" dirty="0"/>
+          </a:p>
+        </p:txBody>
+      </p:sp>
+      <p:sp>
+        <p:nvSpPr>
+          <p:cNvPr id="3" name="Content Placeholder 2"/>
+          <p:cNvSpPr>
+            <a:spLocks noGrp="1"/>
+          </p:cNvSpPr>
+          <p:nvPr>
+            <p:ph sz="quarter" idx="10"/>
+          </p:nvPr>
+        </p:nvSpPr>
+        <p:spPr/>
+        <p:txBody>
+          <a:bodyPr/>
+          <a:lstStyle/>
+          <a:p>
+            <a:r>
+              <a:rPr lang="en-US" dirty="0" smtClean="0"/>
+              <a:t>HTML5 picture element</a:t>
+            </a:r>
+          </a:p>
+          <a:p>
+            <a:r>
+              <a:rPr lang="en-US" dirty="0" smtClean="0"/>
+              <a:t>W3C draft standard</a:t>
+            </a:r>
+          </a:p>
+          <a:p>
+            <a:r>
+              <a:rPr lang="en-US" dirty="0" smtClean="0"/>
+              <a:t>Similar to audio and video elements</a:t>
+            </a:r>
+          </a:p>
+          <a:p>
+            <a:pPr lvl="1"/>
+            <a:r>
+              <a:rPr lang="en-US" dirty="0" smtClean="0"/>
+              <a:t>Specify multiple images</a:t>
+            </a:r>
+          </a:p>
+          <a:p>
+            <a:pPr lvl="1"/>
+            <a:r>
+              <a:rPr lang="en-US" dirty="0" smtClean="0"/>
+              <a:t>Supports media queries</a:t>
+            </a:r>
+          </a:p>
+          <a:p>
+            <a:r>
+              <a:rPr lang="en-US" dirty="0" smtClean="0"/>
+              <a:t>Potential issues</a:t>
+            </a:r>
+          </a:p>
+          <a:p>
+            <a:pPr lvl="1"/>
+            <a:r>
+              <a:rPr lang="en-US" dirty="0" smtClean="0"/>
+              <a:t>Browser support</a:t>
+            </a:r>
+          </a:p>
+          <a:p>
+            <a:pPr lvl="1"/>
+            <a:r>
+              <a:rPr lang="en-US" dirty="0" smtClean="0"/>
+              <a:t>Scott </a:t>
+            </a:r>
+            <a:r>
+              <a:rPr lang="en-US" dirty="0" err="1" smtClean="0"/>
+              <a:t>Jehl's</a:t>
+            </a:r>
+            <a:r>
+              <a:rPr lang="en-US" dirty="0" smtClean="0"/>
+              <a:t> </a:t>
+            </a:r>
+            <a:r>
+              <a:rPr lang="en-US" dirty="0" err="1" smtClean="0"/>
+              <a:t>picturefill</a:t>
+            </a:r>
+            <a:r>
+              <a:rPr lang="en-US" dirty="0"/>
+              <a:t>: https://github.com/scottjehl/picturefill</a:t>
+            </a:r>
+          </a:p>
+        </p:txBody>
+      </p:sp>
+    </p:spTree>
+    <p:extLst>
+      <p:ext uri="{BB962C8B-B14F-4D97-AF65-F5344CB8AC3E}">
+        <p14:creationId xmlns:p14="http://schemas.microsoft.com/office/powerpoint/2010/main" val="2849641477"/>
+      </p:ext>
+    </p:extLst>
+  </p:cSld>
+  <p:clrMapOvr>
+    <a:masterClrMapping/>
+  </p:clrMapOvr>
+  <p:timing>
+    <p:tnLst>
+      <p:par>
+        <p:cTn id="1" dur="indefinite" restart="never" nodeType="tmRoot"/>
+      </p:par>
+    </p:tnLst>
+  </p:timing>
+</p:sld>
+</file>
+
+<file path=ppt/slides/slide28.xml><?xml version="1.0" encoding="utf-8"?>
+<p:sld xmlns:a="http://schemas.openxmlformats.org/drawingml/2006/main" xmlns:r="http://schemas.openxmlformats.org/officeDocument/2006/relationships" xmlns:p="http://schemas.openxmlformats.org/presentationml/2006/main">
+  <p:cSld>
+    <p:spTree>
+      <p:nvGrpSpPr>
+        <p:cNvPr id="1" name=""/>
+        <p:cNvGrpSpPr/>
+        <p:nvPr/>
+      </p:nvGrpSpPr>
+      <p:grpSpPr>
+        <a:xfrm>
+          <a:off x="0" y="0"/>
+          <a:ext cx="0" cy="0"/>
+          <a:chOff x="0" y="0"/>
+          <a:chExt cx="0" cy="0"/>
+        </a:xfrm>
+      </p:grpSpPr>
+      <p:sp>
+        <p:nvSpPr>
+          <p:cNvPr id="4" name="Title 3"/>
+          <p:cNvSpPr>
+            <a:spLocks noGrp="1"/>
+          </p:cNvSpPr>
+          <p:nvPr>
+            <p:ph type="title"/>
+          </p:nvPr>
+        </p:nvSpPr>
+        <p:spPr/>
+        <p:txBody>
+          <a:bodyPr/>
+          <a:lstStyle/>
+          <a:p>
+            <a:r>
+              <a:rPr lang="en-US" dirty="0" smtClean="0"/>
+              <a:t>Picture element</a:t>
+            </a:r>
+            <a:endParaRPr lang="en-US" dirty="0"/>
+          </a:p>
+        </p:txBody>
+      </p:sp>
+      <p:sp>
+        <p:nvSpPr>
+          <p:cNvPr id="5" name="Rectangle 4"/>
+          <p:cNvSpPr/>
+          <p:nvPr/>
+        </p:nvSpPr>
+        <p:spPr>
+          <a:xfrm>
+            <a:off x="2523519" y="6145164"/>
+            <a:ext cx="7602279" cy="400110"/>
+          </a:xfrm>
+          <a:prstGeom prst="rect">
+            <a:avLst/>
+          </a:prstGeom>
+        </p:spPr>
+        <p:style>
+          <a:lnRef idx="3">
+            <a:schemeClr val="lt1"/>
+          </a:lnRef>
+          <a:fillRef idx="1">
+            <a:schemeClr val="accent6"/>
+          </a:fillRef>
+          <a:effectRef idx="1">
+            <a:schemeClr val="accent6"/>
+          </a:effectRef>
+          <a:fontRef idx="minor">
+            <a:schemeClr val="lt1"/>
+          </a:fontRef>
+        </p:style>
+        <p:txBody>
+          <a:bodyPr wrap="square">
+            <a:spAutoFit/>
+          </a:bodyPr>
+          <a:lstStyle/>
+          <a:p>
+            <a:r>
+              <a:rPr lang="en-US" sz="2000" dirty="0"/>
+              <a:t>http://www.html5rocks.com/en/tutorials/responsive/picture-element/</a:t>
+            </a:r>
+          </a:p>
+        </p:txBody>
+      </p:sp>
+    </p:spTree>
+    <p:extLst>
+      <p:ext uri="{BB962C8B-B14F-4D97-AF65-F5344CB8AC3E}">
+        <p14:creationId xmlns:p14="http://schemas.microsoft.com/office/powerpoint/2010/main" val="249011017"/>
+      </p:ext>
+    </p:extLst>
+  </p:cSld>
+  <p:clrMapOvr>
+    <a:masterClrMapping/>
+  </p:clrMapOvr>
+  <p:timing>
+    <p:tnLst>
+      <p:par>
+        <p:cTn id="1" dur="indefinite" restart="never" nodeType="tmRoot"/>
+      </p:par>
+    </p:tnLst>
+  </p:timing>
+</p:sld>
+</file>
+
+<file path=ppt/slides/slide29.xml><?xml version="1.0" encoding="utf-8"?>
+<p:sld xmlns:a="http://schemas.openxmlformats.org/drawingml/2006/main" xmlns:r="http://schemas.openxmlformats.org/officeDocument/2006/relationships" xmlns:p="http://schemas.openxmlformats.org/presentationml/2006/main">
+  <p:cSld>
+    <p:spTree>
+      <p:nvGrpSpPr>
+        <p:cNvPr id="1" name=""/>
+        <p:cNvGrpSpPr/>
+        <p:nvPr/>
+      </p:nvGrpSpPr>
+      <p:grpSpPr>
+        <a:xfrm>
+          <a:off x="0" y="0"/>
+          <a:ext cx="0" cy="0"/>
+          <a:chOff x="0" y="0"/>
+          <a:chExt cx="0" cy="0"/>
+        </a:xfrm>
+      </p:grpSpPr>
+      <p:sp>
+        <p:nvSpPr>
+          <p:cNvPr id="3" name="Title 2"/>
+          <p:cNvSpPr>
+            <a:spLocks noGrp="1"/>
+          </p:cNvSpPr>
+          <p:nvPr>
+            <p:ph type="title"/>
+          </p:nvPr>
+        </p:nvSpPr>
+        <p:spPr/>
+        <p:txBody>
+          <a:bodyPr/>
+          <a:lstStyle/>
+          <a:p>
+            <a:r>
+              <a:rPr lang="en-US" dirty="0" smtClean="0"/>
+              <a:t>Option three</a:t>
+            </a:r>
+            <a:endParaRPr lang="en-US" dirty="0"/>
+          </a:p>
+        </p:txBody>
+      </p:sp>
+      <p:sp>
+        <p:nvSpPr>
+          <p:cNvPr id="4" name="Content Placeholder 3"/>
+          <p:cNvSpPr>
+            <a:spLocks noGrp="1"/>
+          </p:cNvSpPr>
+          <p:nvPr>
+            <p:ph sz="quarter" idx="10"/>
+          </p:nvPr>
+        </p:nvSpPr>
+        <p:spPr/>
+        <p:txBody>
+          <a:bodyPr/>
+          <a:lstStyle/>
+          <a:p>
+            <a:r>
+              <a:rPr lang="en-US" dirty="0" smtClean="0"/>
+              <a:t>Background images on div tags</a:t>
+            </a:r>
+          </a:p>
+          <a:p>
+            <a:r>
+              <a:rPr lang="en-US" dirty="0" smtClean="0"/>
+              <a:t>Always works</a:t>
+            </a:r>
+          </a:p>
+          <a:p>
+            <a:r>
+              <a:rPr lang="en-US" dirty="0" smtClean="0"/>
+              <a:t>Supports media queries</a:t>
+            </a:r>
+          </a:p>
+          <a:p>
+            <a:r>
+              <a:rPr lang="en-US" dirty="0" smtClean="0"/>
+              <a:t>Potential issues</a:t>
+            </a:r>
+          </a:p>
+          <a:p>
+            <a:pPr lvl="1"/>
+            <a:r>
+              <a:rPr lang="en-US" dirty="0" smtClean="0"/>
+              <a:t>It's a hack</a:t>
+            </a:r>
+            <a:endParaRPr lang="en-US" dirty="0"/>
+          </a:p>
+        </p:txBody>
+      </p:sp>
+    </p:spTree>
+    <p:extLst>
+      <p:ext uri="{BB962C8B-B14F-4D97-AF65-F5344CB8AC3E}">
+        <p14:creationId xmlns:p14="http://schemas.microsoft.com/office/powerpoint/2010/main" val="3356672372"/>
+      </p:ext>
+    </p:extLst>
+  </p:cSld>
+  <p:clrMapOvr>
+    <a:masterClrMapping/>
+  </p:clrMapOvr>
+  <p:timing>
+    <p:tnLst>
+      <p:par>
+        <p:cTn id="1" dur="indefinite" restart="never" nodeType="tmRoot"/>
+      </p:par>
+    </p:tnLst>
+  </p:timing>
+</p:sld>
+</file>
+
+<file path=ppt/slides/slide3.xml><?xml version="1.0" encoding="utf-8"?>
+<p:sld xmlns:a="http://schemas.openxmlformats.org/drawingml/2006/main" xmlns:r="http://schemas.openxmlformats.org/officeDocument/2006/relationships" xmlns:p="http://schemas.openxmlformats.org/presentationml/2006/main">
+  <p:cSld>
+    <p:spTree>
+      <p:nvGrpSpPr>
+        <p:cNvPr id="1" name=""/>
+        <p:cNvGrpSpPr/>
+        <p:nvPr/>
+      </p:nvGrpSpPr>
+      <p:grpSpPr>
+        <a:xfrm>
+          <a:off x="0" y="0"/>
+          <a:ext cx="0" cy="0"/>
+          <a:chOff x="0" y="0"/>
+          <a:chExt cx="0" cy="0"/>
+        </a:xfrm>
+      </p:grpSpPr>
+      <p:sp>
+        <p:nvSpPr>
+          <p:cNvPr id="5" name="Text Placeholder 4"/>
+          <p:cNvSpPr>
+            <a:spLocks noGrp="1"/>
+          </p:cNvSpPr>
+          <p:nvPr>
+            <p:ph type="body" sz="quarter" idx="10"/>
+          </p:nvPr>
+        </p:nvSpPr>
+        <p:spPr>
+          <a:solidFill>
+            <a:srgbClr val="007233"/>
+          </a:solidFill>
+          <a:ln>
+            <a:noFill/>
+          </a:ln>
+        </p:spPr>
+        <p:txBody>
+          <a:bodyPr/>
+          <a:lstStyle/>
+          <a:p>
+            <a:pPr marL="914400" indent="-914400"/>
+            <a:r>
+              <a:rPr lang="en-US" dirty="0" smtClean="0"/>
+              <a:t>02 | Mobile UI</a:t>
+            </a:r>
+            <a:endParaRPr lang="en-US" dirty="0"/>
+          </a:p>
+        </p:txBody>
+      </p:sp>
+      <p:sp>
+        <p:nvSpPr>
+          <p:cNvPr id="4" name="Subtitle 3"/>
+          <p:cNvSpPr>
+            <a:spLocks noGrp="1"/>
+          </p:cNvSpPr>
+          <p:nvPr>
+            <p:ph type="subTitle" idx="1"/>
+          </p:nvPr>
+        </p:nvSpPr>
+        <p:spPr/>
+        <p:txBody>
+          <a:bodyPr/>
+          <a:lstStyle/>
+          <a:p>
+            <a:r>
+              <a:rPr lang="en-US" dirty="0"/>
+              <a:t>Christopher Harrison | </a:t>
+            </a:r>
+            <a:r>
+              <a:rPr lang="en-US" dirty="0" smtClean="0"/>
+              <a:t>@</a:t>
+            </a:r>
+            <a:r>
+              <a:rPr lang="en-US" smtClean="0"/>
+              <a:t>GeekTrainer</a:t>
+            </a:r>
+            <a:endParaRPr lang="en-US" dirty="0"/>
+          </a:p>
+          <a:p>
+            <a:r>
+              <a:rPr lang="en-US" dirty="0"/>
+              <a:t>Jeremy Foster | @codefoster</a:t>
+            </a:r>
+          </a:p>
+        </p:txBody>
+      </p:sp>
+    </p:spTree>
+    <p:extLst>
+      <p:ext uri="{BB962C8B-B14F-4D97-AF65-F5344CB8AC3E}">
+        <p14:creationId xmlns:p14="http://schemas.microsoft.com/office/powerpoint/2010/main" val="1027802248"/>
+      </p:ext>
+    </p:extLst>
+  </p:cSld>
+  <p:clrMapOvr>
+    <a:masterClrMapping/>
+  </p:clrMapOvr>
+  <p:timing>
+    <p:tnLst>
+      <p:par>
+        <p:cTn id="1" dur="indefinite" restart="never" nodeType="tmRoot"/>
+      </p:par>
+    </p:tnLst>
+  </p:timing>
+</p:sld>
+</file>
+
+<file path=ppt/slides/slide30.xml><?xml version="1.0" encoding="utf-8"?>
+<p:sld xmlns:a="http://schemas.openxmlformats.org/drawingml/2006/main" xmlns:r="http://schemas.openxmlformats.org/officeDocument/2006/relationships" xmlns:p="http://schemas.openxmlformats.org/presentationml/2006/main">
+  <p:cSld>
+    <p:spTree>
+      <p:nvGrpSpPr>
+        <p:cNvPr id="1" name=""/>
+        <p:cNvGrpSpPr/>
+        <p:nvPr/>
+      </p:nvGrpSpPr>
+      <p:grpSpPr>
+        <a:xfrm>
+          <a:off x="0" y="0"/>
+          <a:ext cx="0" cy="0"/>
+          <a:chOff x="0" y="0"/>
+          <a:chExt cx="0" cy="0"/>
+        </a:xfrm>
+      </p:grpSpPr>
+      <p:sp>
+        <p:nvSpPr>
+          <p:cNvPr id="4" name="Title 3"/>
+          <p:cNvSpPr>
+            <a:spLocks noGrp="1"/>
+          </p:cNvSpPr>
+          <p:nvPr>
+            <p:ph type="title"/>
+          </p:nvPr>
+        </p:nvSpPr>
+        <p:spPr/>
+        <p:txBody>
+          <a:bodyPr/>
+          <a:lstStyle/>
+          <a:p>
+            <a:r>
+              <a:rPr lang="en-US" dirty="0" smtClean="0"/>
+              <a:t>Background images</a:t>
+            </a:r>
+            <a:endParaRPr lang="en-US" dirty="0"/>
+          </a:p>
+        </p:txBody>
+      </p:sp>
+    </p:spTree>
+    <p:extLst>
+      <p:ext uri="{BB962C8B-B14F-4D97-AF65-F5344CB8AC3E}">
+        <p14:creationId xmlns:p14="http://schemas.microsoft.com/office/powerpoint/2010/main" val="3444144893"/>
+      </p:ext>
+    </p:extLst>
+  </p:cSld>
+  <p:clrMapOvr>
+    <a:masterClrMapping/>
+  </p:clrMapOvr>
+  <p:timing>
+    <p:tnLst>
+      <p:par>
+        <p:cTn id="1" dur="indefinite" restart="never" nodeType="tmRoot"/>
+      </p:par>
+    </p:tnLst>
+  </p:timing>
+</p:sld>
+</file>
+
+<file path=ppt/slides/slide31.xml><?xml version="1.0" encoding="utf-8"?>
+<p:sld xmlns:a="http://schemas.openxmlformats.org/drawingml/2006/main" xmlns:r="http://schemas.openxmlformats.org/officeDocument/2006/relationships" xmlns:p="http://schemas.openxmlformats.org/presentationml/2006/main">
+  <p:cSld>
+    <p:spTree>
+      <p:nvGrpSpPr>
+        <p:cNvPr id="1" name=""/>
+        <p:cNvGrpSpPr/>
+        <p:nvPr/>
+      </p:nvGrpSpPr>
+      <p:grpSpPr>
+        <a:xfrm>
+          <a:off x="0" y="0"/>
+          <a:ext cx="0" cy="0"/>
+          <a:chOff x="0" y="0"/>
+          <a:chExt cx="0" cy="0"/>
+        </a:xfrm>
+      </p:grpSpPr>
+      <p:sp>
+        <p:nvSpPr>
+          <p:cNvPr id="4" name="Text Placeholder 3"/>
+          <p:cNvSpPr>
+            <a:spLocks noGrp="1"/>
+          </p:cNvSpPr>
+          <p:nvPr>
+            <p:ph type="body" sz="quarter" idx="10"/>
+          </p:nvPr>
+        </p:nvSpPr>
+        <p:spPr/>
+        <p:txBody>
+          <a:bodyPr/>
+          <a:lstStyle/>
+          <a:p>
+            <a:r>
+              <a:rPr lang="en-US" dirty="0" smtClean="0"/>
+              <a:t>Mimicking apps</a:t>
+            </a:r>
+            <a:endParaRPr lang="en-US" dirty="0"/>
+          </a:p>
+        </p:txBody>
+      </p:sp>
+      <p:sp>
+        <p:nvSpPr>
+          <p:cNvPr id="3" name="Subtitle 2"/>
+          <p:cNvSpPr>
+            <a:spLocks noGrp="1"/>
+          </p:cNvSpPr>
+          <p:nvPr>
+            <p:ph type="subTitle" idx="1"/>
+          </p:nvPr>
+        </p:nvSpPr>
+        <p:spPr/>
+        <p:txBody>
+          <a:bodyPr/>
+          <a:lstStyle/>
+          <a:p>
+            <a:endParaRPr lang="en-US" dirty="0"/>
+          </a:p>
+        </p:txBody>
+      </p:sp>
+    </p:spTree>
+    <p:extLst>
+      <p:ext uri="{BB962C8B-B14F-4D97-AF65-F5344CB8AC3E}">
+        <p14:creationId xmlns:p14="http://schemas.microsoft.com/office/powerpoint/2010/main" val="2838956436"/>
+      </p:ext>
+    </p:extLst>
+  </p:cSld>
+  <p:clrMapOvr>
+    <a:masterClrMapping/>
+  </p:clrMapOvr>
+  <p:timing>
+    <p:tnLst>
+      <p:par>
+        <p:cTn id="1" dur="indefinite" restart="never" nodeType="tmRoot"/>
+      </p:par>
+    </p:tnLst>
+  </p:timing>
+</p:sld>
+</file>
+
+<file path=ppt/slides/slide32.xml><?xml version="1.0" encoding="utf-8"?>
+<p:sld xmlns:a="http://schemas.openxmlformats.org/drawingml/2006/main" xmlns:r="http://schemas.openxmlformats.org/officeDocument/2006/relationships" xmlns:p="http://schemas.openxmlformats.org/presentationml/2006/main">
+  <p:cSld>
+    <p:spTree>
+      <p:nvGrpSpPr>
+        <p:cNvPr id="1" name=""/>
+        <p:cNvGrpSpPr/>
+        <p:nvPr/>
+      </p:nvGrpSpPr>
+      <p:grpSpPr>
+        <a:xfrm>
+          <a:off x="0" y="0"/>
+          <a:ext cx="0" cy="0"/>
+          <a:chOff x="0" y="0"/>
+          <a:chExt cx="0" cy="0"/>
+        </a:xfrm>
+      </p:grpSpPr>
+      <p:sp>
+        <p:nvSpPr>
+          <p:cNvPr id="4" name="Title 3"/>
+          <p:cNvSpPr>
+            <a:spLocks noGrp="1"/>
+          </p:cNvSpPr>
+          <p:nvPr>
+            <p:ph type="title"/>
+          </p:nvPr>
+        </p:nvSpPr>
+        <p:spPr/>
+        <p:txBody>
+          <a:bodyPr/>
+          <a:lstStyle/>
+          <a:p>
+            <a:r>
+              <a:rPr lang="en-US" dirty="0" smtClean="0"/>
+              <a:t>Just because it's not an app...</a:t>
+            </a:r>
+            <a:endParaRPr lang="en-US" dirty="0"/>
+          </a:p>
+        </p:txBody>
+      </p:sp>
+      <p:sp>
+        <p:nvSpPr>
+          <p:cNvPr id="5" name="Content Placeholder 4"/>
+          <p:cNvSpPr>
+            <a:spLocks noGrp="1"/>
+          </p:cNvSpPr>
+          <p:nvPr>
+            <p:ph sz="quarter" idx="10"/>
+          </p:nvPr>
+        </p:nvSpPr>
+        <p:spPr/>
+        <p:txBody>
+          <a:bodyPr/>
+          <a:lstStyle/>
+          <a:p>
+            <a:r>
+              <a:rPr lang="en-US" dirty="0" smtClean="0"/>
+              <a:t>Doesn't mean we don't want it to behave like one</a:t>
+            </a:r>
+          </a:p>
+          <a:p>
+            <a:r>
+              <a:rPr lang="en-US" dirty="0" smtClean="0"/>
+              <a:t>Components</a:t>
+            </a:r>
+          </a:p>
+          <a:p>
+            <a:pPr lvl="1"/>
+            <a:r>
+              <a:rPr lang="en-US" dirty="0" smtClean="0"/>
+              <a:t>Controlling the browser</a:t>
+            </a:r>
+          </a:p>
+          <a:p>
+            <a:pPr lvl="1"/>
+            <a:r>
+              <a:rPr lang="en-US" dirty="0" smtClean="0"/>
+              <a:t>Shortcut icon</a:t>
+            </a:r>
+          </a:p>
+        </p:txBody>
+      </p:sp>
+    </p:spTree>
+    <p:extLst>
+      <p:ext uri="{BB962C8B-B14F-4D97-AF65-F5344CB8AC3E}">
+        <p14:creationId xmlns:p14="http://schemas.microsoft.com/office/powerpoint/2010/main" val="1191592407"/>
+      </p:ext>
+    </p:extLst>
+  </p:cSld>
+  <p:clrMapOvr>
+    <a:masterClrMapping/>
+  </p:clrMapOvr>
+  <p:timing>
+    <p:tnLst>
+      <p:par>
+        <p:cTn id="1" dur="indefinite" restart="never" nodeType="tmRoot"/>
+      </p:par>
+    </p:tnLst>
+  </p:timing>
+</p:sld>
+</file>
+
+<file path=ppt/slides/slide33.xml><?xml version="1.0" encoding="utf-8"?>
+<p:sld xmlns:a="http://schemas.openxmlformats.org/drawingml/2006/main" xmlns:r="http://schemas.openxmlformats.org/officeDocument/2006/relationships" xmlns:p="http://schemas.openxmlformats.org/presentationml/2006/main">
+  <p:cSld>
+    <p:spTree>
+      <p:nvGrpSpPr>
+        <p:cNvPr id="1" name=""/>
+        <p:cNvGrpSpPr/>
+        <p:nvPr/>
+      </p:nvGrpSpPr>
+      <p:grpSpPr>
+        <a:xfrm>
+          <a:off x="0" y="0"/>
+          <a:ext cx="0" cy="0"/>
+          <a:chOff x="0" y="0"/>
+          <a:chExt cx="0" cy="0"/>
+        </a:xfrm>
+      </p:grpSpPr>
+      <p:sp>
+        <p:nvSpPr>
+          <p:cNvPr id="2" name="Title 1"/>
+          <p:cNvSpPr>
+            <a:spLocks noGrp="1"/>
+          </p:cNvSpPr>
+          <p:nvPr>
+            <p:ph type="title"/>
+          </p:nvPr>
+        </p:nvSpPr>
+        <p:spPr/>
+        <p:txBody>
+          <a:bodyPr/>
+          <a:lstStyle/>
+          <a:p>
+            <a:r>
+              <a:rPr lang="en-US" dirty="0" smtClean="0"/>
+              <a:t>Controlling the browser</a:t>
+            </a:r>
+            <a:endParaRPr lang="en-US" dirty="0"/>
+          </a:p>
+        </p:txBody>
+      </p:sp>
+      <p:sp>
+        <p:nvSpPr>
+          <p:cNvPr id="3" name="Content Placeholder 2"/>
+          <p:cNvSpPr>
+            <a:spLocks noGrp="1"/>
+          </p:cNvSpPr>
+          <p:nvPr>
+            <p:ph sz="quarter" idx="10"/>
+          </p:nvPr>
+        </p:nvSpPr>
+        <p:spPr/>
+        <p:txBody>
+          <a:bodyPr/>
+          <a:lstStyle/>
+          <a:p>
+            <a:r>
+              <a:rPr lang="en-US" dirty="0" smtClean="0"/>
+              <a:t>viewport meta tag</a:t>
+            </a:r>
+          </a:p>
+          <a:p>
+            <a:pPr lvl="1"/>
+            <a:r>
+              <a:rPr lang="en-US" dirty="0" smtClean="0"/>
+              <a:t>Set zoom capabilities</a:t>
+            </a:r>
+          </a:p>
+          <a:p>
+            <a:r>
+              <a:rPr lang="en-US" dirty="0" smtClean="0"/>
+              <a:t>Hiding the address bar</a:t>
+            </a:r>
+          </a:p>
+          <a:p>
+            <a:pPr lvl="1"/>
+            <a:r>
+              <a:rPr lang="en-US" dirty="0"/>
+              <a:t>https://</a:t>
+            </a:r>
+            <a:r>
+              <a:rPr lang="en-US" dirty="0" smtClean="0"/>
+              <a:t>gist.github.com/scottjehl/1183357</a:t>
+            </a:r>
+          </a:p>
+          <a:p>
+            <a:pPr lvl="2"/>
+            <a:r>
+              <a:rPr lang="en-US" dirty="0" smtClean="0"/>
+              <a:t>(iOS and Android only)</a:t>
+            </a:r>
+            <a:endParaRPr lang="en-US" dirty="0"/>
+          </a:p>
+        </p:txBody>
+      </p:sp>
+    </p:spTree>
+    <p:extLst>
+      <p:ext uri="{BB962C8B-B14F-4D97-AF65-F5344CB8AC3E}">
+        <p14:creationId xmlns:p14="http://schemas.microsoft.com/office/powerpoint/2010/main" val="3667106330"/>
+      </p:ext>
+    </p:extLst>
+  </p:cSld>
+  <p:clrMapOvr>
+    <a:masterClrMapping/>
+  </p:clrMapOvr>
+  <p:timing>
+    <p:tnLst>
+      <p:par>
+        <p:cTn id="1" dur="indefinite" restart="never" nodeType="tmRoot"/>
+      </p:par>
+    </p:tnLst>
+  </p:timing>
+</p:sld>
+</file>
+
+<file path=ppt/slides/slide34.xml><?xml version="1.0" encoding="utf-8"?>
+<p:sld xmlns:a="http://schemas.openxmlformats.org/drawingml/2006/main" xmlns:r="http://schemas.openxmlformats.org/officeDocument/2006/relationships" xmlns:p="http://schemas.openxmlformats.org/presentationml/2006/main">
+  <p:cSld>
+    <p:spTree>
+      <p:nvGrpSpPr>
+        <p:cNvPr id="1" name=""/>
+        <p:cNvGrpSpPr/>
+        <p:nvPr/>
+      </p:nvGrpSpPr>
+      <p:grpSpPr>
+        <a:xfrm>
+          <a:off x="0" y="0"/>
+          <a:ext cx="0" cy="0"/>
+          <a:chOff x="0" y="0"/>
+          <a:chExt cx="0" cy="0"/>
+        </a:xfrm>
+      </p:grpSpPr>
+      <p:sp>
+        <p:nvSpPr>
+          <p:cNvPr id="2" name="Title 1"/>
+          <p:cNvSpPr>
+            <a:spLocks noGrp="1"/>
+          </p:cNvSpPr>
+          <p:nvPr>
+            <p:ph type="title"/>
+          </p:nvPr>
+        </p:nvSpPr>
+        <p:spPr/>
+        <p:txBody>
+          <a:bodyPr/>
+          <a:lstStyle/>
+          <a:p>
+            <a:r>
+              <a:rPr lang="en-US" dirty="0" smtClean="0"/>
+              <a:t>Icons</a:t>
+            </a:r>
+            <a:endParaRPr lang="en-US" dirty="0"/>
+          </a:p>
+        </p:txBody>
+      </p:sp>
+      <p:sp>
+        <p:nvSpPr>
+          <p:cNvPr id="3" name="Content Placeholder 2"/>
+          <p:cNvSpPr>
+            <a:spLocks noGrp="1"/>
+          </p:cNvSpPr>
+          <p:nvPr>
+            <p:ph sz="quarter" idx="10"/>
+          </p:nvPr>
+        </p:nvSpPr>
+        <p:spPr/>
+        <p:txBody>
+          <a:bodyPr/>
+          <a:lstStyle/>
+          <a:p>
+            <a:r>
+              <a:rPr lang="en-US" dirty="0" smtClean="0"/>
+              <a:t>Determine what is placed on home screen when "installed"</a:t>
+            </a:r>
+          </a:p>
+          <a:p>
+            <a:r>
+              <a:rPr lang="en-US" dirty="0" smtClean="0"/>
+              <a:t>Unfortunately, each vendor has their own method</a:t>
+            </a:r>
+          </a:p>
+          <a:p>
+            <a:pPr lvl="1"/>
+            <a:r>
+              <a:rPr lang="en-US" dirty="0">
+                <a:hlinkClick r:id="rId2"/>
+              </a:rPr>
+              <a:t>http://</a:t>
+            </a:r>
+            <a:r>
+              <a:rPr lang="en-US" dirty="0" smtClean="0">
+                <a:hlinkClick r:id="rId2"/>
+              </a:rPr>
+              <a:t>en.wikipedia.org/wiki/Favicon</a:t>
+            </a:r>
+            <a:endParaRPr lang="en-US" dirty="0" smtClean="0"/>
+          </a:p>
+        </p:txBody>
+      </p:sp>
+    </p:spTree>
+    <p:extLst>
+      <p:ext uri="{BB962C8B-B14F-4D97-AF65-F5344CB8AC3E}">
+        <p14:creationId xmlns:p14="http://schemas.microsoft.com/office/powerpoint/2010/main" val="3707912732"/>
+      </p:ext>
+    </p:extLst>
+  </p:cSld>
+  <p:clrMapOvr>
+    <a:masterClrMapping/>
+  </p:clrMapOvr>
+  <p:timing>
+    <p:tnLst>
+      <p:par>
+        <p:cTn id="1" dur="indefinite" restart="never" nodeType="tmRoot"/>
+      </p:par>
+    </p:tnLst>
+  </p:timing>
+</p:sld>
+</file>
+
+<file path=ppt/slides/slide35.xml><?xml version="1.0" encoding="utf-8"?>
+<p:sld xmlns:a="http://schemas.openxmlformats.org/drawingml/2006/main" xmlns:r="http://schemas.openxmlformats.org/officeDocument/2006/relationships" xmlns:p="http://schemas.openxmlformats.org/presentationml/2006/main">
+  <p:cSld>
+    <p:spTree>
+      <p:nvGrpSpPr>
+        <p:cNvPr id="1" name=""/>
+        <p:cNvGrpSpPr/>
+        <p:nvPr/>
+      </p:nvGrpSpPr>
+      <p:grpSpPr>
+        <a:xfrm>
+          <a:off x="0" y="0"/>
+          <a:ext cx="0" cy="0"/>
+          <a:chOff x="0" y="0"/>
+          <a:chExt cx="0" cy="0"/>
+        </a:xfrm>
+      </p:grpSpPr>
+      <p:sp>
+        <p:nvSpPr>
+          <p:cNvPr id="2" name="Title 1"/>
+          <p:cNvSpPr>
+            <a:spLocks noGrp="1"/>
+          </p:cNvSpPr>
+          <p:nvPr>
+            <p:ph type="title"/>
+          </p:nvPr>
+        </p:nvSpPr>
+        <p:spPr/>
+        <p:txBody>
+          <a:bodyPr/>
+          <a:lstStyle/>
+          <a:p>
+            <a:r>
+              <a:rPr lang="en-US" dirty="0" smtClean="0"/>
+              <a:t>Mimicking live tile</a:t>
+            </a:r>
+            <a:endParaRPr lang="en-US" dirty="0"/>
+          </a:p>
+        </p:txBody>
+      </p:sp>
+      <p:sp>
+        <p:nvSpPr>
+          <p:cNvPr id="3" name="Content Placeholder 2"/>
+          <p:cNvSpPr>
+            <a:spLocks noGrp="1"/>
+          </p:cNvSpPr>
+          <p:nvPr>
+            <p:ph sz="quarter" idx="10"/>
+          </p:nvPr>
+        </p:nvSpPr>
+        <p:spPr/>
+        <p:txBody>
+          <a:bodyPr/>
+          <a:lstStyle/>
+          <a:p>
+            <a:r>
+              <a:rPr lang="en-US" dirty="0" smtClean="0"/>
+              <a:t>Live tiles show state of an application</a:t>
+            </a:r>
+          </a:p>
+          <a:p>
+            <a:pPr lvl="1"/>
+            <a:r>
+              <a:rPr lang="en-US" dirty="0" smtClean="0"/>
+              <a:t>Unread messages</a:t>
+            </a:r>
+          </a:p>
+          <a:p>
+            <a:pPr lvl="1"/>
+            <a:r>
+              <a:rPr lang="en-US" dirty="0" smtClean="0"/>
+              <a:t>Number of posted updates</a:t>
+            </a:r>
+          </a:p>
+          <a:p>
+            <a:r>
+              <a:rPr lang="en-US" dirty="0" smtClean="0"/>
+              <a:t>Using polling, pinned sites can behave like live tiles</a:t>
+            </a:r>
+          </a:p>
+          <a:p>
+            <a:pPr lvl="1"/>
+            <a:r>
+              <a:rPr lang="en-US" dirty="0" smtClean="0"/>
+              <a:t>Full details:</a:t>
+            </a:r>
+          </a:p>
+          <a:p>
+            <a:pPr lvl="2"/>
+            <a:r>
+              <a:rPr lang="en-US" dirty="0" smtClean="0"/>
+              <a:t>http</a:t>
+            </a:r>
+            <a:r>
+              <a:rPr lang="en-US" dirty="0"/>
+              <a:t>://msdn.microsoft.com/en-us/library/ie/dn455115(v=vs.85).</a:t>
+            </a:r>
+            <a:r>
+              <a:rPr lang="en-US" dirty="0" smtClean="0"/>
+              <a:t>aspx</a:t>
+            </a:r>
+          </a:p>
+          <a:p>
+            <a:pPr lvl="1"/>
+            <a:r>
+              <a:rPr lang="en-US" dirty="0" smtClean="0"/>
+              <a:t>Scott </a:t>
+            </a:r>
+            <a:r>
+              <a:rPr lang="en-US" dirty="0" err="1" smtClean="0"/>
+              <a:t>Hanselman's</a:t>
+            </a:r>
+            <a:r>
+              <a:rPr lang="en-US" dirty="0" smtClean="0"/>
+              <a:t> blog:</a:t>
+            </a:r>
+          </a:p>
+          <a:p>
+            <a:pPr lvl="2"/>
+            <a:r>
+              <a:rPr lang="en-US" dirty="0"/>
+              <a:t>http://</a:t>
+            </a:r>
+            <a:r>
+              <a:rPr lang="en-US" dirty="0" smtClean="0"/>
+              <a:t>www.hanselman.com/blog/MakeAWindows81PinnedLiveTileForYOURWebsiteInMinutes.aspx</a:t>
+            </a:r>
+          </a:p>
+          <a:p>
+            <a:pPr lvl="1"/>
+            <a:r>
+              <a:rPr lang="en-US" dirty="0" smtClean="0"/>
+              <a:t>Build My Pinned Site</a:t>
+            </a:r>
+          </a:p>
+          <a:p>
+            <a:pPr lvl="2"/>
+            <a:r>
+              <a:rPr lang="en-US" dirty="0"/>
+              <a:t>http://</a:t>
+            </a:r>
+            <a:r>
+              <a:rPr lang="en-US" dirty="0" smtClean="0"/>
+              <a:t>www.buildmypinnedsite.com/</a:t>
+            </a:r>
+            <a:endParaRPr lang="en-US" dirty="0"/>
+          </a:p>
+        </p:txBody>
+      </p:sp>
+    </p:spTree>
+    <p:extLst>
+      <p:ext uri="{BB962C8B-B14F-4D97-AF65-F5344CB8AC3E}">
+        <p14:creationId xmlns:p14="http://schemas.microsoft.com/office/powerpoint/2010/main" val="1452181934"/>
+      </p:ext>
+    </p:extLst>
+  </p:cSld>
+  <p:clrMapOvr>
+    <a:masterClrMapping/>
+  </p:clrMapOvr>
+  <p:timing>
+    <p:tnLst>
+      <p:par>
+        <p:cTn id="1" dur="indefinite" restart="never" nodeType="tmRoot"/>
+      </p:par>
+    </p:tnLst>
+  </p:timing>
+</p:sld>
+</file>
+
+<file path=ppt/slides/slide36.xml><?xml version="1.0" encoding="utf-8"?>
+<p:sld xmlns:a="http://schemas.openxmlformats.org/drawingml/2006/main" xmlns:r="http://schemas.openxmlformats.org/officeDocument/2006/relationships" xmlns:p="http://schemas.openxmlformats.org/presentationml/2006/main">
+  <p:cSld>
+    <p:spTree>
+      <p:nvGrpSpPr>
+        <p:cNvPr id="1" name=""/>
+        <p:cNvGrpSpPr/>
+        <p:nvPr/>
+      </p:nvGrpSpPr>
+      <p:grpSpPr>
+        <a:xfrm>
+          <a:off x="0" y="0"/>
+          <a:ext cx="0" cy="0"/>
+          <a:chOff x="0" y="0"/>
+          <a:chExt cx="0" cy="0"/>
+        </a:xfrm>
+      </p:grpSpPr>
+      <p:sp>
+        <p:nvSpPr>
+          <p:cNvPr id="4" name="Title 3"/>
+          <p:cNvSpPr>
+            <a:spLocks noGrp="1"/>
+          </p:cNvSpPr>
+          <p:nvPr>
+            <p:ph type="title"/>
+          </p:nvPr>
+        </p:nvSpPr>
+        <p:spPr/>
+        <p:txBody>
+          <a:bodyPr/>
+          <a:lstStyle/>
+          <a:p>
+            <a:r>
+              <a:rPr lang="en-US" dirty="0" smtClean="0"/>
+              <a:t>Live tiles</a:t>
+            </a:r>
+            <a:endParaRPr lang="en-US" dirty="0"/>
+          </a:p>
+        </p:txBody>
+      </p:sp>
+    </p:spTree>
+    <p:extLst>
+      <p:ext uri="{BB962C8B-B14F-4D97-AF65-F5344CB8AC3E}">
+        <p14:creationId xmlns:p14="http://schemas.microsoft.com/office/powerpoint/2010/main" val="1591606619"/>
+      </p:ext>
+    </p:extLst>
+  </p:cSld>
+  <p:clrMapOvr>
+    <a:masterClrMapping/>
+  </p:clrMapOvr>
+  <p:timing>
+    <p:tnLst>
+      <p:par>
+        <p:cTn id="1" dur="indefinite" restart="never" nodeType="tmRoot"/>
+      </p:par>
+    </p:tnLst>
+  </p:timing>
+</p:sld>
+</file>
+
+<file path=ppt/slides/slide37.xml><?xml version="1.0" encoding="utf-8"?>
+<p:sld xmlns:a="http://schemas.openxmlformats.org/drawingml/2006/main" xmlns:r="http://schemas.openxmlformats.org/officeDocument/2006/relationships" xmlns:p="http://schemas.openxmlformats.org/presentationml/2006/main">
+  <p:cSld>
+    <p:spTree>
+      <p:nvGrpSpPr>
+        <p:cNvPr id="1" name=""/>
+        <p:cNvGrpSpPr/>
+        <p:nvPr/>
+      </p:nvGrpSpPr>
+      <p:grpSpPr>
+        <a:xfrm>
+          <a:off x="0" y="0"/>
+          <a:ext cx="0" cy="0"/>
+          <a:chOff x="0" y="0"/>
+          <a:chExt cx="0" cy="0"/>
+        </a:xfrm>
+      </p:grpSpPr>
+    </p:spTree>
+    <p:extLst>
+      <p:ext uri="{BB962C8B-B14F-4D97-AF65-F5344CB8AC3E}">
+        <p14:creationId xmlns:p14="http://schemas.microsoft.com/office/powerpoint/2010/main" val="898363405"/>
+      </p:ext>
+    </p:extLst>
+  </p:cSld>
+  <p:clrMapOvr>
+    <a:masterClrMapping/>
+  </p:clrMapOvr>
+  <p:timing>
+    <p:tnLst>
+      <p:par>
+        <p:cTn id="1" dur="indefinite" restart="never" nodeType="tmRoot"/>
+      </p:par>
+    </p:tnLst>
+  </p:timing>
+</p:sld>
+</file>
+
+<file path=ppt/slides/slide4.xml><?xml version="1.0" encoding="utf-8"?>
+<p:sld xmlns:a="http://schemas.openxmlformats.org/drawingml/2006/main" xmlns:r="http://schemas.openxmlformats.org/officeDocument/2006/relationships" xmlns:p="http://schemas.openxmlformats.org/presentationml/2006/main">
+  <p:cSld>
+    <p:spTree>
+      <p:nvGrpSpPr>
+        <p:cNvPr id="1" name=""/>
+        <p:cNvGrpSpPr/>
+        <p:nvPr/>
+      </p:nvGrpSpPr>
+      <p:grpSpPr>
+        <a:xfrm>
+          <a:off x="0" y="0"/>
+          <a:ext cx="0" cy="0"/>
+          <a:chOff x="0" y="0"/>
+          <a:chExt cx="0" cy="0"/>
+        </a:xfrm>
+      </p:grpSpPr>
+      <p:sp>
+        <p:nvSpPr>
+          <p:cNvPr id="7" name="Content Placeholder 6"/>
+          <p:cNvSpPr>
+            <a:spLocks noGrp="1"/>
+          </p:cNvSpPr>
+          <p:nvPr>
+            <p:ph sz="quarter" idx="10"/>
+          </p:nvPr>
+        </p:nvSpPr>
+        <p:spPr/>
+        <p:txBody>
+          <a:bodyPr>
+            <a:normAutofit/>
+          </a:bodyPr>
+          <a:lstStyle/>
+          <a:p>
+            <a:r>
+              <a:rPr lang="en-GB" dirty="0" smtClean="0"/>
+              <a:t>CSS and media queries</a:t>
+            </a:r>
+          </a:p>
+          <a:p>
+            <a:r>
+              <a:rPr lang="en-GB" dirty="0" smtClean="0"/>
+              <a:t>Bootstrap</a:t>
+            </a:r>
+          </a:p>
+          <a:p>
+            <a:r>
+              <a:rPr lang="en-GB" dirty="0" smtClean="0"/>
+              <a:t>Images</a:t>
+            </a:r>
+          </a:p>
+          <a:p>
+            <a:r>
+              <a:rPr lang="en-GB" dirty="0" smtClean="0"/>
+              <a:t>Mimicking Apps</a:t>
+            </a:r>
+          </a:p>
+        </p:txBody>
+      </p:sp>
+      <p:sp>
+        <p:nvSpPr>
+          <p:cNvPr id="2" name="Title 1"/>
+          <p:cNvSpPr>
+            <a:spLocks noGrp="1"/>
+          </p:cNvSpPr>
+          <p:nvPr>
+            <p:ph type="title"/>
+          </p:nvPr>
+        </p:nvSpPr>
+        <p:spPr/>
+        <p:txBody>
+          <a:bodyPr/>
+          <a:lstStyle/>
+          <a:p>
+            <a:r>
+              <a:rPr lang="en-US" smtClean="0"/>
+              <a:t>Module Overview</a:t>
+            </a:r>
+            <a:endParaRPr lang="en-US" dirty="0"/>
+          </a:p>
+        </p:txBody>
+      </p:sp>
+    </p:spTree>
+    <p:extLst>
+      <p:ext uri="{BB962C8B-B14F-4D97-AF65-F5344CB8AC3E}">
+        <p14:creationId xmlns:p14="http://schemas.microsoft.com/office/powerpoint/2010/main" val="1284220802"/>
+      </p:ext>
+    </p:extLst>
+  </p:cSld>
+  <p:clrMapOvr>
+    <a:masterClrMapping/>
+  </p:clrMapOvr>
+  <p:timing>
+    <p:tnLst>
+      <p:par>
+        <p:cTn id="1" dur="indefinite" restart="never" nodeType="tmRoot"/>
+      </p:par>
+    </p:tnLst>
+  </p:timing>
+</p:sld>
+</file>
+
+<file path=ppt/slides/slide5.xml><?xml version="1.0" encoding="utf-8"?>
+<p:sld xmlns:a="http://schemas.openxmlformats.org/drawingml/2006/main" xmlns:r="http://schemas.openxmlformats.org/officeDocument/2006/relationships" xmlns:p="http://schemas.openxmlformats.org/presentationml/2006/main">
+  <p:cSld>
+    <p:spTree>
+      <p:nvGrpSpPr>
+        <p:cNvPr id="1" name=""/>
+        <p:cNvGrpSpPr/>
+        <p:nvPr/>
+      </p:nvGrpSpPr>
+      <p:grpSpPr>
+        <a:xfrm>
+          <a:off x="0" y="0"/>
+          <a:ext cx="0" cy="0"/>
+          <a:chOff x="0" y="0"/>
+          <a:chExt cx="0" cy="0"/>
+        </a:xfrm>
+      </p:grpSpPr>
+      <p:sp>
+        <p:nvSpPr>
+          <p:cNvPr id="2" name="Text Placeholder 1"/>
+          <p:cNvSpPr>
+            <a:spLocks noGrp="1"/>
+          </p:cNvSpPr>
+          <p:nvPr>
+            <p:ph type="body" sz="quarter" idx="10"/>
+          </p:nvPr>
+        </p:nvSpPr>
+        <p:spPr/>
+        <p:txBody>
+          <a:bodyPr/>
+          <a:lstStyle/>
+          <a:p>
+            <a:r>
+              <a:rPr lang="en-US" dirty="0" smtClean="0"/>
+              <a:t>CSS and media queries</a:t>
+            </a:r>
+            <a:endParaRPr lang="en-US" dirty="0"/>
+          </a:p>
+        </p:txBody>
+      </p:sp>
+      <p:sp>
+        <p:nvSpPr>
+          <p:cNvPr id="3" name="Subtitle 2"/>
+          <p:cNvSpPr>
+            <a:spLocks noGrp="1"/>
+          </p:cNvSpPr>
+          <p:nvPr>
+            <p:ph type="subTitle" idx="1"/>
+          </p:nvPr>
+        </p:nvSpPr>
+        <p:spPr/>
+        <p:txBody>
+          <a:bodyPr/>
+          <a:lstStyle/>
+          <a:p>
+            <a:endParaRPr lang="en-US" dirty="0"/>
+          </a:p>
+        </p:txBody>
+      </p:sp>
+    </p:spTree>
+    <p:extLst>
+      <p:ext uri="{BB962C8B-B14F-4D97-AF65-F5344CB8AC3E}">
+        <p14:creationId xmlns:p14="http://schemas.microsoft.com/office/powerpoint/2010/main" val="3729075762"/>
+      </p:ext>
+    </p:extLst>
+  </p:cSld>
+  <p:clrMapOvr>
+    <a:masterClrMapping/>
+  </p:clrMapOvr>
+  <p:timing>
+    <p:tnLst>
+      <p:par>
+        <p:cTn id="1" dur="indefinite" restart="never" nodeType="tmRoot"/>
+      </p:par>
+    </p:tnLst>
+  </p:timing>
+</p:sld>
+</file>
+
+<file path=ppt/slides/slide6.xml><?xml version="1.0" encoding="utf-8"?>
+<p:sld xmlns:a="http://schemas.openxmlformats.org/drawingml/2006/main" xmlns:r="http://schemas.openxmlformats.org/officeDocument/2006/relationships" xmlns:p="http://schemas.openxmlformats.org/presentationml/2006/main">
+  <p:cSld>
+    <p:spTree>
+      <p:nvGrpSpPr>
+        <p:cNvPr id="1" name=""/>
+        <p:cNvGrpSpPr/>
+        <p:nvPr/>
+      </p:nvGrpSpPr>
+      <p:grpSpPr>
+        <a:xfrm>
+          <a:off x="0" y="0"/>
+          <a:ext cx="0" cy="0"/>
+          <a:chOff x="0" y="0"/>
+          <a:chExt cx="0" cy="0"/>
+        </a:xfrm>
+      </p:grpSpPr>
+      <p:sp>
+        <p:nvSpPr>
+          <p:cNvPr id="2" name="Title 1"/>
+          <p:cNvSpPr>
+            <a:spLocks noGrp="1"/>
+          </p:cNvSpPr>
+          <p:nvPr>
+            <p:ph type="title"/>
+          </p:nvPr>
+        </p:nvSpPr>
+        <p:spPr/>
+        <p:txBody>
+          <a:bodyPr/>
+          <a:lstStyle/>
+          <a:p>
+            <a:r>
+              <a:rPr lang="en-US" dirty="0" smtClean="0"/>
+              <a:t>30 second CSS review</a:t>
+            </a:r>
+            <a:endParaRPr lang="en-US" dirty="0"/>
+          </a:p>
+        </p:txBody>
+      </p:sp>
+      <p:sp>
+        <p:nvSpPr>
+          <p:cNvPr id="3" name="Content Placeholder 2"/>
+          <p:cNvSpPr>
+            <a:spLocks noGrp="1"/>
+          </p:cNvSpPr>
+          <p:nvPr>
+            <p:ph sz="quarter" idx="10"/>
+          </p:nvPr>
+        </p:nvSpPr>
+        <p:spPr/>
+        <p:txBody>
+          <a:bodyPr/>
+          <a:lstStyle/>
+          <a:p>
+            <a:r>
+              <a:rPr lang="en-US" dirty="0" smtClean="0"/>
+              <a:t>Cascading style sheets</a:t>
+            </a:r>
+          </a:p>
+          <a:p>
+            <a:pPr lvl="1"/>
+            <a:r>
+              <a:rPr lang="en-US" dirty="0" smtClean="0"/>
+              <a:t>Higher precedence for best matches</a:t>
+            </a:r>
+          </a:p>
+          <a:p>
+            <a:pPr lvl="2"/>
+            <a:r>
+              <a:rPr lang="en-US" dirty="0" smtClean="0"/>
+              <a:t>ID</a:t>
+            </a:r>
+          </a:p>
+          <a:p>
+            <a:pPr lvl="2"/>
+            <a:r>
+              <a:rPr lang="en-US" dirty="0" smtClean="0"/>
+              <a:t>Class</a:t>
+            </a:r>
+          </a:p>
+          <a:p>
+            <a:pPr lvl="2"/>
+            <a:r>
+              <a:rPr lang="en-US" dirty="0" smtClean="0"/>
+              <a:t>Element</a:t>
+            </a:r>
+            <a:endParaRPr lang="en-US" dirty="0"/>
+          </a:p>
+          <a:p>
+            <a:pPr lvl="1"/>
+            <a:r>
+              <a:rPr lang="en-US" dirty="0" smtClean="0"/>
+              <a:t>Last write wins</a:t>
+            </a:r>
+            <a:endParaRPr lang="en-US" dirty="0"/>
+          </a:p>
+        </p:txBody>
+      </p:sp>
+    </p:spTree>
+    <p:extLst>
+      <p:ext uri="{BB962C8B-B14F-4D97-AF65-F5344CB8AC3E}">
+        <p14:creationId xmlns:p14="http://schemas.microsoft.com/office/powerpoint/2010/main" val="3893462293"/>
+      </p:ext>
+    </p:extLst>
+  </p:cSld>
+  <p:clrMapOvr>
+    <a:masterClrMapping/>
+  </p:clrMapOvr>
+  <p:timing>
+    <p:tnLst>
+      <p:par>
+        <p:cTn id="1" dur="indefinite" restart="never" nodeType="tmRoot"/>
+      </p:par>
+    </p:tnLst>
+  </p:timing>
+</p:sld>
+</file>
+
+<file path=ppt/slides/slide7.xml><?xml version="1.0" encoding="utf-8"?>
+<p:sld xmlns:a="http://schemas.openxmlformats.org/drawingml/2006/main" xmlns:r="http://schemas.openxmlformats.org/officeDocument/2006/relationships" xmlns:p="http://schemas.openxmlformats.org/presentationml/2006/main">
+  <p:cSld>
+    <p:spTree>
+      <p:nvGrpSpPr>
+        <p:cNvPr id="1" name=""/>
+        <p:cNvGrpSpPr/>
+        <p:nvPr/>
+      </p:nvGrpSpPr>
+      <p:grpSpPr>
+        <a:xfrm>
+          <a:off x="0" y="0"/>
+          <a:ext cx="0" cy="0"/>
+          <a:chOff x="0" y="0"/>
+          <a:chExt cx="0" cy="0"/>
+        </a:xfrm>
+      </p:grpSpPr>
+      <p:sp>
+        <p:nvSpPr>
+          <p:cNvPr id="4" name="Title 3"/>
+          <p:cNvSpPr>
+            <a:spLocks noGrp="1"/>
+          </p:cNvSpPr>
+          <p:nvPr>
+            <p:ph type="title"/>
+          </p:nvPr>
+        </p:nvSpPr>
+        <p:spPr/>
+        <p:txBody>
+          <a:bodyPr/>
+          <a:lstStyle/>
+          <a:p>
+            <a:r>
+              <a:rPr lang="en-US" dirty="0" smtClean="0"/>
+              <a:t>Browser detection</a:t>
+            </a:r>
+            <a:endParaRPr lang="en-US" dirty="0"/>
+          </a:p>
+        </p:txBody>
+      </p:sp>
+      <p:sp>
+        <p:nvSpPr>
+          <p:cNvPr id="5" name="Content Placeholder 4"/>
+          <p:cNvSpPr>
+            <a:spLocks noGrp="1"/>
+          </p:cNvSpPr>
+          <p:nvPr>
+            <p:ph sz="quarter" idx="10"/>
+          </p:nvPr>
+        </p:nvSpPr>
+        <p:spPr/>
+        <p:txBody>
+          <a:bodyPr/>
+          <a:lstStyle/>
+          <a:p>
+            <a:r>
+              <a:rPr lang="en-US" dirty="0" smtClean="0"/>
+              <a:t>Challenging at best</a:t>
+            </a:r>
+          </a:p>
+          <a:p>
+            <a:pPr lvl="1"/>
+            <a:r>
+              <a:rPr lang="en-US" dirty="0" smtClean="0"/>
+              <a:t>User agent strings can be misleading</a:t>
+            </a:r>
+          </a:p>
+          <a:p>
+            <a:pPr lvl="1"/>
+            <a:r>
+              <a:rPr lang="en-US" dirty="0" smtClean="0"/>
+              <a:t>User agent strings can be spoofed</a:t>
+            </a:r>
+          </a:p>
+          <a:p>
+            <a:r>
+              <a:rPr lang="en-US" dirty="0" smtClean="0"/>
+              <a:t>Use a library</a:t>
+            </a:r>
+          </a:p>
+          <a:p>
+            <a:pPr lvl="1"/>
+            <a:r>
+              <a:rPr lang="en-US" dirty="0" smtClean="0"/>
+              <a:t>UA.js</a:t>
+            </a:r>
+          </a:p>
+          <a:p>
+            <a:pPr lvl="2"/>
+            <a:r>
+              <a:rPr lang="en-US" dirty="0">
+                <a:hlinkClick r:id="rId2"/>
+              </a:rPr>
+              <a:t>https://github.com/g13n/ua.js</a:t>
+            </a:r>
+            <a:endParaRPr lang="en-US" dirty="0" smtClean="0"/>
+          </a:p>
+        </p:txBody>
+      </p:sp>
+    </p:spTree>
+    <p:extLst>
+      <p:ext uri="{BB962C8B-B14F-4D97-AF65-F5344CB8AC3E}">
+        <p14:creationId xmlns:p14="http://schemas.microsoft.com/office/powerpoint/2010/main" val="2662582982"/>
+      </p:ext>
+    </p:extLst>
+  </p:cSld>
+  <p:clrMapOvr>
+    <a:masterClrMapping/>
+  </p:clrMapOvr>
+  <p:timing>
+    <p:tnLst>
+      <p:par>
+        <p:cTn id="1" dur="indefinite" restart="never" nodeType="tmRoot"/>
+      </p:par>
+    </p:tnLst>
+  </p:timing>
+</p:sld>
+</file>
+
+<file path=ppt/slides/slide8.xml><?xml version="1.0" encoding="utf-8"?>
+<p:sld xmlns:a="http://schemas.openxmlformats.org/drawingml/2006/main" xmlns:r="http://schemas.openxmlformats.org/officeDocument/2006/relationships" xmlns:p="http://schemas.openxmlformats.org/presentationml/2006/main">
+  <p:cSld>
+    <p:spTree>
+      <p:nvGrpSpPr>
+        <p:cNvPr id="1" name=""/>
+        <p:cNvGrpSpPr/>
+        <p:nvPr/>
+      </p:nvGrpSpPr>
+      <p:grpSpPr>
+        <a:xfrm>
+          <a:off x="0" y="0"/>
+          <a:ext cx="0" cy="0"/>
+          <a:chOff x="0" y="0"/>
+          <a:chExt cx="0" cy="0"/>
+        </a:xfrm>
+      </p:grpSpPr>
+      <p:sp>
+        <p:nvSpPr>
+          <p:cNvPr id="2" name="Title 1"/>
+          <p:cNvSpPr>
+            <a:spLocks noGrp="1"/>
+          </p:cNvSpPr>
+          <p:nvPr>
+            <p:ph type="title"/>
+          </p:nvPr>
+        </p:nvSpPr>
+        <p:spPr/>
+        <p:txBody>
+          <a:bodyPr/>
+          <a:lstStyle/>
+          <a:p>
+            <a:r>
+              <a:rPr lang="en-US" dirty="0" smtClean="0"/>
+              <a:t>Browser Capability Detection</a:t>
+            </a:r>
+            <a:endParaRPr lang="en-US" dirty="0"/>
+          </a:p>
+        </p:txBody>
+      </p:sp>
+      <p:sp>
+        <p:nvSpPr>
+          <p:cNvPr id="3" name="Content Placeholder 2"/>
+          <p:cNvSpPr>
+            <a:spLocks noGrp="1"/>
+          </p:cNvSpPr>
+          <p:nvPr>
+            <p:ph sz="quarter" idx="10"/>
+          </p:nvPr>
+        </p:nvSpPr>
+        <p:spPr/>
+        <p:txBody>
+          <a:bodyPr/>
+          <a:lstStyle/>
+          <a:p>
+            <a:r>
+              <a:rPr lang="en-US" dirty="0" smtClean="0"/>
+              <a:t>What the browser is doesn't matter</a:t>
+            </a:r>
+          </a:p>
+          <a:p>
+            <a:pPr lvl="1"/>
+            <a:r>
+              <a:rPr lang="en-US" dirty="0" smtClean="0"/>
+              <a:t>What matters is what features it supports</a:t>
+            </a:r>
+          </a:p>
+          <a:p>
+            <a:r>
+              <a:rPr lang="en-US" dirty="0" err="1" smtClean="0"/>
+              <a:t>Modernizr</a:t>
+            </a:r>
+            <a:endParaRPr lang="en-US" dirty="0" smtClean="0"/>
+          </a:p>
+          <a:p>
+            <a:pPr lvl="1"/>
+            <a:r>
+              <a:rPr lang="en-US" dirty="0" smtClean="0"/>
+              <a:t>Open source library</a:t>
+            </a:r>
+          </a:p>
+          <a:p>
+            <a:pPr lvl="1"/>
+            <a:r>
+              <a:rPr lang="en-US" dirty="0" smtClean="0"/>
+              <a:t>Adds classes based on browser capabilities</a:t>
+            </a:r>
+          </a:p>
+          <a:p>
+            <a:pPr lvl="2"/>
+            <a:r>
+              <a:rPr lang="en-US" dirty="0" smtClean="0"/>
+              <a:t>feature (if supported)</a:t>
+            </a:r>
+          </a:p>
+          <a:p>
+            <a:pPr lvl="3"/>
+            <a:r>
+              <a:rPr lang="en-US" dirty="0" smtClean="0"/>
+              <a:t>video</a:t>
+            </a:r>
+          </a:p>
+          <a:p>
+            <a:pPr lvl="2"/>
+            <a:r>
+              <a:rPr lang="en-US" dirty="0" smtClean="0"/>
+              <a:t>feature (if not supported)</a:t>
+            </a:r>
+          </a:p>
+          <a:p>
+            <a:pPr lvl="3"/>
+            <a:r>
+              <a:rPr lang="en-US" dirty="0" smtClean="0"/>
+              <a:t>no-video</a:t>
+            </a:r>
+          </a:p>
+        </p:txBody>
+      </p:sp>
+    </p:spTree>
+    <p:extLst>
+      <p:ext uri="{BB962C8B-B14F-4D97-AF65-F5344CB8AC3E}">
+        <p14:creationId xmlns:p14="http://schemas.microsoft.com/office/powerpoint/2010/main" val="1030580406"/>
+      </p:ext>
+    </p:extLst>
+  </p:cSld>
+  <p:clrMapOvr>
+    <a:masterClrMapping/>
+  </p:clrMapOvr>
+  <p:timing>
+    <p:tnLst>
+      <p:par>
+        <p:cTn id="1" dur="indefinite" restart="never" nodeType="tmRoot"/>
+      </p:par>
+    </p:tnLst>
+  </p:timing>
+</p:sld>
+</file>
+
+<file path=ppt/slides/slide9.xml><?xml version="1.0" encoding="utf-8"?>
+<p:sld xmlns:a="http://schemas.openxmlformats.org/drawingml/2006/main" xmlns:r="http://schemas.openxmlformats.org/officeDocument/2006/relationships" xmlns:p="http://schemas.openxmlformats.org/presentationml/2006/main">
+  <p:cSld>
+    <p:spTree>
+      <p:nvGrpSpPr>
+        <p:cNvPr id="1" name=""/>
+        <p:cNvGrpSpPr/>
+        <p:nvPr/>
+      </p:nvGrpSpPr>
+      <p:grpSpPr>
+        <a:xfrm>
+          <a:off x="0" y="0"/>
+          <a:ext cx="0" cy="0"/>
+          <a:chOff x="0" y="0"/>
+          <a:chExt cx="0" cy="0"/>
+        </a:xfrm>
+      </p:grpSpPr>
+      <p:sp>
+        <p:nvSpPr>
+          <p:cNvPr id="4" name="Title 3"/>
+          <p:cNvSpPr>
+            <a:spLocks noGrp="1"/>
+          </p:cNvSpPr>
+          <p:nvPr>
+            <p:ph type="title"/>
+          </p:nvPr>
+        </p:nvSpPr>
+        <p:spPr/>
+        <p:txBody>
+          <a:bodyPr/>
+          <a:lstStyle/>
+          <a:p>
+            <a:r>
+              <a:rPr lang="en-US" dirty="0" err="1" smtClean="0"/>
+              <a:t>modernizr</a:t>
+            </a:r>
+            <a:endParaRPr lang="en-US" dirty="0"/>
+          </a:p>
+        </p:txBody>
+      </p:sp>
+    </p:spTree>
+    <p:extLst>
+      <p:ext uri="{BB962C8B-B14F-4D97-AF65-F5344CB8AC3E}">
+        <p14:creationId xmlns:p14="http://schemas.microsoft.com/office/powerpoint/2010/main" val="2772127319"/>
+      </p:ext>
+    </p:extLst>
+  </p:cSld>
+  <p:clrMapOvr>
+    <a:masterClrMapping/>
+  </p:clrMapOvr>
+  <p:timing>
+    <p:tnLst>
+      <p:par>
+        <p:cTn id="1" dur="indefinite" restart="never" nodeType="tmRoot"/>
       </p:par>
     </p:tnLst>
   </p:timing>
@@ -11906,21 +12048,6 @@
 </file>
 
 <file path=customXml/item1.xml><?xml version="1.0" encoding="utf-8"?>
-<p:properties xmlns:p="http://schemas.microsoft.com/office/2006/metadata/properties" xmlns:xsi="http://www.w3.org/2001/XMLSchema-instance" xmlns:pc="http://schemas.microsoft.com/office/infopath/2007/PartnerControls">
-  <documentManagement/>
-</p:properties>
-</file>
-
-<file path=customXml/item2.xml><?xml version="1.0" encoding="utf-8"?>
-<?mso-contentType ?>
-<FormTemplates xmlns="http://schemas.microsoft.com/sharepoint/v3/contenttype/forms">
-  <Display>DocumentLibraryForm</Display>
-  <Edit>DocumentLibraryForm</Edit>
-  <New>DocumentLibraryForm</New>
-</FormTemplates>
-</file>
-
-<file path=customXml/item3.xml><?xml version="1.0" encoding="utf-8"?>
 <ct:contentTypeSchema xmlns:ct="http://schemas.microsoft.com/office/2006/metadata/contentType" xmlns:ma="http://schemas.microsoft.com/office/2006/metadata/properties/metaAttributes" ct:_="" ma:_="" ma:contentTypeName="Document" ma:contentTypeID="0x010100CF3CFFA86DA93345A891C3CCBC738F63" ma:contentTypeVersion="1" ma:contentTypeDescription="Create a new document." ma:contentTypeScope="" ma:versionID="060e45d69093970729cdde03e78aa3cc">
   <xsd:schema xmlns:xsd="http://www.w3.org/2001/XMLSchema" xmlns:xs="http://www.w3.org/2001/XMLSchema" xmlns:p="http://schemas.microsoft.com/office/2006/metadata/properties" xmlns:ns3="ecd1fa32-ae44-48d6-80a1-71a52da60b4a" targetNamespace="http://schemas.microsoft.com/office/2006/metadata/properties" ma:root="true" ma:fieldsID="2fc9741b54117334ed0e10932dac3600" ns3:_="">
     <xsd:import namespace="ecd1fa32-ae44-48d6-80a1-71a52da60b4a"/>
@@ -12060,31 +12187,22 @@
 </ct:contentTypeSchema>
 </file>
 
-<file path=customXml/itemProps1.xml><?xml version="1.0" encoding="utf-8"?>
-<ds:datastoreItem xmlns:ds="http://schemas.openxmlformats.org/officeDocument/2006/customXml" ds:itemID="{7025FDD9-4C58-4084-9F89-0E6ADD6FFF55}">
-  <ds:schemaRefs>
-    <ds:schemaRef ds:uri="http://purl.org/dc/elements/1.1/"/>
-    <ds:schemaRef ds:uri="http://schemas.microsoft.com/office/2006/metadata/properties"/>
-    <ds:schemaRef ds:uri="http://purl.org/dc/terms/"/>
-    <ds:schemaRef ds:uri="http://schemas.openxmlformats.org/package/2006/metadata/core-properties"/>
-    <ds:schemaRef ds:uri="http://schemas.microsoft.com/office/2006/documentManagement/types"/>
-    <ds:schemaRef ds:uri="http://schemas.microsoft.com/office/infopath/2007/PartnerControls"/>
-    <ds:schemaRef ds:uri="ecd1fa32-ae44-48d6-80a1-71a52da60b4a"/>
-    <ds:schemaRef ds:uri="http://www.w3.org/XML/1998/namespace"/>
-    <ds:schemaRef ds:uri="http://purl.org/dc/dcmitype/"/>
-  </ds:schemaRefs>
-</ds:datastoreItem>
+<file path=customXml/item2.xml><?xml version="1.0" encoding="utf-8"?>
+<?mso-contentType ?>
+<FormTemplates xmlns="http://schemas.microsoft.com/sharepoint/v3/contenttype/forms">
+  <Display>DocumentLibraryForm</Display>
+  <Edit>DocumentLibraryForm</Edit>
+  <New>DocumentLibraryForm</New>
+</FormTemplates>
 </file>
 
-<file path=customXml/itemProps2.xml><?xml version="1.0" encoding="utf-8"?>
-<ds:datastoreItem xmlns:ds="http://schemas.openxmlformats.org/officeDocument/2006/customXml" ds:itemID="{B0CA13EC-1D3C-4D6F-8D1C-E8A452CFC79A}">
-  <ds:schemaRefs>
-    <ds:schemaRef ds:uri="http://schemas.microsoft.com/sharepoint/v3/contenttype/forms"/>
-  </ds:schemaRefs>
-</ds:datastoreItem>
+<file path=customXml/item3.xml><?xml version="1.0" encoding="utf-8"?>
+<p:properties xmlns:p="http://schemas.microsoft.com/office/2006/metadata/properties" xmlns:xsi="http://www.w3.org/2001/XMLSchema-instance" xmlns:pc="http://schemas.microsoft.com/office/infopath/2007/PartnerControls">
+  <documentManagement/>
+</p:properties>
 </file>
 
-<file path=customXml/itemProps3.xml><?xml version="1.0" encoding="utf-8"?>
+<file path=customXml/itemProps1.xml><?xml version="1.0" encoding="utf-8"?>
 <ds:datastoreItem xmlns:ds="http://schemas.openxmlformats.org/officeDocument/2006/customXml" ds:itemID="{A545FFDC-6555-4FAD-8A13-72F96FEB882E}">
   <ds:schemaRefs>
     <ds:schemaRef ds:uri="http://schemas.microsoft.com/office/2006/metadata/contentType"/>
@@ -12100,4 +12218,28 @@
     <ds:schemaRef ds:uri="http://schemas.microsoft.com/internal/obd"/>
   </ds:schemaRefs>
 </ds:datastoreItem>
+</file>
+
+<file path=customXml/itemProps2.xml><?xml version="1.0" encoding="utf-8"?>
+<ds:datastoreItem xmlns:ds="http://schemas.openxmlformats.org/officeDocument/2006/customXml" ds:itemID="{B0CA13EC-1D3C-4D6F-8D1C-E8A452CFC79A}">
+  <ds:schemaRefs>
+    <ds:schemaRef ds:uri="http://schemas.microsoft.com/sharepoint/v3/contenttype/forms"/>
+  </ds:schemaRefs>
+</ds:datastoreItem>
+</file>
+
+<file path=customXml/itemProps3.xml><?xml version="1.0" encoding="utf-8"?>
+<ds:datastoreItem xmlns:ds="http://schemas.openxmlformats.org/officeDocument/2006/customXml" ds:itemID="{7025FDD9-4C58-4084-9F89-0E6ADD6FFF55}">
+  <ds:schemaRefs>
+    <ds:schemaRef ds:uri="http://purl.org/dc/elements/1.1/"/>
+    <ds:schemaRef ds:uri="http://schemas.microsoft.com/office/2006/metadata/properties"/>
+    <ds:schemaRef ds:uri="http://purl.org/dc/terms/"/>
+    <ds:schemaRef ds:uri="http://schemas.openxmlformats.org/package/2006/metadata/core-properties"/>
+    <ds:schemaRef ds:uri="http://schemas.microsoft.com/office/2006/documentManagement/types"/>
+    <ds:schemaRef ds:uri="http://schemas.microsoft.com/office/infopath/2007/PartnerControls"/>
+    <ds:schemaRef ds:uri="ecd1fa32-ae44-48d6-80a1-71a52da60b4a"/>
+    <ds:schemaRef ds:uri="http://www.w3.org/XML/1998/namespace"/>
+    <ds:schemaRef ds:uri="http://purl.org/dc/dcmitype/"/>
+  </ds:schemaRefs>
+</ds:datastoreItem>
 </file>
--- a/Slides/M2 Mobile UI.pptx
+++ b/Slides/M2 Mobile UI.pptx
@@ -293,7 +293,7 @@
           <a:p>
             <a:fld id="{312E7B4A-039C-48A2-9B2C-AF16AA3873D8}" type="datetimeFigureOut">
               <a:rPr lang="en-US" smtClean="0"/>
-              <a:t>10/21/2014</a:t>
+              <a:t>10/22/2014</a:t>
             </a:fld>
             <a:endParaRPr lang="en-US"/>
           </a:p>
@@ -458,7 +458,7 @@
           <a:p>
             <a:fld id="{DA005A0C-54D9-45AA-87D4-C551D08DFCE1}" type="datetimeFigureOut">
               <a:rPr lang="en-US" smtClean="0"/>
-              <a:t>10/21/2014</a:t>
+              <a:t>10/22/2014</a:t>
             </a:fld>
             <a:endParaRPr lang="en-US"/>
           </a:p>
@@ -8198,14 +8198,14 @@
                 <a:gridCol w="5762625">
                   <a:extLst>
                     <a:ext uri="{9D8B030D-6E8A-4147-A177-3AD203B41FA5}">
-                      <a16:colId xmlns="" xmlns:a16="http://schemas.microsoft.com/office/drawing/2014/main" val="1632794655"/>
+                      <a16:colId xmlns:a16="http://schemas.microsoft.com/office/drawing/2014/main" xmlns="" val="1632794655"/>
                     </a:ext>
                   </a:extLst>
                 </a:gridCol>
                 <a:gridCol w="5762625">
                   <a:extLst>
                     <a:ext uri="{9D8B030D-6E8A-4147-A177-3AD203B41FA5}">
-                      <a16:colId xmlns="" xmlns:a16="http://schemas.microsoft.com/office/drawing/2014/main" val="2011313899"/>
+                      <a16:colId xmlns:a16="http://schemas.microsoft.com/office/drawing/2014/main" xmlns="" val="2011313899"/>
                     </a:ext>
                   </a:extLst>
                 </a:gridCol>
@@ -8243,7 +8243,7 @@
                 </a:tc>
                 <a:extLst>
                   <a:ext uri="{0D108BD9-81ED-4DB2-BD59-A6C34878D82A}">
-                    <a16:rowId xmlns="" xmlns:a16="http://schemas.microsoft.com/office/drawing/2014/main" val="1789177411"/>
+                    <a16:rowId xmlns:a16="http://schemas.microsoft.com/office/drawing/2014/main" xmlns="" val="1789177411"/>
                   </a:ext>
                 </a:extLst>
               </a:tr>
@@ -8304,7 +8304,7 @@
                 </a:tc>
                 <a:extLst>
                   <a:ext uri="{0D108BD9-81ED-4DB2-BD59-A6C34878D82A}">
-                    <a16:rowId xmlns="" xmlns:a16="http://schemas.microsoft.com/office/drawing/2014/main" val="3842815335"/>
+                    <a16:rowId xmlns:a16="http://schemas.microsoft.com/office/drawing/2014/main" xmlns="" val="3842815335"/>
                   </a:ext>
                 </a:extLst>
               </a:tr>
@@ -8351,7 +8351,7 @@
                 </a:tc>
                 <a:extLst>
                   <a:ext uri="{0D108BD9-81ED-4DB2-BD59-A6C34878D82A}">
-                    <a16:rowId xmlns="" xmlns:a16="http://schemas.microsoft.com/office/drawing/2014/main" val="321066646"/>
+                    <a16:rowId xmlns:a16="http://schemas.microsoft.com/office/drawing/2014/main" xmlns="" val="321066646"/>
                   </a:ext>
                 </a:extLst>
               </a:tr>
@@ -8422,7 +8422,7 @@
                 </a:tc>
                 <a:extLst>
                   <a:ext uri="{0D108BD9-81ED-4DB2-BD59-A6C34878D82A}">
-                    <a16:rowId xmlns="" xmlns:a16="http://schemas.microsoft.com/office/drawing/2014/main" val="3812060533"/>
+                    <a16:rowId xmlns:a16="http://schemas.microsoft.com/office/drawing/2014/main" xmlns="" val="3812060533"/>
                   </a:ext>
                 </a:extLst>
               </a:tr>
@@ -10791,7 +10791,11 @@
           <a:p>
             <a:r>
               <a:rPr lang="en-US" dirty="0" smtClean="0"/>
-              <a:t>Browser Capability Detection</a:t>
+              <a:t>Browser </a:t>
+            </a:r>
+            <a:r>
+              <a:rPr lang="en-US" dirty="0" smtClean="0"/>
+              <a:t>capability detection</a:t>
             </a:r>
             <a:endParaRPr lang="en-US" dirty="0"/>
           </a:p>
@@ -12048,6 +12052,15 @@
 </file>
 
 <file path=customXml/item1.xml><?xml version="1.0" encoding="utf-8"?>
+<?mso-contentType ?>
+<FormTemplates xmlns="http://schemas.microsoft.com/sharepoint/v3/contenttype/forms">
+  <Display>DocumentLibraryForm</Display>
+  <Edit>DocumentLibraryForm</Edit>
+  <New>DocumentLibraryForm</New>
+</FormTemplates>
+</file>
+
+<file path=customXml/item2.xml><?xml version="1.0" encoding="utf-8"?>
 <ct:contentTypeSchema xmlns:ct="http://schemas.microsoft.com/office/2006/metadata/contentType" xmlns:ma="http://schemas.microsoft.com/office/2006/metadata/properties/metaAttributes" ct:_="" ma:_="" ma:contentTypeName="Document" ma:contentTypeID="0x010100CF3CFFA86DA93345A891C3CCBC738F63" ma:contentTypeVersion="1" ma:contentTypeDescription="Create a new document." ma:contentTypeScope="" ma:versionID="060e45d69093970729cdde03e78aa3cc">
   <xsd:schema xmlns:xsd="http://www.w3.org/2001/XMLSchema" xmlns:xs="http://www.w3.org/2001/XMLSchema" xmlns:p="http://schemas.microsoft.com/office/2006/metadata/properties" xmlns:ns3="ecd1fa32-ae44-48d6-80a1-71a52da60b4a" targetNamespace="http://schemas.microsoft.com/office/2006/metadata/properties" ma:root="true" ma:fieldsID="2fc9741b54117334ed0e10932dac3600" ns3:_="">
     <xsd:import namespace="ecd1fa32-ae44-48d6-80a1-71a52da60b4a"/>
@@ -12187,15 +12200,6 @@
 </ct:contentTypeSchema>
 </file>
 
-<file path=customXml/item2.xml><?xml version="1.0" encoding="utf-8"?>
-<?mso-contentType ?>
-<FormTemplates xmlns="http://schemas.microsoft.com/sharepoint/v3/contenttype/forms">
-  <Display>DocumentLibraryForm</Display>
-  <Edit>DocumentLibraryForm</Edit>
-  <New>DocumentLibraryForm</New>
-</FormTemplates>
-</file>
-
 <file path=customXml/item3.xml><?xml version="1.0" encoding="utf-8"?>
 <p:properties xmlns:p="http://schemas.microsoft.com/office/2006/metadata/properties" xmlns:xsi="http://www.w3.org/2001/XMLSchema-instance" xmlns:pc="http://schemas.microsoft.com/office/infopath/2007/PartnerControls">
   <documentManagement/>
@@ -12203,6 +12207,14 @@
 </file>
 
 <file path=customXml/itemProps1.xml><?xml version="1.0" encoding="utf-8"?>
+<ds:datastoreItem xmlns:ds="http://schemas.openxmlformats.org/officeDocument/2006/customXml" ds:itemID="{B0CA13EC-1D3C-4D6F-8D1C-E8A452CFC79A}">
+  <ds:schemaRefs>
+    <ds:schemaRef ds:uri="http://schemas.microsoft.com/sharepoint/v3/contenttype/forms"/>
+  </ds:schemaRefs>
+</ds:datastoreItem>
+</file>
+
+<file path=customXml/itemProps2.xml><?xml version="1.0" encoding="utf-8"?>
 <ds:datastoreItem xmlns:ds="http://schemas.openxmlformats.org/officeDocument/2006/customXml" ds:itemID="{A545FFDC-6555-4FAD-8A13-72F96FEB882E}">
   <ds:schemaRefs>
     <ds:schemaRef ds:uri="http://schemas.microsoft.com/office/2006/metadata/contentType"/>
@@ -12216,14 +12228,6 @@
     <ds:schemaRef ds:uri="http://purl.org/dc/elements/1.1/"/>
     <ds:schemaRef ds:uri="http://purl.org/dc/terms/"/>
     <ds:schemaRef ds:uri="http://schemas.microsoft.com/internal/obd"/>
-  </ds:schemaRefs>
-</ds:datastoreItem>
-</file>
-
-<file path=customXml/itemProps2.xml><?xml version="1.0" encoding="utf-8"?>
-<ds:datastoreItem xmlns:ds="http://schemas.openxmlformats.org/officeDocument/2006/customXml" ds:itemID="{B0CA13EC-1D3C-4D6F-8D1C-E8A452CFC79A}">
-  <ds:schemaRefs>
-    <ds:schemaRef ds:uri="http://schemas.microsoft.com/sharepoint/v3/contenttype/forms"/>
   </ds:schemaRefs>
 </ds:datastoreItem>
 </file>
